--- a/P6_02_Support.pptx
+++ b/P6_02_Support.pptx
@@ -7,13 +7,16 @@
   <p:sldIdLst>
     <p:sldId id="256" r:id="rId2"/>
     <p:sldId id="259" r:id="rId3"/>
-    <p:sldId id="257" r:id="rId4"/>
-    <p:sldId id="261" r:id="rId5"/>
-    <p:sldId id="262" r:id="rId6"/>
-    <p:sldId id="258" r:id="rId7"/>
-    <p:sldId id="263" r:id="rId8"/>
-    <p:sldId id="260" r:id="rId9"/>
-    <p:sldId id="264" r:id="rId10"/>
+    <p:sldId id="261" r:id="rId4"/>
+    <p:sldId id="262" r:id="rId5"/>
+    <p:sldId id="258" r:id="rId6"/>
+    <p:sldId id="266" r:id="rId7"/>
+    <p:sldId id="269" r:id="rId8"/>
+    <p:sldId id="267" r:id="rId9"/>
+    <p:sldId id="260" r:id="rId10"/>
+    <p:sldId id="265" r:id="rId11"/>
+    <p:sldId id="264" r:id="rId12"/>
+    <p:sldId id="257" r:id="rId13"/>
   </p:sldIdLst>
   <p:sldSz cx="12192000" cy="6858000"/>
   <p:notesSz cx="6858000" cy="9144000"/>
@@ -12110,7 +12113,7 @@
             <a:fld id="{08B9EBBA-996F-894A-B54A-D6246ED52CEA}" type="datetimeFigureOut">
               <a:rPr lang="en-US" dirty="0"/>
               <a:pPr/>
-              <a:t>10/16/2020</a:t>
+              <a:t>10/19/2020</a:t>
             </a:fld>
             <a:endParaRPr lang="en-US" dirty="0"/>
           </a:p>
@@ -12425,7 +12428,7 @@
             <a:fld id="{18C79C5D-2A6F-F04D-97DA-BEF2467B64E4}" type="datetimeFigureOut">
               <a:rPr lang="en-US" dirty="0"/>
               <a:pPr/>
-              <a:t>10/16/2020</a:t>
+              <a:t>10/19/2020</a:t>
             </a:fld>
             <a:endParaRPr lang="en-US" dirty="0"/>
           </a:p>
@@ -12910,7 +12913,7 @@
             <a:fld id="{8DFA1846-DA80-1C48-A609-854EA85C59AD}" type="datetimeFigureOut">
               <a:rPr lang="en-US" dirty="0"/>
               <a:pPr/>
-              <a:t>10/16/2020</a:t>
+              <a:t>10/19/2020</a:t>
             </a:fld>
             <a:endParaRPr lang="en-US" dirty="0"/>
           </a:p>
@@ -13276,7 +13279,7 @@
             <a:fld id="{FBF54567-0DE4-3F47-BF90-CB84690072F9}" type="datetimeFigureOut">
               <a:rPr lang="en-US" dirty="0"/>
               <a:pPr/>
-              <a:t>10/16/2020</a:t>
+              <a:t>10/19/2020</a:t>
             </a:fld>
             <a:endParaRPr lang="en-US" dirty="0"/>
           </a:p>
@@ -13546,7 +13549,7 @@
             <a:fld id="{C6C52C72-DE31-F449-A4ED-4C594FD91407}" type="datetimeFigureOut">
               <a:rPr lang="en-US" dirty="0"/>
               <a:pPr/>
-              <a:t>10/16/2020</a:t>
+              <a:t>10/19/2020</a:t>
             </a:fld>
             <a:endParaRPr lang="en-US" dirty="0"/>
           </a:p>
@@ -13828,7 +13831,7 @@
             <a:fld id="{ED62726E-379B-B349-9EED-81ED093FA806}" type="datetimeFigureOut">
               <a:rPr lang="en-US" dirty="0"/>
               <a:pPr/>
-              <a:t>10/16/2020</a:t>
+              <a:t>10/19/2020</a:t>
             </a:fld>
             <a:endParaRPr lang="en-US" dirty="0"/>
           </a:p>
@@ -14108,7 +14111,7 @@
             <a:fld id="{9B3A1323-8D79-1946-B0D7-40001CF92E9D}" type="datetimeFigureOut">
               <a:rPr lang="en-US" dirty="0"/>
               <a:pPr/>
-              <a:t>10/16/2020</a:t>
+              <a:t>10/19/2020</a:t>
             </a:fld>
             <a:endParaRPr lang="en-US" dirty="0"/>
           </a:p>
@@ -14448,7 +14451,7 @@
             <a:fld id="{8DFA1846-DA80-1C48-A609-854EA85C59AD}" type="datetimeFigureOut">
               <a:rPr lang="en-US" dirty="0"/>
               <a:pPr/>
-              <a:t>10/16/2020</a:t>
+              <a:t>10/19/2020</a:t>
             </a:fld>
             <a:endParaRPr lang="en-US" dirty="0"/>
           </a:p>
@@ -14784,7 +14787,7 @@
             <a:fld id="{57302355-E14B-8545-A8F8-0FE83CC9D524}" type="datetimeFigureOut">
               <a:rPr lang="en-US" dirty="0"/>
               <a:pPr/>
-              <a:t>10/16/2020</a:t>
+              <a:t>10/19/2020</a:t>
             </a:fld>
             <a:endParaRPr lang="en-US" dirty="0"/>
           </a:p>
@@ -15258,7 +15261,7 @@
             <a:fld id="{02640F58-564D-2B4F-AE67-E407BA4FCF45}" type="datetimeFigureOut">
               <a:rPr lang="en-US" dirty="0"/>
               <a:pPr/>
-              <a:t>10/16/2020</a:t>
+              <a:t>10/19/2020</a:t>
             </a:fld>
             <a:endParaRPr lang="en-US" dirty="0"/>
           </a:p>
@@ -15476,7 +15479,7 @@
             <a:fld id="{F13A34C8-038E-2045-AF43-DF7DBB8E0E9E}" type="datetimeFigureOut">
               <a:rPr lang="en-US" dirty="0"/>
               <a:pPr/>
-              <a:t>10/16/2020</a:t>
+              <a:t>10/19/2020</a:t>
             </a:fld>
             <a:endParaRPr lang="en-US" dirty="0"/>
           </a:p>
@@ -15568,7 +15571,7 @@
             <a:fld id="{8818C68F-D26B-8F47-958C-23B49CF8A634}" type="datetimeFigureOut">
               <a:rPr lang="en-US" dirty="0"/>
               <a:pPr/>
-              <a:t>10/16/2020</a:t>
+              <a:t>10/19/2020</a:t>
             </a:fld>
             <a:endParaRPr lang="en-US" dirty="0"/>
           </a:p>
@@ -16032,7 +16035,7 @@
             <a:fld id="{D0DF5E60-9974-AC48-9591-99C2BB44B7CF}" type="datetimeFigureOut">
               <a:rPr lang="en-US" dirty="0"/>
               <a:pPr/>
-              <a:t>10/16/2020</a:t>
+              <a:t>10/19/2020</a:t>
             </a:fld>
             <a:endParaRPr lang="en-US" dirty="0"/>
           </a:p>
@@ -16342,7 +16345,7 @@
             <a:fld id="{18C79C5D-2A6F-F04D-97DA-BEF2467B64E4}" type="datetimeFigureOut">
               <a:rPr lang="en-US" dirty="0"/>
               <a:pPr/>
-              <a:t>10/16/2020</a:t>
+              <a:t>10/19/2020</a:t>
             </a:fld>
             <a:endParaRPr lang="en-US" dirty="0"/>
           </a:p>
@@ -16609,7 +16612,7 @@
             <a:fld id="{09B482E8-6E0E-1B4F-B1FD-C69DB9E858D9}" type="datetimeFigureOut">
               <a:rPr lang="en-US" dirty="0"/>
               <a:pPr/>
-              <a:t>10/16/2020</a:t>
+              <a:t>10/19/2020</a:t>
             </a:fld>
             <a:endParaRPr lang="en-US" dirty="0"/>
           </a:p>
@@ -17263,7 +17266,7 @@
 </p:sld>
 </file>
 
-<file path=ppt/slides/slide2.xml><?xml version="1.0" encoding="utf-8"?>
+<file path=ppt/slides/slide10.xml><?xml version="1.0" encoding="utf-8"?>
 <p:sld xmlns:a="http://schemas.openxmlformats.org/drawingml/2006/main" xmlns:r="http://schemas.openxmlformats.org/officeDocument/2006/relationships" xmlns:p="http://schemas.openxmlformats.org/presentationml/2006/main">
   <p:cSld>
     <p:spTree>
@@ -17282,59 +17285,10 @@
       </p:grpSpPr>
       <p:sp>
         <p:nvSpPr>
-          <p:cNvPr id="52" name="Flèche : bas 51">
-            <a:extLst>
-              <a:ext uri="{FF2B5EF4-FFF2-40B4-BE49-F238E27FC236}">
-                <a16:creationId xmlns:a16="http://schemas.microsoft.com/office/drawing/2014/main" id="{EF4D0047-359D-4252-BD1E-500AD59DE745}"/>
-              </a:ext>
-            </a:extLst>
-          </p:cNvPr>
-          <p:cNvSpPr/>
-          <p:nvPr/>
-        </p:nvSpPr>
-        <p:spPr>
-          <a:xfrm>
-            <a:off x="8965284" y="2194289"/>
-            <a:ext cx="870027" cy="2805196"/>
-          </a:xfrm>
-          <a:prstGeom prst="downArrow">
-            <a:avLst/>
-          </a:prstGeom>
-        </p:spPr>
-        <p:style>
-          <a:lnRef idx="2">
-            <a:schemeClr val="accent1">
-              <a:shade val="50000"/>
-            </a:schemeClr>
-          </a:lnRef>
-          <a:fillRef idx="1">
-            <a:schemeClr val="accent1"/>
-          </a:fillRef>
-          <a:effectRef idx="0">
-            <a:schemeClr val="accent1"/>
-          </a:effectRef>
-          <a:fontRef idx="minor">
-            <a:schemeClr val="lt1"/>
-          </a:fontRef>
-        </p:style>
-        <p:txBody>
-          <a:bodyPr vert="vert270" rtlCol="0" anchor="ctr"/>
-          <a:lstStyle/>
-          <a:p>
-            <a:pPr algn="ctr"/>
-            <a:r>
-              <a:rPr lang="en-US" b="1" dirty="0"/>
-              <a:t>Feasibility study</a:t>
-            </a:r>
-          </a:p>
-        </p:txBody>
-      </p:sp>
-      <p:sp>
-        <p:nvSpPr>
           <p:cNvPr id="2" name="Titre 1">
             <a:extLst>
               <a:ext uri="{FF2B5EF4-FFF2-40B4-BE49-F238E27FC236}">
-                <a16:creationId xmlns:a16="http://schemas.microsoft.com/office/drawing/2014/main" id="{0EF233BE-2F40-42C1-81F5-F49CA2CE54F1}"/>
+                <a16:creationId xmlns:a16="http://schemas.microsoft.com/office/drawing/2014/main" id="{D503C26D-0625-4A8D-B01F-658BC7AD6470}"/>
               </a:ext>
             </a:extLst>
           </p:cNvPr>
@@ -17350,2099 +17304,220 @@
           <a:bodyPr/>
           <a:lstStyle/>
           <a:p>
-            <a:r>
-              <a:rPr lang="en-US" dirty="0">
-                <a:solidFill>
-                  <a:schemeClr val="tx2"/>
-                </a:solidFill>
-              </a:rPr>
-              <a:t>Project’s scope:</a:t>
-            </a:r>
-            <a:br>
-              <a:rPr lang="en-US" dirty="0">
-                <a:solidFill>
-                  <a:schemeClr val="tx2"/>
-                </a:solidFill>
-              </a:rPr>
-            </a:br>
-            <a:r>
-              <a:rPr lang="en-US" dirty="0"/>
-              <a:t>Feasibility study expectations</a:t>
-            </a:r>
-            <a:endParaRPr lang="en-US" dirty="0">
-              <a:solidFill>
-                <a:schemeClr val="tx2"/>
-              </a:solidFill>
-            </a:endParaRPr>
+            <a:endParaRPr lang="en-US"/>
           </a:p>
         </p:txBody>
       </p:sp>
-      <p:graphicFrame>
-        <p:nvGraphicFramePr>
-          <p:cNvPr id="5" name="Espace réservé du contenu 3">
+      <p:sp>
+        <p:nvSpPr>
+          <p:cNvPr id="3" name="Espace réservé du contenu 2">
             <a:extLst>
               <a:ext uri="{FF2B5EF4-FFF2-40B4-BE49-F238E27FC236}">
-                <a16:creationId xmlns:a16="http://schemas.microsoft.com/office/drawing/2014/main" id="{EEF603DB-7FC3-4218-8757-8B55E38A699C}"/>
+                <a16:creationId xmlns:a16="http://schemas.microsoft.com/office/drawing/2014/main" id="{464AA432-FC2B-481E-90D6-36E76404451D}"/>
               </a:ext>
             </a:extLst>
           </p:cNvPr>
-          <p:cNvGraphicFramePr>
-            <a:graphicFrameLocks/>
-          </p:cNvGraphicFramePr>
+          <p:cNvSpPr>
+            <a:spLocks noGrp="1"/>
+          </p:cNvSpPr>
           <p:nvPr>
-            <p:extLst>
-              <p:ext uri="{D42A27DB-BD31-4B8C-83A1-F6EECF244321}">
-                <p14:modId xmlns:p14="http://schemas.microsoft.com/office/powerpoint/2010/main" val="1986231386"/>
-              </p:ext>
-            </p:extLst>
+            <p:ph idx="1"/>
           </p:nvPr>
-        </p:nvGraphicFramePr>
-        <p:xfrm>
-          <a:off x="371069" y="2207872"/>
-          <a:ext cx="8351755" cy="3656134"/>
-        </p:xfrm>
-        <a:graphic>
-          <a:graphicData uri="http://schemas.openxmlformats.org/drawingml/2006/diagram">
-            <dgm:relIds xmlns:dgm="http://schemas.openxmlformats.org/drawingml/2006/diagram" xmlns:r="http://schemas.openxmlformats.org/officeDocument/2006/relationships" r:dm="rId2" r:lo="rId3" r:qs="rId4" r:cs="rId5"/>
-          </a:graphicData>
-        </a:graphic>
-      </p:graphicFrame>
-      <p:grpSp>
-        <p:nvGrpSpPr>
-          <p:cNvPr id="58" name="Groupe 57">
+        </p:nvSpPr>
+        <p:spPr/>
+        <p:txBody>
+          <a:bodyPr/>
+          <a:lstStyle/>
+          <a:p>
+            <a:endParaRPr lang="en-US"/>
+          </a:p>
+        </p:txBody>
+      </p:sp>
+      <p:pic>
+        <p:nvPicPr>
+          <p:cNvPr id="4" name="Image 3">
             <a:extLst>
               <a:ext uri="{FF2B5EF4-FFF2-40B4-BE49-F238E27FC236}">
-                <a16:creationId xmlns:a16="http://schemas.microsoft.com/office/drawing/2014/main" id="{B43B7D64-C086-44F9-AF58-65966C461BD3}"/>
+                <a16:creationId xmlns:a16="http://schemas.microsoft.com/office/drawing/2014/main" id="{6103FB0B-D409-42DB-83CF-5F34C6FD9054}"/>
               </a:ext>
             </a:extLst>
           </p:cNvPr>
-          <p:cNvGrpSpPr/>
+          <p:cNvPicPr>
+            <a:picLocks noChangeAspect="1"/>
+          </p:cNvPicPr>
           <p:nvPr/>
-        </p:nvGrpSpPr>
-        <p:grpSpPr>
+        </p:nvPicPr>
+        <p:blipFill>
+          <a:blip r:embed="rId2"/>
+          <a:stretch>
+            <a:fillRect/>
+          </a:stretch>
+        </p:blipFill>
+        <p:spPr>
           <a:xfrm>
-            <a:off x="879122" y="2194289"/>
-            <a:ext cx="8953762" cy="3588252"/>
-            <a:chOff x="879122" y="2356336"/>
-            <a:chExt cx="8953762" cy="3588252"/>
+            <a:off x="6414475" y="1675132"/>
+            <a:ext cx="2947502" cy="2365410"/>
           </a:xfrm>
-        </p:grpSpPr>
-        <p:grpSp>
-          <p:nvGrpSpPr>
-            <p:cNvPr id="54" name="Groupe 53">
-              <a:extLst>
-                <a:ext uri="{FF2B5EF4-FFF2-40B4-BE49-F238E27FC236}">
-                  <a16:creationId xmlns:a16="http://schemas.microsoft.com/office/drawing/2014/main" id="{2E3E3BF9-1345-4749-BC66-E47735BAEF02}"/>
-                </a:ext>
-              </a:extLst>
-            </p:cNvPr>
-            <p:cNvGrpSpPr/>
-            <p:nvPr/>
-          </p:nvGrpSpPr>
-          <p:grpSpPr>
-            <a:xfrm>
-              <a:off x="7032030" y="2356336"/>
-              <a:ext cx="2800854" cy="3588252"/>
-              <a:chOff x="7032030" y="2356336"/>
-              <a:chExt cx="2800854" cy="3588252"/>
-            </a:xfrm>
-          </p:grpSpPr>
-          <p:sp>
-            <p:nvSpPr>
-              <p:cNvPr id="50" name="Flèche : bas 49">
-                <a:extLst>
-                  <a:ext uri="{FF2B5EF4-FFF2-40B4-BE49-F238E27FC236}">
-                    <a16:creationId xmlns:a16="http://schemas.microsoft.com/office/drawing/2014/main" id="{50004627-A56F-416A-B20F-3253FFBC240A}"/>
-                  </a:ext>
-                </a:extLst>
-              </p:cNvPr>
-              <p:cNvSpPr/>
-              <p:nvPr/>
-            </p:nvSpPr>
-            <p:spPr>
-              <a:xfrm>
-                <a:off x="8983027" y="4750540"/>
-                <a:ext cx="849857" cy="1012371"/>
-              </a:xfrm>
-              <a:prstGeom prst="downArrow">
-                <a:avLst/>
-              </a:prstGeom>
-              <a:solidFill>
-                <a:schemeClr val="tx2"/>
-              </a:solidFill>
-            </p:spPr>
-            <p:style>
-              <a:lnRef idx="2">
-                <a:schemeClr val="accent1">
-                  <a:shade val="50000"/>
-                </a:schemeClr>
-              </a:lnRef>
-              <a:fillRef idx="1">
-                <a:schemeClr val="accent1"/>
-              </a:fillRef>
-              <a:effectRef idx="0">
-                <a:schemeClr val="accent1"/>
-              </a:effectRef>
-              <a:fontRef idx="minor">
-                <a:schemeClr val="lt1"/>
-              </a:fontRef>
-            </p:style>
-            <p:txBody>
-              <a:bodyPr vert="vert270" wrap="none" lIns="90000" tIns="0" bIns="0" rtlCol="0" anchor="ctr"/>
-              <a:lstStyle/>
-              <a:p>
-                <a:pPr algn="ctr"/>
-                <a:r>
-                  <a:rPr lang="en-US" dirty="0" err="1"/>
-                  <a:t>Classiffy</a:t>
-                </a:r>
-                <a:endParaRPr lang="en-US" dirty="0"/>
-              </a:p>
-            </p:txBody>
-          </p:sp>
-          <p:sp>
-            <p:nvSpPr>
-              <p:cNvPr id="51" name="Flèche : en arc 50">
-                <a:extLst>
-                  <a:ext uri="{FF2B5EF4-FFF2-40B4-BE49-F238E27FC236}">
-                    <a16:creationId xmlns:a16="http://schemas.microsoft.com/office/drawing/2014/main" id="{439B7C05-B85B-44A5-B0DC-9DFB09D8EF1C}"/>
-                  </a:ext>
-                </a:extLst>
-              </p:cNvPr>
-              <p:cNvSpPr/>
-              <p:nvPr/>
-            </p:nvSpPr>
-            <p:spPr>
-              <a:xfrm>
-                <a:off x="7032030" y="2808702"/>
-                <a:ext cx="2130356" cy="3135886"/>
-              </a:xfrm>
-              <a:prstGeom prst="circularArrow">
-                <a:avLst>
-                  <a:gd name="adj1" fmla="val 13925"/>
-                  <a:gd name="adj2" fmla="val 1142319"/>
-                  <a:gd name="adj3" fmla="val 20385050"/>
-                  <a:gd name="adj4" fmla="val 583003"/>
-                  <a:gd name="adj5" fmla="val 14245"/>
-                </a:avLst>
-              </a:prstGeom>
-              <a:solidFill>
-                <a:schemeClr val="tx2"/>
-              </a:solidFill>
-            </p:spPr>
-            <p:style>
-              <a:lnRef idx="2">
-                <a:schemeClr val="accent1">
-                  <a:shade val="50000"/>
-                </a:schemeClr>
-              </a:lnRef>
-              <a:fillRef idx="1">
-                <a:schemeClr val="accent1"/>
-              </a:fillRef>
-              <a:effectRef idx="0">
-                <a:schemeClr val="accent1"/>
-              </a:effectRef>
-              <a:fontRef idx="minor">
-                <a:schemeClr val="lt1"/>
-              </a:fontRef>
-            </p:style>
-            <p:txBody>
-              <a:bodyPr rtlCol="0" anchor="ctr"/>
-              <a:lstStyle/>
-              <a:p>
-                <a:pPr algn="ctr"/>
-                <a:endParaRPr lang="en-US" b="1" dirty="0">
-                  <a:solidFill>
-                    <a:schemeClr val="tx1"/>
-                  </a:solidFill>
-                </a:endParaRPr>
-              </a:p>
-              <a:p>
-                <a:pPr algn="ctr"/>
-                <a:endParaRPr lang="en-US" b="1" dirty="0">
-                  <a:solidFill>
-                    <a:schemeClr val="tx1"/>
-                  </a:solidFill>
-                </a:endParaRPr>
-              </a:p>
-              <a:p>
-                <a:pPr algn="ctr"/>
-                <a:endParaRPr lang="en-US" b="1" dirty="0">
-                  <a:solidFill>
-                    <a:schemeClr val="tx1"/>
-                  </a:solidFill>
-                </a:endParaRPr>
-              </a:p>
-              <a:p>
-                <a:pPr algn="ctr"/>
-                <a:endParaRPr lang="en-US" b="1" dirty="0">
-                  <a:solidFill>
-                    <a:schemeClr val="tx1"/>
-                  </a:solidFill>
-                </a:endParaRPr>
-              </a:p>
-              <a:p>
-                <a:pPr algn="ctr"/>
-                <a:endParaRPr lang="en-US" b="1" dirty="0">
-                  <a:solidFill>
-                    <a:schemeClr val="tx1"/>
-                  </a:solidFill>
-                </a:endParaRPr>
-              </a:p>
-              <a:p>
-                <a:pPr algn="ctr"/>
-                <a:endParaRPr lang="en-US" b="1" dirty="0">
-                  <a:solidFill>
-                    <a:schemeClr val="tx1"/>
-                  </a:solidFill>
-                </a:endParaRPr>
-              </a:p>
-              <a:p>
-                <a:pPr algn="ctr"/>
-                <a:endParaRPr lang="en-US" b="1" dirty="0">
-                  <a:solidFill>
-                    <a:schemeClr val="tx1"/>
-                  </a:solidFill>
-                </a:endParaRPr>
-              </a:p>
-              <a:p>
-                <a:pPr algn="ctr"/>
-                <a:r>
-                  <a:rPr lang="en-US" dirty="0">
-                    <a:solidFill>
-                      <a:schemeClr val="tx1"/>
-                    </a:solidFill>
-                  </a:rPr>
-                  <a:t>Optimize</a:t>
-                </a:r>
-              </a:p>
-              <a:p>
-                <a:pPr algn="ctr"/>
-                <a:endParaRPr lang="en-US" b="1" dirty="0">
-                  <a:solidFill>
-                    <a:schemeClr val="tx1"/>
-                  </a:solidFill>
-                </a:endParaRPr>
-              </a:p>
-            </p:txBody>
-          </p:sp>
-          <p:sp>
-            <p:nvSpPr>
-              <p:cNvPr id="53" name="Rectangle 52">
-                <a:extLst>
-                  <a:ext uri="{FF2B5EF4-FFF2-40B4-BE49-F238E27FC236}">
-                    <a16:creationId xmlns:a16="http://schemas.microsoft.com/office/drawing/2014/main" id="{1D365F15-3267-4CDB-8A9B-A0F989AA81C0}"/>
-                  </a:ext>
-                </a:extLst>
-              </p:cNvPr>
-              <p:cNvSpPr/>
-              <p:nvPr/>
-            </p:nvSpPr>
-            <p:spPr>
-              <a:xfrm>
-                <a:off x="9191569" y="2356336"/>
-                <a:ext cx="428018" cy="2337837"/>
-              </a:xfrm>
-              <a:prstGeom prst="rect">
-                <a:avLst/>
-              </a:prstGeom>
-              <a:solidFill>
-                <a:schemeClr val="tx2"/>
-              </a:solidFill>
-            </p:spPr>
-            <p:style>
-              <a:lnRef idx="2">
-                <a:schemeClr val="accent1">
-                  <a:shade val="50000"/>
-                </a:schemeClr>
-              </a:lnRef>
-              <a:fillRef idx="1">
-                <a:schemeClr val="accent1"/>
-              </a:fillRef>
-              <a:effectRef idx="0">
-                <a:schemeClr val="accent1"/>
-              </a:effectRef>
-              <a:fontRef idx="minor">
-                <a:schemeClr val="lt1"/>
-              </a:fontRef>
-            </p:style>
-            <p:txBody>
-              <a:bodyPr vert="vert270" rtlCol="0" anchor="ctr"/>
-              <a:lstStyle/>
-              <a:p>
-                <a:pPr algn="ctr"/>
-                <a:r>
-                  <a:rPr lang="en-US" dirty="0"/>
-                  <a:t>Robustness @scale</a:t>
-                </a:r>
-              </a:p>
-            </p:txBody>
-          </p:sp>
-        </p:grpSp>
-        <p:sp>
-          <p:nvSpPr>
-            <p:cNvPr id="55" name="Rectangle 54">
-              <a:extLst>
-                <a:ext uri="{FF2B5EF4-FFF2-40B4-BE49-F238E27FC236}">
-                  <a16:creationId xmlns:a16="http://schemas.microsoft.com/office/drawing/2014/main" id="{9F9BDFC4-7C44-4636-92E2-5EB38E18B6FA}"/>
-                </a:ext>
-              </a:extLst>
-            </p:cNvPr>
-            <p:cNvSpPr/>
-            <p:nvPr/>
-          </p:nvSpPr>
-          <p:spPr>
-            <a:xfrm>
-              <a:off x="879122" y="4751680"/>
-              <a:ext cx="3667825" cy="410992"/>
-            </a:xfrm>
-            <a:prstGeom prst="rect">
-              <a:avLst/>
-            </a:prstGeom>
-            <a:solidFill>
-              <a:srgbClr val="E9E9E9"/>
-            </a:solidFill>
-            <a:ln>
-              <a:noFill/>
-            </a:ln>
-          </p:spPr>
-          <p:style>
-            <a:lnRef idx="2">
-              <a:schemeClr val="accent1">
-                <a:shade val="50000"/>
-              </a:schemeClr>
-            </a:lnRef>
-            <a:fillRef idx="1">
-              <a:schemeClr val="accent1"/>
-            </a:fillRef>
-            <a:effectRef idx="0">
-              <a:schemeClr val="accent1"/>
-            </a:effectRef>
-            <a:fontRef idx="minor">
-              <a:schemeClr val="lt1"/>
-            </a:fontRef>
-          </p:style>
-          <p:txBody>
-            <a:bodyPr rtlCol="0" anchor="ctr"/>
-            <a:lstStyle/>
-            <a:p>
-              <a:r>
-                <a:rPr lang="en-US" sz="2600" b="1" dirty="0">
-                  <a:solidFill>
-                    <a:schemeClr val="tx2"/>
-                  </a:solidFill>
-                </a:rPr>
-                <a:t>Classify</a:t>
-              </a:r>
-            </a:p>
-          </p:txBody>
-        </p:sp>
-        <p:sp>
-          <p:nvSpPr>
-            <p:cNvPr id="57" name="Rectangle 56">
-              <a:extLst>
-                <a:ext uri="{FF2B5EF4-FFF2-40B4-BE49-F238E27FC236}">
-                  <a16:creationId xmlns:a16="http://schemas.microsoft.com/office/drawing/2014/main" id="{67351631-0CA6-437D-959F-BC7CEA074508}"/>
-                </a:ext>
-              </a:extLst>
-            </p:cNvPr>
-            <p:cNvSpPr/>
-            <p:nvPr/>
-          </p:nvSpPr>
-          <p:spPr>
-            <a:xfrm>
-              <a:off x="879122" y="5337284"/>
-              <a:ext cx="3735420" cy="410992"/>
-            </a:xfrm>
-            <a:prstGeom prst="rect">
-              <a:avLst/>
-            </a:prstGeom>
-            <a:solidFill>
-              <a:srgbClr val="E9E9E9"/>
-            </a:solidFill>
-            <a:ln>
-              <a:noFill/>
-            </a:ln>
-          </p:spPr>
-          <p:style>
-            <a:lnRef idx="2">
-              <a:schemeClr val="accent1">
-                <a:shade val="50000"/>
-              </a:schemeClr>
-            </a:lnRef>
-            <a:fillRef idx="1">
-              <a:schemeClr val="accent1"/>
-            </a:fillRef>
-            <a:effectRef idx="0">
-              <a:schemeClr val="accent1"/>
-            </a:effectRef>
-            <a:fontRef idx="minor">
-              <a:schemeClr val="lt1"/>
-            </a:fontRef>
-          </p:style>
-          <p:txBody>
-            <a:bodyPr rtlCol="0" anchor="ctr"/>
-            <a:lstStyle/>
-            <a:p>
-              <a:pPr algn="ctr"/>
-              <a:r>
-                <a:rPr lang="en-US" sz="2800" b="1" dirty="0">
-                  <a:solidFill>
-                    <a:schemeClr val="tx2"/>
-                  </a:solidFill>
-                </a:rPr>
-                <a:t>Evaluate &amp; Optimize</a:t>
-              </a:r>
-              <a:endParaRPr lang="en-US" sz="2600" b="1" dirty="0">
-                <a:solidFill>
-                  <a:schemeClr val="tx2"/>
-                </a:solidFill>
-              </a:endParaRPr>
-            </a:p>
-          </p:txBody>
-        </p:sp>
-      </p:grpSp>
-      <p:grpSp>
-        <p:nvGrpSpPr>
-          <p:cNvPr id="79" name="Groupe 78">
-            <a:extLst>
-              <a:ext uri="{FF2B5EF4-FFF2-40B4-BE49-F238E27FC236}">
-                <a16:creationId xmlns:a16="http://schemas.microsoft.com/office/drawing/2014/main" id="{08C4F1B9-CF11-474C-94B1-42850D612F34}"/>
-              </a:ext>
-            </a:extLst>
-          </p:cNvPr>
-          <p:cNvGrpSpPr/>
-          <p:nvPr/>
-        </p:nvGrpSpPr>
-        <p:grpSpPr>
-          <a:xfrm>
-            <a:off x="1331405" y="5868422"/>
-            <a:ext cx="8739106" cy="923330"/>
-            <a:chOff x="1331405" y="5868422"/>
-            <a:chExt cx="8739106" cy="923330"/>
-          </a:xfrm>
-        </p:grpSpPr>
-        <p:sp>
-          <p:nvSpPr>
-            <p:cNvPr id="71" name="Rectangle 70">
-              <a:extLst>
-                <a:ext uri="{FF2B5EF4-FFF2-40B4-BE49-F238E27FC236}">
-                  <a16:creationId xmlns:a16="http://schemas.microsoft.com/office/drawing/2014/main" id="{96EDB364-ED02-494B-83E7-DF416F0AE134}"/>
-                </a:ext>
-              </a:extLst>
-            </p:cNvPr>
-            <p:cNvSpPr/>
-            <p:nvPr/>
-          </p:nvSpPr>
-          <p:spPr>
-            <a:xfrm>
-              <a:off x="1331405" y="5868422"/>
-              <a:ext cx="8739106" cy="923330"/>
-            </a:xfrm>
-            <a:prstGeom prst="rect">
-              <a:avLst/>
-            </a:prstGeom>
-            <a:solidFill>
-              <a:schemeClr val="bg2">
-                <a:lumMod val="75000"/>
-                <a:lumOff val="25000"/>
-              </a:schemeClr>
-            </a:solidFill>
-            <a:ln>
-              <a:noFill/>
-            </a:ln>
-            <a:scene3d>
-              <a:camera prst="orthographicFront"/>
-              <a:lightRig rig="threePt" dir="t"/>
-            </a:scene3d>
-            <a:sp3d>
-              <a:bevelT/>
-            </a:sp3d>
-          </p:spPr>
-          <p:style>
-            <a:lnRef idx="2">
-              <a:schemeClr val="accent1">
-                <a:shade val="50000"/>
-              </a:schemeClr>
-            </a:lnRef>
-            <a:fillRef idx="1">
-              <a:schemeClr val="accent1"/>
-            </a:fillRef>
-            <a:effectRef idx="0">
-              <a:schemeClr val="accent1"/>
-            </a:effectRef>
-            <a:fontRef idx="minor">
-              <a:schemeClr val="lt1"/>
-            </a:fontRef>
-          </p:style>
-          <p:txBody>
-            <a:bodyPr rtlCol="0" anchor="ctr"/>
-            <a:lstStyle/>
-            <a:p>
-              <a:r>
-                <a:rPr lang="en-US" sz="1600" b="1" dirty="0"/>
-                <a:t>Expected decisions :</a:t>
-              </a:r>
-            </a:p>
-            <a:p>
-              <a:endParaRPr lang="en-US" sz="1600" b="1" dirty="0"/>
-            </a:p>
-            <a:p>
-              <a:endParaRPr lang="en-US" sz="1600" b="1" dirty="0"/>
-            </a:p>
-          </p:txBody>
-        </p:sp>
-        <p:sp>
-          <p:nvSpPr>
-            <p:cNvPr id="26" name="Rectangle 25">
-              <a:extLst>
-                <a:ext uri="{FF2B5EF4-FFF2-40B4-BE49-F238E27FC236}">
-                  <a16:creationId xmlns:a16="http://schemas.microsoft.com/office/drawing/2014/main" id="{57CB3BCC-0513-4F62-8FBC-60252E7C5B03}"/>
-                </a:ext>
-              </a:extLst>
-            </p:cNvPr>
-            <p:cNvSpPr/>
-            <p:nvPr/>
-          </p:nvSpPr>
-          <p:spPr>
-            <a:xfrm>
-              <a:off x="8710643" y="5952176"/>
-              <a:ext cx="363984" cy="328474"/>
-            </a:xfrm>
-            <a:prstGeom prst="rect">
-              <a:avLst/>
-            </a:prstGeom>
-          </p:spPr>
-          <p:style>
-            <a:lnRef idx="2">
-              <a:schemeClr val="accent1">
-                <a:shade val="50000"/>
-              </a:schemeClr>
-            </a:lnRef>
-            <a:fillRef idx="1">
-              <a:schemeClr val="accent1"/>
-            </a:fillRef>
-            <a:effectRef idx="0">
-              <a:schemeClr val="accent1"/>
-            </a:effectRef>
-            <a:fontRef idx="minor">
-              <a:schemeClr val="lt1"/>
-            </a:fontRef>
-          </p:style>
-          <p:txBody>
-            <a:bodyPr rtlCol="0" anchor="ctr"/>
-            <a:lstStyle/>
-            <a:p>
-              <a:pPr algn="ctr"/>
-              <a:endParaRPr lang="en-US"/>
-            </a:p>
-          </p:txBody>
-        </p:sp>
-        <p:sp>
-          <p:nvSpPr>
-            <p:cNvPr id="42" name="Rectangle 41">
-              <a:extLst>
-                <a:ext uri="{FF2B5EF4-FFF2-40B4-BE49-F238E27FC236}">
-                  <a16:creationId xmlns:a16="http://schemas.microsoft.com/office/drawing/2014/main" id="{D628E37C-0DC9-4108-837D-BC1C95EBAB5D}"/>
-                </a:ext>
-              </a:extLst>
-            </p:cNvPr>
-            <p:cNvSpPr/>
-            <p:nvPr/>
-          </p:nvSpPr>
-          <p:spPr>
-            <a:xfrm>
-              <a:off x="9112175" y="5954678"/>
-              <a:ext cx="363984" cy="328474"/>
-            </a:xfrm>
-            <a:prstGeom prst="rect">
-              <a:avLst/>
-            </a:prstGeom>
-            <a:solidFill>
-              <a:schemeClr val="tx2">
-                <a:lumMod val="75000"/>
-              </a:schemeClr>
-            </a:solidFill>
-          </p:spPr>
-          <p:style>
-            <a:lnRef idx="2">
-              <a:schemeClr val="accent1">
-                <a:shade val="50000"/>
-              </a:schemeClr>
-            </a:lnRef>
-            <a:fillRef idx="1">
-              <a:schemeClr val="accent1"/>
-            </a:fillRef>
-            <a:effectRef idx="0">
-              <a:schemeClr val="accent1"/>
-            </a:effectRef>
-            <a:fontRef idx="minor">
-              <a:schemeClr val="lt1"/>
-            </a:fontRef>
-          </p:style>
-          <p:txBody>
-            <a:bodyPr rtlCol="0" anchor="ctr"/>
-            <a:lstStyle/>
-            <a:p>
-              <a:pPr algn="ctr"/>
-              <a:endParaRPr lang="en-US"/>
-            </a:p>
-          </p:txBody>
-        </p:sp>
-        <p:sp>
-          <p:nvSpPr>
-            <p:cNvPr id="44" name="ZoneTexte 43">
-              <a:extLst>
-                <a:ext uri="{FF2B5EF4-FFF2-40B4-BE49-F238E27FC236}">
-                  <a16:creationId xmlns:a16="http://schemas.microsoft.com/office/drawing/2014/main" id="{85C25604-50F7-4B40-84FB-643612696135}"/>
-                </a:ext>
-              </a:extLst>
-            </p:cNvPr>
-            <p:cNvSpPr txBox="1"/>
-            <p:nvPr/>
-          </p:nvSpPr>
-          <p:spPr>
-            <a:xfrm>
-              <a:off x="3071420" y="6303937"/>
-              <a:ext cx="6999091" cy="369332"/>
-            </a:xfrm>
-            <a:prstGeom prst="rect">
-              <a:avLst/>
-            </a:prstGeom>
-            <a:noFill/>
-          </p:spPr>
-          <p:txBody>
-            <a:bodyPr wrap="square" rtlCol="0">
-              <a:spAutoFit/>
-            </a:bodyPr>
-            <a:lstStyle/>
-            <a:p>
-              <a:r>
-                <a:rPr lang="en-US" b="1" dirty="0"/>
-                <a:t>Engage</a:t>
-              </a:r>
-              <a:r>
-                <a:rPr lang="en-US" dirty="0"/>
-                <a:t> next step : Assess Risks &amp; Opportunity       </a:t>
-              </a:r>
-              <a:r>
-                <a:rPr lang="en-US" b="1" dirty="0"/>
-                <a:t>Y 		N</a:t>
-              </a:r>
-              <a:endParaRPr lang="en-US" dirty="0"/>
-            </a:p>
-          </p:txBody>
-        </p:sp>
-        <p:sp>
-          <p:nvSpPr>
-            <p:cNvPr id="72" name="Rectangle 71">
-              <a:extLst>
-                <a:ext uri="{FF2B5EF4-FFF2-40B4-BE49-F238E27FC236}">
-                  <a16:creationId xmlns:a16="http://schemas.microsoft.com/office/drawing/2014/main" id="{2247E8DC-B1C8-4594-8C8E-68EF291DFF6D}"/>
-                </a:ext>
-              </a:extLst>
-            </p:cNvPr>
-            <p:cNvSpPr/>
-            <p:nvPr/>
-          </p:nvSpPr>
-          <p:spPr>
-            <a:xfrm>
-              <a:off x="8710643" y="6341954"/>
-              <a:ext cx="351378" cy="348127"/>
-            </a:xfrm>
-            <a:prstGeom prst="rect">
-              <a:avLst/>
-            </a:prstGeom>
-          </p:spPr>
-          <p:style>
-            <a:lnRef idx="2">
-              <a:schemeClr val="accent1">
-                <a:shade val="50000"/>
-              </a:schemeClr>
-            </a:lnRef>
-            <a:fillRef idx="1">
-              <a:schemeClr val="accent1"/>
-            </a:fillRef>
-            <a:effectRef idx="0">
-              <a:schemeClr val="accent1"/>
-            </a:effectRef>
-            <a:fontRef idx="minor">
-              <a:schemeClr val="lt1"/>
-            </a:fontRef>
-          </p:style>
-          <p:txBody>
-            <a:bodyPr rtlCol="0" anchor="ctr"/>
-            <a:lstStyle/>
-            <a:p>
-              <a:pPr algn="ctr"/>
-              <a:endParaRPr lang="en-US"/>
-            </a:p>
-          </p:txBody>
-        </p:sp>
-        <p:sp>
-          <p:nvSpPr>
-            <p:cNvPr id="73" name="Rectangle 72">
-              <a:extLst>
-                <a:ext uri="{FF2B5EF4-FFF2-40B4-BE49-F238E27FC236}">
-                  <a16:creationId xmlns:a16="http://schemas.microsoft.com/office/drawing/2014/main" id="{799E3316-4271-42E5-9235-96B11F111521}"/>
-                </a:ext>
-              </a:extLst>
-            </p:cNvPr>
-            <p:cNvSpPr/>
-            <p:nvPr/>
-          </p:nvSpPr>
-          <p:spPr>
-            <a:xfrm>
-              <a:off x="9112175" y="6344457"/>
-              <a:ext cx="351378" cy="345624"/>
-            </a:xfrm>
-            <a:prstGeom prst="rect">
-              <a:avLst/>
-            </a:prstGeom>
-            <a:solidFill>
-              <a:schemeClr val="tx2">
-                <a:lumMod val="75000"/>
-              </a:schemeClr>
-            </a:solidFill>
-          </p:spPr>
-          <p:style>
-            <a:lnRef idx="2">
-              <a:schemeClr val="accent1">
-                <a:shade val="50000"/>
-              </a:schemeClr>
-            </a:lnRef>
-            <a:fillRef idx="1">
-              <a:schemeClr val="accent1"/>
-            </a:fillRef>
-            <a:effectRef idx="0">
-              <a:schemeClr val="accent1"/>
-            </a:effectRef>
-            <a:fontRef idx="minor">
-              <a:schemeClr val="lt1"/>
-            </a:fontRef>
-          </p:style>
-          <p:txBody>
-            <a:bodyPr rtlCol="0" anchor="ctr"/>
-            <a:lstStyle/>
-            <a:p>
-              <a:pPr algn="ctr"/>
-              <a:endParaRPr lang="en-US"/>
-            </a:p>
-          </p:txBody>
-        </p:sp>
-        <p:sp>
-          <p:nvSpPr>
-            <p:cNvPr id="28" name="ZoneTexte 27">
-              <a:extLst>
-                <a:ext uri="{FF2B5EF4-FFF2-40B4-BE49-F238E27FC236}">
-                  <a16:creationId xmlns:a16="http://schemas.microsoft.com/office/drawing/2014/main" id="{53E34A3F-E746-448C-9F85-2D37382E1A6A}"/>
-                </a:ext>
-              </a:extLst>
-            </p:cNvPr>
-            <p:cNvSpPr txBox="1"/>
-            <p:nvPr/>
-          </p:nvSpPr>
-          <p:spPr>
-            <a:xfrm>
-              <a:off x="5197033" y="5910721"/>
-              <a:ext cx="4790471" cy="376404"/>
-            </a:xfrm>
-            <a:prstGeom prst="rect">
-              <a:avLst/>
-            </a:prstGeom>
-            <a:noFill/>
-          </p:spPr>
-          <p:txBody>
-            <a:bodyPr wrap="square" rtlCol="0">
-              <a:spAutoFit/>
-            </a:bodyPr>
-            <a:lstStyle/>
-            <a:p>
-              <a:r>
-                <a:rPr lang="en-US" dirty="0"/>
-                <a:t>Feasibility study </a:t>
-              </a:r>
-              <a:r>
-                <a:rPr lang="en-US" b="1" dirty="0"/>
-                <a:t>validation</a:t>
-              </a:r>
-              <a:r>
-                <a:rPr lang="en-US" dirty="0"/>
-                <a:t>  	 </a:t>
-              </a:r>
-              <a:r>
-                <a:rPr lang="en-US" b="1" dirty="0"/>
-                <a:t>Y 		  N</a:t>
-              </a:r>
-              <a:endParaRPr lang="en-US" dirty="0"/>
-            </a:p>
-          </p:txBody>
-        </p:sp>
-      </p:grpSp>
-      <p:grpSp>
-        <p:nvGrpSpPr>
-          <p:cNvPr id="77" name="Groupe 76">
-            <a:extLst>
-              <a:ext uri="{FF2B5EF4-FFF2-40B4-BE49-F238E27FC236}">
-                <a16:creationId xmlns:a16="http://schemas.microsoft.com/office/drawing/2014/main" id="{214220FF-C5E7-4482-BD54-93BA9D58D6B6}"/>
-              </a:ext>
-            </a:extLst>
-          </p:cNvPr>
-          <p:cNvGrpSpPr/>
-          <p:nvPr/>
-        </p:nvGrpSpPr>
-        <p:grpSpPr>
-          <a:xfrm>
-            <a:off x="8664706" y="1859220"/>
-            <a:ext cx="1828998" cy="3692874"/>
-            <a:chOff x="8664706" y="1859220"/>
-            <a:chExt cx="1828998" cy="3692874"/>
-          </a:xfrm>
-        </p:grpSpPr>
-        <p:grpSp>
-          <p:nvGrpSpPr>
-            <p:cNvPr id="70" name="Groupe 69">
-              <a:extLst>
-                <a:ext uri="{FF2B5EF4-FFF2-40B4-BE49-F238E27FC236}">
-                  <a16:creationId xmlns:a16="http://schemas.microsoft.com/office/drawing/2014/main" id="{078E31AB-F4F6-4D3A-93DD-8E2E4898F243}"/>
-                </a:ext>
-              </a:extLst>
-            </p:cNvPr>
-            <p:cNvGrpSpPr/>
-            <p:nvPr/>
-          </p:nvGrpSpPr>
-          <p:grpSpPr>
-            <a:xfrm>
-              <a:off x="8745470" y="2277322"/>
-              <a:ext cx="1748234" cy="3274772"/>
-              <a:chOff x="9709599" y="2443618"/>
-              <a:chExt cx="1748234" cy="3274772"/>
-            </a:xfrm>
-          </p:grpSpPr>
-          <p:sp>
-            <p:nvSpPr>
-              <p:cNvPr id="49" name="Flèche : droite 48">
-                <a:extLst>
-                  <a:ext uri="{FF2B5EF4-FFF2-40B4-BE49-F238E27FC236}">
-                    <a16:creationId xmlns:a16="http://schemas.microsoft.com/office/drawing/2014/main" id="{AB00182B-5383-419A-BCB6-CAB3725185B1}"/>
-                  </a:ext>
-                </a:extLst>
-              </p:cNvPr>
-              <p:cNvSpPr/>
-              <p:nvPr/>
-            </p:nvSpPr>
-            <p:spPr>
-              <a:xfrm flipH="1">
-                <a:off x="9709599" y="2443618"/>
-                <a:ext cx="329256" cy="369332"/>
-              </a:xfrm>
-              <a:prstGeom prst="rightArrow">
-                <a:avLst/>
-              </a:prstGeom>
-            </p:spPr>
-            <p:style>
-              <a:lnRef idx="2">
-                <a:schemeClr val="accent1">
-                  <a:shade val="50000"/>
-                </a:schemeClr>
-              </a:lnRef>
-              <a:fillRef idx="1">
-                <a:schemeClr val="accent1"/>
-              </a:fillRef>
-              <a:effectRef idx="0">
-                <a:schemeClr val="accent1"/>
-              </a:effectRef>
-              <a:fontRef idx="minor">
-                <a:schemeClr val="lt1"/>
-              </a:fontRef>
-            </p:style>
-            <p:txBody>
-              <a:bodyPr rtlCol="0" anchor="ctr"/>
-              <a:lstStyle/>
-              <a:p>
-                <a:pPr algn="ctr"/>
-                <a:endParaRPr lang="en-US"/>
-              </a:p>
-            </p:txBody>
-          </p:sp>
-          <p:sp>
-            <p:nvSpPr>
-              <p:cNvPr id="59" name="ZoneTexte 58">
-                <a:extLst>
-                  <a:ext uri="{FF2B5EF4-FFF2-40B4-BE49-F238E27FC236}">
-                    <a16:creationId xmlns:a16="http://schemas.microsoft.com/office/drawing/2014/main" id="{2A711468-239E-4697-B635-3CAFC5F2587B}"/>
-                  </a:ext>
-                </a:extLst>
-              </p:cNvPr>
-              <p:cNvSpPr txBox="1"/>
-              <p:nvPr/>
-            </p:nvSpPr>
-            <p:spPr>
-              <a:xfrm>
-                <a:off x="10038855" y="2443618"/>
-                <a:ext cx="995785" cy="369332"/>
-              </a:xfrm>
-              <a:prstGeom prst="rect">
-                <a:avLst/>
-              </a:prstGeom>
-              <a:noFill/>
-            </p:spPr>
-            <p:txBody>
-              <a:bodyPr wrap="none" rtlCol="0">
-                <a:spAutoFit/>
-              </a:bodyPr>
-              <a:lstStyle/>
-              <a:p>
-                <a:r>
-                  <a:rPr lang="en-US" dirty="0"/>
-                  <a:t>Scaling</a:t>
-                </a:r>
-              </a:p>
-            </p:txBody>
-          </p:sp>
-          <p:sp>
-            <p:nvSpPr>
-              <p:cNvPr id="60" name="ZoneTexte 59">
-                <a:extLst>
-                  <a:ext uri="{FF2B5EF4-FFF2-40B4-BE49-F238E27FC236}">
-                    <a16:creationId xmlns:a16="http://schemas.microsoft.com/office/drawing/2014/main" id="{3CA51CC9-DAF1-4F85-B172-9EA1C4D3D7BF}"/>
-                  </a:ext>
-                </a:extLst>
-              </p:cNvPr>
-              <p:cNvSpPr txBox="1"/>
-              <p:nvPr/>
-            </p:nvSpPr>
-            <p:spPr>
-              <a:xfrm>
-                <a:off x="9939478" y="3024514"/>
-                <a:ext cx="1414170" cy="369332"/>
-              </a:xfrm>
-              <a:prstGeom prst="rect">
-                <a:avLst/>
-              </a:prstGeom>
-              <a:noFill/>
-            </p:spPr>
-            <p:txBody>
-              <a:bodyPr wrap="none" rtlCol="0">
-                <a:spAutoFit/>
-              </a:bodyPr>
-              <a:lstStyle/>
-              <a:p>
-                <a:r>
-                  <a:rPr lang="en-US" dirty="0"/>
-                  <a:t> </a:t>
-                </a:r>
-                <a:r>
-                  <a:rPr lang="en-US" i="1" dirty="0"/>
-                  <a:t>processors</a:t>
-                </a:r>
-              </a:p>
-            </p:txBody>
-          </p:sp>
-          <p:sp>
-            <p:nvSpPr>
-              <p:cNvPr id="61" name="Flèche : droite 60">
-                <a:extLst>
-                  <a:ext uri="{FF2B5EF4-FFF2-40B4-BE49-F238E27FC236}">
-                    <a16:creationId xmlns:a16="http://schemas.microsoft.com/office/drawing/2014/main" id="{6402AC7F-F058-4602-893F-845DD2744200}"/>
-                  </a:ext>
-                </a:extLst>
-              </p:cNvPr>
-              <p:cNvSpPr/>
-              <p:nvPr/>
-            </p:nvSpPr>
-            <p:spPr>
-              <a:xfrm flipH="1">
-                <a:off x="9709599" y="3029063"/>
-                <a:ext cx="329256" cy="369332"/>
-              </a:xfrm>
-              <a:prstGeom prst="rightArrow">
-                <a:avLst/>
-              </a:prstGeom>
-              <a:solidFill>
-                <a:schemeClr val="accent3"/>
-              </a:solidFill>
-            </p:spPr>
-            <p:style>
-              <a:lnRef idx="2">
-                <a:schemeClr val="accent1">
-                  <a:shade val="50000"/>
-                </a:schemeClr>
-              </a:lnRef>
-              <a:fillRef idx="1">
-                <a:schemeClr val="accent1"/>
-              </a:fillRef>
-              <a:effectRef idx="0">
-                <a:schemeClr val="accent1"/>
-              </a:effectRef>
-              <a:fontRef idx="minor">
-                <a:schemeClr val="lt1"/>
-              </a:fontRef>
-            </p:style>
-            <p:txBody>
-              <a:bodyPr rtlCol="0" anchor="ctr"/>
-              <a:lstStyle/>
-              <a:p>
-                <a:pPr algn="ctr"/>
-                <a:endParaRPr lang="en-US"/>
-              </a:p>
-            </p:txBody>
-          </p:sp>
-          <p:sp>
-            <p:nvSpPr>
-              <p:cNvPr id="62" name="Flèche : droite 61">
-                <a:extLst>
-                  <a:ext uri="{FF2B5EF4-FFF2-40B4-BE49-F238E27FC236}">
-                    <a16:creationId xmlns:a16="http://schemas.microsoft.com/office/drawing/2014/main" id="{96EFFF1E-BA6A-4F9B-9BA6-2836BF540A94}"/>
-                  </a:ext>
-                </a:extLst>
-              </p:cNvPr>
-              <p:cNvSpPr/>
-              <p:nvPr/>
-            </p:nvSpPr>
-            <p:spPr>
-              <a:xfrm flipH="1">
-                <a:off x="9726585" y="3616171"/>
-                <a:ext cx="329256" cy="369332"/>
-              </a:xfrm>
-              <a:prstGeom prst="rightArrow">
-                <a:avLst/>
-              </a:prstGeom>
-              <a:solidFill>
-                <a:schemeClr val="accent3"/>
-              </a:solidFill>
-            </p:spPr>
-            <p:style>
-              <a:lnRef idx="2">
-                <a:schemeClr val="accent1">
-                  <a:shade val="50000"/>
-                </a:schemeClr>
-              </a:lnRef>
-              <a:fillRef idx="1">
-                <a:schemeClr val="accent1"/>
-              </a:fillRef>
-              <a:effectRef idx="0">
-                <a:schemeClr val="accent1"/>
-              </a:effectRef>
-              <a:fontRef idx="minor">
-                <a:schemeClr val="lt1"/>
-              </a:fontRef>
-            </p:style>
-            <p:txBody>
-              <a:bodyPr rtlCol="0" anchor="ctr"/>
-              <a:lstStyle/>
-              <a:p>
-                <a:pPr algn="ctr"/>
-                <a:endParaRPr lang="en-US"/>
-              </a:p>
-            </p:txBody>
-          </p:sp>
-          <p:sp>
-            <p:nvSpPr>
-              <p:cNvPr id="63" name="ZoneTexte 62">
-                <a:extLst>
-                  <a:ext uri="{FF2B5EF4-FFF2-40B4-BE49-F238E27FC236}">
-                    <a16:creationId xmlns:a16="http://schemas.microsoft.com/office/drawing/2014/main" id="{6D892BEB-AA9C-4D56-82C5-584DD56D4DFC}"/>
-                  </a:ext>
-                </a:extLst>
-              </p:cNvPr>
-              <p:cNvSpPr txBox="1"/>
-              <p:nvPr/>
-            </p:nvSpPr>
-            <p:spPr>
-              <a:xfrm>
-                <a:off x="10026150" y="3616171"/>
-                <a:ext cx="1287532" cy="369332"/>
-              </a:xfrm>
-              <a:prstGeom prst="rect">
-                <a:avLst/>
-              </a:prstGeom>
-              <a:noFill/>
-            </p:spPr>
-            <p:txBody>
-              <a:bodyPr wrap="none" rtlCol="0">
-                <a:spAutoFit/>
-              </a:bodyPr>
-              <a:lstStyle/>
-              <a:p>
-                <a:r>
-                  <a:rPr lang="en-US" i="1" dirty="0"/>
-                  <a:t>extractors</a:t>
-                </a:r>
-              </a:p>
-            </p:txBody>
-          </p:sp>
-          <p:sp>
-            <p:nvSpPr>
-              <p:cNvPr id="64" name="Flèche : droite 63">
-                <a:extLst>
-                  <a:ext uri="{FF2B5EF4-FFF2-40B4-BE49-F238E27FC236}">
-                    <a16:creationId xmlns:a16="http://schemas.microsoft.com/office/drawing/2014/main" id="{3669C6C1-4292-4360-88DF-6C4357FE4578}"/>
-                  </a:ext>
-                </a:extLst>
-              </p:cNvPr>
-              <p:cNvSpPr/>
-              <p:nvPr/>
-            </p:nvSpPr>
-            <p:spPr>
-              <a:xfrm flipH="1">
-                <a:off x="9709599" y="4224772"/>
-                <a:ext cx="329256" cy="369332"/>
-              </a:xfrm>
-              <a:prstGeom prst="rightArrow">
-                <a:avLst/>
-              </a:prstGeom>
-              <a:solidFill>
-                <a:schemeClr val="accent3"/>
-              </a:solidFill>
-            </p:spPr>
-            <p:style>
-              <a:lnRef idx="2">
-                <a:schemeClr val="accent1">
-                  <a:shade val="50000"/>
-                </a:schemeClr>
-              </a:lnRef>
-              <a:fillRef idx="1">
-                <a:schemeClr val="accent1"/>
-              </a:fillRef>
-              <a:effectRef idx="0">
-                <a:schemeClr val="accent1"/>
-              </a:effectRef>
-              <a:fontRef idx="minor">
-                <a:schemeClr val="lt1"/>
-              </a:fontRef>
-            </p:style>
-            <p:txBody>
-              <a:bodyPr rtlCol="0" anchor="ctr"/>
-              <a:lstStyle/>
-              <a:p>
-                <a:pPr algn="ctr"/>
-                <a:endParaRPr lang="en-US"/>
-              </a:p>
-            </p:txBody>
-          </p:sp>
-          <p:sp>
-            <p:nvSpPr>
-              <p:cNvPr id="65" name="ZoneTexte 64">
-                <a:extLst>
-                  <a:ext uri="{FF2B5EF4-FFF2-40B4-BE49-F238E27FC236}">
-                    <a16:creationId xmlns:a16="http://schemas.microsoft.com/office/drawing/2014/main" id="{9D79833D-3CFA-45E8-9CC0-5E3C94634DE9}"/>
-                  </a:ext>
-                </a:extLst>
-              </p:cNvPr>
-              <p:cNvSpPr txBox="1"/>
-              <p:nvPr/>
-            </p:nvSpPr>
-            <p:spPr>
-              <a:xfrm>
-                <a:off x="10038855" y="4224772"/>
-                <a:ext cx="1162498" cy="369332"/>
-              </a:xfrm>
-              <a:prstGeom prst="rect">
-                <a:avLst/>
-              </a:prstGeom>
-              <a:noFill/>
-            </p:spPr>
-            <p:txBody>
-              <a:bodyPr wrap="none" rtlCol="0">
-                <a:spAutoFit/>
-              </a:bodyPr>
-              <a:lstStyle/>
-              <a:p>
-                <a:r>
-                  <a:rPr lang="en-US" i="1" dirty="0"/>
-                  <a:t>reducers</a:t>
-                </a:r>
-              </a:p>
-            </p:txBody>
-          </p:sp>
-          <p:sp>
-            <p:nvSpPr>
-              <p:cNvPr id="66" name="Flèche : droite 65">
-                <a:extLst>
-                  <a:ext uri="{FF2B5EF4-FFF2-40B4-BE49-F238E27FC236}">
-                    <a16:creationId xmlns:a16="http://schemas.microsoft.com/office/drawing/2014/main" id="{45D2918F-70F8-472A-BA0E-93F6F533F573}"/>
-                  </a:ext>
-                </a:extLst>
-              </p:cNvPr>
-              <p:cNvSpPr/>
-              <p:nvPr/>
-            </p:nvSpPr>
-            <p:spPr>
-              <a:xfrm flipH="1">
-                <a:off x="9722767" y="4778558"/>
-                <a:ext cx="329256" cy="369332"/>
-              </a:xfrm>
-              <a:prstGeom prst="rightArrow">
-                <a:avLst/>
-              </a:prstGeom>
-            </p:spPr>
-            <p:style>
-              <a:lnRef idx="2">
-                <a:schemeClr val="accent1">
-                  <a:shade val="50000"/>
-                </a:schemeClr>
-              </a:lnRef>
-              <a:fillRef idx="1">
-                <a:schemeClr val="accent1"/>
-              </a:fillRef>
-              <a:effectRef idx="0">
-                <a:schemeClr val="accent1"/>
-              </a:effectRef>
-              <a:fontRef idx="minor">
-                <a:schemeClr val="lt1"/>
-              </a:fontRef>
-            </p:style>
-            <p:txBody>
-              <a:bodyPr rtlCol="0" anchor="ctr"/>
-              <a:lstStyle/>
-              <a:p>
-                <a:pPr algn="ctr"/>
-                <a:endParaRPr lang="en-US"/>
-              </a:p>
-            </p:txBody>
-          </p:sp>
-          <p:sp>
-            <p:nvSpPr>
-              <p:cNvPr id="67" name="ZoneTexte 66">
-                <a:extLst>
-                  <a:ext uri="{FF2B5EF4-FFF2-40B4-BE49-F238E27FC236}">
-                    <a16:creationId xmlns:a16="http://schemas.microsoft.com/office/drawing/2014/main" id="{A33A9E87-0FC9-49D9-89AA-612342D11460}"/>
-                  </a:ext>
-                </a:extLst>
-              </p:cNvPr>
-              <p:cNvSpPr txBox="1"/>
-              <p:nvPr/>
-            </p:nvSpPr>
-            <p:spPr>
-              <a:xfrm>
-                <a:off x="10038855" y="4795060"/>
-                <a:ext cx="1418978" cy="923330"/>
-              </a:xfrm>
-              <a:prstGeom prst="rect">
-                <a:avLst/>
-              </a:prstGeom>
-              <a:noFill/>
-            </p:spPr>
-            <p:txBody>
-              <a:bodyPr wrap="none" rtlCol="0">
-                <a:spAutoFit/>
-              </a:bodyPr>
-              <a:lstStyle/>
-              <a:p>
-                <a:r>
-                  <a:rPr lang="en-US" dirty="0"/>
-                  <a:t>Illustration </a:t>
-                </a:r>
-              </a:p>
-              <a:p>
-                <a:pPr algn="ctr"/>
-                <a:r>
-                  <a:rPr lang="en-US" dirty="0"/>
-                  <a:t>≠ </a:t>
-                </a:r>
-              </a:p>
-              <a:p>
-                <a:r>
-                  <a:rPr lang="en-US" dirty="0"/>
-                  <a:t>Evaluation </a:t>
-                </a:r>
-              </a:p>
-            </p:txBody>
-          </p:sp>
-          <p:sp>
-            <p:nvSpPr>
-              <p:cNvPr id="69" name="ZoneTexte 68">
-                <a:extLst>
-                  <a:ext uri="{FF2B5EF4-FFF2-40B4-BE49-F238E27FC236}">
-                    <a16:creationId xmlns:a16="http://schemas.microsoft.com/office/drawing/2014/main" id="{4FD213E4-E8B9-45B3-AAAE-59EA64981BD0}"/>
-                  </a:ext>
-                </a:extLst>
-              </p:cNvPr>
-              <p:cNvSpPr txBox="1"/>
-              <p:nvPr/>
-            </p:nvSpPr>
-            <p:spPr>
-              <a:xfrm>
-                <a:off x="9840332" y="2789814"/>
-                <a:ext cx="1593329" cy="369332"/>
-              </a:xfrm>
-              <a:prstGeom prst="rect">
-                <a:avLst/>
-              </a:prstGeom>
-              <a:noFill/>
-            </p:spPr>
-            <p:txBody>
-              <a:bodyPr wrap="square">
-                <a:spAutoFit/>
-              </a:bodyPr>
-              <a:lstStyle/>
-              <a:p>
-                <a:r>
-                  <a:rPr lang="en-US" dirty="0"/>
-                  <a:t>Alternate…</a:t>
-                </a:r>
-              </a:p>
-            </p:txBody>
-          </p:sp>
-        </p:grpSp>
-        <p:sp>
-          <p:nvSpPr>
-            <p:cNvPr id="76" name="ZoneTexte 75">
-              <a:extLst>
-                <a:ext uri="{FF2B5EF4-FFF2-40B4-BE49-F238E27FC236}">
-                  <a16:creationId xmlns:a16="http://schemas.microsoft.com/office/drawing/2014/main" id="{61048C6C-6E1E-4995-9517-785B5EC712D2}"/>
-                </a:ext>
-              </a:extLst>
-            </p:cNvPr>
-            <p:cNvSpPr txBox="1"/>
-            <p:nvPr/>
-          </p:nvSpPr>
-          <p:spPr>
-            <a:xfrm>
-              <a:off x="8664706" y="1859220"/>
-              <a:ext cx="1322798" cy="369332"/>
-            </a:xfrm>
-            <a:prstGeom prst="rect">
-              <a:avLst/>
-            </a:prstGeom>
-            <a:noFill/>
-          </p:spPr>
-          <p:txBody>
-            <a:bodyPr wrap="none" rtlCol="0">
-              <a:spAutoFit/>
-            </a:bodyPr>
-            <a:lstStyle/>
-            <a:p>
-              <a:r>
-                <a:rPr lang="en-US" dirty="0"/>
-                <a:t>Key points</a:t>
-              </a:r>
-            </a:p>
-          </p:txBody>
-        </p:sp>
-      </p:grpSp>
+          <a:prstGeom prst="rect">
+            <a:avLst/>
+          </a:prstGeom>
+        </p:spPr>
+      </p:pic>
     </p:spTree>
     <p:extLst>
       <p:ext uri="{BB962C8B-B14F-4D97-AF65-F5344CB8AC3E}">
-        <p14:creationId xmlns:p14="http://schemas.microsoft.com/office/powerpoint/2010/main" val="1475853891"/>
+        <p14:creationId xmlns:p14="http://schemas.microsoft.com/office/powerpoint/2010/main" val="1593063784"/>
       </p:ext>
     </p:extLst>
   </p:cSld>
   <p:clrMapOvr>
     <a:masterClrMapping/>
   </p:clrMapOvr>
-  <p:timing>
-    <p:tnLst>
-      <p:par>
-        <p:cTn id="1" dur="indefinite" restart="never" nodeType="tmRoot">
-          <p:childTnLst>
-            <p:seq concurrent="1" nextAc="seek">
-              <p:cTn id="2" dur="indefinite" nodeType="mainSeq">
-                <p:childTnLst>
-                  <p:par>
-                    <p:cTn id="3" fill="hold">
-                      <p:stCondLst>
-                        <p:cond delay="indefinite"/>
-                      </p:stCondLst>
-                      <p:childTnLst>
-                        <p:par>
-                          <p:cTn id="4" fill="hold">
-                            <p:stCondLst>
-                              <p:cond delay="0"/>
-                            </p:stCondLst>
-                            <p:childTnLst>
-                              <p:par>
-                                <p:cTn id="5" presetID="1" presetClass="entr" presetSubtype="0" fill="hold" grpId="0" nodeType="clickEffect">
-                                  <p:stCondLst>
-                                    <p:cond delay="0"/>
-                                  </p:stCondLst>
-                                  <p:childTnLst>
-                                    <p:set>
-                                      <p:cBhvr>
-                                        <p:cTn id="6" dur="1" fill="hold">
-                                          <p:stCondLst>
-                                            <p:cond delay="0"/>
-                                          </p:stCondLst>
-                                        </p:cTn>
-                                        <p:tgtEl>
-                                          <p:spTgt spid="5">
-                                            <p:graphicEl>
-                                              <a:dgm id="{66B5E8D0-C3C5-4776-813F-104A6EDDE371}"/>
-                                            </p:graphicEl>
-                                          </p:spTgt>
-                                        </p:tgtEl>
-                                        <p:attrNameLst>
-                                          <p:attrName>style.visibility</p:attrName>
-                                        </p:attrNameLst>
-                                      </p:cBhvr>
-                                      <p:to>
-                                        <p:strVal val="visible"/>
-                                      </p:to>
-                                    </p:set>
-                                  </p:childTnLst>
-                                </p:cTn>
-                              </p:par>
-                              <p:par>
-                                <p:cTn id="7" presetID="1" presetClass="entr" presetSubtype="0" fill="hold" grpId="0" nodeType="withEffect">
-                                  <p:stCondLst>
-                                    <p:cond delay="0"/>
-                                  </p:stCondLst>
-                                  <p:childTnLst>
-                                    <p:set>
-                                      <p:cBhvr>
-                                        <p:cTn id="8" dur="1" fill="hold">
-                                          <p:stCondLst>
-                                            <p:cond delay="0"/>
-                                          </p:stCondLst>
-                                        </p:cTn>
-                                        <p:tgtEl>
-                                          <p:spTgt spid="5">
-                                            <p:graphicEl>
-                                              <a:dgm id="{1CE05AB9-8EB1-42AD-A548-E67BC226A424}"/>
-                                            </p:graphicEl>
-                                          </p:spTgt>
-                                        </p:tgtEl>
-                                        <p:attrNameLst>
-                                          <p:attrName>style.visibility</p:attrName>
-                                        </p:attrNameLst>
-                                      </p:cBhvr>
-                                      <p:to>
-                                        <p:strVal val="visible"/>
-                                      </p:to>
-                                    </p:set>
-                                  </p:childTnLst>
-                                </p:cTn>
-                              </p:par>
-                              <p:par>
-                                <p:cTn id="9" presetID="1" presetClass="entr" presetSubtype="0" fill="hold" grpId="0" nodeType="withEffect">
-                                  <p:stCondLst>
-                                    <p:cond delay="0"/>
-                                  </p:stCondLst>
-                                  <p:childTnLst>
-                                    <p:set>
-                                      <p:cBhvr>
-                                        <p:cTn id="10" dur="1" fill="hold">
-                                          <p:stCondLst>
-                                            <p:cond delay="0"/>
-                                          </p:stCondLst>
-                                        </p:cTn>
-                                        <p:tgtEl>
-                                          <p:spTgt spid="5">
-                                            <p:graphicEl>
-                                              <a:dgm id="{0D779403-E225-4320-A830-D20BF9A9A2C2}"/>
-                                            </p:graphicEl>
-                                          </p:spTgt>
-                                        </p:tgtEl>
-                                        <p:attrNameLst>
-                                          <p:attrName>style.visibility</p:attrName>
-                                        </p:attrNameLst>
-                                      </p:cBhvr>
-                                      <p:to>
-                                        <p:strVal val="visible"/>
-                                      </p:to>
-                                    </p:set>
-                                  </p:childTnLst>
-                                </p:cTn>
-                              </p:par>
-                              <p:par>
-                                <p:cTn id="11" presetID="1" presetClass="entr" presetSubtype="0" fill="hold" grpId="0" nodeType="withEffect">
-                                  <p:stCondLst>
-                                    <p:cond delay="0"/>
-                                  </p:stCondLst>
-                                  <p:childTnLst>
-                                    <p:set>
-                                      <p:cBhvr>
-                                        <p:cTn id="12" dur="1" fill="hold">
-                                          <p:stCondLst>
-                                            <p:cond delay="0"/>
-                                          </p:stCondLst>
-                                        </p:cTn>
-                                        <p:tgtEl>
-                                          <p:spTgt spid="5">
-                                            <p:graphicEl>
-                                              <a:dgm id="{5130C173-FF7F-4D63-B5CB-83B160B0C014}"/>
-                                            </p:graphicEl>
-                                          </p:spTgt>
-                                        </p:tgtEl>
-                                        <p:attrNameLst>
-                                          <p:attrName>style.visibility</p:attrName>
-                                        </p:attrNameLst>
-                                      </p:cBhvr>
-                                      <p:to>
-                                        <p:strVal val="visible"/>
-                                      </p:to>
-                                    </p:set>
-                                  </p:childTnLst>
-                                </p:cTn>
-                              </p:par>
-                              <p:par>
-                                <p:cTn id="13" presetID="1" presetClass="entr" presetSubtype="0" fill="hold" grpId="0" nodeType="withEffect">
-                                  <p:stCondLst>
-                                    <p:cond delay="0"/>
-                                  </p:stCondLst>
-                                  <p:childTnLst>
-                                    <p:set>
-                                      <p:cBhvr>
-                                        <p:cTn id="14" dur="1" fill="hold">
-                                          <p:stCondLst>
-                                            <p:cond delay="0"/>
-                                          </p:stCondLst>
-                                        </p:cTn>
-                                        <p:tgtEl>
-                                          <p:spTgt spid="5">
-                                            <p:graphicEl>
-                                              <a:dgm id="{E83B0FFA-7BD3-449B-82B5-720EB2A6F19D}"/>
-                                            </p:graphicEl>
-                                          </p:spTgt>
-                                        </p:tgtEl>
-                                        <p:attrNameLst>
-                                          <p:attrName>style.visibility</p:attrName>
-                                        </p:attrNameLst>
-                                      </p:cBhvr>
-                                      <p:to>
-                                        <p:strVal val="visible"/>
-                                      </p:to>
-                                    </p:set>
-                                  </p:childTnLst>
-                                </p:cTn>
-                              </p:par>
-                              <p:par>
-                                <p:cTn id="15" presetID="1" presetClass="entr" presetSubtype="0" fill="hold" grpId="0" nodeType="withEffect">
-                                  <p:stCondLst>
-                                    <p:cond delay="0"/>
-                                  </p:stCondLst>
-                                  <p:childTnLst>
-                                    <p:set>
-                                      <p:cBhvr>
-                                        <p:cTn id="16" dur="1" fill="hold">
-                                          <p:stCondLst>
-                                            <p:cond delay="0"/>
-                                          </p:stCondLst>
-                                        </p:cTn>
-                                        <p:tgtEl>
-                                          <p:spTgt spid="5">
-                                            <p:graphicEl>
-                                              <a:dgm id="{9ED8A8E8-6298-491B-8FFE-8240875A6BA2}"/>
-                                            </p:graphicEl>
-                                          </p:spTgt>
-                                        </p:tgtEl>
-                                        <p:attrNameLst>
-                                          <p:attrName>style.visibility</p:attrName>
-                                        </p:attrNameLst>
-                                      </p:cBhvr>
-                                      <p:to>
-                                        <p:strVal val="visible"/>
-                                      </p:to>
-                                    </p:set>
-                                  </p:childTnLst>
-                                </p:cTn>
-                              </p:par>
-                            </p:childTnLst>
-                          </p:cTn>
-                        </p:par>
-                      </p:childTnLst>
-                    </p:cTn>
-                  </p:par>
-                  <p:par>
-                    <p:cTn id="17" fill="hold">
-                      <p:stCondLst>
-                        <p:cond delay="indefinite"/>
-                      </p:stCondLst>
-                      <p:childTnLst>
-                        <p:par>
-                          <p:cTn id="18" fill="hold">
-                            <p:stCondLst>
-                              <p:cond delay="0"/>
-                            </p:stCondLst>
-                            <p:childTnLst>
-                              <p:par>
-                                <p:cTn id="19" presetID="1" presetClass="entr" presetSubtype="0" fill="hold" grpId="0" nodeType="clickEffect">
-                                  <p:stCondLst>
-                                    <p:cond delay="0"/>
-                                  </p:stCondLst>
-                                  <p:childTnLst>
-                                    <p:set>
-                                      <p:cBhvr>
-                                        <p:cTn id="20" dur="1" fill="hold">
-                                          <p:stCondLst>
-                                            <p:cond delay="0"/>
-                                          </p:stCondLst>
-                                        </p:cTn>
-                                        <p:tgtEl>
-                                          <p:spTgt spid="5">
-                                            <p:graphicEl>
-                                              <a:dgm id="{FA82D42D-D948-4017-8CBD-8741F6E945A7}"/>
-                                            </p:graphicEl>
-                                          </p:spTgt>
-                                        </p:tgtEl>
-                                        <p:attrNameLst>
-                                          <p:attrName>style.visibility</p:attrName>
-                                        </p:attrNameLst>
-                                      </p:cBhvr>
-                                      <p:to>
-                                        <p:strVal val="visible"/>
-                                      </p:to>
-                                    </p:set>
-                                  </p:childTnLst>
-                                </p:cTn>
-                              </p:par>
-                              <p:par>
-                                <p:cTn id="21" presetID="1" presetClass="entr" presetSubtype="0" fill="hold" grpId="0" nodeType="withEffect">
-                                  <p:stCondLst>
-                                    <p:cond delay="0"/>
-                                  </p:stCondLst>
-                                  <p:childTnLst>
-                                    <p:set>
-                                      <p:cBhvr>
-                                        <p:cTn id="22" dur="1" fill="hold">
-                                          <p:stCondLst>
-                                            <p:cond delay="0"/>
-                                          </p:stCondLst>
-                                        </p:cTn>
-                                        <p:tgtEl>
-                                          <p:spTgt spid="5">
-                                            <p:graphicEl>
-                                              <a:dgm id="{1DE4EB06-FEB9-453D-892E-FD7575BC7788}"/>
-                                            </p:graphicEl>
-                                          </p:spTgt>
-                                        </p:tgtEl>
-                                        <p:attrNameLst>
-                                          <p:attrName>style.visibility</p:attrName>
-                                        </p:attrNameLst>
-                                      </p:cBhvr>
-                                      <p:to>
-                                        <p:strVal val="visible"/>
-                                      </p:to>
-                                    </p:set>
-                                  </p:childTnLst>
-                                </p:cTn>
-                              </p:par>
-                              <p:par>
-                                <p:cTn id="23" presetID="1" presetClass="entr" presetSubtype="0" fill="hold" grpId="0" nodeType="withEffect">
-                                  <p:stCondLst>
-                                    <p:cond delay="0"/>
-                                  </p:stCondLst>
-                                  <p:childTnLst>
-                                    <p:set>
-                                      <p:cBhvr>
-                                        <p:cTn id="24" dur="1" fill="hold">
-                                          <p:stCondLst>
-                                            <p:cond delay="0"/>
-                                          </p:stCondLst>
-                                        </p:cTn>
-                                        <p:tgtEl>
-                                          <p:spTgt spid="5">
-                                            <p:graphicEl>
-                                              <a:dgm id="{20CBDE3F-6578-49DB-9E21-4984C4787AAB}"/>
-                                            </p:graphicEl>
-                                          </p:spTgt>
-                                        </p:tgtEl>
-                                        <p:attrNameLst>
-                                          <p:attrName>style.visibility</p:attrName>
-                                        </p:attrNameLst>
-                                      </p:cBhvr>
-                                      <p:to>
-                                        <p:strVal val="visible"/>
-                                      </p:to>
-                                    </p:set>
-                                  </p:childTnLst>
-                                </p:cTn>
-                              </p:par>
-                              <p:par>
-                                <p:cTn id="25" presetID="1" presetClass="entr" presetSubtype="0" fill="hold" grpId="0" nodeType="withEffect">
-                                  <p:stCondLst>
-                                    <p:cond delay="0"/>
-                                  </p:stCondLst>
-                                  <p:childTnLst>
-                                    <p:set>
-                                      <p:cBhvr>
-                                        <p:cTn id="26" dur="1" fill="hold">
-                                          <p:stCondLst>
-                                            <p:cond delay="0"/>
-                                          </p:stCondLst>
-                                        </p:cTn>
-                                        <p:tgtEl>
-                                          <p:spTgt spid="5">
-                                            <p:graphicEl>
-                                              <a:dgm id="{0BBB229A-9D1C-4FD0-A478-51ED9A093204}"/>
-                                            </p:graphicEl>
-                                          </p:spTgt>
-                                        </p:tgtEl>
-                                        <p:attrNameLst>
-                                          <p:attrName>style.visibility</p:attrName>
-                                        </p:attrNameLst>
-                                      </p:cBhvr>
-                                      <p:to>
-                                        <p:strVal val="visible"/>
-                                      </p:to>
-                                    </p:set>
-                                  </p:childTnLst>
-                                </p:cTn>
-                              </p:par>
-                              <p:par>
-                                <p:cTn id="27" presetID="1" presetClass="entr" presetSubtype="0" fill="hold" grpId="0" nodeType="withEffect">
-                                  <p:stCondLst>
-                                    <p:cond delay="0"/>
-                                  </p:stCondLst>
-                                  <p:childTnLst>
-                                    <p:set>
-                                      <p:cBhvr>
-                                        <p:cTn id="28" dur="1" fill="hold">
-                                          <p:stCondLst>
-                                            <p:cond delay="0"/>
-                                          </p:stCondLst>
-                                        </p:cTn>
-                                        <p:tgtEl>
-                                          <p:spTgt spid="5">
-                                            <p:graphicEl>
-                                              <a:dgm id="{53AEDBE1-9D0A-4A67-A50E-8FE63B99F280}"/>
-                                            </p:graphicEl>
-                                          </p:spTgt>
-                                        </p:tgtEl>
-                                        <p:attrNameLst>
-                                          <p:attrName>style.visibility</p:attrName>
-                                        </p:attrNameLst>
-                                      </p:cBhvr>
-                                      <p:to>
-                                        <p:strVal val="visible"/>
-                                      </p:to>
-                                    </p:set>
-                                  </p:childTnLst>
-                                </p:cTn>
-                              </p:par>
-                              <p:par>
-                                <p:cTn id="29" presetID="1" presetClass="entr" presetSubtype="0" fill="hold" grpId="0" nodeType="withEffect">
-                                  <p:stCondLst>
-                                    <p:cond delay="0"/>
-                                  </p:stCondLst>
-                                  <p:childTnLst>
-                                    <p:set>
-                                      <p:cBhvr>
-                                        <p:cTn id="30" dur="1" fill="hold">
-                                          <p:stCondLst>
-                                            <p:cond delay="0"/>
-                                          </p:stCondLst>
-                                        </p:cTn>
-                                        <p:tgtEl>
-                                          <p:spTgt spid="5">
-                                            <p:graphicEl>
-                                              <a:dgm id="{4FB24F3D-F6A6-4EB0-821D-3453D4CF43E6}"/>
-                                            </p:graphicEl>
-                                          </p:spTgt>
-                                        </p:tgtEl>
-                                        <p:attrNameLst>
-                                          <p:attrName>style.visibility</p:attrName>
-                                        </p:attrNameLst>
-                                      </p:cBhvr>
-                                      <p:to>
-                                        <p:strVal val="visible"/>
-                                      </p:to>
-                                    </p:set>
-                                  </p:childTnLst>
-                                </p:cTn>
-                              </p:par>
-                            </p:childTnLst>
-                          </p:cTn>
-                        </p:par>
-                      </p:childTnLst>
-                    </p:cTn>
-                  </p:par>
-                  <p:par>
-                    <p:cTn id="31" fill="hold">
-                      <p:stCondLst>
-                        <p:cond delay="indefinite"/>
-                      </p:stCondLst>
-                      <p:childTnLst>
-                        <p:par>
-                          <p:cTn id="32" fill="hold">
-                            <p:stCondLst>
-                              <p:cond delay="0"/>
-                            </p:stCondLst>
-                            <p:childTnLst>
-                              <p:par>
-                                <p:cTn id="33" presetID="1" presetClass="entr" presetSubtype="0" fill="hold" grpId="1" nodeType="clickEffect">
-                                  <p:stCondLst>
-                                    <p:cond delay="0"/>
-                                  </p:stCondLst>
-                                  <p:childTnLst>
-                                    <p:set>
-                                      <p:cBhvr>
-                                        <p:cTn id="34" dur="1" fill="hold">
-                                          <p:stCondLst>
-                                            <p:cond delay="0"/>
-                                          </p:stCondLst>
-                                        </p:cTn>
-                                        <p:tgtEl>
-                                          <p:spTgt spid="52"/>
-                                        </p:tgtEl>
-                                        <p:attrNameLst>
-                                          <p:attrName>style.visibility</p:attrName>
-                                        </p:attrNameLst>
-                                      </p:cBhvr>
-                                      <p:to>
-                                        <p:strVal val="visible"/>
-                                      </p:to>
-                                    </p:set>
-                                  </p:childTnLst>
-                                </p:cTn>
-                              </p:par>
-                            </p:childTnLst>
-                          </p:cTn>
-                        </p:par>
-                      </p:childTnLst>
-                    </p:cTn>
-                  </p:par>
-                  <p:par>
-                    <p:cTn id="35" fill="hold">
-                      <p:stCondLst>
-                        <p:cond delay="indefinite"/>
-                      </p:stCondLst>
-                      <p:childTnLst>
-                        <p:par>
-                          <p:cTn id="36" fill="hold">
-                            <p:stCondLst>
-                              <p:cond delay="0"/>
-                            </p:stCondLst>
-                            <p:childTnLst>
-                              <p:par>
-                                <p:cTn id="37" presetID="63" presetClass="path" presetSubtype="0" accel="50000" decel="50000" fill="hold" grpId="0" nodeType="clickEffect">
-                                  <p:stCondLst>
-                                    <p:cond delay="0"/>
-                                  </p:stCondLst>
-                                  <p:childTnLst>
-                                    <p:animMotion origin="layout" path="M -3.54167E-6 4.44444E-6 L 0.1793 4.44444E-6 " pathEditMode="relative" rAng="0" ptsTypes="AA">
-                                      <p:cBhvr>
-                                        <p:cTn id="38" dur="2000" fill="hold"/>
-                                        <p:tgtEl>
-                                          <p:spTgt spid="52"/>
-                                        </p:tgtEl>
-                                        <p:attrNameLst>
-                                          <p:attrName>ppt_x</p:attrName>
-                                          <p:attrName>ppt_y</p:attrName>
-                                        </p:attrNameLst>
-                                      </p:cBhvr>
-                                      <p:rCtr x="8958" y="0"/>
-                                    </p:animMotion>
-                                  </p:childTnLst>
-                                </p:cTn>
-                              </p:par>
-                            </p:childTnLst>
-                          </p:cTn>
-                        </p:par>
-                      </p:childTnLst>
-                    </p:cTn>
-                  </p:par>
-                  <p:par>
-                    <p:cTn id="39" fill="hold">
-                      <p:stCondLst>
-                        <p:cond delay="indefinite"/>
-                      </p:stCondLst>
-                      <p:childTnLst>
-                        <p:par>
-                          <p:cTn id="40" fill="hold">
-                            <p:stCondLst>
-                              <p:cond delay="0"/>
-                            </p:stCondLst>
-                            <p:childTnLst>
-                              <p:par>
-                                <p:cTn id="41" presetID="22" presetClass="entr" presetSubtype="1" fill="hold" nodeType="clickEffect">
-                                  <p:stCondLst>
-                                    <p:cond delay="0"/>
-                                  </p:stCondLst>
-                                  <p:childTnLst>
-                                    <p:set>
-                                      <p:cBhvr>
-                                        <p:cTn id="42" dur="1" fill="hold">
-                                          <p:stCondLst>
-                                            <p:cond delay="0"/>
-                                          </p:stCondLst>
-                                        </p:cTn>
-                                        <p:tgtEl>
-                                          <p:spTgt spid="58"/>
-                                        </p:tgtEl>
-                                        <p:attrNameLst>
-                                          <p:attrName>style.visibility</p:attrName>
-                                        </p:attrNameLst>
-                                      </p:cBhvr>
-                                      <p:to>
-                                        <p:strVal val="visible"/>
-                                      </p:to>
-                                    </p:set>
-                                    <p:animEffect transition="in" filter="wipe(up)">
-                                      <p:cBhvr>
-                                        <p:cTn id="43" dur="500"/>
-                                        <p:tgtEl>
-                                          <p:spTgt spid="58"/>
-                                        </p:tgtEl>
-                                      </p:cBhvr>
-                                    </p:animEffect>
-                                  </p:childTnLst>
-                                  <p:subTnLst>
-                                    <p:set>
-                                      <p:cBhvr override="childStyle">
-                                        <p:cTn dur="1" fill="hold" display="0" masterRel="nextClick" afterEffect="1"/>
-                                        <p:tgtEl>
-                                          <p:spTgt spid="58"/>
-                                        </p:tgtEl>
-                                        <p:attrNameLst>
-                                          <p:attrName>style.visibility</p:attrName>
-                                        </p:attrNameLst>
-                                      </p:cBhvr>
-                                      <p:to>
-                                        <p:strVal val="hidden"/>
-                                      </p:to>
-                                    </p:set>
-                                  </p:subTnLst>
-                                </p:cTn>
-                              </p:par>
-                            </p:childTnLst>
-                          </p:cTn>
-                        </p:par>
-                      </p:childTnLst>
-                    </p:cTn>
-                  </p:par>
-                  <p:par>
-                    <p:cTn id="44" fill="hold">
-                      <p:stCondLst>
-                        <p:cond delay="indefinite"/>
-                      </p:stCondLst>
-                      <p:childTnLst>
-                        <p:par>
-                          <p:cTn id="45" fill="hold">
-                            <p:stCondLst>
-                              <p:cond delay="0"/>
-                            </p:stCondLst>
-                            <p:childTnLst>
-                              <p:par>
-                                <p:cTn id="46" presetID="22" presetClass="entr" presetSubtype="1" fill="hold" nodeType="clickEffect">
-                                  <p:stCondLst>
-                                    <p:cond delay="0"/>
-                                  </p:stCondLst>
-                                  <p:childTnLst>
-                                    <p:set>
-                                      <p:cBhvr>
-                                        <p:cTn id="47" dur="1" fill="hold">
-                                          <p:stCondLst>
-                                            <p:cond delay="0"/>
-                                          </p:stCondLst>
-                                        </p:cTn>
-                                        <p:tgtEl>
-                                          <p:spTgt spid="77"/>
-                                        </p:tgtEl>
-                                        <p:attrNameLst>
-                                          <p:attrName>style.visibility</p:attrName>
-                                        </p:attrNameLst>
-                                      </p:cBhvr>
-                                      <p:to>
-                                        <p:strVal val="visible"/>
-                                      </p:to>
-                                    </p:set>
-                                    <p:animEffect transition="in" filter="wipe(up)">
-                                      <p:cBhvr>
-                                        <p:cTn id="48" dur="500"/>
-                                        <p:tgtEl>
-                                          <p:spTgt spid="77"/>
-                                        </p:tgtEl>
-                                      </p:cBhvr>
-                                    </p:animEffect>
-                                  </p:childTnLst>
-                                </p:cTn>
-                              </p:par>
-                            </p:childTnLst>
-                          </p:cTn>
-                        </p:par>
-                      </p:childTnLst>
-                    </p:cTn>
-                  </p:par>
-                  <p:par>
-                    <p:cTn id="49" fill="hold">
-                      <p:stCondLst>
-                        <p:cond delay="indefinite"/>
-                      </p:stCondLst>
-                      <p:childTnLst>
-                        <p:par>
-                          <p:cTn id="50" fill="hold">
-                            <p:stCondLst>
-                              <p:cond delay="0"/>
-                            </p:stCondLst>
-                            <p:childTnLst>
-                              <p:par>
-                                <p:cTn id="51" presetID="22" presetClass="entr" presetSubtype="1" fill="hold" nodeType="clickEffect">
-                                  <p:stCondLst>
-                                    <p:cond delay="0"/>
-                                  </p:stCondLst>
-                                  <p:childTnLst>
-                                    <p:set>
-                                      <p:cBhvr>
-                                        <p:cTn id="52" dur="1" fill="hold">
-                                          <p:stCondLst>
-                                            <p:cond delay="0"/>
-                                          </p:stCondLst>
-                                        </p:cTn>
-                                        <p:tgtEl>
-                                          <p:spTgt spid="79"/>
-                                        </p:tgtEl>
-                                        <p:attrNameLst>
-                                          <p:attrName>style.visibility</p:attrName>
-                                        </p:attrNameLst>
-                                      </p:cBhvr>
-                                      <p:to>
-                                        <p:strVal val="visible"/>
-                                      </p:to>
-                                    </p:set>
-                                    <p:animEffect transition="in" filter="wipe(up)">
-                                      <p:cBhvr>
-                                        <p:cTn id="53" dur="500"/>
-                                        <p:tgtEl>
-                                          <p:spTgt spid="79"/>
-                                        </p:tgtEl>
-                                      </p:cBhvr>
-                                    </p:animEffect>
-                                  </p:childTnLst>
-                                </p:cTn>
-                              </p:par>
-                            </p:childTnLst>
-                          </p:cTn>
-                        </p:par>
-                      </p:childTnLst>
-                    </p:cTn>
-                  </p:par>
-                </p:childTnLst>
-              </p:cTn>
-              <p:prevCondLst>
-                <p:cond evt="onPrev" delay="0">
-                  <p:tgtEl>
-                    <p:sldTgt/>
-                  </p:tgtEl>
-                </p:cond>
-              </p:prevCondLst>
-              <p:nextCondLst>
-                <p:cond evt="onNext" delay="0">
-                  <p:tgtEl>
-                    <p:sldTgt/>
-                  </p:tgtEl>
-                </p:cond>
-              </p:nextCondLst>
-            </p:seq>
-          </p:childTnLst>
-        </p:cTn>
-      </p:par>
-    </p:tnLst>
-    <p:bldLst>
-      <p:bldP spid="52" grpId="0" animBg="1"/>
-      <p:bldP spid="52" grpId="1" animBg="1"/>
-      <p:bldGraphic spid="5" grpId="0">
-        <p:bldSub>
-          <a:bldDgm bld="lvlAtOnce"/>
-        </p:bldSub>
-      </p:bldGraphic>
-    </p:bldLst>
-  </p:timing>
 </p:sld>
 </file>
 
-<file path=ppt/slides/slide3.xml><?xml version="1.0" encoding="utf-8"?>
+<file path=ppt/slides/slide11.xml><?xml version="1.0" encoding="utf-8"?>
+<p:sld xmlns:a="http://schemas.openxmlformats.org/drawingml/2006/main" xmlns:r="http://schemas.openxmlformats.org/officeDocument/2006/relationships" xmlns:p="http://schemas.openxmlformats.org/presentationml/2006/main">
+  <p:cSld>
+    <p:spTree>
+      <p:nvGrpSpPr>
+        <p:cNvPr id="1" name=""/>
+        <p:cNvGrpSpPr/>
+        <p:nvPr/>
+      </p:nvGrpSpPr>
+      <p:grpSpPr>
+        <a:xfrm>
+          <a:off x="0" y="0"/>
+          <a:ext cx="0" cy="0"/>
+          <a:chOff x="0" y="0"/>
+          <a:chExt cx="0" cy="0"/>
+        </a:xfrm>
+      </p:grpSpPr>
+      <p:sp>
+        <p:nvSpPr>
+          <p:cNvPr id="2" name="Titre 1">
+            <a:extLst>
+              <a:ext uri="{FF2B5EF4-FFF2-40B4-BE49-F238E27FC236}">
+                <a16:creationId xmlns:a16="http://schemas.microsoft.com/office/drawing/2014/main" id="{6690FF40-4DCA-4F9A-86AF-5F96580C668F}"/>
+              </a:ext>
+            </a:extLst>
+          </p:cNvPr>
+          <p:cNvSpPr>
+            <a:spLocks noGrp="1"/>
+          </p:cNvSpPr>
+          <p:nvPr>
+            <p:ph type="title"/>
+          </p:nvPr>
+        </p:nvSpPr>
+        <p:spPr/>
+        <p:txBody>
+          <a:bodyPr/>
+          <a:lstStyle/>
+          <a:p>
+            <a:endParaRPr lang="en-US"/>
+          </a:p>
+        </p:txBody>
+      </p:sp>
+      <p:sp>
+        <p:nvSpPr>
+          <p:cNvPr id="3" name="Espace réservé du contenu 2">
+            <a:extLst>
+              <a:ext uri="{FF2B5EF4-FFF2-40B4-BE49-F238E27FC236}">
+                <a16:creationId xmlns:a16="http://schemas.microsoft.com/office/drawing/2014/main" id="{1D159CC4-6648-4727-A750-60F3A0263A6E}"/>
+              </a:ext>
+            </a:extLst>
+          </p:cNvPr>
+          <p:cNvSpPr>
+            <a:spLocks noGrp="1"/>
+          </p:cNvSpPr>
+          <p:nvPr>
+            <p:ph idx="1"/>
+          </p:nvPr>
+        </p:nvSpPr>
+        <p:spPr/>
+        <p:txBody>
+          <a:bodyPr/>
+          <a:lstStyle/>
+          <a:p>
+            <a:r>
+              <a:rPr lang="en-US" dirty="0"/>
+              <a:t>Process any images</a:t>
+            </a:r>
+          </a:p>
+          <a:p>
+            <a:pPr lvl="1"/>
+            <a:r>
+              <a:rPr lang="en-US" dirty="0"/>
+              <a:t>Limit number descriptors</a:t>
+            </a:r>
+          </a:p>
+          <a:p>
+            <a:pPr lvl="1"/>
+            <a:r>
+              <a:rPr lang="en-US" dirty="0"/>
+              <a:t>Get size -&gt; plot histogram</a:t>
+            </a:r>
+          </a:p>
+          <a:p>
+            <a:r>
+              <a:rPr lang="en-US" dirty="0"/>
+              <a:t>Keep all, and </a:t>
+            </a:r>
+            <a:r>
+              <a:rPr lang="en-US" dirty="0" err="1"/>
+              <a:t>buid</a:t>
+            </a:r>
+            <a:r>
+              <a:rPr lang="en-US" dirty="0"/>
+              <a:t> un image vocab then </a:t>
+            </a:r>
+            <a:r>
+              <a:rPr lang="en-US" dirty="0" err="1"/>
+              <a:t>clusterize</a:t>
+            </a:r>
+            <a:r>
+              <a:rPr lang="en-US" dirty="0"/>
+              <a:t> and get the histogram of any images.</a:t>
+            </a:r>
+          </a:p>
+          <a:p>
+            <a:pPr lvl="1"/>
+            <a:r>
+              <a:rPr lang="en-US" dirty="0"/>
+              <a:t>Normalize </a:t>
+            </a:r>
+            <a:r>
+              <a:rPr lang="en-US" dirty="0" err="1"/>
+              <a:t>standard_scale</a:t>
+            </a:r>
+            <a:endParaRPr lang="en-US" dirty="0"/>
+          </a:p>
+          <a:p>
+            <a:pPr lvl="1"/>
+            <a:r>
+              <a:rPr lang="en-US" dirty="0"/>
+              <a:t>Then reduce?</a:t>
+            </a:r>
+          </a:p>
+          <a:p>
+            <a:endParaRPr lang="en-US" dirty="0"/>
+          </a:p>
+        </p:txBody>
+      </p:sp>
+    </p:spTree>
+    <p:extLst>
+      <p:ext uri="{BB962C8B-B14F-4D97-AF65-F5344CB8AC3E}">
+        <p14:creationId xmlns:p14="http://schemas.microsoft.com/office/powerpoint/2010/main" val="3100276129"/>
+      </p:ext>
+    </p:extLst>
+  </p:cSld>
+  <p:clrMapOvr>
+    <a:masterClrMapping/>
+  </p:clrMapOvr>
+</p:sld>
+</file>
+
+<file path=ppt/slides/slide12.xml><?xml version="1.0" encoding="utf-8"?>
 <p:sld xmlns:a="http://schemas.openxmlformats.org/drawingml/2006/main" xmlns:r="http://schemas.openxmlformats.org/officeDocument/2006/relationships" xmlns:p="http://schemas.openxmlformats.org/presentationml/2006/main">
   <p:cSld>
     <p:spTree>
@@ -20625,7 +18700,2385 @@
 </p:sld>
 </file>
 
-<file path=ppt/slides/slide4.xml><?xml version="1.0" encoding="utf-8"?>
+<file path=ppt/slides/slide2.xml><?xml version="1.0" encoding="utf-8"?>
+<p:sld xmlns:a="http://schemas.openxmlformats.org/drawingml/2006/main" xmlns:r="http://schemas.openxmlformats.org/officeDocument/2006/relationships" xmlns:p="http://schemas.openxmlformats.org/presentationml/2006/main">
+  <p:cSld>
+    <p:spTree>
+      <p:nvGrpSpPr>
+        <p:cNvPr id="1" name=""/>
+        <p:cNvGrpSpPr/>
+        <p:nvPr/>
+      </p:nvGrpSpPr>
+      <p:grpSpPr>
+        <a:xfrm>
+          <a:off x="0" y="0"/>
+          <a:ext cx="0" cy="0"/>
+          <a:chOff x="0" y="0"/>
+          <a:chExt cx="0" cy="0"/>
+        </a:xfrm>
+      </p:grpSpPr>
+      <p:sp>
+        <p:nvSpPr>
+          <p:cNvPr id="52" name="Flèche : bas 51">
+            <a:extLst>
+              <a:ext uri="{FF2B5EF4-FFF2-40B4-BE49-F238E27FC236}">
+                <a16:creationId xmlns:a16="http://schemas.microsoft.com/office/drawing/2014/main" id="{EF4D0047-359D-4252-BD1E-500AD59DE745}"/>
+              </a:ext>
+            </a:extLst>
+          </p:cNvPr>
+          <p:cNvSpPr/>
+          <p:nvPr/>
+        </p:nvSpPr>
+        <p:spPr>
+          <a:xfrm>
+            <a:off x="8965284" y="2194289"/>
+            <a:ext cx="870027" cy="2805196"/>
+          </a:xfrm>
+          <a:prstGeom prst="downArrow">
+            <a:avLst/>
+          </a:prstGeom>
+        </p:spPr>
+        <p:style>
+          <a:lnRef idx="2">
+            <a:schemeClr val="accent1">
+              <a:shade val="50000"/>
+            </a:schemeClr>
+          </a:lnRef>
+          <a:fillRef idx="1">
+            <a:schemeClr val="accent1"/>
+          </a:fillRef>
+          <a:effectRef idx="0">
+            <a:schemeClr val="accent1"/>
+          </a:effectRef>
+          <a:fontRef idx="minor">
+            <a:schemeClr val="lt1"/>
+          </a:fontRef>
+        </p:style>
+        <p:txBody>
+          <a:bodyPr vert="vert270" rtlCol="0" anchor="ctr"/>
+          <a:lstStyle/>
+          <a:p>
+            <a:pPr algn="ctr"/>
+            <a:r>
+              <a:rPr lang="en-US" b="1" dirty="0"/>
+              <a:t>Feasibility study</a:t>
+            </a:r>
+          </a:p>
+        </p:txBody>
+      </p:sp>
+      <p:sp>
+        <p:nvSpPr>
+          <p:cNvPr id="2" name="Titre 1">
+            <a:extLst>
+              <a:ext uri="{FF2B5EF4-FFF2-40B4-BE49-F238E27FC236}">
+                <a16:creationId xmlns:a16="http://schemas.microsoft.com/office/drawing/2014/main" id="{0EF233BE-2F40-42C1-81F5-F49CA2CE54F1}"/>
+              </a:ext>
+            </a:extLst>
+          </p:cNvPr>
+          <p:cNvSpPr>
+            <a:spLocks noGrp="1"/>
+          </p:cNvSpPr>
+          <p:nvPr>
+            <p:ph type="title"/>
+          </p:nvPr>
+        </p:nvSpPr>
+        <p:spPr/>
+        <p:txBody>
+          <a:bodyPr/>
+          <a:lstStyle/>
+          <a:p>
+            <a:r>
+              <a:rPr lang="en-US" dirty="0">
+                <a:solidFill>
+                  <a:schemeClr val="tx2"/>
+                </a:solidFill>
+              </a:rPr>
+              <a:t>Project’s scope:</a:t>
+            </a:r>
+            <a:br>
+              <a:rPr lang="en-US" dirty="0">
+                <a:solidFill>
+                  <a:schemeClr val="tx2"/>
+                </a:solidFill>
+              </a:rPr>
+            </a:br>
+            <a:r>
+              <a:rPr lang="en-US" dirty="0"/>
+              <a:t>Feasibility study expectations</a:t>
+            </a:r>
+            <a:endParaRPr lang="en-US" dirty="0">
+              <a:solidFill>
+                <a:schemeClr val="tx2"/>
+              </a:solidFill>
+            </a:endParaRPr>
+          </a:p>
+        </p:txBody>
+      </p:sp>
+      <p:graphicFrame>
+        <p:nvGraphicFramePr>
+          <p:cNvPr id="5" name="Espace réservé du contenu 3">
+            <a:extLst>
+              <a:ext uri="{FF2B5EF4-FFF2-40B4-BE49-F238E27FC236}">
+                <a16:creationId xmlns:a16="http://schemas.microsoft.com/office/drawing/2014/main" id="{EEF603DB-7FC3-4218-8757-8B55E38A699C}"/>
+              </a:ext>
+            </a:extLst>
+          </p:cNvPr>
+          <p:cNvGraphicFramePr>
+            <a:graphicFrameLocks/>
+          </p:cNvGraphicFramePr>
+          <p:nvPr>
+            <p:extLst>
+              <p:ext uri="{D42A27DB-BD31-4B8C-83A1-F6EECF244321}">
+                <p14:modId xmlns:p14="http://schemas.microsoft.com/office/powerpoint/2010/main" val="1986231386"/>
+              </p:ext>
+            </p:extLst>
+          </p:nvPr>
+        </p:nvGraphicFramePr>
+        <p:xfrm>
+          <a:off x="371069" y="2207872"/>
+          <a:ext cx="8351755" cy="3656134"/>
+        </p:xfrm>
+        <a:graphic>
+          <a:graphicData uri="http://schemas.openxmlformats.org/drawingml/2006/diagram">
+            <dgm:relIds xmlns:dgm="http://schemas.openxmlformats.org/drawingml/2006/diagram" xmlns:r="http://schemas.openxmlformats.org/officeDocument/2006/relationships" r:dm="rId2" r:lo="rId3" r:qs="rId4" r:cs="rId5"/>
+          </a:graphicData>
+        </a:graphic>
+      </p:graphicFrame>
+      <p:grpSp>
+        <p:nvGrpSpPr>
+          <p:cNvPr id="4" name="Groupe 3">
+            <a:extLst>
+              <a:ext uri="{FF2B5EF4-FFF2-40B4-BE49-F238E27FC236}">
+                <a16:creationId xmlns:a16="http://schemas.microsoft.com/office/drawing/2014/main" id="{8965051D-2547-4882-837B-EA131B762908}"/>
+              </a:ext>
+            </a:extLst>
+          </p:cNvPr>
+          <p:cNvGrpSpPr/>
+          <p:nvPr/>
+        </p:nvGrpSpPr>
+        <p:grpSpPr>
+          <a:xfrm>
+            <a:off x="879122" y="2194289"/>
+            <a:ext cx="8953762" cy="3588252"/>
+            <a:chOff x="879122" y="2194289"/>
+            <a:chExt cx="8953762" cy="3588252"/>
+          </a:xfrm>
+        </p:grpSpPr>
+        <p:sp>
+          <p:nvSpPr>
+            <p:cNvPr id="3" name="Ellipse 2">
+              <a:extLst>
+                <a:ext uri="{FF2B5EF4-FFF2-40B4-BE49-F238E27FC236}">
+                  <a16:creationId xmlns:a16="http://schemas.microsoft.com/office/drawing/2014/main" id="{ED6ED80D-8D2C-4EDF-A509-02A023790026}"/>
+                </a:ext>
+              </a:extLst>
+            </p:cNvPr>
+            <p:cNvSpPr/>
+            <p:nvPr/>
+          </p:nvSpPr>
+          <p:spPr>
+            <a:xfrm>
+              <a:off x="7599548" y="3344586"/>
+              <a:ext cx="1032780" cy="1740024"/>
+            </a:xfrm>
+            <a:prstGeom prst="ellipse">
+              <a:avLst/>
+            </a:prstGeom>
+            <a:ln>
+              <a:noFill/>
+            </a:ln>
+          </p:spPr>
+          <p:style>
+            <a:lnRef idx="2">
+              <a:schemeClr val="accent1">
+                <a:shade val="50000"/>
+              </a:schemeClr>
+            </a:lnRef>
+            <a:fillRef idx="1">
+              <a:schemeClr val="accent1"/>
+            </a:fillRef>
+            <a:effectRef idx="0">
+              <a:schemeClr val="accent1"/>
+            </a:effectRef>
+            <a:fontRef idx="minor">
+              <a:schemeClr val="lt1"/>
+            </a:fontRef>
+          </p:style>
+          <p:txBody>
+            <a:bodyPr rtlCol="0" anchor="ctr"/>
+            <a:lstStyle/>
+            <a:p>
+              <a:pPr algn="ctr"/>
+              <a:endParaRPr lang="en-US"/>
+            </a:p>
+          </p:txBody>
+        </p:sp>
+        <p:grpSp>
+          <p:nvGrpSpPr>
+            <p:cNvPr id="58" name="Groupe 57">
+              <a:extLst>
+                <a:ext uri="{FF2B5EF4-FFF2-40B4-BE49-F238E27FC236}">
+                  <a16:creationId xmlns:a16="http://schemas.microsoft.com/office/drawing/2014/main" id="{B43B7D64-C086-44F9-AF58-65966C461BD3}"/>
+                </a:ext>
+              </a:extLst>
+            </p:cNvPr>
+            <p:cNvGrpSpPr/>
+            <p:nvPr/>
+          </p:nvGrpSpPr>
+          <p:grpSpPr>
+            <a:xfrm>
+              <a:off x="879122" y="2194289"/>
+              <a:ext cx="8953762" cy="3588252"/>
+              <a:chOff x="879122" y="2356336"/>
+              <a:chExt cx="8953762" cy="3588252"/>
+            </a:xfrm>
+          </p:grpSpPr>
+          <p:grpSp>
+            <p:nvGrpSpPr>
+              <p:cNvPr id="54" name="Groupe 53">
+                <a:extLst>
+                  <a:ext uri="{FF2B5EF4-FFF2-40B4-BE49-F238E27FC236}">
+                    <a16:creationId xmlns:a16="http://schemas.microsoft.com/office/drawing/2014/main" id="{2E3E3BF9-1345-4749-BC66-E47735BAEF02}"/>
+                  </a:ext>
+                </a:extLst>
+              </p:cNvPr>
+              <p:cNvGrpSpPr/>
+              <p:nvPr/>
+            </p:nvGrpSpPr>
+            <p:grpSpPr>
+              <a:xfrm>
+                <a:off x="7032030" y="2356336"/>
+                <a:ext cx="2800854" cy="3588252"/>
+                <a:chOff x="7032030" y="2356336"/>
+                <a:chExt cx="2800854" cy="3588252"/>
+              </a:xfrm>
+            </p:grpSpPr>
+            <p:sp>
+              <p:nvSpPr>
+                <p:cNvPr id="50" name="Flèche : bas 49">
+                  <a:extLst>
+                    <a:ext uri="{FF2B5EF4-FFF2-40B4-BE49-F238E27FC236}">
+                      <a16:creationId xmlns:a16="http://schemas.microsoft.com/office/drawing/2014/main" id="{50004627-A56F-416A-B20F-3253FFBC240A}"/>
+                    </a:ext>
+                  </a:extLst>
+                </p:cNvPr>
+                <p:cNvSpPr/>
+                <p:nvPr/>
+              </p:nvSpPr>
+              <p:spPr>
+                <a:xfrm>
+                  <a:off x="8983027" y="4750540"/>
+                  <a:ext cx="849857" cy="1012371"/>
+                </a:xfrm>
+                <a:prstGeom prst="downArrow">
+                  <a:avLst/>
+                </a:prstGeom>
+                <a:solidFill>
+                  <a:schemeClr val="tx2"/>
+                </a:solidFill>
+              </p:spPr>
+              <p:style>
+                <a:lnRef idx="2">
+                  <a:schemeClr val="accent1">
+                    <a:shade val="50000"/>
+                  </a:schemeClr>
+                </a:lnRef>
+                <a:fillRef idx="1">
+                  <a:schemeClr val="accent1"/>
+                </a:fillRef>
+                <a:effectRef idx="0">
+                  <a:schemeClr val="accent1"/>
+                </a:effectRef>
+                <a:fontRef idx="minor">
+                  <a:schemeClr val="lt1"/>
+                </a:fontRef>
+              </p:style>
+              <p:txBody>
+                <a:bodyPr vert="vert270" wrap="none" lIns="90000" tIns="0" bIns="0" rtlCol="0" anchor="ctr"/>
+                <a:lstStyle/>
+                <a:p>
+                  <a:pPr algn="ctr"/>
+                  <a:r>
+                    <a:rPr lang="en-US" dirty="0" err="1"/>
+                    <a:t>Classiffy</a:t>
+                  </a:r>
+                  <a:endParaRPr lang="en-US" dirty="0"/>
+                </a:p>
+              </p:txBody>
+            </p:sp>
+            <p:sp>
+              <p:nvSpPr>
+                <p:cNvPr id="51" name="Flèche : en arc 50">
+                  <a:extLst>
+                    <a:ext uri="{FF2B5EF4-FFF2-40B4-BE49-F238E27FC236}">
+                      <a16:creationId xmlns:a16="http://schemas.microsoft.com/office/drawing/2014/main" id="{439B7C05-B85B-44A5-B0DC-9DFB09D8EF1C}"/>
+                    </a:ext>
+                  </a:extLst>
+                </p:cNvPr>
+                <p:cNvSpPr/>
+                <p:nvPr/>
+              </p:nvSpPr>
+              <p:spPr>
+                <a:xfrm>
+                  <a:off x="7032030" y="2808702"/>
+                  <a:ext cx="2130356" cy="3135886"/>
+                </a:xfrm>
+                <a:prstGeom prst="circularArrow">
+                  <a:avLst>
+                    <a:gd name="adj1" fmla="val 13925"/>
+                    <a:gd name="adj2" fmla="val 1142319"/>
+                    <a:gd name="adj3" fmla="val 20385050"/>
+                    <a:gd name="adj4" fmla="val 583003"/>
+                    <a:gd name="adj5" fmla="val 14245"/>
+                  </a:avLst>
+                </a:prstGeom>
+                <a:solidFill>
+                  <a:schemeClr val="tx2"/>
+                </a:solidFill>
+              </p:spPr>
+              <p:style>
+                <a:lnRef idx="2">
+                  <a:schemeClr val="accent1">
+                    <a:shade val="50000"/>
+                  </a:schemeClr>
+                </a:lnRef>
+                <a:fillRef idx="1">
+                  <a:schemeClr val="accent1"/>
+                </a:fillRef>
+                <a:effectRef idx="0">
+                  <a:schemeClr val="accent1"/>
+                </a:effectRef>
+                <a:fontRef idx="minor">
+                  <a:schemeClr val="lt1"/>
+                </a:fontRef>
+              </p:style>
+              <p:txBody>
+                <a:bodyPr rtlCol="0" anchor="ctr"/>
+                <a:lstStyle/>
+                <a:p>
+                  <a:pPr algn="ctr"/>
+                  <a:endParaRPr lang="en-US" b="1" dirty="0">
+                    <a:solidFill>
+                      <a:schemeClr val="tx1"/>
+                    </a:solidFill>
+                  </a:endParaRPr>
+                </a:p>
+                <a:p>
+                  <a:pPr algn="ctr"/>
+                  <a:endParaRPr lang="en-US" b="1" dirty="0">
+                    <a:solidFill>
+                      <a:schemeClr val="tx1"/>
+                    </a:solidFill>
+                  </a:endParaRPr>
+                </a:p>
+                <a:p>
+                  <a:pPr algn="ctr"/>
+                  <a:endParaRPr lang="en-US" b="1" dirty="0">
+                    <a:solidFill>
+                      <a:schemeClr val="tx1"/>
+                    </a:solidFill>
+                  </a:endParaRPr>
+                </a:p>
+                <a:p>
+                  <a:pPr algn="ctr"/>
+                  <a:endParaRPr lang="en-US" b="1" dirty="0">
+                    <a:solidFill>
+                      <a:schemeClr val="tx1"/>
+                    </a:solidFill>
+                  </a:endParaRPr>
+                </a:p>
+                <a:p>
+                  <a:pPr algn="ctr"/>
+                  <a:endParaRPr lang="en-US" b="1" dirty="0">
+                    <a:solidFill>
+                      <a:schemeClr val="tx1"/>
+                    </a:solidFill>
+                  </a:endParaRPr>
+                </a:p>
+                <a:p>
+                  <a:pPr algn="ctr"/>
+                  <a:endParaRPr lang="en-US" b="1" dirty="0">
+                    <a:solidFill>
+                      <a:schemeClr val="tx1"/>
+                    </a:solidFill>
+                  </a:endParaRPr>
+                </a:p>
+                <a:p>
+                  <a:pPr algn="ctr"/>
+                  <a:endParaRPr lang="en-US" b="1" dirty="0">
+                    <a:solidFill>
+                      <a:schemeClr val="tx1"/>
+                    </a:solidFill>
+                  </a:endParaRPr>
+                </a:p>
+                <a:p>
+                  <a:pPr algn="ctr"/>
+                  <a:r>
+                    <a:rPr lang="en-US" sz="1400" b="1" dirty="0">
+                      <a:solidFill>
+                        <a:srgbClr val="C00000"/>
+                      </a:solidFill>
+                      <a:latin typeface="Calibri" panose="020F0502020204030204" pitchFamily="34" charset="0"/>
+                      <a:cs typeface="Calibri" panose="020F0502020204030204" pitchFamily="34" charset="0"/>
+                    </a:rPr>
+                    <a:t>Optimize:</a:t>
+                  </a:r>
+                </a:p>
+                <a:p>
+                  <a:pPr algn="ctr"/>
+                  <a:r>
+                    <a:rPr lang="en-US" sz="1400" b="1" dirty="0">
+                      <a:solidFill>
+                        <a:srgbClr val="C00000"/>
+                      </a:solidFill>
+                      <a:latin typeface="Calibri" panose="020F0502020204030204" pitchFamily="34" charset="0"/>
+                      <a:cs typeface="Calibri" panose="020F0502020204030204" pitchFamily="34" charset="0"/>
+                    </a:rPr>
+                    <a:t>Only </a:t>
+                  </a:r>
+                </a:p>
+                <a:p>
+                  <a:pPr algn="ctr"/>
+                  <a:r>
+                    <a:rPr lang="en-US" sz="1400" b="1" i="1" dirty="0">
+                      <a:solidFill>
+                        <a:srgbClr val="C00000"/>
+                      </a:solidFill>
+                      <a:latin typeface="Calibri" panose="020F0502020204030204" pitchFamily="34" charset="0"/>
+                      <a:cs typeface="Calibri" panose="020F0502020204030204" pitchFamily="34" charset="0"/>
+                    </a:rPr>
+                    <a:t>Final</a:t>
+                  </a:r>
+                </a:p>
+                <a:p>
+                  <a:pPr algn="ctr"/>
+                  <a:r>
+                    <a:rPr lang="en-US" sz="1400" b="1" i="1" dirty="0">
+                      <a:solidFill>
+                        <a:srgbClr val="C00000"/>
+                      </a:solidFill>
+                      <a:latin typeface="Calibri" panose="020F0502020204030204" pitchFamily="34" charset="0"/>
+                      <a:cs typeface="Calibri" panose="020F0502020204030204" pitchFamily="34" charset="0"/>
+                    </a:rPr>
+                    <a:t>evaluation </a:t>
+                  </a:r>
+                  <a:r>
+                    <a:rPr lang="en-US" sz="1400" b="1" dirty="0">
+                      <a:solidFill>
+                        <a:srgbClr val="C00000"/>
+                      </a:solidFill>
+                      <a:latin typeface="Calibri" panose="020F0502020204030204" pitchFamily="34" charset="0"/>
+                      <a:cs typeface="Calibri" panose="020F0502020204030204" pitchFamily="34" charset="0"/>
+                    </a:rPr>
+                    <a:t>matters</a:t>
+                  </a:r>
+                </a:p>
+                <a:p>
+                  <a:pPr algn="ctr"/>
+                  <a:endParaRPr lang="en-US" b="1" dirty="0">
+                    <a:solidFill>
+                      <a:srgbClr val="C00000"/>
+                    </a:solidFill>
+                    <a:highlight>
+                      <a:srgbClr val="C0C0C0"/>
+                    </a:highlight>
+                    <a:latin typeface="Calibri" panose="020F0502020204030204" pitchFamily="34" charset="0"/>
+                    <a:cs typeface="Calibri" panose="020F0502020204030204" pitchFamily="34" charset="0"/>
+                  </a:endParaRPr>
+                </a:p>
+                <a:p>
+                  <a:pPr algn="ctr"/>
+                  <a:endParaRPr lang="en-US" b="1" dirty="0">
+                    <a:solidFill>
+                      <a:srgbClr val="C00000"/>
+                    </a:solidFill>
+                    <a:highlight>
+                      <a:srgbClr val="C0C0C0"/>
+                    </a:highlight>
+                    <a:latin typeface="Calibri" panose="020F0502020204030204" pitchFamily="34" charset="0"/>
+                    <a:cs typeface="Calibri" panose="020F0502020204030204" pitchFamily="34" charset="0"/>
+                  </a:endParaRPr>
+                </a:p>
+                <a:p>
+                  <a:pPr algn="ctr"/>
+                  <a:endParaRPr lang="en-US" b="1" dirty="0">
+                    <a:solidFill>
+                      <a:srgbClr val="C00000"/>
+                    </a:solidFill>
+                    <a:highlight>
+                      <a:srgbClr val="C0C0C0"/>
+                    </a:highlight>
+                    <a:latin typeface="Calibri" panose="020F0502020204030204" pitchFamily="34" charset="0"/>
+                    <a:cs typeface="Calibri" panose="020F0502020204030204" pitchFamily="34" charset="0"/>
+                  </a:endParaRPr>
+                </a:p>
+                <a:p>
+                  <a:pPr algn="ctr"/>
+                  <a:endParaRPr lang="en-US" b="1" dirty="0">
+                    <a:solidFill>
+                      <a:srgbClr val="C00000"/>
+                    </a:solidFill>
+                    <a:highlight>
+                      <a:srgbClr val="C0C0C0"/>
+                    </a:highlight>
+                    <a:latin typeface="Calibri" panose="020F0502020204030204" pitchFamily="34" charset="0"/>
+                    <a:cs typeface="Calibri" panose="020F0502020204030204" pitchFamily="34" charset="0"/>
+                  </a:endParaRPr>
+                </a:p>
+                <a:p>
+                  <a:pPr algn="ctr"/>
+                  <a:endParaRPr lang="en-US" b="1" dirty="0">
+                    <a:solidFill>
+                      <a:srgbClr val="C00000"/>
+                    </a:solidFill>
+                    <a:highlight>
+                      <a:srgbClr val="C0C0C0"/>
+                    </a:highlight>
+                    <a:latin typeface="Calibri" panose="020F0502020204030204" pitchFamily="34" charset="0"/>
+                    <a:cs typeface="Calibri" panose="020F0502020204030204" pitchFamily="34" charset="0"/>
+                  </a:endParaRPr>
+                </a:p>
+                <a:p>
+                  <a:pPr algn="ctr"/>
+                  <a:endParaRPr lang="en-US" b="1" dirty="0">
+                    <a:solidFill>
+                      <a:srgbClr val="C00000"/>
+                    </a:solidFill>
+                    <a:highlight>
+                      <a:srgbClr val="C0C0C0"/>
+                    </a:highlight>
+                    <a:latin typeface="Calibri" panose="020F0502020204030204" pitchFamily="34" charset="0"/>
+                    <a:cs typeface="Calibri" panose="020F0502020204030204" pitchFamily="34" charset="0"/>
+                  </a:endParaRPr>
+                </a:p>
+                <a:p>
+                  <a:pPr algn="ctr"/>
+                  <a:endParaRPr lang="en-US" b="1" dirty="0">
+                    <a:solidFill>
+                      <a:schemeClr val="tx1"/>
+                    </a:solidFill>
+                  </a:endParaRPr>
+                </a:p>
+              </p:txBody>
+            </p:sp>
+            <p:sp>
+              <p:nvSpPr>
+                <p:cNvPr id="53" name="Rectangle 52">
+                  <a:extLst>
+                    <a:ext uri="{FF2B5EF4-FFF2-40B4-BE49-F238E27FC236}">
+                      <a16:creationId xmlns:a16="http://schemas.microsoft.com/office/drawing/2014/main" id="{1D365F15-3267-4CDB-8A9B-A0F989AA81C0}"/>
+                    </a:ext>
+                  </a:extLst>
+                </p:cNvPr>
+                <p:cNvSpPr/>
+                <p:nvPr/>
+              </p:nvSpPr>
+              <p:spPr>
+                <a:xfrm>
+                  <a:off x="9191569" y="2356336"/>
+                  <a:ext cx="428018" cy="2337837"/>
+                </a:xfrm>
+                <a:prstGeom prst="rect">
+                  <a:avLst/>
+                </a:prstGeom>
+                <a:solidFill>
+                  <a:schemeClr val="tx2"/>
+                </a:solidFill>
+              </p:spPr>
+              <p:style>
+                <a:lnRef idx="2">
+                  <a:schemeClr val="accent1">
+                    <a:shade val="50000"/>
+                  </a:schemeClr>
+                </a:lnRef>
+                <a:fillRef idx="1">
+                  <a:schemeClr val="accent1"/>
+                </a:fillRef>
+                <a:effectRef idx="0">
+                  <a:schemeClr val="accent1"/>
+                </a:effectRef>
+                <a:fontRef idx="minor">
+                  <a:schemeClr val="lt1"/>
+                </a:fontRef>
+              </p:style>
+              <p:txBody>
+                <a:bodyPr vert="vert270" rtlCol="0" anchor="ctr"/>
+                <a:lstStyle/>
+                <a:p>
+                  <a:pPr algn="ctr"/>
+                  <a:r>
+                    <a:rPr lang="en-US" dirty="0"/>
+                    <a:t>Robustness @scale</a:t>
+                  </a:r>
+                </a:p>
+              </p:txBody>
+            </p:sp>
+          </p:grpSp>
+          <p:sp>
+            <p:nvSpPr>
+              <p:cNvPr id="55" name="Rectangle 54">
+                <a:extLst>
+                  <a:ext uri="{FF2B5EF4-FFF2-40B4-BE49-F238E27FC236}">
+                    <a16:creationId xmlns:a16="http://schemas.microsoft.com/office/drawing/2014/main" id="{9F9BDFC4-7C44-4636-92E2-5EB38E18B6FA}"/>
+                  </a:ext>
+                </a:extLst>
+              </p:cNvPr>
+              <p:cNvSpPr/>
+              <p:nvPr/>
+            </p:nvSpPr>
+            <p:spPr>
+              <a:xfrm>
+                <a:off x="879122" y="4751680"/>
+                <a:ext cx="3667825" cy="410992"/>
+              </a:xfrm>
+              <a:prstGeom prst="rect">
+                <a:avLst/>
+              </a:prstGeom>
+              <a:solidFill>
+                <a:srgbClr val="E9E9E9"/>
+              </a:solidFill>
+              <a:ln>
+                <a:noFill/>
+              </a:ln>
+            </p:spPr>
+            <p:style>
+              <a:lnRef idx="2">
+                <a:schemeClr val="accent1">
+                  <a:shade val="50000"/>
+                </a:schemeClr>
+              </a:lnRef>
+              <a:fillRef idx="1">
+                <a:schemeClr val="accent1"/>
+              </a:fillRef>
+              <a:effectRef idx="0">
+                <a:schemeClr val="accent1"/>
+              </a:effectRef>
+              <a:fontRef idx="minor">
+                <a:schemeClr val="lt1"/>
+              </a:fontRef>
+            </p:style>
+            <p:txBody>
+              <a:bodyPr rtlCol="0" anchor="ctr"/>
+              <a:lstStyle/>
+              <a:p>
+                <a:r>
+                  <a:rPr lang="en-US" sz="2600" b="1" dirty="0">
+                    <a:solidFill>
+                      <a:schemeClr val="tx2"/>
+                    </a:solidFill>
+                  </a:rPr>
+                  <a:t>Classify</a:t>
+                </a:r>
+              </a:p>
+            </p:txBody>
+          </p:sp>
+          <p:sp>
+            <p:nvSpPr>
+              <p:cNvPr id="57" name="Rectangle 56">
+                <a:extLst>
+                  <a:ext uri="{FF2B5EF4-FFF2-40B4-BE49-F238E27FC236}">
+                    <a16:creationId xmlns:a16="http://schemas.microsoft.com/office/drawing/2014/main" id="{67351631-0CA6-437D-959F-BC7CEA074508}"/>
+                  </a:ext>
+                </a:extLst>
+              </p:cNvPr>
+              <p:cNvSpPr/>
+              <p:nvPr/>
+            </p:nvSpPr>
+            <p:spPr>
+              <a:xfrm>
+                <a:off x="879122" y="5337284"/>
+                <a:ext cx="3735420" cy="410992"/>
+              </a:xfrm>
+              <a:prstGeom prst="rect">
+                <a:avLst/>
+              </a:prstGeom>
+              <a:solidFill>
+                <a:srgbClr val="E9E9E9"/>
+              </a:solidFill>
+              <a:ln>
+                <a:noFill/>
+              </a:ln>
+            </p:spPr>
+            <p:style>
+              <a:lnRef idx="2">
+                <a:schemeClr val="accent1">
+                  <a:shade val="50000"/>
+                </a:schemeClr>
+              </a:lnRef>
+              <a:fillRef idx="1">
+                <a:schemeClr val="accent1"/>
+              </a:fillRef>
+              <a:effectRef idx="0">
+                <a:schemeClr val="accent1"/>
+              </a:effectRef>
+              <a:fontRef idx="minor">
+                <a:schemeClr val="lt1"/>
+              </a:fontRef>
+            </p:style>
+            <p:txBody>
+              <a:bodyPr rtlCol="0" anchor="ctr"/>
+              <a:lstStyle/>
+              <a:p>
+                <a:pPr algn="ctr"/>
+                <a:r>
+                  <a:rPr lang="en-US" sz="2800" b="1" dirty="0">
+                    <a:solidFill>
+                      <a:schemeClr val="tx2"/>
+                    </a:solidFill>
+                  </a:rPr>
+                  <a:t>Evaluate &amp; Optimize</a:t>
+                </a:r>
+                <a:endParaRPr lang="en-US" sz="2600" b="1" dirty="0">
+                  <a:solidFill>
+                    <a:schemeClr val="tx2"/>
+                  </a:solidFill>
+                </a:endParaRPr>
+              </a:p>
+            </p:txBody>
+          </p:sp>
+        </p:grpSp>
+      </p:grpSp>
+      <p:grpSp>
+        <p:nvGrpSpPr>
+          <p:cNvPr id="79" name="Groupe 78">
+            <a:extLst>
+              <a:ext uri="{FF2B5EF4-FFF2-40B4-BE49-F238E27FC236}">
+                <a16:creationId xmlns:a16="http://schemas.microsoft.com/office/drawing/2014/main" id="{08C4F1B9-CF11-474C-94B1-42850D612F34}"/>
+              </a:ext>
+            </a:extLst>
+          </p:cNvPr>
+          <p:cNvGrpSpPr/>
+          <p:nvPr/>
+        </p:nvGrpSpPr>
+        <p:grpSpPr>
+          <a:xfrm>
+            <a:off x="1331405" y="5868422"/>
+            <a:ext cx="8739106" cy="923330"/>
+            <a:chOff x="1331405" y="5868422"/>
+            <a:chExt cx="8739106" cy="923330"/>
+          </a:xfrm>
+        </p:grpSpPr>
+        <p:sp>
+          <p:nvSpPr>
+            <p:cNvPr id="71" name="Rectangle 70">
+              <a:extLst>
+                <a:ext uri="{FF2B5EF4-FFF2-40B4-BE49-F238E27FC236}">
+                  <a16:creationId xmlns:a16="http://schemas.microsoft.com/office/drawing/2014/main" id="{96EDB364-ED02-494B-83E7-DF416F0AE134}"/>
+                </a:ext>
+              </a:extLst>
+            </p:cNvPr>
+            <p:cNvSpPr/>
+            <p:nvPr/>
+          </p:nvSpPr>
+          <p:spPr>
+            <a:xfrm>
+              <a:off x="1331405" y="5868422"/>
+              <a:ext cx="8739106" cy="923330"/>
+            </a:xfrm>
+            <a:prstGeom prst="rect">
+              <a:avLst/>
+            </a:prstGeom>
+            <a:solidFill>
+              <a:schemeClr val="bg2">
+                <a:lumMod val="75000"/>
+                <a:lumOff val="25000"/>
+              </a:schemeClr>
+            </a:solidFill>
+            <a:ln>
+              <a:noFill/>
+            </a:ln>
+            <a:scene3d>
+              <a:camera prst="orthographicFront"/>
+              <a:lightRig rig="threePt" dir="t"/>
+            </a:scene3d>
+            <a:sp3d>
+              <a:bevelT/>
+            </a:sp3d>
+          </p:spPr>
+          <p:style>
+            <a:lnRef idx="2">
+              <a:schemeClr val="accent1">
+                <a:shade val="50000"/>
+              </a:schemeClr>
+            </a:lnRef>
+            <a:fillRef idx="1">
+              <a:schemeClr val="accent1"/>
+            </a:fillRef>
+            <a:effectRef idx="0">
+              <a:schemeClr val="accent1"/>
+            </a:effectRef>
+            <a:fontRef idx="minor">
+              <a:schemeClr val="lt1"/>
+            </a:fontRef>
+          </p:style>
+          <p:txBody>
+            <a:bodyPr rtlCol="0" anchor="ctr"/>
+            <a:lstStyle/>
+            <a:p>
+              <a:r>
+                <a:rPr lang="en-US" sz="1600" b="1" dirty="0"/>
+                <a:t>Expected decisions :</a:t>
+              </a:r>
+            </a:p>
+            <a:p>
+              <a:endParaRPr lang="en-US" sz="1600" b="1" dirty="0"/>
+            </a:p>
+            <a:p>
+              <a:endParaRPr lang="en-US" sz="1600" b="1" dirty="0"/>
+            </a:p>
+          </p:txBody>
+        </p:sp>
+        <p:sp>
+          <p:nvSpPr>
+            <p:cNvPr id="26" name="Rectangle 25">
+              <a:extLst>
+                <a:ext uri="{FF2B5EF4-FFF2-40B4-BE49-F238E27FC236}">
+                  <a16:creationId xmlns:a16="http://schemas.microsoft.com/office/drawing/2014/main" id="{57CB3BCC-0513-4F62-8FBC-60252E7C5B03}"/>
+                </a:ext>
+              </a:extLst>
+            </p:cNvPr>
+            <p:cNvSpPr/>
+            <p:nvPr/>
+          </p:nvSpPr>
+          <p:spPr>
+            <a:xfrm>
+              <a:off x="8710643" y="5952176"/>
+              <a:ext cx="363984" cy="328474"/>
+            </a:xfrm>
+            <a:prstGeom prst="rect">
+              <a:avLst/>
+            </a:prstGeom>
+          </p:spPr>
+          <p:style>
+            <a:lnRef idx="2">
+              <a:schemeClr val="accent1">
+                <a:shade val="50000"/>
+              </a:schemeClr>
+            </a:lnRef>
+            <a:fillRef idx="1">
+              <a:schemeClr val="accent1"/>
+            </a:fillRef>
+            <a:effectRef idx="0">
+              <a:schemeClr val="accent1"/>
+            </a:effectRef>
+            <a:fontRef idx="minor">
+              <a:schemeClr val="lt1"/>
+            </a:fontRef>
+          </p:style>
+          <p:txBody>
+            <a:bodyPr rtlCol="0" anchor="ctr"/>
+            <a:lstStyle/>
+            <a:p>
+              <a:pPr algn="ctr"/>
+              <a:endParaRPr lang="en-US"/>
+            </a:p>
+          </p:txBody>
+        </p:sp>
+        <p:sp>
+          <p:nvSpPr>
+            <p:cNvPr id="42" name="Rectangle 41">
+              <a:extLst>
+                <a:ext uri="{FF2B5EF4-FFF2-40B4-BE49-F238E27FC236}">
+                  <a16:creationId xmlns:a16="http://schemas.microsoft.com/office/drawing/2014/main" id="{D628E37C-0DC9-4108-837D-BC1C95EBAB5D}"/>
+                </a:ext>
+              </a:extLst>
+            </p:cNvPr>
+            <p:cNvSpPr/>
+            <p:nvPr/>
+          </p:nvSpPr>
+          <p:spPr>
+            <a:xfrm>
+              <a:off x="9112175" y="5954678"/>
+              <a:ext cx="363984" cy="328474"/>
+            </a:xfrm>
+            <a:prstGeom prst="rect">
+              <a:avLst/>
+            </a:prstGeom>
+            <a:solidFill>
+              <a:schemeClr val="tx2">
+                <a:lumMod val="75000"/>
+              </a:schemeClr>
+            </a:solidFill>
+          </p:spPr>
+          <p:style>
+            <a:lnRef idx="2">
+              <a:schemeClr val="accent1">
+                <a:shade val="50000"/>
+              </a:schemeClr>
+            </a:lnRef>
+            <a:fillRef idx="1">
+              <a:schemeClr val="accent1"/>
+            </a:fillRef>
+            <a:effectRef idx="0">
+              <a:schemeClr val="accent1"/>
+            </a:effectRef>
+            <a:fontRef idx="minor">
+              <a:schemeClr val="lt1"/>
+            </a:fontRef>
+          </p:style>
+          <p:txBody>
+            <a:bodyPr rtlCol="0" anchor="ctr"/>
+            <a:lstStyle/>
+            <a:p>
+              <a:pPr algn="ctr"/>
+              <a:endParaRPr lang="en-US"/>
+            </a:p>
+          </p:txBody>
+        </p:sp>
+        <p:sp>
+          <p:nvSpPr>
+            <p:cNvPr id="44" name="ZoneTexte 43">
+              <a:extLst>
+                <a:ext uri="{FF2B5EF4-FFF2-40B4-BE49-F238E27FC236}">
+                  <a16:creationId xmlns:a16="http://schemas.microsoft.com/office/drawing/2014/main" id="{85C25604-50F7-4B40-84FB-643612696135}"/>
+                </a:ext>
+              </a:extLst>
+            </p:cNvPr>
+            <p:cNvSpPr txBox="1"/>
+            <p:nvPr/>
+          </p:nvSpPr>
+          <p:spPr>
+            <a:xfrm>
+              <a:off x="3071420" y="6303937"/>
+              <a:ext cx="6999091" cy="369332"/>
+            </a:xfrm>
+            <a:prstGeom prst="rect">
+              <a:avLst/>
+            </a:prstGeom>
+            <a:noFill/>
+          </p:spPr>
+          <p:txBody>
+            <a:bodyPr wrap="square" rtlCol="0">
+              <a:spAutoFit/>
+            </a:bodyPr>
+            <a:lstStyle/>
+            <a:p>
+              <a:r>
+                <a:rPr lang="en-US" b="1" dirty="0"/>
+                <a:t>Engage</a:t>
+              </a:r>
+              <a:r>
+                <a:rPr lang="en-US" dirty="0"/>
+                <a:t> next step : Assess Risks &amp; Opportunity       </a:t>
+              </a:r>
+              <a:r>
+                <a:rPr lang="en-US" b="1" dirty="0"/>
+                <a:t>Y 		N</a:t>
+              </a:r>
+              <a:endParaRPr lang="en-US" dirty="0"/>
+            </a:p>
+          </p:txBody>
+        </p:sp>
+        <p:sp>
+          <p:nvSpPr>
+            <p:cNvPr id="72" name="Rectangle 71">
+              <a:extLst>
+                <a:ext uri="{FF2B5EF4-FFF2-40B4-BE49-F238E27FC236}">
+                  <a16:creationId xmlns:a16="http://schemas.microsoft.com/office/drawing/2014/main" id="{2247E8DC-B1C8-4594-8C8E-68EF291DFF6D}"/>
+                </a:ext>
+              </a:extLst>
+            </p:cNvPr>
+            <p:cNvSpPr/>
+            <p:nvPr/>
+          </p:nvSpPr>
+          <p:spPr>
+            <a:xfrm>
+              <a:off x="8710643" y="6341954"/>
+              <a:ext cx="351378" cy="348127"/>
+            </a:xfrm>
+            <a:prstGeom prst="rect">
+              <a:avLst/>
+            </a:prstGeom>
+          </p:spPr>
+          <p:style>
+            <a:lnRef idx="2">
+              <a:schemeClr val="accent1">
+                <a:shade val="50000"/>
+              </a:schemeClr>
+            </a:lnRef>
+            <a:fillRef idx="1">
+              <a:schemeClr val="accent1"/>
+            </a:fillRef>
+            <a:effectRef idx="0">
+              <a:schemeClr val="accent1"/>
+            </a:effectRef>
+            <a:fontRef idx="minor">
+              <a:schemeClr val="lt1"/>
+            </a:fontRef>
+          </p:style>
+          <p:txBody>
+            <a:bodyPr rtlCol="0" anchor="ctr"/>
+            <a:lstStyle/>
+            <a:p>
+              <a:pPr algn="ctr"/>
+              <a:endParaRPr lang="en-US"/>
+            </a:p>
+          </p:txBody>
+        </p:sp>
+        <p:sp>
+          <p:nvSpPr>
+            <p:cNvPr id="73" name="Rectangle 72">
+              <a:extLst>
+                <a:ext uri="{FF2B5EF4-FFF2-40B4-BE49-F238E27FC236}">
+                  <a16:creationId xmlns:a16="http://schemas.microsoft.com/office/drawing/2014/main" id="{799E3316-4271-42E5-9235-96B11F111521}"/>
+                </a:ext>
+              </a:extLst>
+            </p:cNvPr>
+            <p:cNvSpPr/>
+            <p:nvPr/>
+          </p:nvSpPr>
+          <p:spPr>
+            <a:xfrm>
+              <a:off x="9112175" y="6344457"/>
+              <a:ext cx="351378" cy="345624"/>
+            </a:xfrm>
+            <a:prstGeom prst="rect">
+              <a:avLst/>
+            </a:prstGeom>
+            <a:solidFill>
+              <a:schemeClr val="tx2">
+                <a:lumMod val="75000"/>
+              </a:schemeClr>
+            </a:solidFill>
+          </p:spPr>
+          <p:style>
+            <a:lnRef idx="2">
+              <a:schemeClr val="accent1">
+                <a:shade val="50000"/>
+              </a:schemeClr>
+            </a:lnRef>
+            <a:fillRef idx="1">
+              <a:schemeClr val="accent1"/>
+            </a:fillRef>
+            <a:effectRef idx="0">
+              <a:schemeClr val="accent1"/>
+            </a:effectRef>
+            <a:fontRef idx="minor">
+              <a:schemeClr val="lt1"/>
+            </a:fontRef>
+          </p:style>
+          <p:txBody>
+            <a:bodyPr rtlCol="0" anchor="ctr"/>
+            <a:lstStyle/>
+            <a:p>
+              <a:pPr algn="ctr"/>
+              <a:endParaRPr lang="en-US"/>
+            </a:p>
+          </p:txBody>
+        </p:sp>
+        <p:sp>
+          <p:nvSpPr>
+            <p:cNvPr id="28" name="ZoneTexte 27">
+              <a:extLst>
+                <a:ext uri="{FF2B5EF4-FFF2-40B4-BE49-F238E27FC236}">
+                  <a16:creationId xmlns:a16="http://schemas.microsoft.com/office/drawing/2014/main" id="{53E34A3F-E746-448C-9F85-2D37382E1A6A}"/>
+                </a:ext>
+              </a:extLst>
+            </p:cNvPr>
+            <p:cNvSpPr txBox="1"/>
+            <p:nvPr/>
+          </p:nvSpPr>
+          <p:spPr>
+            <a:xfrm>
+              <a:off x="5197033" y="5910721"/>
+              <a:ext cx="4790471" cy="376404"/>
+            </a:xfrm>
+            <a:prstGeom prst="rect">
+              <a:avLst/>
+            </a:prstGeom>
+            <a:noFill/>
+          </p:spPr>
+          <p:txBody>
+            <a:bodyPr wrap="square" rtlCol="0">
+              <a:spAutoFit/>
+            </a:bodyPr>
+            <a:lstStyle/>
+            <a:p>
+              <a:r>
+                <a:rPr lang="en-US" dirty="0"/>
+                <a:t>Feasibility study </a:t>
+              </a:r>
+              <a:r>
+                <a:rPr lang="en-US" b="1" dirty="0"/>
+                <a:t>validation</a:t>
+              </a:r>
+              <a:r>
+                <a:rPr lang="en-US" dirty="0"/>
+                <a:t>  	 </a:t>
+              </a:r>
+              <a:r>
+                <a:rPr lang="en-US" b="1" dirty="0"/>
+                <a:t>Y 		  N</a:t>
+              </a:r>
+              <a:endParaRPr lang="en-US" dirty="0"/>
+            </a:p>
+          </p:txBody>
+        </p:sp>
+      </p:grpSp>
+      <p:grpSp>
+        <p:nvGrpSpPr>
+          <p:cNvPr id="77" name="Groupe 76">
+            <a:extLst>
+              <a:ext uri="{FF2B5EF4-FFF2-40B4-BE49-F238E27FC236}">
+                <a16:creationId xmlns:a16="http://schemas.microsoft.com/office/drawing/2014/main" id="{214220FF-C5E7-4482-BD54-93BA9D58D6B6}"/>
+              </a:ext>
+            </a:extLst>
+          </p:cNvPr>
+          <p:cNvGrpSpPr/>
+          <p:nvPr/>
+        </p:nvGrpSpPr>
+        <p:grpSpPr>
+          <a:xfrm>
+            <a:off x="8705088" y="1866787"/>
+            <a:ext cx="1828998" cy="3692874"/>
+            <a:chOff x="8664706" y="1859220"/>
+            <a:chExt cx="1828998" cy="3692874"/>
+          </a:xfrm>
+        </p:grpSpPr>
+        <p:grpSp>
+          <p:nvGrpSpPr>
+            <p:cNvPr id="70" name="Groupe 69">
+              <a:extLst>
+                <a:ext uri="{FF2B5EF4-FFF2-40B4-BE49-F238E27FC236}">
+                  <a16:creationId xmlns:a16="http://schemas.microsoft.com/office/drawing/2014/main" id="{078E31AB-F4F6-4D3A-93DD-8E2E4898F243}"/>
+                </a:ext>
+              </a:extLst>
+            </p:cNvPr>
+            <p:cNvGrpSpPr/>
+            <p:nvPr/>
+          </p:nvGrpSpPr>
+          <p:grpSpPr>
+            <a:xfrm>
+              <a:off x="8745470" y="2277322"/>
+              <a:ext cx="1748234" cy="3274772"/>
+              <a:chOff x="9709599" y="2443618"/>
+              <a:chExt cx="1748234" cy="3274772"/>
+            </a:xfrm>
+          </p:grpSpPr>
+          <p:sp>
+            <p:nvSpPr>
+              <p:cNvPr id="49" name="Flèche : droite 48">
+                <a:extLst>
+                  <a:ext uri="{FF2B5EF4-FFF2-40B4-BE49-F238E27FC236}">
+                    <a16:creationId xmlns:a16="http://schemas.microsoft.com/office/drawing/2014/main" id="{AB00182B-5383-419A-BCB6-CAB3725185B1}"/>
+                  </a:ext>
+                </a:extLst>
+              </p:cNvPr>
+              <p:cNvSpPr/>
+              <p:nvPr/>
+            </p:nvSpPr>
+            <p:spPr>
+              <a:xfrm flipH="1">
+                <a:off x="9709599" y="2443618"/>
+                <a:ext cx="329256" cy="369332"/>
+              </a:xfrm>
+              <a:prstGeom prst="rightArrow">
+                <a:avLst/>
+              </a:prstGeom>
+            </p:spPr>
+            <p:style>
+              <a:lnRef idx="2">
+                <a:schemeClr val="accent1">
+                  <a:shade val="50000"/>
+                </a:schemeClr>
+              </a:lnRef>
+              <a:fillRef idx="1">
+                <a:schemeClr val="accent1"/>
+              </a:fillRef>
+              <a:effectRef idx="0">
+                <a:schemeClr val="accent1"/>
+              </a:effectRef>
+              <a:fontRef idx="minor">
+                <a:schemeClr val="lt1"/>
+              </a:fontRef>
+            </p:style>
+            <p:txBody>
+              <a:bodyPr rtlCol="0" anchor="ctr"/>
+              <a:lstStyle/>
+              <a:p>
+                <a:pPr algn="ctr"/>
+                <a:endParaRPr lang="en-US"/>
+              </a:p>
+            </p:txBody>
+          </p:sp>
+          <p:sp>
+            <p:nvSpPr>
+              <p:cNvPr id="59" name="ZoneTexte 58">
+                <a:extLst>
+                  <a:ext uri="{FF2B5EF4-FFF2-40B4-BE49-F238E27FC236}">
+                    <a16:creationId xmlns:a16="http://schemas.microsoft.com/office/drawing/2014/main" id="{2A711468-239E-4697-B635-3CAFC5F2587B}"/>
+                  </a:ext>
+                </a:extLst>
+              </p:cNvPr>
+              <p:cNvSpPr txBox="1"/>
+              <p:nvPr/>
+            </p:nvSpPr>
+            <p:spPr>
+              <a:xfrm>
+                <a:off x="10038855" y="2443618"/>
+                <a:ext cx="995785" cy="369332"/>
+              </a:xfrm>
+              <a:prstGeom prst="rect">
+                <a:avLst/>
+              </a:prstGeom>
+              <a:noFill/>
+            </p:spPr>
+            <p:txBody>
+              <a:bodyPr wrap="none" rtlCol="0">
+                <a:spAutoFit/>
+              </a:bodyPr>
+              <a:lstStyle/>
+              <a:p>
+                <a:r>
+                  <a:rPr lang="en-US" dirty="0"/>
+                  <a:t>Scaling</a:t>
+                </a:r>
+              </a:p>
+            </p:txBody>
+          </p:sp>
+          <p:sp>
+            <p:nvSpPr>
+              <p:cNvPr id="60" name="ZoneTexte 59">
+                <a:extLst>
+                  <a:ext uri="{FF2B5EF4-FFF2-40B4-BE49-F238E27FC236}">
+                    <a16:creationId xmlns:a16="http://schemas.microsoft.com/office/drawing/2014/main" id="{3CA51CC9-DAF1-4F85-B172-9EA1C4D3D7BF}"/>
+                  </a:ext>
+                </a:extLst>
+              </p:cNvPr>
+              <p:cNvSpPr txBox="1"/>
+              <p:nvPr/>
+            </p:nvSpPr>
+            <p:spPr>
+              <a:xfrm>
+                <a:off x="9939478" y="3024514"/>
+                <a:ext cx="1414170" cy="369332"/>
+              </a:xfrm>
+              <a:prstGeom prst="rect">
+                <a:avLst/>
+              </a:prstGeom>
+              <a:noFill/>
+            </p:spPr>
+            <p:txBody>
+              <a:bodyPr wrap="none" rtlCol="0">
+                <a:spAutoFit/>
+              </a:bodyPr>
+              <a:lstStyle/>
+              <a:p>
+                <a:r>
+                  <a:rPr lang="en-US" dirty="0"/>
+                  <a:t> </a:t>
+                </a:r>
+                <a:r>
+                  <a:rPr lang="en-US" i="1" dirty="0"/>
+                  <a:t>processors</a:t>
+                </a:r>
+              </a:p>
+            </p:txBody>
+          </p:sp>
+          <p:sp>
+            <p:nvSpPr>
+              <p:cNvPr id="61" name="Flèche : droite 60">
+                <a:extLst>
+                  <a:ext uri="{FF2B5EF4-FFF2-40B4-BE49-F238E27FC236}">
+                    <a16:creationId xmlns:a16="http://schemas.microsoft.com/office/drawing/2014/main" id="{6402AC7F-F058-4602-893F-845DD2744200}"/>
+                  </a:ext>
+                </a:extLst>
+              </p:cNvPr>
+              <p:cNvSpPr/>
+              <p:nvPr/>
+            </p:nvSpPr>
+            <p:spPr>
+              <a:xfrm flipH="1">
+                <a:off x="9709599" y="3029063"/>
+                <a:ext cx="329256" cy="369332"/>
+              </a:xfrm>
+              <a:prstGeom prst="rightArrow">
+                <a:avLst/>
+              </a:prstGeom>
+              <a:solidFill>
+                <a:schemeClr val="accent3"/>
+              </a:solidFill>
+            </p:spPr>
+            <p:style>
+              <a:lnRef idx="2">
+                <a:schemeClr val="accent1">
+                  <a:shade val="50000"/>
+                </a:schemeClr>
+              </a:lnRef>
+              <a:fillRef idx="1">
+                <a:schemeClr val="accent1"/>
+              </a:fillRef>
+              <a:effectRef idx="0">
+                <a:schemeClr val="accent1"/>
+              </a:effectRef>
+              <a:fontRef idx="minor">
+                <a:schemeClr val="lt1"/>
+              </a:fontRef>
+            </p:style>
+            <p:txBody>
+              <a:bodyPr rtlCol="0" anchor="ctr"/>
+              <a:lstStyle/>
+              <a:p>
+                <a:pPr algn="ctr"/>
+                <a:endParaRPr lang="en-US"/>
+              </a:p>
+            </p:txBody>
+          </p:sp>
+          <p:sp>
+            <p:nvSpPr>
+              <p:cNvPr id="62" name="Flèche : droite 61">
+                <a:extLst>
+                  <a:ext uri="{FF2B5EF4-FFF2-40B4-BE49-F238E27FC236}">
+                    <a16:creationId xmlns:a16="http://schemas.microsoft.com/office/drawing/2014/main" id="{96EFFF1E-BA6A-4F9B-9BA6-2836BF540A94}"/>
+                  </a:ext>
+                </a:extLst>
+              </p:cNvPr>
+              <p:cNvSpPr/>
+              <p:nvPr/>
+            </p:nvSpPr>
+            <p:spPr>
+              <a:xfrm flipH="1">
+                <a:off x="9726585" y="3616171"/>
+                <a:ext cx="329256" cy="369332"/>
+              </a:xfrm>
+              <a:prstGeom prst="rightArrow">
+                <a:avLst/>
+              </a:prstGeom>
+              <a:solidFill>
+                <a:schemeClr val="accent3"/>
+              </a:solidFill>
+            </p:spPr>
+            <p:style>
+              <a:lnRef idx="2">
+                <a:schemeClr val="accent1">
+                  <a:shade val="50000"/>
+                </a:schemeClr>
+              </a:lnRef>
+              <a:fillRef idx="1">
+                <a:schemeClr val="accent1"/>
+              </a:fillRef>
+              <a:effectRef idx="0">
+                <a:schemeClr val="accent1"/>
+              </a:effectRef>
+              <a:fontRef idx="minor">
+                <a:schemeClr val="lt1"/>
+              </a:fontRef>
+            </p:style>
+            <p:txBody>
+              <a:bodyPr rtlCol="0" anchor="ctr"/>
+              <a:lstStyle/>
+              <a:p>
+                <a:pPr algn="ctr"/>
+                <a:endParaRPr lang="en-US"/>
+              </a:p>
+            </p:txBody>
+          </p:sp>
+          <p:sp>
+            <p:nvSpPr>
+              <p:cNvPr id="63" name="ZoneTexte 62">
+                <a:extLst>
+                  <a:ext uri="{FF2B5EF4-FFF2-40B4-BE49-F238E27FC236}">
+                    <a16:creationId xmlns:a16="http://schemas.microsoft.com/office/drawing/2014/main" id="{6D892BEB-AA9C-4D56-82C5-584DD56D4DFC}"/>
+                  </a:ext>
+                </a:extLst>
+              </p:cNvPr>
+              <p:cNvSpPr txBox="1"/>
+              <p:nvPr/>
+            </p:nvSpPr>
+            <p:spPr>
+              <a:xfrm>
+                <a:off x="10026150" y="3616171"/>
+                <a:ext cx="1287532" cy="369332"/>
+              </a:xfrm>
+              <a:prstGeom prst="rect">
+                <a:avLst/>
+              </a:prstGeom>
+              <a:noFill/>
+            </p:spPr>
+            <p:txBody>
+              <a:bodyPr wrap="none" rtlCol="0">
+                <a:spAutoFit/>
+              </a:bodyPr>
+              <a:lstStyle/>
+              <a:p>
+                <a:r>
+                  <a:rPr lang="en-US" i="1" dirty="0"/>
+                  <a:t>extractors</a:t>
+                </a:r>
+              </a:p>
+            </p:txBody>
+          </p:sp>
+          <p:sp>
+            <p:nvSpPr>
+              <p:cNvPr id="64" name="Flèche : droite 63">
+                <a:extLst>
+                  <a:ext uri="{FF2B5EF4-FFF2-40B4-BE49-F238E27FC236}">
+                    <a16:creationId xmlns:a16="http://schemas.microsoft.com/office/drawing/2014/main" id="{3669C6C1-4292-4360-88DF-6C4357FE4578}"/>
+                  </a:ext>
+                </a:extLst>
+              </p:cNvPr>
+              <p:cNvSpPr/>
+              <p:nvPr/>
+            </p:nvSpPr>
+            <p:spPr>
+              <a:xfrm flipH="1">
+                <a:off x="9709599" y="4224772"/>
+                <a:ext cx="329256" cy="369332"/>
+              </a:xfrm>
+              <a:prstGeom prst="rightArrow">
+                <a:avLst/>
+              </a:prstGeom>
+              <a:solidFill>
+                <a:schemeClr val="accent3"/>
+              </a:solidFill>
+            </p:spPr>
+            <p:style>
+              <a:lnRef idx="2">
+                <a:schemeClr val="accent1">
+                  <a:shade val="50000"/>
+                </a:schemeClr>
+              </a:lnRef>
+              <a:fillRef idx="1">
+                <a:schemeClr val="accent1"/>
+              </a:fillRef>
+              <a:effectRef idx="0">
+                <a:schemeClr val="accent1"/>
+              </a:effectRef>
+              <a:fontRef idx="minor">
+                <a:schemeClr val="lt1"/>
+              </a:fontRef>
+            </p:style>
+            <p:txBody>
+              <a:bodyPr rtlCol="0" anchor="ctr"/>
+              <a:lstStyle/>
+              <a:p>
+                <a:pPr algn="ctr"/>
+                <a:endParaRPr lang="en-US"/>
+              </a:p>
+            </p:txBody>
+          </p:sp>
+          <p:sp>
+            <p:nvSpPr>
+              <p:cNvPr id="65" name="ZoneTexte 64">
+                <a:extLst>
+                  <a:ext uri="{FF2B5EF4-FFF2-40B4-BE49-F238E27FC236}">
+                    <a16:creationId xmlns:a16="http://schemas.microsoft.com/office/drawing/2014/main" id="{9D79833D-3CFA-45E8-9CC0-5E3C94634DE9}"/>
+                  </a:ext>
+                </a:extLst>
+              </p:cNvPr>
+              <p:cNvSpPr txBox="1"/>
+              <p:nvPr/>
+            </p:nvSpPr>
+            <p:spPr>
+              <a:xfrm>
+                <a:off x="10038855" y="4224772"/>
+                <a:ext cx="1162498" cy="369332"/>
+              </a:xfrm>
+              <a:prstGeom prst="rect">
+                <a:avLst/>
+              </a:prstGeom>
+              <a:noFill/>
+            </p:spPr>
+            <p:txBody>
+              <a:bodyPr wrap="none" rtlCol="0">
+                <a:spAutoFit/>
+              </a:bodyPr>
+              <a:lstStyle/>
+              <a:p>
+                <a:r>
+                  <a:rPr lang="en-US" i="1" dirty="0"/>
+                  <a:t>reducers</a:t>
+                </a:r>
+              </a:p>
+            </p:txBody>
+          </p:sp>
+          <p:sp>
+            <p:nvSpPr>
+              <p:cNvPr id="66" name="Flèche : droite 65">
+                <a:extLst>
+                  <a:ext uri="{FF2B5EF4-FFF2-40B4-BE49-F238E27FC236}">
+                    <a16:creationId xmlns:a16="http://schemas.microsoft.com/office/drawing/2014/main" id="{45D2918F-70F8-472A-BA0E-93F6F533F573}"/>
+                  </a:ext>
+                </a:extLst>
+              </p:cNvPr>
+              <p:cNvSpPr/>
+              <p:nvPr/>
+            </p:nvSpPr>
+            <p:spPr>
+              <a:xfrm flipH="1">
+                <a:off x="9722767" y="4778558"/>
+                <a:ext cx="329256" cy="369332"/>
+              </a:xfrm>
+              <a:prstGeom prst="rightArrow">
+                <a:avLst/>
+              </a:prstGeom>
+            </p:spPr>
+            <p:style>
+              <a:lnRef idx="2">
+                <a:schemeClr val="accent1">
+                  <a:shade val="50000"/>
+                </a:schemeClr>
+              </a:lnRef>
+              <a:fillRef idx="1">
+                <a:schemeClr val="accent1"/>
+              </a:fillRef>
+              <a:effectRef idx="0">
+                <a:schemeClr val="accent1"/>
+              </a:effectRef>
+              <a:fontRef idx="minor">
+                <a:schemeClr val="lt1"/>
+              </a:fontRef>
+            </p:style>
+            <p:txBody>
+              <a:bodyPr rtlCol="0" anchor="ctr"/>
+              <a:lstStyle/>
+              <a:p>
+                <a:pPr algn="ctr"/>
+                <a:endParaRPr lang="en-US"/>
+              </a:p>
+            </p:txBody>
+          </p:sp>
+          <p:sp>
+            <p:nvSpPr>
+              <p:cNvPr id="67" name="ZoneTexte 66">
+                <a:extLst>
+                  <a:ext uri="{FF2B5EF4-FFF2-40B4-BE49-F238E27FC236}">
+                    <a16:creationId xmlns:a16="http://schemas.microsoft.com/office/drawing/2014/main" id="{A33A9E87-0FC9-49D9-89AA-612342D11460}"/>
+                  </a:ext>
+                </a:extLst>
+              </p:cNvPr>
+              <p:cNvSpPr txBox="1"/>
+              <p:nvPr/>
+            </p:nvSpPr>
+            <p:spPr>
+              <a:xfrm>
+                <a:off x="10038855" y="4795060"/>
+                <a:ext cx="1418978" cy="923330"/>
+              </a:xfrm>
+              <a:prstGeom prst="rect">
+                <a:avLst/>
+              </a:prstGeom>
+              <a:noFill/>
+            </p:spPr>
+            <p:txBody>
+              <a:bodyPr wrap="none" rtlCol="0">
+                <a:spAutoFit/>
+              </a:bodyPr>
+              <a:lstStyle/>
+              <a:p>
+                <a:r>
+                  <a:rPr lang="en-US" dirty="0"/>
+                  <a:t>Illustration </a:t>
+                </a:r>
+              </a:p>
+              <a:p>
+                <a:pPr algn="ctr"/>
+                <a:r>
+                  <a:rPr lang="en-US" dirty="0"/>
+                  <a:t>≠ </a:t>
+                </a:r>
+              </a:p>
+              <a:p>
+                <a:r>
+                  <a:rPr lang="en-US" dirty="0"/>
+                  <a:t>Evaluation </a:t>
+                </a:r>
+              </a:p>
+            </p:txBody>
+          </p:sp>
+          <p:sp>
+            <p:nvSpPr>
+              <p:cNvPr id="69" name="ZoneTexte 68">
+                <a:extLst>
+                  <a:ext uri="{FF2B5EF4-FFF2-40B4-BE49-F238E27FC236}">
+                    <a16:creationId xmlns:a16="http://schemas.microsoft.com/office/drawing/2014/main" id="{4FD213E4-E8B9-45B3-AAAE-59EA64981BD0}"/>
+                  </a:ext>
+                </a:extLst>
+              </p:cNvPr>
+              <p:cNvSpPr txBox="1"/>
+              <p:nvPr/>
+            </p:nvSpPr>
+            <p:spPr>
+              <a:xfrm>
+                <a:off x="9840332" y="2789814"/>
+                <a:ext cx="1593329" cy="369332"/>
+              </a:xfrm>
+              <a:prstGeom prst="rect">
+                <a:avLst/>
+              </a:prstGeom>
+              <a:noFill/>
+            </p:spPr>
+            <p:txBody>
+              <a:bodyPr wrap="square">
+                <a:spAutoFit/>
+              </a:bodyPr>
+              <a:lstStyle/>
+              <a:p>
+                <a:r>
+                  <a:rPr lang="en-US" dirty="0"/>
+                  <a:t>Alternate…</a:t>
+                </a:r>
+              </a:p>
+            </p:txBody>
+          </p:sp>
+        </p:grpSp>
+        <p:sp>
+          <p:nvSpPr>
+            <p:cNvPr id="76" name="ZoneTexte 75">
+              <a:extLst>
+                <a:ext uri="{FF2B5EF4-FFF2-40B4-BE49-F238E27FC236}">
+                  <a16:creationId xmlns:a16="http://schemas.microsoft.com/office/drawing/2014/main" id="{61048C6C-6E1E-4995-9517-785B5EC712D2}"/>
+                </a:ext>
+              </a:extLst>
+            </p:cNvPr>
+            <p:cNvSpPr txBox="1"/>
+            <p:nvPr/>
+          </p:nvSpPr>
+          <p:spPr>
+            <a:xfrm>
+              <a:off x="8664706" y="1859220"/>
+              <a:ext cx="1322798" cy="369332"/>
+            </a:xfrm>
+            <a:prstGeom prst="rect">
+              <a:avLst/>
+            </a:prstGeom>
+            <a:noFill/>
+          </p:spPr>
+          <p:txBody>
+            <a:bodyPr wrap="none" rtlCol="0">
+              <a:spAutoFit/>
+            </a:bodyPr>
+            <a:lstStyle/>
+            <a:p>
+              <a:r>
+                <a:rPr lang="en-US" dirty="0"/>
+                <a:t>Key points</a:t>
+              </a:r>
+            </a:p>
+          </p:txBody>
+        </p:sp>
+      </p:grpSp>
+    </p:spTree>
+    <p:extLst>
+      <p:ext uri="{BB962C8B-B14F-4D97-AF65-F5344CB8AC3E}">
+        <p14:creationId xmlns:p14="http://schemas.microsoft.com/office/powerpoint/2010/main" val="1475853891"/>
+      </p:ext>
+    </p:extLst>
+  </p:cSld>
+  <p:clrMapOvr>
+    <a:masterClrMapping/>
+  </p:clrMapOvr>
+  <p:timing>
+    <p:tnLst>
+      <p:par>
+        <p:cTn id="1" dur="indefinite" restart="never" nodeType="tmRoot">
+          <p:childTnLst>
+            <p:seq concurrent="1" nextAc="seek">
+              <p:cTn id="2" dur="indefinite" nodeType="mainSeq">
+                <p:childTnLst>
+                  <p:par>
+                    <p:cTn id="3" fill="hold">
+                      <p:stCondLst>
+                        <p:cond delay="indefinite"/>
+                      </p:stCondLst>
+                      <p:childTnLst>
+                        <p:par>
+                          <p:cTn id="4" fill="hold">
+                            <p:stCondLst>
+                              <p:cond delay="0"/>
+                            </p:stCondLst>
+                            <p:childTnLst>
+                              <p:par>
+                                <p:cTn id="5" presetID="1" presetClass="entr" presetSubtype="0" fill="hold" grpId="0" nodeType="clickEffect">
+                                  <p:stCondLst>
+                                    <p:cond delay="0"/>
+                                  </p:stCondLst>
+                                  <p:childTnLst>
+                                    <p:set>
+                                      <p:cBhvr>
+                                        <p:cTn id="6" dur="1" fill="hold">
+                                          <p:stCondLst>
+                                            <p:cond delay="0"/>
+                                          </p:stCondLst>
+                                        </p:cTn>
+                                        <p:tgtEl>
+                                          <p:spTgt spid="5">
+                                            <p:graphicEl>
+                                              <a:dgm id="{66B5E8D0-C3C5-4776-813F-104A6EDDE371}"/>
+                                            </p:graphicEl>
+                                          </p:spTgt>
+                                        </p:tgtEl>
+                                        <p:attrNameLst>
+                                          <p:attrName>style.visibility</p:attrName>
+                                        </p:attrNameLst>
+                                      </p:cBhvr>
+                                      <p:to>
+                                        <p:strVal val="visible"/>
+                                      </p:to>
+                                    </p:set>
+                                  </p:childTnLst>
+                                </p:cTn>
+                              </p:par>
+                              <p:par>
+                                <p:cTn id="7" presetID="1" presetClass="entr" presetSubtype="0" fill="hold" grpId="0" nodeType="withEffect">
+                                  <p:stCondLst>
+                                    <p:cond delay="0"/>
+                                  </p:stCondLst>
+                                  <p:childTnLst>
+                                    <p:set>
+                                      <p:cBhvr>
+                                        <p:cTn id="8" dur="1" fill="hold">
+                                          <p:stCondLst>
+                                            <p:cond delay="0"/>
+                                          </p:stCondLst>
+                                        </p:cTn>
+                                        <p:tgtEl>
+                                          <p:spTgt spid="5">
+                                            <p:graphicEl>
+                                              <a:dgm id="{1CE05AB9-8EB1-42AD-A548-E67BC226A424}"/>
+                                            </p:graphicEl>
+                                          </p:spTgt>
+                                        </p:tgtEl>
+                                        <p:attrNameLst>
+                                          <p:attrName>style.visibility</p:attrName>
+                                        </p:attrNameLst>
+                                      </p:cBhvr>
+                                      <p:to>
+                                        <p:strVal val="visible"/>
+                                      </p:to>
+                                    </p:set>
+                                  </p:childTnLst>
+                                </p:cTn>
+                              </p:par>
+                              <p:par>
+                                <p:cTn id="9" presetID="1" presetClass="entr" presetSubtype="0" fill="hold" grpId="0" nodeType="withEffect">
+                                  <p:stCondLst>
+                                    <p:cond delay="0"/>
+                                  </p:stCondLst>
+                                  <p:childTnLst>
+                                    <p:set>
+                                      <p:cBhvr>
+                                        <p:cTn id="10" dur="1" fill="hold">
+                                          <p:stCondLst>
+                                            <p:cond delay="0"/>
+                                          </p:stCondLst>
+                                        </p:cTn>
+                                        <p:tgtEl>
+                                          <p:spTgt spid="5">
+                                            <p:graphicEl>
+                                              <a:dgm id="{0D779403-E225-4320-A830-D20BF9A9A2C2}"/>
+                                            </p:graphicEl>
+                                          </p:spTgt>
+                                        </p:tgtEl>
+                                        <p:attrNameLst>
+                                          <p:attrName>style.visibility</p:attrName>
+                                        </p:attrNameLst>
+                                      </p:cBhvr>
+                                      <p:to>
+                                        <p:strVal val="visible"/>
+                                      </p:to>
+                                    </p:set>
+                                  </p:childTnLst>
+                                </p:cTn>
+                              </p:par>
+                              <p:par>
+                                <p:cTn id="11" presetID="1" presetClass="entr" presetSubtype="0" fill="hold" grpId="0" nodeType="withEffect">
+                                  <p:stCondLst>
+                                    <p:cond delay="0"/>
+                                  </p:stCondLst>
+                                  <p:childTnLst>
+                                    <p:set>
+                                      <p:cBhvr>
+                                        <p:cTn id="12" dur="1" fill="hold">
+                                          <p:stCondLst>
+                                            <p:cond delay="0"/>
+                                          </p:stCondLst>
+                                        </p:cTn>
+                                        <p:tgtEl>
+                                          <p:spTgt spid="5">
+                                            <p:graphicEl>
+                                              <a:dgm id="{5130C173-FF7F-4D63-B5CB-83B160B0C014}"/>
+                                            </p:graphicEl>
+                                          </p:spTgt>
+                                        </p:tgtEl>
+                                        <p:attrNameLst>
+                                          <p:attrName>style.visibility</p:attrName>
+                                        </p:attrNameLst>
+                                      </p:cBhvr>
+                                      <p:to>
+                                        <p:strVal val="visible"/>
+                                      </p:to>
+                                    </p:set>
+                                  </p:childTnLst>
+                                </p:cTn>
+                              </p:par>
+                              <p:par>
+                                <p:cTn id="13" presetID="1" presetClass="entr" presetSubtype="0" fill="hold" grpId="0" nodeType="withEffect">
+                                  <p:stCondLst>
+                                    <p:cond delay="0"/>
+                                  </p:stCondLst>
+                                  <p:childTnLst>
+                                    <p:set>
+                                      <p:cBhvr>
+                                        <p:cTn id="14" dur="1" fill="hold">
+                                          <p:stCondLst>
+                                            <p:cond delay="0"/>
+                                          </p:stCondLst>
+                                        </p:cTn>
+                                        <p:tgtEl>
+                                          <p:spTgt spid="5">
+                                            <p:graphicEl>
+                                              <a:dgm id="{E83B0FFA-7BD3-449B-82B5-720EB2A6F19D}"/>
+                                            </p:graphicEl>
+                                          </p:spTgt>
+                                        </p:tgtEl>
+                                        <p:attrNameLst>
+                                          <p:attrName>style.visibility</p:attrName>
+                                        </p:attrNameLst>
+                                      </p:cBhvr>
+                                      <p:to>
+                                        <p:strVal val="visible"/>
+                                      </p:to>
+                                    </p:set>
+                                  </p:childTnLst>
+                                </p:cTn>
+                              </p:par>
+                              <p:par>
+                                <p:cTn id="15" presetID="1" presetClass="entr" presetSubtype="0" fill="hold" grpId="0" nodeType="withEffect">
+                                  <p:stCondLst>
+                                    <p:cond delay="0"/>
+                                  </p:stCondLst>
+                                  <p:childTnLst>
+                                    <p:set>
+                                      <p:cBhvr>
+                                        <p:cTn id="16" dur="1" fill="hold">
+                                          <p:stCondLst>
+                                            <p:cond delay="0"/>
+                                          </p:stCondLst>
+                                        </p:cTn>
+                                        <p:tgtEl>
+                                          <p:spTgt spid="5">
+                                            <p:graphicEl>
+                                              <a:dgm id="{9ED8A8E8-6298-491B-8FFE-8240875A6BA2}"/>
+                                            </p:graphicEl>
+                                          </p:spTgt>
+                                        </p:tgtEl>
+                                        <p:attrNameLst>
+                                          <p:attrName>style.visibility</p:attrName>
+                                        </p:attrNameLst>
+                                      </p:cBhvr>
+                                      <p:to>
+                                        <p:strVal val="visible"/>
+                                      </p:to>
+                                    </p:set>
+                                  </p:childTnLst>
+                                </p:cTn>
+                              </p:par>
+                            </p:childTnLst>
+                          </p:cTn>
+                        </p:par>
+                      </p:childTnLst>
+                    </p:cTn>
+                  </p:par>
+                  <p:par>
+                    <p:cTn id="17" fill="hold">
+                      <p:stCondLst>
+                        <p:cond delay="indefinite"/>
+                      </p:stCondLst>
+                      <p:childTnLst>
+                        <p:par>
+                          <p:cTn id="18" fill="hold">
+                            <p:stCondLst>
+                              <p:cond delay="0"/>
+                            </p:stCondLst>
+                            <p:childTnLst>
+                              <p:par>
+                                <p:cTn id="19" presetID="1" presetClass="entr" presetSubtype="0" fill="hold" grpId="0" nodeType="clickEffect">
+                                  <p:stCondLst>
+                                    <p:cond delay="0"/>
+                                  </p:stCondLst>
+                                  <p:childTnLst>
+                                    <p:set>
+                                      <p:cBhvr>
+                                        <p:cTn id="20" dur="1" fill="hold">
+                                          <p:stCondLst>
+                                            <p:cond delay="0"/>
+                                          </p:stCondLst>
+                                        </p:cTn>
+                                        <p:tgtEl>
+                                          <p:spTgt spid="5">
+                                            <p:graphicEl>
+                                              <a:dgm id="{FA82D42D-D948-4017-8CBD-8741F6E945A7}"/>
+                                            </p:graphicEl>
+                                          </p:spTgt>
+                                        </p:tgtEl>
+                                        <p:attrNameLst>
+                                          <p:attrName>style.visibility</p:attrName>
+                                        </p:attrNameLst>
+                                      </p:cBhvr>
+                                      <p:to>
+                                        <p:strVal val="visible"/>
+                                      </p:to>
+                                    </p:set>
+                                  </p:childTnLst>
+                                </p:cTn>
+                              </p:par>
+                              <p:par>
+                                <p:cTn id="21" presetID="1" presetClass="entr" presetSubtype="0" fill="hold" grpId="0" nodeType="withEffect">
+                                  <p:stCondLst>
+                                    <p:cond delay="0"/>
+                                  </p:stCondLst>
+                                  <p:childTnLst>
+                                    <p:set>
+                                      <p:cBhvr>
+                                        <p:cTn id="22" dur="1" fill="hold">
+                                          <p:stCondLst>
+                                            <p:cond delay="0"/>
+                                          </p:stCondLst>
+                                        </p:cTn>
+                                        <p:tgtEl>
+                                          <p:spTgt spid="5">
+                                            <p:graphicEl>
+                                              <a:dgm id="{1DE4EB06-FEB9-453D-892E-FD7575BC7788}"/>
+                                            </p:graphicEl>
+                                          </p:spTgt>
+                                        </p:tgtEl>
+                                        <p:attrNameLst>
+                                          <p:attrName>style.visibility</p:attrName>
+                                        </p:attrNameLst>
+                                      </p:cBhvr>
+                                      <p:to>
+                                        <p:strVal val="visible"/>
+                                      </p:to>
+                                    </p:set>
+                                  </p:childTnLst>
+                                </p:cTn>
+                              </p:par>
+                              <p:par>
+                                <p:cTn id="23" presetID="1" presetClass="entr" presetSubtype="0" fill="hold" grpId="0" nodeType="withEffect">
+                                  <p:stCondLst>
+                                    <p:cond delay="0"/>
+                                  </p:stCondLst>
+                                  <p:childTnLst>
+                                    <p:set>
+                                      <p:cBhvr>
+                                        <p:cTn id="24" dur="1" fill="hold">
+                                          <p:stCondLst>
+                                            <p:cond delay="0"/>
+                                          </p:stCondLst>
+                                        </p:cTn>
+                                        <p:tgtEl>
+                                          <p:spTgt spid="5">
+                                            <p:graphicEl>
+                                              <a:dgm id="{20CBDE3F-6578-49DB-9E21-4984C4787AAB}"/>
+                                            </p:graphicEl>
+                                          </p:spTgt>
+                                        </p:tgtEl>
+                                        <p:attrNameLst>
+                                          <p:attrName>style.visibility</p:attrName>
+                                        </p:attrNameLst>
+                                      </p:cBhvr>
+                                      <p:to>
+                                        <p:strVal val="visible"/>
+                                      </p:to>
+                                    </p:set>
+                                  </p:childTnLst>
+                                </p:cTn>
+                              </p:par>
+                              <p:par>
+                                <p:cTn id="25" presetID="1" presetClass="entr" presetSubtype="0" fill="hold" grpId="0" nodeType="withEffect">
+                                  <p:stCondLst>
+                                    <p:cond delay="0"/>
+                                  </p:stCondLst>
+                                  <p:childTnLst>
+                                    <p:set>
+                                      <p:cBhvr>
+                                        <p:cTn id="26" dur="1" fill="hold">
+                                          <p:stCondLst>
+                                            <p:cond delay="0"/>
+                                          </p:stCondLst>
+                                        </p:cTn>
+                                        <p:tgtEl>
+                                          <p:spTgt spid="5">
+                                            <p:graphicEl>
+                                              <a:dgm id="{0BBB229A-9D1C-4FD0-A478-51ED9A093204}"/>
+                                            </p:graphicEl>
+                                          </p:spTgt>
+                                        </p:tgtEl>
+                                        <p:attrNameLst>
+                                          <p:attrName>style.visibility</p:attrName>
+                                        </p:attrNameLst>
+                                      </p:cBhvr>
+                                      <p:to>
+                                        <p:strVal val="visible"/>
+                                      </p:to>
+                                    </p:set>
+                                  </p:childTnLst>
+                                </p:cTn>
+                              </p:par>
+                              <p:par>
+                                <p:cTn id="27" presetID="1" presetClass="entr" presetSubtype="0" fill="hold" grpId="0" nodeType="withEffect">
+                                  <p:stCondLst>
+                                    <p:cond delay="0"/>
+                                  </p:stCondLst>
+                                  <p:childTnLst>
+                                    <p:set>
+                                      <p:cBhvr>
+                                        <p:cTn id="28" dur="1" fill="hold">
+                                          <p:stCondLst>
+                                            <p:cond delay="0"/>
+                                          </p:stCondLst>
+                                        </p:cTn>
+                                        <p:tgtEl>
+                                          <p:spTgt spid="5">
+                                            <p:graphicEl>
+                                              <a:dgm id="{53AEDBE1-9D0A-4A67-A50E-8FE63B99F280}"/>
+                                            </p:graphicEl>
+                                          </p:spTgt>
+                                        </p:tgtEl>
+                                        <p:attrNameLst>
+                                          <p:attrName>style.visibility</p:attrName>
+                                        </p:attrNameLst>
+                                      </p:cBhvr>
+                                      <p:to>
+                                        <p:strVal val="visible"/>
+                                      </p:to>
+                                    </p:set>
+                                  </p:childTnLst>
+                                </p:cTn>
+                              </p:par>
+                              <p:par>
+                                <p:cTn id="29" presetID="1" presetClass="entr" presetSubtype="0" fill="hold" grpId="0" nodeType="withEffect">
+                                  <p:stCondLst>
+                                    <p:cond delay="0"/>
+                                  </p:stCondLst>
+                                  <p:childTnLst>
+                                    <p:set>
+                                      <p:cBhvr>
+                                        <p:cTn id="30" dur="1" fill="hold">
+                                          <p:stCondLst>
+                                            <p:cond delay="0"/>
+                                          </p:stCondLst>
+                                        </p:cTn>
+                                        <p:tgtEl>
+                                          <p:spTgt spid="5">
+                                            <p:graphicEl>
+                                              <a:dgm id="{4FB24F3D-F6A6-4EB0-821D-3453D4CF43E6}"/>
+                                            </p:graphicEl>
+                                          </p:spTgt>
+                                        </p:tgtEl>
+                                        <p:attrNameLst>
+                                          <p:attrName>style.visibility</p:attrName>
+                                        </p:attrNameLst>
+                                      </p:cBhvr>
+                                      <p:to>
+                                        <p:strVal val="visible"/>
+                                      </p:to>
+                                    </p:set>
+                                  </p:childTnLst>
+                                </p:cTn>
+                              </p:par>
+                            </p:childTnLst>
+                          </p:cTn>
+                        </p:par>
+                      </p:childTnLst>
+                    </p:cTn>
+                  </p:par>
+                  <p:par>
+                    <p:cTn id="31" fill="hold">
+                      <p:stCondLst>
+                        <p:cond delay="indefinite"/>
+                      </p:stCondLst>
+                      <p:childTnLst>
+                        <p:par>
+                          <p:cTn id="32" fill="hold">
+                            <p:stCondLst>
+                              <p:cond delay="0"/>
+                            </p:stCondLst>
+                            <p:childTnLst>
+                              <p:par>
+                                <p:cTn id="33" presetID="1" presetClass="entr" presetSubtype="0" fill="hold" grpId="1" nodeType="clickEffect">
+                                  <p:stCondLst>
+                                    <p:cond delay="0"/>
+                                  </p:stCondLst>
+                                  <p:childTnLst>
+                                    <p:set>
+                                      <p:cBhvr>
+                                        <p:cTn id="34" dur="1" fill="hold">
+                                          <p:stCondLst>
+                                            <p:cond delay="0"/>
+                                          </p:stCondLst>
+                                        </p:cTn>
+                                        <p:tgtEl>
+                                          <p:spTgt spid="52"/>
+                                        </p:tgtEl>
+                                        <p:attrNameLst>
+                                          <p:attrName>style.visibility</p:attrName>
+                                        </p:attrNameLst>
+                                      </p:cBhvr>
+                                      <p:to>
+                                        <p:strVal val="visible"/>
+                                      </p:to>
+                                    </p:set>
+                                  </p:childTnLst>
+                                </p:cTn>
+                              </p:par>
+                            </p:childTnLst>
+                          </p:cTn>
+                        </p:par>
+                      </p:childTnLst>
+                    </p:cTn>
+                  </p:par>
+                  <p:par>
+                    <p:cTn id="35" fill="hold">
+                      <p:stCondLst>
+                        <p:cond delay="indefinite"/>
+                      </p:stCondLst>
+                      <p:childTnLst>
+                        <p:par>
+                          <p:cTn id="36" fill="hold">
+                            <p:stCondLst>
+                              <p:cond delay="0"/>
+                            </p:stCondLst>
+                            <p:childTnLst>
+                              <p:par>
+                                <p:cTn id="37" presetID="63" presetClass="path" presetSubtype="0" accel="50000" decel="50000" fill="hold" grpId="0" nodeType="clickEffect">
+                                  <p:stCondLst>
+                                    <p:cond delay="0"/>
+                                  </p:stCondLst>
+                                  <p:childTnLst>
+                                    <p:animMotion origin="layout" path="M -3.54167E-6 4.44444E-6 L 0.1793 4.44444E-6 " pathEditMode="relative" rAng="0" ptsTypes="AA">
+                                      <p:cBhvr>
+                                        <p:cTn id="38" dur="2000" fill="hold"/>
+                                        <p:tgtEl>
+                                          <p:spTgt spid="52"/>
+                                        </p:tgtEl>
+                                        <p:attrNameLst>
+                                          <p:attrName>ppt_x</p:attrName>
+                                          <p:attrName>ppt_y</p:attrName>
+                                        </p:attrNameLst>
+                                      </p:cBhvr>
+                                      <p:rCtr x="8958" y="0"/>
+                                    </p:animMotion>
+                                  </p:childTnLst>
+                                </p:cTn>
+                              </p:par>
+                            </p:childTnLst>
+                          </p:cTn>
+                        </p:par>
+                      </p:childTnLst>
+                    </p:cTn>
+                  </p:par>
+                  <p:par>
+                    <p:cTn id="39" fill="hold">
+                      <p:stCondLst>
+                        <p:cond delay="indefinite"/>
+                      </p:stCondLst>
+                      <p:childTnLst>
+                        <p:par>
+                          <p:cTn id="40" fill="hold">
+                            <p:stCondLst>
+                              <p:cond delay="0"/>
+                            </p:stCondLst>
+                            <p:childTnLst>
+                              <p:par>
+                                <p:cTn id="41" presetID="22" presetClass="entr" presetSubtype="1" fill="hold" nodeType="clickEffect">
+                                  <p:stCondLst>
+                                    <p:cond delay="0"/>
+                                  </p:stCondLst>
+                                  <p:childTnLst>
+                                    <p:set>
+                                      <p:cBhvr>
+                                        <p:cTn id="42" dur="1" fill="hold">
+                                          <p:stCondLst>
+                                            <p:cond delay="0"/>
+                                          </p:stCondLst>
+                                        </p:cTn>
+                                        <p:tgtEl>
+                                          <p:spTgt spid="4"/>
+                                        </p:tgtEl>
+                                        <p:attrNameLst>
+                                          <p:attrName>style.visibility</p:attrName>
+                                        </p:attrNameLst>
+                                      </p:cBhvr>
+                                      <p:to>
+                                        <p:strVal val="visible"/>
+                                      </p:to>
+                                    </p:set>
+                                    <p:animEffect transition="in" filter="wipe(up)">
+                                      <p:cBhvr>
+                                        <p:cTn id="43" dur="500"/>
+                                        <p:tgtEl>
+                                          <p:spTgt spid="4"/>
+                                        </p:tgtEl>
+                                      </p:cBhvr>
+                                    </p:animEffect>
+                                  </p:childTnLst>
+                                  <p:subTnLst>
+                                    <p:set>
+                                      <p:cBhvr override="childStyle">
+                                        <p:cTn dur="1" fill="hold" display="0" masterRel="nextClick" afterEffect="1"/>
+                                        <p:tgtEl>
+                                          <p:spTgt spid="4"/>
+                                        </p:tgtEl>
+                                        <p:attrNameLst>
+                                          <p:attrName>style.visibility</p:attrName>
+                                        </p:attrNameLst>
+                                      </p:cBhvr>
+                                      <p:to>
+                                        <p:strVal val="hidden"/>
+                                      </p:to>
+                                    </p:set>
+                                  </p:subTnLst>
+                                </p:cTn>
+                              </p:par>
+                            </p:childTnLst>
+                          </p:cTn>
+                        </p:par>
+                      </p:childTnLst>
+                    </p:cTn>
+                  </p:par>
+                  <p:par>
+                    <p:cTn id="44" fill="hold">
+                      <p:stCondLst>
+                        <p:cond delay="indefinite"/>
+                      </p:stCondLst>
+                      <p:childTnLst>
+                        <p:par>
+                          <p:cTn id="45" fill="hold">
+                            <p:stCondLst>
+                              <p:cond delay="0"/>
+                            </p:stCondLst>
+                            <p:childTnLst>
+                              <p:par>
+                                <p:cTn id="46" presetID="22" presetClass="entr" presetSubtype="1" fill="hold" nodeType="clickEffect">
+                                  <p:stCondLst>
+                                    <p:cond delay="0"/>
+                                  </p:stCondLst>
+                                  <p:childTnLst>
+                                    <p:set>
+                                      <p:cBhvr>
+                                        <p:cTn id="47" dur="1" fill="hold">
+                                          <p:stCondLst>
+                                            <p:cond delay="0"/>
+                                          </p:stCondLst>
+                                        </p:cTn>
+                                        <p:tgtEl>
+                                          <p:spTgt spid="77"/>
+                                        </p:tgtEl>
+                                        <p:attrNameLst>
+                                          <p:attrName>style.visibility</p:attrName>
+                                        </p:attrNameLst>
+                                      </p:cBhvr>
+                                      <p:to>
+                                        <p:strVal val="visible"/>
+                                      </p:to>
+                                    </p:set>
+                                    <p:animEffect transition="in" filter="wipe(up)">
+                                      <p:cBhvr>
+                                        <p:cTn id="48" dur="500"/>
+                                        <p:tgtEl>
+                                          <p:spTgt spid="77"/>
+                                        </p:tgtEl>
+                                      </p:cBhvr>
+                                    </p:animEffect>
+                                  </p:childTnLst>
+                                </p:cTn>
+                              </p:par>
+                            </p:childTnLst>
+                          </p:cTn>
+                        </p:par>
+                      </p:childTnLst>
+                    </p:cTn>
+                  </p:par>
+                  <p:par>
+                    <p:cTn id="49" fill="hold">
+                      <p:stCondLst>
+                        <p:cond delay="indefinite"/>
+                      </p:stCondLst>
+                      <p:childTnLst>
+                        <p:par>
+                          <p:cTn id="50" fill="hold">
+                            <p:stCondLst>
+                              <p:cond delay="0"/>
+                            </p:stCondLst>
+                            <p:childTnLst>
+                              <p:par>
+                                <p:cTn id="51" presetID="22" presetClass="entr" presetSubtype="1" fill="hold" nodeType="clickEffect">
+                                  <p:stCondLst>
+                                    <p:cond delay="0"/>
+                                  </p:stCondLst>
+                                  <p:childTnLst>
+                                    <p:set>
+                                      <p:cBhvr>
+                                        <p:cTn id="52" dur="1" fill="hold">
+                                          <p:stCondLst>
+                                            <p:cond delay="0"/>
+                                          </p:stCondLst>
+                                        </p:cTn>
+                                        <p:tgtEl>
+                                          <p:spTgt spid="79"/>
+                                        </p:tgtEl>
+                                        <p:attrNameLst>
+                                          <p:attrName>style.visibility</p:attrName>
+                                        </p:attrNameLst>
+                                      </p:cBhvr>
+                                      <p:to>
+                                        <p:strVal val="visible"/>
+                                      </p:to>
+                                    </p:set>
+                                    <p:animEffect transition="in" filter="wipe(up)">
+                                      <p:cBhvr>
+                                        <p:cTn id="53" dur="500"/>
+                                        <p:tgtEl>
+                                          <p:spTgt spid="79"/>
+                                        </p:tgtEl>
+                                      </p:cBhvr>
+                                    </p:animEffect>
+                                  </p:childTnLst>
+                                </p:cTn>
+                              </p:par>
+                            </p:childTnLst>
+                          </p:cTn>
+                        </p:par>
+                      </p:childTnLst>
+                    </p:cTn>
+                  </p:par>
+                </p:childTnLst>
+              </p:cTn>
+              <p:prevCondLst>
+                <p:cond evt="onPrev" delay="0">
+                  <p:tgtEl>
+                    <p:sldTgt/>
+                  </p:tgtEl>
+                </p:cond>
+              </p:prevCondLst>
+              <p:nextCondLst>
+                <p:cond evt="onNext" delay="0">
+                  <p:tgtEl>
+                    <p:sldTgt/>
+                  </p:tgtEl>
+                </p:cond>
+              </p:nextCondLst>
+            </p:seq>
+          </p:childTnLst>
+        </p:cTn>
+      </p:par>
+    </p:tnLst>
+    <p:bldLst>
+      <p:bldP spid="52" grpId="0" animBg="1"/>
+      <p:bldP spid="52" grpId="1" animBg="1"/>
+      <p:bldGraphic spid="5" grpId="0">
+        <p:bldSub>
+          <a:bldDgm bld="lvlAtOnce"/>
+        </p:bldSub>
+      </p:bldGraphic>
+    </p:bldLst>
+  </p:timing>
+</p:sld>
+</file>
+
+<file path=ppt/slides/slide3.xml><?xml version="1.0" encoding="utf-8"?>
 <p:sld xmlns:a="http://schemas.openxmlformats.org/drawingml/2006/main" xmlns:r="http://schemas.openxmlformats.org/officeDocument/2006/relationships" xmlns:p="http://schemas.openxmlformats.org/presentationml/2006/main">
   <p:cSld>
     <p:spTree>
@@ -21258,7 +21711,7 @@
 </p:sld>
 </file>
 
-<file path=ppt/slides/slide5.xml><?xml version="1.0" encoding="utf-8"?>
+<file path=ppt/slides/slide4.xml><?xml version="1.0" encoding="utf-8"?>
 <p:sld xmlns:a="http://schemas.openxmlformats.org/drawingml/2006/main" xmlns:r="http://schemas.openxmlformats.org/officeDocument/2006/relationships" xmlns:p="http://schemas.openxmlformats.org/presentationml/2006/main">
   <p:cSld>
     <p:spTree>
@@ -22312,7 +22765,7 @@
 </p:sld>
 </file>
 
-<file path=ppt/slides/slide6.xml><?xml version="1.0" encoding="utf-8"?>
+<file path=ppt/slides/slide5.xml><?xml version="1.0" encoding="utf-8"?>
 <p:sld xmlns:a="http://schemas.openxmlformats.org/drawingml/2006/main" xmlns:r="http://schemas.openxmlformats.org/officeDocument/2006/relationships" xmlns:p="http://schemas.openxmlformats.org/presentationml/2006/main">
   <p:cSld>
     <p:spTree>
@@ -22429,6 +22882,852 @@
 </p:sld>
 </file>
 
+<file path=ppt/slides/slide6.xml><?xml version="1.0" encoding="utf-8"?>
+<p:sld xmlns:a="http://schemas.openxmlformats.org/drawingml/2006/main" xmlns:r="http://schemas.openxmlformats.org/officeDocument/2006/relationships" xmlns:p="http://schemas.openxmlformats.org/presentationml/2006/main">
+  <p:cSld>
+    <p:spTree>
+      <p:nvGrpSpPr>
+        <p:cNvPr id="1" name=""/>
+        <p:cNvGrpSpPr/>
+        <p:nvPr/>
+      </p:nvGrpSpPr>
+      <p:grpSpPr>
+        <a:xfrm>
+          <a:off x="0" y="0"/>
+          <a:ext cx="0" cy="0"/>
+          <a:chOff x="0" y="0"/>
+          <a:chExt cx="0" cy="0"/>
+        </a:xfrm>
+      </p:grpSpPr>
+      <p:sp>
+        <p:nvSpPr>
+          <p:cNvPr id="2" name="Titre 1">
+            <a:extLst>
+              <a:ext uri="{FF2B5EF4-FFF2-40B4-BE49-F238E27FC236}">
+                <a16:creationId xmlns:a16="http://schemas.microsoft.com/office/drawing/2014/main" id="{E5B63E19-806A-4002-A6FC-E2C1107EDF7A}"/>
+              </a:ext>
+            </a:extLst>
+          </p:cNvPr>
+          <p:cNvSpPr>
+            <a:spLocks noGrp="1"/>
+          </p:cNvSpPr>
+          <p:nvPr>
+            <p:ph type="title"/>
+          </p:nvPr>
+        </p:nvSpPr>
+        <p:spPr/>
+        <p:txBody>
+          <a:bodyPr/>
+          <a:lstStyle/>
+          <a:p>
+            <a:r>
+              <a:rPr lang="en-US" dirty="0" err="1"/>
+              <a:t>Langage</a:t>
+            </a:r>
+            <a:r>
+              <a:rPr lang="en-US" dirty="0"/>
+              <a:t> processing : pre-process &amp; </a:t>
+            </a:r>
+            <a:r>
+              <a:rPr lang="en-US" dirty="0" err="1"/>
+              <a:t>tf-idf</a:t>
+            </a:r>
+            <a:endParaRPr lang="en-US" dirty="0"/>
+          </a:p>
+        </p:txBody>
+      </p:sp>
+      <p:sp>
+        <p:nvSpPr>
+          <p:cNvPr id="3" name="Espace réservé du contenu 2">
+            <a:extLst>
+              <a:ext uri="{FF2B5EF4-FFF2-40B4-BE49-F238E27FC236}">
+                <a16:creationId xmlns:a16="http://schemas.microsoft.com/office/drawing/2014/main" id="{BFD84B2C-5DC5-489C-BB8E-BB5386F62501}"/>
+              </a:ext>
+            </a:extLst>
+          </p:cNvPr>
+          <p:cNvSpPr>
+            <a:spLocks noGrp="1"/>
+          </p:cNvSpPr>
+          <p:nvPr>
+            <p:ph idx="1"/>
+          </p:nvPr>
+        </p:nvSpPr>
+        <p:spPr>
+          <a:xfrm>
+            <a:off x="253290" y="1964724"/>
+            <a:ext cx="6053643" cy="4780268"/>
+          </a:xfrm>
+        </p:spPr>
+        <p:txBody>
+          <a:bodyPr>
+            <a:normAutofit lnSpcReduction="10000"/>
+          </a:bodyPr>
+          <a:lstStyle/>
+          <a:p>
+            <a:r>
+              <a:rPr lang="en-US" dirty="0"/>
+              <a:t>Product’s “</a:t>
+            </a:r>
+            <a:r>
+              <a:rPr lang="en-US" b="1" dirty="0"/>
+              <a:t>description</a:t>
+            </a:r>
+            <a:r>
+              <a:rPr lang="en-US" dirty="0"/>
+              <a:t>” is a string, with average </a:t>
+            </a:r>
+            <a:r>
+              <a:rPr lang="en-US" b="1" dirty="0"/>
+              <a:t>80 words count</a:t>
+            </a:r>
+            <a:r>
+              <a:rPr lang="en-US" dirty="0"/>
+              <a:t>.</a:t>
+            </a:r>
+          </a:p>
+          <a:p>
+            <a:r>
+              <a:rPr lang="en-US" dirty="0"/>
+              <a:t>It appears being a concatenation of many inputs, with repeated info and details such as size, price, etc. </a:t>
+            </a:r>
+          </a:p>
+          <a:p>
+            <a:r>
+              <a:rPr lang="en-US" dirty="0"/>
+              <a:t>To get an adequate corpus, we pre-process text : </a:t>
+            </a:r>
+          </a:p>
+          <a:p>
+            <a:pPr lvl="1"/>
+            <a:r>
+              <a:rPr lang="en-US" dirty="0"/>
+              <a:t>Switching to lower case,</a:t>
+            </a:r>
+          </a:p>
+          <a:p>
+            <a:pPr lvl="1"/>
+            <a:r>
+              <a:rPr lang="en-US" dirty="0"/>
+              <a:t>Getting rid of punctuation, numbers, and less than 3 words length,</a:t>
+            </a:r>
+          </a:p>
+          <a:p>
+            <a:pPr lvl="1"/>
+            <a:r>
+              <a:rPr lang="en-US" dirty="0"/>
+              <a:t>Tokenizing &amp; Stemming</a:t>
+            </a:r>
+          </a:p>
+          <a:p>
+            <a:pPr lvl="1"/>
+            <a:r>
+              <a:rPr lang="en-US" dirty="0"/>
+              <a:t>Removing </a:t>
+            </a:r>
+            <a:r>
+              <a:rPr lang="en-US" b="1" dirty="0"/>
+              <a:t>default’s</a:t>
+            </a:r>
+            <a:r>
+              <a:rPr lang="en-US" dirty="0"/>
+              <a:t> </a:t>
+            </a:r>
+            <a:r>
+              <a:rPr lang="en-US" b="1" dirty="0"/>
+              <a:t>stop words </a:t>
+            </a:r>
+            <a:r>
+              <a:rPr lang="en-US" dirty="0"/>
+              <a:t>&amp; </a:t>
+            </a:r>
+            <a:r>
+              <a:rPr lang="en-US" b="1" dirty="0"/>
+              <a:t>custom’s </a:t>
+            </a:r>
+            <a:r>
+              <a:rPr lang="en-US" dirty="0"/>
+              <a:t>(iteratively)</a:t>
+            </a:r>
+          </a:p>
+          <a:p>
+            <a:r>
+              <a:rPr lang="en-US" dirty="0"/>
+              <a:t>We compute </a:t>
+            </a:r>
+            <a:r>
+              <a:rPr lang="en-US" dirty="0" err="1"/>
+              <a:t>tf-idf</a:t>
+            </a:r>
+            <a:r>
+              <a:rPr lang="en-US" dirty="0"/>
+              <a:t> matrixes :</a:t>
+            </a:r>
+          </a:p>
+          <a:p>
+            <a:pPr lvl="1"/>
+            <a:r>
+              <a:rPr lang="en-US" dirty="0"/>
+              <a:t>Keeping a “raw matrix” (unprocessed) as a baseline.</a:t>
+            </a:r>
+          </a:p>
+        </p:txBody>
+      </p:sp>
+      <p:pic>
+        <p:nvPicPr>
+          <p:cNvPr id="9" name="Image 8">
+            <a:extLst>
+              <a:ext uri="{FF2B5EF4-FFF2-40B4-BE49-F238E27FC236}">
+                <a16:creationId xmlns:a16="http://schemas.microsoft.com/office/drawing/2014/main" id="{EE5FFE6B-5423-4833-A7D9-C7109ADDD032}"/>
+              </a:ext>
+            </a:extLst>
+          </p:cNvPr>
+          <p:cNvPicPr>
+            <a:picLocks noChangeAspect="1"/>
+          </p:cNvPicPr>
+          <p:nvPr/>
+        </p:nvPicPr>
+        <p:blipFill>
+          <a:blip r:embed="rId2"/>
+          <a:stretch>
+            <a:fillRect/>
+          </a:stretch>
+        </p:blipFill>
+        <p:spPr>
+          <a:xfrm>
+            <a:off x="165015" y="113008"/>
+            <a:ext cx="5107377" cy="668359"/>
+          </a:xfrm>
+          <a:prstGeom prst="rect">
+            <a:avLst/>
+          </a:prstGeom>
+        </p:spPr>
+      </p:pic>
+      <p:graphicFrame>
+        <p:nvGraphicFramePr>
+          <p:cNvPr id="13" name="Tableau 13">
+            <a:extLst>
+              <a:ext uri="{FF2B5EF4-FFF2-40B4-BE49-F238E27FC236}">
+                <a16:creationId xmlns:a16="http://schemas.microsoft.com/office/drawing/2014/main" id="{541910A4-F567-4C74-9A58-78AB353DB1FD}"/>
+              </a:ext>
+            </a:extLst>
+          </p:cNvPr>
+          <p:cNvGraphicFramePr>
+            <a:graphicFrameLocks noGrp="1"/>
+          </p:cNvGraphicFramePr>
+          <p:nvPr>
+            <p:extLst>
+              <p:ext uri="{D42A27DB-BD31-4B8C-83A1-F6EECF244321}">
+                <p14:modId xmlns:p14="http://schemas.microsoft.com/office/powerpoint/2010/main" val="541732042"/>
+              </p:ext>
+            </p:extLst>
+          </p:nvPr>
+        </p:nvGraphicFramePr>
+        <p:xfrm>
+          <a:off x="6374166" y="2352584"/>
+          <a:ext cx="5640279" cy="3651008"/>
+        </p:xfrm>
+        <a:graphic>
+          <a:graphicData uri="http://schemas.openxmlformats.org/drawingml/2006/table">
+            <a:tbl>
+              <a:tblPr firstRow="1" bandRow="1">
+                <a:tableStyleId>{5C22544A-7EE6-4342-B048-85BDC9FD1C3A}</a:tableStyleId>
+              </a:tblPr>
+              <a:tblGrid>
+                <a:gridCol w="1880093">
+                  <a:extLst>
+                    <a:ext uri="{9D8B030D-6E8A-4147-A177-3AD203B41FA5}">
+                      <a16:colId xmlns:a16="http://schemas.microsoft.com/office/drawing/2014/main" val="4261862901"/>
+                    </a:ext>
+                  </a:extLst>
+                </a:gridCol>
+                <a:gridCol w="1880093">
+                  <a:extLst>
+                    <a:ext uri="{9D8B030D-6E8A-4147-A177-3AD203B41FA5}">
+                      <a16:colId xmlns:a16="http://schemas.microsoft.com/office/drawing/2014/main" val="2991722715"/>
+                    </a:ext>
+                  </a:extLst>
+                </a:gridCol>
+                <a:gridCol w="1880093">
+                  <a:extLst>
+                    <a:ext uri="{9D8B030D-6E8A-4147-A177-3AD203B41FA5}">
+                      <a16:colId xmlns:a16="http://schemas.microsoft.com/office/drawing/2014/main" val="1457632534"/>
+                    </a:ext>
+                  </a:extLst>
+                </a:gridCol>
+              </a:tblGrid>
+              <a:tr h="236448">
+                <a:tc>
+                  <a:txBody>
+                    <a:bodyPr/>
+                    <a:lstStyle/>
+                    <a:p>
+                      <a:endParaRPr lang="en-US" sz="1200" dirty="0"/>
+                    </a:p>
+                  </a:txBody>
+                  <a:tcPr/>
+                </a:tc>
+                <a:tc>
+                  <a:txBody>
+                    <a:bodyPr/>
+                    <a:lstStyle/>
+                    <a:p>
+                      <a:r>
+                        <a:rPr lang="en-US" sz="1200" dirty="0"/>
+                        <a:t>“raw”</a:t>
+                      </a:r>
+                    </a:p>
+                  </a:txBody>
+                  <a:tcPr/>
+                </a:tc>
+                <a:tc>
+                  <a:txBody>
+                    <a:bodyPr/>
+                    <a:lstStyle/>
+                    <a:p>
+                      <a:r>
+                        <a:rPr lang="en-US" sz="1200" dirty="0"/>
+                        <a:t>pre-processed</a:t>
+                      </a:r>
+                    </a:p>
+                  </a:txBody>
+                  <a:tcPr/>
+                </a:tc>
+                <a:extLst>
+                  <a:ext uri="{0D108BD9-81ED-4DB2-BD59-A6C34878D82A}">
+                    <a16:rowId xmlns:a16="http://schemas.microsoft.com/office/drawing/2014/main" val="1297095768"/>
+                  </a:ext>
+                </a:extLst>
+              </a:tr>
+              <a:tr h="591570">
+                <a:tc>
+                  <a:txBody>
+                    <a:bodyPr/>
+                    <a:lstStyle/>
+                    <a:p>
+                      <a:pPr marL="0" marR="0" lvl="0" indent="0" algn="l" defTabSz="457200" rtl="0" eaLnBrk="1" fontAlgn="auto" latinLnBrk="0" hangingPunct="1">
+                        <a:lnSpc>
+                          <a:spcPct val="100000"/>
+                        </a:lnSpc>
+                        <a:spcBef>
+                          <a:spcPts val="0"/>
+                        </a:spcBef>
+                        <a:spcAft>
+                          <a:spcPts val="0"/>
+                        </a:spcAft>
+                        <a:buClrTx/>
+                        <a:buSzTx/>
+                        <a:buFontTx/>
+                        <a:buNone/>
+                        <a:tabLst/>
+                        <a:defRPr/>
+                      </a:pPr>
+                      <a:r>
+                        <a:rPr lang="en-US" sz="1200" b="1" dirty="0"/>
+                        <a:t>Word count distribution</a:t>
+                      </a:r>
+                    </a:p>
+                    <a:p>
+                      <a:pPr marL="0" marR="0" lvl="0" indent="0" algn="l" defTabSz="457200" rtl="0" eaLnBrk="1" fontAlgn="auto" latinLnBrk="0" hangingPunct="1">
+                        <a:lnSpc>
+                          <a:spcPct val="100000"/>
+                        </a:lnSpc>
+                        <a:spcBef>
+                          <a:spcPts val="0"/>
+                        </a:spcBef>
+                        <a:spcAft>
+                          <a:spcPts val="0"/>
+                        </a:spcAft>
+                        <a:buClrTx/>
+                        <a:buSzTx/>
+                        <a:buFontTx/>
+                        <a:buNone/>
+                        <a:tabLst/>
+                        <a:defRPr/>
+                      </a:pPr>
+                      <a:endParaRPr lang="en-US" sz="1200" dirty="0"/>
+                    </a:p>
+                    <a:p>
+                      <a:pPr marL="0" marR="0" lvl="0" indent="0" algn="l" defTabSz="457200" rtl="0" eaLnBrk="1" fontAlgn="auto" latinLnBrk="0" hangingPunct="1">
+                        <a:lnSpc>
+                          <a:spcPct val="100000"/>
+                        </a:lnSpc>
+                        <a:spcBef>
+                          <a:spcPts val="0"/>
+                        </a:spcBef>
+                        <a:spcAft>
+                          <a:spcPts val="0"/>
+                        </a:spcAft>
+                        <a:buClrTx/>
+                        <a:buSzTx/>
+                        <a:buFontTx/>
+                        <a:buNone/>
+                        <a:tabLst/>
+                        <a:defRPr/>
+                      </a:pPr>
+                      <a:endParaRPr lang="en-US" sz="1200" dirty="0"/>
+                    </a:p>
+                    <a:p>
+                      <a:pPr marL="0" marR="0" lvl="0" indent="0" algn="l" defTabSz="457200" rtl="0" eaLnBrk="1" fontAlgn="auto" latinLnBrk="0" hangingPunct="1">
+                        <a:lnSpc>
+                          <a:spcPct val="100000"/>
+                        </a:lnSpc>
+                        <a:spcBef>
+                          <a:spcPts val="0"/>
+                        </a:spcBef>
+                        <a:spcAft>
+                          <a:spcPts val="0"/>
+                        </a:spcAft>
+                        <a:buClrTx/>
+                        <a:buSzTx/>
+                        <a:buFontTx/>
+                        <a:buNone/>
+                        <a:tabLst/>
+                        <a:defRPr/>
+                      </a:pPr>
+                      <a:endParaRPr lang="en-US" sz="1200" dirty="0"/>
+                    </a:p>
+                    <a:p>
+                      <a:pPr marL="0" marR="0" lvl="0" indent="0" algn="l" defTabSz="457200" rtl="0" eaLnBrk="1" fontAlgn="auto" latinLnBrk="0" hangingPunct="1">
+                        <a:lnSpc>
+                          <a:spcPct val="100000"/>
+                        </a:lnSpc>
+                        <a:spcBef>
+                          <a:spcPts val="0"/>
+                        </a:spcBef>
+                        <a:spcAft>
+                          <a:spcPts val="0"/>
+                        </a:spcAft>
+                        <a:buClrTx/>
+                        <a:buSzTx/>
+                        <a:buFontTx/>
+                        <a:buNone/>
+                        <a:tabLst/>
+                        <a:defRPr/>
+                      </a:pPr>
+                      <a:endParaRPr lang="en-US" sz="1200" dirty="0"/>
+                    </a:p>
+                    <a:p>
+                      <a:pPr marL="0" marR="0" lvl="0" indent="0" algn="l" defTabSz="457200" rtl="0" eaLnBrk="1" fontAlgn="auto" latinLnBrk="0" hangingPunct="1">
+                        <a:lnSpc>
+                          <a:spcPct val="100000"/>
+                        </a:lnSpc>
+                        <a:spcBef>
+                          <a:spcPts val="0"/>
+                        </a:spcBef>
+                        <a:spcAft>
+                          <a:spcPts val="0"/>
+                        </a:spcAft>
+                        <a:buClrTx/>
+                        <a:buSzTx/>
+                        <a:buFontTx/>
+                        <a:buNone/>
+                        <a:tabLst/>
+                        <a:defRPr/>
+                      </a:pPr>
+                      <a:endParaRPr lang="en-US" sz="1200" dirty="0"/>
+                    </a:p>
+                  </a:txBody>
+                  <a:tcPr/>
+                </a:tc>
+                <a:tc>
+                  <a:txBody>
+                    <a:bodyPr/>
+                    <a:lstStyle/>
+                    <a:p>
+                      <a:endParaRPr lang="en-US" sz="1200" dirty="0"/>
+                    </a:p>
+                  </a:txBody>
+                  <a:tcPr/>
+                </a:tc>
+                <a:tc>
+                  <a:txBody>
+                    <a:bodyPr/>
+                    <a:lstStyle/>
+                    <a:p>
+                      <a:endParaRPr lang="en-US" sz="1200" dirty="0"/>
+                    </a:p>
+                  </a:txBody>
+                  <a:tcPr/>
+                </a:tc>
+                <a:extLst>
+                  <a:ext uri="{0D108BD9-81ED-4DB2-BD59-A6C34878D82A}">
+                    <a16:rowId xmlns:a16="http://schemas.microsoft.com/office/drawing/2014/main" val="1473552610"/>
+                  </a:ext>
+                </a:extLst>
+              </a:tr>
+              <a:tr h="1913648">
+                <a:tc>
+                  <a:txBody>
+                    <a:bodyPr/>
+                    <a:lstStyle/>
+                    <a:p>
+                      <a:pPr marL="0" marR="0" lvl="0" indent="0" algn="l" defTabSz="457200" rtl="0" eaLnBrk="1" fontAlgn="auto" latinLnBrk="0" hangingPunct="1">
+                        <a:lnSpc>
+                          <a:spcPct val="100000"/>
+                        </a:lnSpc>
+                        <a:spcBef>
+                          <a:spcPts val="0"/>
+                        </a:spcBef>
+                        <a:spcAft>
+                          <a:spcPts val="0"/>
+                        </a:spcAft>
+                        <a:buClrTx/>
+                        <a:buSzTx/>
+                        <a:buFontTx/>
+                        <a:buNone/>
+                        <a:tabLst/>
+                        <a:defRPr/>
+                      </a:pPr>
+                      <a:r>
+                        <a:rPr lang="en-US" sz="1200" b="1" dirty="0"/>
+                        <a:t>Rough t-</a:t>
+                      </a:r>
+                      <a:r>
+                        <a:rPr lang="en-US" sz="1200" b="1" dirty="0" err="1"/>
+                        <a:t>sne</a:t>
+                      </a:r>
+                      <a:r>
+                        <a:rPr lang="en-US" sz="1200" b="1" dirty="0"/>
+                        <a:t> 2D projection</a:t>
+                      </a:r>
+                    </a:p>
+                    <a:p>
+                      <a:pPr marL="0" marR="0" lvl="0" indent="0" algn="l" defTabSz="457200" rtl="0" eaLnBrk="1" fontAlgn="auto" latinLnBrk="0" hangingPunct="1">
+                        <a:lnSpc>
+                          <a:spcPct val="100000"/>
+                        </a:lnSpc>
+                        <a:spcBef>
+                          <a:spcPts val="0"/>
+                        </a:spcBef>
+                        <a:spcAft>
+                          <a:spcPts val="0"/>
+                        </a:spcAft>
+                        <a:buClrTx/>
+                        <a:buSzTx/>
+                        <a:buFontTx/>
+                        <a:buNone/>
+                        <a:tabLst/>
+                        <a:defRPr/>
+                      </a:pPr>
+                      <a:r>
+                        <a:rPr lang="en-US" sz="1200" b="0" i="1" dirty="0">
+                          <a:solidFill>
+                            <a:srgbClr val="C00000"/>
+                          </a:solidFill>
+                        </a:rPr>
+                        <a:t>Caution : </a:t>
+                      </a:r>
+                    </a:p>
+                    <a:p>
+                      <a:pPr marL="0" marR="0" lvl="0" indent="0" algn="l" defTabSz="457200" rtl="0" eaLnBrk="1" fontAlgn="auto" latinLnBrk="0" hangingPunct="1">
+                        <a:lnSpc>
+                          <a:spcPct val="100000"/>
+                        </a:lnSpc>
+                        <a:spcBef>
+                          <a:spcPts val="0"/>
+                        </a:spcBef>
+                        <a:spcAft>
+                          <a:spcPts val="0"/>
+                        </a:spcAft>
+                        <a:buClrTx/>
+                        <a:buSzTx/>
+                        <a:buFontTx/>
+                        <a:buNone/>
+                        <a:tabLst/>
+                        <a:defRPr/>
+                      </a:pPr>
+                      <a:r>
+                        <a:rPr lang="en-US" sz="1200" b="0" i="1" dirty="0">
+                          <a:solidFill>
+                            <a:srgbClr val="C00000"/>
+                          </a:solidFill>
+                        </a:rPr>
+                        <a:t>Neither classified</a:t>
+                      </a:r>
+                    </a:p>
+                    <a:p>
+                      <a:pPr marL="0" marR="0" lvl="0" indent="0" algn="l" defTabSz="457200" rtl="0" eaLnBrk="1" fontAlgn="auto" latinLnBrk="0" hangingPunct="1">
+                        <a:lnSpc>
+                          <a:spcPct val="100000"/>
+                        </a:lnSpc>
+                        <a:spcBef>
+                          <a:spcPts val="0"/>
+                        </a:spcBef>
+                        <a:spcAft>
+                          <a:spcPts val="0"/>
+                        </a:spcAft>
+                        <a:buClrTx/>
+                        <a:buSzTx/>
+                        <a:buFontTx/>
+                        <a:buNone/>
+                        <a:tabLst/>
+                        <a:defRPr/>
+                      </a:pPr>
+                      <a:r>
+                        <a:rPr lang="en-US" sz="1200" b="0" i="1" dirty="0">
+                          <a:solidFill>
+                            <a:srgbClr val="C00000"/>
+                          </a:solidFill>
+                        </a:rPr>
+                        <a:t>nor clustered</a:t>
+                      </a:r>
+                    </a:p>
+                    <a:p>
+                      <a:pPr marL="0" marR="0" lvl="0" indent="0" algn="l" defTabSz="457200" rtl="0" eaLnBrk="1" fontAlgn="auto" latinLnBrk="0" hangingPunct="1">
+                        <a:lnSpc>
+                          <a:spcPct val="100000"/>
+                        </a:lnSpc>
+                        <a:spcBef>
+                          <a:spcPts val="0"/>
+                        </a:spcBef>
+                        <a:spcAft>
+                          <a:spcPts val="0"/>
+                        </a:spcAft>
+                        <a:buClrTx/>
+                        <a:buSzTx/>
+                        <a:buFontTx/>
+                        <a:buNone/>
+                        <a:tabLst/>
+                        <a:defRPr/>
+                      </a:pPr>
+                      <a:r>
+                        <a:rPr lang="en-US" sz="1200" b="0" i="1" dirty="0">
+                          <a:solidFill>
+                            <a:srgbClr val="C00000"/>
+                          </a:solidFill>
+                        </a:rPr>
+                        <a:t>&amp; stochastic</a:t>
+                      </a:r>
+                    </a:p>
+                  </a:txBody>
+                  <a:tcPr/>
+                </a:tc>
+                <a:tc>
+                  <a:txBody>
+                    <a:bodyPr/>
+                    <a:lstStyle/>
+                    <a:p>
+                      <a:endParaRPr lang="en-US" sz="1200" dirty="0"/>
+                    </a:p>
+                  </a:txBody>
+                  <a:tcPr/>
+                </a:tc>
+                <a:tc>
+                  <a:txBody>
+                    <a:bodyPr/>
+                    <a:lstStyle/>
+                    <a:p>
+                      <a:endParaRPr lang="en-US" sz="1200" dirty="0"/>
+                    </a:p>
+                  </a:txBody>
+                  <a:tcPr/>
+                </a:tc>
+                <a:extLst>
+                  <a:ext uri="{0D108BD9-81ED-4DB2-BD59-A6C34878D82A}">
+                    <a16:rowId xmlns:a16="http://schemas.microsoft.com/office/drawing/2014/main" val="44197072"/>
+                  </a:ext>
+                </a:extLst>
+              </a:tr>
+              <a:tr h="217479">
+                <a:tc>
+                  <a:txBody>
+                    <a:bodyPr/>
+                    <a:lstStyle/>
+                    <a:p>
+                      <a:pPr marL="0" marR="0" lvl="0" indent="0" algn="l" defTabSz="457200" rtl="0" eaLnBrk="1" fontAlgn="auto" latinLnBrk="0" hangingPunct="1">
+                        <a:lnSpc>
+                          <a:spcPct val="100000"/>
+                        </a:lnSpc>
+                        <a:spcBef>
+                          <a:spcPts val="0"/>
+                        </a:spcBef>
+                        <a:spcAft>
+                          <a:spcPts val="0"/>
+                        </a:spcAft>
+                        <a:buClrTx/>
+                        <a:buSzTx/>
+                        <a:buFontTx/>
+                        <a:buNone/>
+                        <a:tabLst/>
+                        <a:defRPr/>
+                      </a:pPr>
+                      <a:r>
+                        <a:rPr lang="en-US" sz="1200" b="1" dirty="0"/>
+                        <a:t>Vocabulary size</a:t>
+                      </a:r>
+                    </a:p>
+                  </a:txBody>
+                  <a:tcPr/>
+                </a:tc>
+                <a:tc>
+                  <a:txBody>
+                    <a:bodyPr/>
+                    <a:lstStyle/>
+                    <a:p>
+                      <a:r>
+                        <a:rPr lang="en-US" sz="1200" b="1" dirty="0"/>
+                        <a:t>2442</a:t>
+                      </a:r>
+                    </a:p>
+                  </a:txBody>
+                  <a:tcPr/>
+                </a:tc>
+                <a:tc>
+                  <a:txBody>
+                    <a:bodyPr/>
+                    <a:lstStyle/>
+                    <a:p>
+                      <a:r>
+                        <a:rPr lang="en-US" sz="1200" b="1" dirty="0"/>
+                        <a:t>1242</a:t>
+                      </a:r>
+                    </a:p>
+                  </a:txBody>
+                  <a:tcPr/>
+                </a:tc>
+                <a:extLst>
+                  <a:ext uri="{0D108BD9-81ED-4DB2-BD59-A6C34878D82A}">
+                    <a16:rowId xmlns:a16="http://schemas.microsoft.com/office/drawing/2014/main" val="349638249"/>
+                  </a:ext>
+                </a:extLst>
+              </a:tr>
+            </a:tbl>
+          </a:graphicData>
+        </a:graphic>
+      </p:graphicFrame>
+      <p:pic>
+        <p:nvPicPr>
+          <p:cNvPr id="10" name="Image 9">
+            <a:extLst>
+              <a:ext uri="{FF2B5EF4-FFF2-40B4-BE49-F238E27FC236}">
+                <a16:creationId xmlns:a16="http://schemas.microsoft.com/office/drawing/2014/main" id="{1594CC8B-996D-436F-99D3-38D4BA06D04A}"/>
+              </a:ext>
+            </a:extLst>
+          </p:cNvPr>
+          <p:cNvPicPr>
+            <a:picLocks noChangeAspect="1"/>
+          </p:cNvPicPr>
+          <p:nvPr/>
+        </p:nvPicPr>
+        <p:blipFill>
+          <a:blip r:embed="rId3"/>
+          <a:stretch>
+            <a:fillRect/>
+          </a:stretch>
+        </p:blipFill>
+        <p:spPr>
+          <a:xfrm>
+            <a:off x="8343603" y="2673614"/>
+            <a:ext cx="1065606" cy="1086164"/>
+          </a:xfrm>
+          <a:prstGeom prst="rect">
+            <a:avLst/>
+          </a:prstGeom>
+        </p:spPr>
+      </p:pic>
+      <p:pic>
+        <p:nvPicPr>
+          <p:cNvPr id="11" name="Image 10">
+            <a:extLst>
+              <a:ext uri="{FF2B5EF4-FFF2-40B4-BE49-F238E27FC236}">
+                <a16:creationId xmlns:a16="http://schemas.microsoft.com/office/drawing/2014/main" id="{6FD22A4B-1575-4069-BB06-BFF0DA64271A}"/>
+              </a:ext>
+            </a:extLst>
+          </p:cNvPr>
+          <p:cNvPicPr>
+            <a:picLocks noChangeAspect="1"/>
+          </p:cNvPicPr>
+          <p:nvPr/>
+        </p:nvPicPr>
+        <p:blipFill>
+          <a:blip r:embed="rId4"/>
+          <a:stretch>
+            <a:fillRect/>
+          </a:stretch>
+        </p:blipFill>
+        <p:spPr>
+          <a:xfrm>
+            <a:off x="10228063" y="2673614"/>
+            <a:ext cx="1061806" cy="1061806"/>
+          </a:xfrm>
+          <a:prstGeom prst="rect">
+            <a:avLst/>
+          </a:prstGeom>
+        </p:spPr>
+      </p:pic>
+      <p:pic>
+        <p:nvPicPr>
+          <p:cNvPr id="14" name="Image 13">
+            <a:extLst>
+              <a:ext uri="{FF2B5EF4-FFF2-40B4-BE49-F238E27FC236}">
+                <a16:creationId xmlns:a16="http://schemas.microsoft.com/office/drawing/2014/main" id="{20E5DC17-191D-4598-A9A2-E230F148E888}"/>
+              </a:ext>
+            </a:extLst>
+          </p:cNvPr>
+          <p:cNvPicPr>
+            <a:picLocks noChangeAspect="1"/>
+          </p:cNvPicPr>
+          <p:nvPr/>
+        </p:nvPicPr>
+        <p:blipFill>
+          <a:blip r:embed="rId5"/>
+          <a:stretch>
+            <a:fillRect/>
+          </a:stretch>
+        </p:blipFill>
+        <p:spPr>
+          <a:xfrm>
+            <a:off x="8334102" y="3848286"/>
+            <a:ext cx="1817227" cy="1707287"/>
+          </a:xfrm>
+          <a:prstGeom prst="rect">
+            <a:avLst/>
+          </a:prstGeom>
+        </p:spPr>
+      </p:pic>
+      <p:pic>
+        <p:nvPicPr>
+          <p:cNvPr id="15" name="Image 14">
+            <a:extLst>
+              <a:ext uri="{FF2B5EF4-FFF2-40B4-BE49-F238E27FC236}">
+                <a16:creationId xmlns:a16="http://schemas.microsoft.com/office/drawing/2014/main" id="{523DAA9C-9954-481A-8AFB-DDA4C51DFE70}"/>
+              </a:ext>
+            </a:extLst>
+          </p:cNvPr>
+          <p:cNvPicPr>
+            <a:picLocks noChangeAspect="1"/>
+          </p:cNvPicPr>
+          <p:nvPr/>
+        </p:nvPicPr>
+        <p:blipFill>
+          <a:blip r:embed="rId6"/>
+          <a:stretch>
+            <a:fillRect/>
+          </a:stretch>
+        </p:blipFill>
+        <p:spPr>
+          <a:xfrm>
+            <a:off x="10218562" y="3848285"/>
+            <a:ext cx="1803926" cy="1707287"/>
+          </a:xfrm>
+          <a:prstGeom prst="rect">
+            <a:avLst/>
+          </a:prstGeom>
+        </p:spPr>
+      </p:pic>
+    </p:spTree>
+    <p:extLst>
+      <p:ext uri="{BB962C8B-B14F-4D97-AF65-F5344CB8AC3E}">
+        <p14:creationId xmlns:p14="http://schemas.microsoft.com/office/powerpoint/2010/main" val="1334785677"/>
+      </p:ext>
+    </p:extLst>
+  </p:cSld>
+  <p:clrMapOvr>
+    <a:masterClrMapping/>
+  </p:clrMapOvr>
+</p:sld>
+</file>
+
 <file path=ppt/slides/slide7.xml><?xml version="1.0" encoding="utf-8"?>
 <p:sld xmlns:a="http://schemas.openxmlformats.org/drawingml/2006/main" xmlns:r="http://schemas.openxmlformats.org/officeDocument/2006/relationships" xmlns:p="http://schemas.openxmlformats.org/presentationml/2006/main">
   <p:cSld>
@@ -22451,7 +23750,7 @@
           <p:cNvPr id="2" name="Titre 1">
             <a:extLst>
               <a:ext uri="{FF2B5EF4-FFF2-40B4-BE49-F238E27FC236}">
-                <a16:creationId xmlns:a16="http://schemas.microsoft.com/office/drawing/2014/main" id="{8E369A61-DBD6-4E8A-A969-7538E42F5D5A}"/>
+                <a16:creationId xmlns:a16="http://schemas.microsoft.com/office/drawing/2014/main" id="{E5B63E19-806A-4002-A6FC-E2C1107EDF7A}"/>
               </a:ext>
             </a:extLst>
           </p:cNvPr>
@@ -22473,7 +23772,7 @@
             </a:r>
             <a:r>
               <a:rPr lang="en-US" dirty="0"/>
-              <a:t> pre-processing</a:t>
+              <a:t> processing : Bag of Words</a:t>
             </a:r>
           </a:p>
         </p:txBody>
@@ -22483,7 +23782,7 @@
           <p:cNvPr id="3" name="Espace réservé du contenu 2">
             <a:extLst>
               <a:ext uri="{FF2B5EF4-FFF2-40B4-BE49-F238E27FC236}">
-                <a16:creationId xmlns:a16="http://schemas.microsoft.com/office/drawing/2014/main" id="{B31055EE-B12D-471F-8DB3-054A605603B2}"/>
+                <a16:creationId xmlns:a16="http://schemas.microsoft.com/office/drawing/2014/main" id="{BFD84B2C-5DC5-489C-BB8E-BB5386F62501}"/>
               </a:ext>
             </a:extLst>
           </p:cNvPr>
@@ -22494,30 +23793,39 @@
             <p:ph idx="1"/>
           </p:nvPr>
         </p:nvSpPr>
-        <p:spPr/>
+        <p:spPr>
+          <a:xfrm>
+            <a:off x="0" y="1907172"/>
+            <a:ext cx="5691189" cy="536626"/>
+          </a:xfrm>
+        </p:spPr>
         <p:txBody>
-          <a:bodyPr/>
+          <a:bodyPr>
+            <a:normAutofit/>
+          </a:bodyPr>
           <a:lstStyle/>
           <a:p>
             <a:r>
-              <a:rPr lang="en-US" dirty="0"/>
-              <a:t>Attention au coherence score</a:t>
+              <a:rPr lang="en-US" sz="1600" dirty="0"/>
+              <a:t>NMF with “as few” topics as </a:t>
             </a:r>
-          </a:p>
-          <a:p>
-            <a:endParaRPr lang="en-US" dirty="0"/>
-          </a:p>
-          <a:p>
-            <a:endParaRPr lang="en-US" dirty="0"/>
+            <a:r>
+              <a:rPr lang="en-US" sz="1600" dirty="0" err="1"/>
+              <a:t>lvl</a:t>
+            </a:r>
+            <a:r>
+              <a:rPr lang="en-US" sz="1600" dirty="0"/>
+              <a:t> 1 categories:</a:t>
+            </a:r>
           </a:p>
         </p:txBody>
       </p:sp>
       <p:pic>
         <p:nvPicPr>
-          <p:cNvPr id="5" name="Image 4">
+          <p:cNvPr id="9" name="Image 8">
             <a:extLst>
               <a:ext uri="{FF2B5EF4-FFF2-40B4-BE49-F238E27FC236}">
-                <a16:creationId xmlns:a16="http://schemas.microsoft.com/office/drawing/2014/main" id="{D5A7F64B-4E7E-4DDE-8D66-BA4E90B36842}"/>
+                <a16:creationId xmlns:a16="http://schemas.microsoft.com/office/drawing/2014/main" id="{EE5FFE6B-5423-4833-A7D9-C7109ADDD032}"/>
               </a:ext>
             </a:extLst>
           </p:cNvPr>
@@ -22534,8 +23842,605 @@
         </p:blipFill>
         <p:spPr>
           <a:xfrm>
-            <a:off x="3409950" y="871537"/>
-            <a:ext cx="5372100" cy="5114925"/>
+            <a:off x="165015" y="113008"/>
+            <a:ext cx="5107377" cy="668359"/>
+          </a:xfrm>
+          <a:prstGeom prst="rect">
+            <a:avLst/>
+          </a:prstGeom>
+        </p:spPr>
+      </p:pic>
+      <p:graphicFrame>
+        <p:nvGraphicFramePr>
+          <p:cNvPr id="13" name="Tableau 13">
+            <a:extLst>
+              <a:ext uri="{FF2B5EF4-FFF2-40B4-BE49-F238E27FC236}">
+                <a16:creationId xmlns:a16="http://schemas.microsoft.com/office/drawing/2014/main" id="{541910A4-F567-4C74-9A58-78AB353DB1FD}"/>
+              </a:ext>
+            </a:extLst>
+          </p:cNvPr>
+          <p:cNvGraphicFramePr>
+            <a:graphicFrameLocks noGrp="1"/>
+          </p:cNvGraphicFramePr>
+          <p:nvPr>
+            <p:extLst>
+              <p:ext uri="{D42A27DB-BD31-4B8C-83A1-F6EECF244321}">
+                <p14:modId xmlns:p14="http://schemas.microsoft.com/office/powerpoint/2010/main" val="123568023"/>
+              </p:ext>
+            </p:extLst>
+          </p:nvPr>
+        </p:nvGraphicFramePr>
+        <p:xfrm>
+          <a:off x="97651" y="2361462"/>
+          <a:ext cx="5640279" cy="3376688"/>
+        </p:xfrm>
+        <a:graphic>
+          <a:graphicData uri="http://schemas.openxmlformats.org/drawingml/2006/table">
+            <a:tbl>
+              <a:tblPr firstRow="1" bandRow="1">
+                <a:tableStyleId>{5C22544A-7EE6-4342-B048-85BDC9FD1C3A}</a:tableStyleId>
+              </a:tblPr>
+              <a:tblGrid>
+                <a:gridCol w="1880093">
+                  <a:extLst>
+                    <a:ext uri="{9D8B030D-6E8A-4147-A177-3AD203B41FA5}">
+                      <a16:colId xmlns:a16="http://schemas.microsoft.com/office/drawing/2014/main" val="4261862901"/>
+                    </a:ext>
+                  </a:extLst>
+                </a:gridCol>
+                <a:gridCol w="1880093">
+                  <a:extLst>
+                    <a:ext uri="{9D8B030D-6E8A-4147-A177-3AD203B41FA5}">
+                      <a16:colId xmlns:a16="http://schemas.microsoft.com/office/drawing/2014/main" val="2991722715"/>
+                    </a:ext>
+                  </a:extLst>
+                </a:gridCol>
+                <a:gridCol w="1880093">
+                  <a:extLst>
+                    <a:ext uri="{9D8B030D-6E8A-4147-A177-3AD203B41FA5}">
+                      <a16:colId xmlns:a16="http://schemas.microsoft.com/office/drawing/2014/main" val="1457632534"/>
+                    </a:ext>
+                  </a:extLst>
+                </a:gridCol>
+              </a:tblGrid>
+              <a:tr h="236448">
+                <a:tc>
+                  <a:txBody>
+                    <a:bodyPr/>
+                    <a:lstStyle/>
+                    <a:p>
+                      <a:r>
+                        <a:rPr lang="en-US" sz="1200" dirty="0"/>
+                        <a:t>NMF approach</a:t>
+                      </a:r>
+                    </a:p>
+                  </a:txBody>
+                  <a:tcPr/>
+                </a:tc>
+                <a:tc>
+                  <a:txBody>
+                    <a:bodyPr/>
+                    <a:lstStyle/>
+                    <a:p>
+                      <a:r>
+                        <a:rPr lang="en-US" sz="1200" dirty="0"/>
+                        <a:t>“raw”</a:t>
+                      </a:r>
+                    </a:p>
+                  </a:txBody>
+                  <a:tcPr/>
+                </a:tc>
+                <a:tc>
+                  <a:txBody>
+                    <a:bodyPr/>
+                    <a:lstStyle/>
+                    <a:p>
+                      <a:r>
+                        <a:rPr lang="en-US" sz="1200" dirty="0"/>
+                        <a:t>processed</a:t>
+                      </a:r>
+                    </a:p>
+                  </a:txBody>
+                  <a:tcPr/>
+                </a:tc>
+                <a:extLst>
+                  <a:ext uri="{0D108BD9-81ED-4DB2-BD59-A6C34878D82A}">
+                    <a16:rowId xmlns:a16="http://schemas.microsoft.com/office/drawing/2014/main" val="1297095768"/>
+                  </a:ext>
+                </a:extLst>
+              </a:tr>
+              <a:tr h="591570">
+                <a:tc>
+                  <a:txBody>
+                    <a:bodyPr/>
+                    <a:lstStyle/>
+                    <a:p>
+                      <a:pPr marL="0" marR="0" lvl="0" indent="0" algn="l" defTabSz="457200" rtl="0" eaLnBrk="1" fontAlgn="auto" latinLnBrk="0" hangingPunct="1">
+                        <a:lnSpc>
+                          <a:spcPct val="100000"/>
+                        </a:lnSpc>
+                        <a:spcBef>
+                          <a:spcPts val="0"/>
+                        </a:spcBef>
+                        <a:spcAft>
+                          <a:spcPts val="0"/>
+                        </a:spcAft>
+                        <a:buClrTx/>
+                        <a:buSzTx/>
+                        <a:buFontTx/>
+                        <a:buNone/>
+                        <a:tabLst/>
+                        <a:defRPr/>
+                      </a:pPr>
+                      <a:r>
+                        <a:rPr lang="en-US" sz="1200" b="1" dirty="0"/>
+                        <a:t>Topics table</a:t>
+                      </a:r>
+                    </a:p>
+                    <a:p>
+                      <a:pPr marL="0" marR="0" lvl="0" indent="0" algn="l" defTabSz="457200" rtl="0" eaLnBrk="1" fontAlgn="auto" latinLnBrk="0" hangingPunct="1">
+                        <a:lnSpc>
+                          <a:spcPct val="100000"/>
+                        </a:lnSpc>
+                        <a:spcBef>
+                          <a:spcPts val="0"/>
+                        </a:spcBef>
+                        <a:spcAft>
+                          <a:spcPts val="0"/>
+                        </a:spcAft>
+                        <a:buClrTx/>
+                        <a:buSzTx/>
+                        <a:buFontTx/>
+                        <a:buNone/>
+                        <a:tabLst/>
+                        <a:defRPr/>
+                      </a:pPr>
+                      <a:endParaRPr lang="en-US" sz="1200" dirty="0"/>
+                    </a:p>
+                    <a:p>
+                      <a:pPr marL="0" marR="0" lvl="0" indent="0" algn="l" defTabSz="457200" rtl="0" eaLnBrk="1" fontAlgn="auto" latinLnBrk="0" hangingPunct="1">
+                        <a:lnSpc>
+                          <a:spcPct val="100000"/>
+                        </a:lnSpc>
+                        <a:spcBef>
+                          <a:spcPts val="0"/>
+                        </a:spcBef>
+                        <a:spcAft>
+                          <a:spcPts val="0"/>
+                        </a:spcAft>
+                        <a:buClrTx/>
+                        <a:buSzTx/>
+                        <a:buFontTx/>
+                        <a:buNone/>
+                        <a:tabLst/>
+                        <a:defRPr/>
+                      </a:pPr>
+                      <a:endParaRPr lang="en-US" sz="1200" dirty="0"/>
+                    </a:p>
+                    <a:p>
+                      <a:pPr marL="0" marR="0" lvl="0" indent="0" algn="l" defTabSz="457200" rtl="0" eaLnBrk="1" fontAlgn="auto" latinLnBrk="0" hangingPunct="1">
+                        <a:lnSpc>
+                          <a:spcPct val="100000"/>
+                        </a:lnSpc>
+                        <a:spcBef>
+                          <a:spcPts val="0"/>
+                        </a:spcBef>
+                        <a:spcAft>
+                          <a:spcPts val="0"/>
+                        </a:spcAft>
+                        <a:buClrTx/>
+                        <a:buSzTx/>
+                        <a:buFontTx/>
+                        <a:buNone/>
+                        <a:tabLst/>
+                        <a:defRPr/>
+                      </a:pPr>
+                      <a:endParaRPr lang="en-US" sz="1200" dirty="0"/>
+                    </a:p>
+                    <a:p>
+                      <a:pPr marL="0" marR="0" lvl="0" indent="0" algn="l" defTabSz="457200" rtl="0" eaLnBrk="1" fontAlgn="auto" latinLnBrk="0" hangingPunct="1">
+                        <a:lnSpc>
+                          <a:spcPct val="100000"/>
+                        </a:lnSpc>
+                        <a:spcBef>
+                          <a:spcPts val="0"/>
+                        </a:spcBef>
+                        <a:spcAft>
+                          <a:spcPts val="0"/>
+                        </a:spcAft>
+                        <a:buClrTx/>
+                        <a:buSzTx/>
+                        <a:buFontTx/>
+                        <a:buNone/>
+                        <a:tabLst/>
+                        <a:defRPr/>
+                      </a:pPr>
+                      <a:endParaRPr lang="en-US" sz="1200" dirty="0"/>
+                    </a:p>
+                    <a:p>
+                      <a:pPr marL="0" marR="0" lvl="0" indent="0" algn="l" defTabSz="457200" rtl="0" eaLnBrk="1" fontAlgn="auto" latinLnBrk="0" hangingPunct="1">
+                        <a:lnSpc>
+                          <a:spcPct val="100000"/>
+                        </a:lnSpc>
+                        <a:spcBef>
+                          <a:spcPts val="0"/>
+                        </a:spcBef>
+                        <a:spcAft>
+                          <a:spcPts val="0"/>
+                        </a:spcAft>
+                        <a:buClrTx/>
+                        <a:buSzTx/>
+                        <a:buFontTx/>
+                        <a:buNone/>
+                        <a:tabLst/>
+                        <a:defRPr/>
+                      </a:pPr>
+                      <a:endParaRPr lang="en-US" sz="1200" dirty="0"/>
+                    </a:p>
+                  </a:txBody>
+                  <a:tcPr/>
+                </a:tc>
+                <a:tc>
+                  <a:txBody>
+                    <a:bodyPr/>
+                    <a:lstStyle/>
+                    <a:p>
+                      <a:endParaRPr lang="en-US" sz="1200" dirty="0"/>
+                    </a:p>
+                  </a:txBody>
+                  <a:tcPr/>
+                </a:tc>
+                <a:tc>
+                  <a:txBody>
+                    <a:bodyPr/>
+                    <a:lstStyle/>
+                    <a:p>
+                      <a:endParaRPr lang="en-US" sz="1200" dirty="0"/>
+                    </a:p>
+                  </a:txBody>
+                  <a:tcPr/>
+                </a:tc>
+                <a:extLst>
+                  <a:ext uri="{0D108BD9-81ED-4DB2-BD59-A6C34878D82A}">
+                    <a16:rowId xmlns:a16="http://schemas.microsoft.com/office/drawing/2014/main" val="1473552610"/>
+                  </a:ext>
+                </a:extLst>
+              </a:tr>
+              <a:tr h="1913648">
+                <a:tc>
+                  <a:txBody>
+                    <a:bodyPr/>
+                    <a:lstStyle/>
+                    <a:p>
+                      <a:pPr marL="0" marR="0" lvl="0" indent="0" algn="l" defTabSz="457200" rtl="0" eaLnBrk="1" fontAlgn="auto" latinLnBrk="0" hangingPunct="1">
+                        <a:lnSpc>
+                          <a:spcPct val="100000"/>
+                        </a:lnSpc>
+                        <a:spcBef>
+                          <a:spcPts val="0"/>
+                        </a:spcBef>
+                        <a:spcAft>
+                          <a:spcPts val="0"/>
+                        </a:spcAft>
+                        <a:buClrTx/>
+                        <a:buSzTx/>
+                        <a:buFontTx/>
+                        <a:buNone/>
+                        <a:tabLst/>
+                        <a:defRPr/>
+                      </a:pPr>
+                      <a:r>
+                        <a:rPr lang="en-US" sz="1200" b="1" dirty="0"/>
+                        <a:t>Rough t-</a:t>
+                      </a:r>
+                      <a:r>
+                        <a:rPr lang="en-US" sz="1200" b="1" dirty="0" err="1"/>
+                        <a:t>sne</a:t>
+                      </a:r>
+                      <a:r>
+                        <a:rPr lang="en-US" sz="1200" b="1" dirty="0"/>
+                        <a:t> 2D projection</a:t>
+                      </a:r>
+                    </a:p>
+                    <a:p>
+                      <a:pPr marL="0" marR="0" lvl="0" indent="0" algn="l" defTabSz="457200" rtl="0" eaLnBrk="1" fontAlgn="auto" latinLnBrk="0" hangingPunct="1">
+                        <a:lnSpc>
+                          <a:spcPct val="100000"/>
+                        </a:lnSpc>
+                        <a:spcBef>
+                          <a:spcPts val="0"/>
+                        </a:spcBef>
+                        <a:spcAft>
+                          <a:spcPts val="0"/>
+                        </a:spcAft>
+                        <a:buClrTx/>
+                        <a:buSzTx/>
+                        <a:buFontTx/>
+                        <a:buNone/>
+                        <a:tabLst/>
+                        <a:defRPr/>
+                      </a:pPr>
+                      <a:r>
+                        <a:rPr lang="en-US" sz="1200" b="0" i="1" dirty="0"/>
+                        <a:t>Warnings : </a:t>
+                      </a:r>
+                    </a:p>
+                    <a:p>
+                      <a:pPr marL="0" marR="0" lvl="0" indent="0" algn="l" defTabSz="457200" rtl="0" eaLnBrk="1" fontAlgn="auto" latinLnBrk="0" hangingPunct="1">
+                        <a:lnSpc>
+                          <a:spcPct val="100000"/>
+                        </a:lnSpc>
+                        <a:spcBef>
+                          <a:spcPts val="0"/>
+                        </a:spcBef>
+                        <a:spcAft>
+                          <a:spcPts val="0"/>
+                        </a:spcAft>
+                        <a:buClrTx/>
+                        <a:buSzTx/>
+                        <a:buFontTx/>
+                        <a:buNone/>
+                        <a:tabLst/>
+                        <a:defRPr/>
+                      </a:pPr>
+                      <a:r>
+                        <a:rPr lang="en-US" sz="1200" b="0" i="1" dirty="0"/>
+                        <a:t>Neither classified</a:t>
+                      </a:r>
+                    </a:p>
+                    <a:p>
+                      <a:pPr marL="0" marR="0" lvl="0" indent="0" algn="l" defTabSz="457200" rtl="0" eaLnBrk="1" fontAlgn="auto" latinLnBrk="0" hangingPunct="1">
+                        <a:lnSpc>
+                          <a:spcPct val="100000"/>
+                        </a:lnSpc>
+                        <a:spcBef>
+                          <a:spcPts val="0"/>
+                        </a:spcBef>
+                        <a:spcAft>
+                          <a:spcPts val="0"/>
+                        </a:spcAft>
+                        <a:buClrTx/>
+                        <a:buSzTx/>
+                        <a:buFontTx/>
+                        <a:buNone/>
+                        <a:tabLst/>
+                        <a:defRPr/>
+                      </a:pPr>
+                      <a:r>
+                        <a:rPr lang="en-US" sz="1200" b="0" i="1" dirty="0"/>
+                        <a:t>nor clustered</a:t>
+                      </a:r>
+                    </a:p>
+                    <a:p>
+                      <a:pPr marL="0" marR="0" lvl="0" indent="0" algn="l" defTabSz="457200" rtl="0" eaLnBrk="1" fontAlgn="auto" latinLnBrk="0" hangingPunct="1">
+                        <a:lnSpc>
+                          <a:spcPct val="100000"/>
+                        </a:lnSpc>
+                        <a:spcBef>
+                          <a:spcPts val="0"/>
+                        </a:spcBef>
+                        <a:spcAft>
+                          <a:spcPts val="0"/>
+                        </a:spcAft>
+                        <a:buClrTx/>
+                        <a:buSzTx/>
+                        <a:buFontTx/>
+                        <a:buNone/>
+                        <a:tabLst/>
+                        <a:defRPr/>
+                      </a:pPr>
+                      <a:r>
+                        <a:rPr lang="en-US" sz="1200" b="0" i="1" dirty="0"/>
+                        <a:t>&amp; stochastic</a:t>
+                      </a:r>
+                    </a:p>
+                  </a:txBody>
+                  <a:tcPr/>
+                </a:tc>
+                <a:tc>
+                  <a:txBody>
+                    <a:bodyPr/>
+                    <a:lstStyle/>
+                    <a:p>
+                      <a:endParaRPr lang="en-US" sz="1200" dirty="0"/>
+                    </a:p>
+                  </a:txBody>
+                  <a:tcPr/>
+                </a:tc>
+                <a:tc>
+                  <a:txBody>
+                    <a:bodyPr/>
+                    <a:lstStyle/>
+                    <a:p>
+                      <a:endParaRPr lang="en-US" sz="1200" dirty="0"/>
+                    </a:p>
+                  </a:txBody>
+                  <a:tcPr/>
+                </a:tc>
+                <a:extLst>
+                  <a:ext uri="{0D108BD9-81ED-4DB2-BD59-A6C34878D82A}">
+                    <a16:rowId xmlns:a16="http://schemas.microsoft.com/office/drawing/2014/main" val="44197072"/>
+                  </a:ext>
+                </a:extLst>
+              </a:tr>
+            </a:tbl>
+          </a:graphicData>
+        </a:graphic>
+      </p:graphicFrame>
+      <p:pic>
+        <p:nvPicPr>
+          <p:cNvPr id="4" name="Image 3">
+            <a:extLst>
+              <a:ext uri="{FF2B5EF4-FFF2-40B4-BE49-F238E27FC236}">
+                <a16:creationId xmlns:a16="http://schemas.microsoft.com/office/drawing/2014/main" id="{95BED07A-5E98-42C7-9272-BFF854FD6069}"/>
+              </a:ext>
+            </a:extLst>
+          </p:cNvPr>
+          <p:cNvPicPr>
+            <a:picLocks noChangeAspect="1"/>
+          </p:cNvPicPr>
+          <p:nvPr/>
+        </p:nvPicPr>
+        <p:blipFill>
+          <a:blip r:embed="rId3"/>
+          <a:stretch>
+            <a:fillRect/>
+          </a:stretch>
+        </p:blipFill>
+        <p:spPr>
+          <a:xfrm>
+            <a:off x="2067088" y="3876074"/>
+            <a:ext cx="1751805" cy="1681348"/>
+          </a:xfrm>
+          <a:prstGeom prst="rect">
+            <a:avLst/>
+          </a:prstGeom>
+        </p:spPr>
+      </p:pic>
+      <p:pic>
+        <p:nvPicPr>
+          <p:cNvPr id="5" name="Image 4">
+            <a:extLst>
+              <a:ext uri="{FF2B5EF4-FFF2-40B4-BE49-F238E27FC236}">
+                <a16:creationId xmlns:a16="http://schemas.microsoft.com/office/drawing/2014/main" id="{01D6B718-C205-4E48-ABE2-434F70ADD526}"/>
+              </a:ext>
+            </a:extLst>
+          </p:cNvPr>
+          <p:cNvPicPr>
+            <a:picLocks noChangeAspect="1"/>
+          </p:cNvPicPr>
+          <p:nvPr/>
+        </p:nvPicPr>
+        <p:blipFill>
+          <a:blip r:embed="rId4"/>
+          <a:stretch>
+            <a:fillRect/>
+          </a:stretch>
+        </p:blipFill>
+        <p:spPr>
+          <a:xfrm>
+            <a:off x="3924965" y="3876074"/>
+            <a:ext cx="1745399" cy="1681348"/>
+          </a:xfrm>
+          <a:prstGeom prst="rect">
+            <a:avLst/>
+          </a:prstGeom>
+        </p:spPr>
+      </p:pic>
+      <p:pic>
+        <p:nvPicPr>
+          <p:cNvPr id="6" name="Image 5">
+            <a:extLst>
+              <a:ext uri="{FF2B5EF4-FFF2-40B4-BE49-F238E27FC236}">
+                <a16:creationId xmlns:a16="http://schemas.microsoft.com/office/drawing/2014/main" id="{D3AF8AA1-2A2D-486A-8668-1E18F11EDDB3}"/>
+              </a:ext>
+            </a:extLst>
+          </p:cNvPr>
+          <p:cNvPicPr>
+            <a:picLocks noChangeAspect="1"/>
+          </p:cNvPicPr>
+          <p:nvPr/>
+        </p:nvPicPr>
+        <p:blipFill>
+          <a:blip r:embed="rId5"/>
+          <a:stretch>
+            <a:fillRect/>
+          </a:stretch>
+        </p:blipFill>
+        <p:spPr>
+          <a:xfrm>
+            <a:off x="3891181" y="2734264"/>
+            <a:ext cx="1812965" cy="851344"/>
+          </a:xfrm>
+          <a:prstGeom prst="rect">
+            <a:avLst/>
+          </a:prstGeom>
+        </p:spPr>
+      </p:pic>
+      <p:pic>
+        <p:nvPicPr>
+          <p:cNvPr id="7" name="Image 6">
+            <a:extLst>
+              <a:ext uri="{FF2B5EF4-FFF2-40B4-BE49-F238E27FC236}">
+                <a16:creationId xmlns:a16="http://schemas.microsoft.com/office/drawing/2014/main" id="{DF2AF56F-5A60-49F7-A234-4C30D643C38B}"/>
+              </a:ext>
+            </a:extLst>
+          </p:cNvPr>
+          <p:cNvPicPr>
+            <a:picLocks noChangeAspect="1"/>
+          </p:cNvPicPr>
+          <p:nvPr/>
+        </p:nvPicPr>
+        <p:blipFill>
+          <a:blip r:embed="rId6"/>
+          <a:stretch>
+            <a:fillRect/>
+          </a:stretch>
+        </p:blipFill>
+        <p:spPr>
+          <a:xfrm>
+            <a:off x="2006496" y="2734264"/>
+            <a:ext cx="1812397" cy="851344"/>
+          </a:xfrm>
+          <a:prstGeom prst="rect">
+            <a:avLst/>
+          </a:prstGeom>
+        </p:spPr>
+      </p:pic>
+      <p:pic>
+        <p:nvPicPr>
+          <p:cNvPr id="8" name="Image 7">
+            <a:extLst>
+              <a:ext uri="{FF2B5EF4-FFF2-40B4-BE49-F238E27FC236}">
+                <a16:creationId xmlns:a16="http://schemas.microsoft.com/office/drawing/2014/main" id="{A568146E-949C-40E2-85FF-573BA9F3AD66}"/>
+              </a:ext>
+            </a:extLst>
+          </p:cNvPr>
+          <p:cNvPicPr>
+            <a:picLocks noChangeAspect="1"/>
+          </p:cNvPicPr>
+          <p:nvPr/>
+        </p:nvPicPr>
+        <p:blipFill>
+          <a:blip r:embed="rId7"/>
+          <a:stretch>
+            <a:fillRect/>
+          </a:stretch>
+        </p:blipFill>
+        <p:spPr>
+          <a:xfrm>
+            <a:off x="3506616" y="5807297"/>
+            <a:ext cx="2231314" cy="937695"/>
+          </a:xfrm>
+          <a:prstGeom prst="rect">
+            <a:avLst/>
+          </a:prstGeom>
+        </p:spPr>
+      </p:pic>
+      <p:pic>
+        <p:nvPicPr>
+          <p:cNvPr id="12" name="Image 11">
+            <a:extLst>
+              <a:ext uri="{FF2B5EF4-FFF2-40B4-BE49-F238E27FC236}">
+                <a16:creationId xmlns:a16="http://schemas.microsoft.com/office/drawing/2014/main" id="{152CE766-D270-4127-AFCE-6CB8D1940612}"/>
+              </a:ext>
+            </a:extLst>
+          </p:cNvPr>
+          <p:cNvPicPr>
+            <a:picLocks noChangeAspect="1"/>
+          </p:cNvPicPr>
+          <p:nvPr/>
+        </p:nvPicPr>
+        <p:blipFill>
+          <a:blip r:embed="rId8"/>
+          <a:stretch>
+            <a:fillRect/>
+          </a:stretch>
+        </p:blipFill>
+        <p:spPr>
+          <a:xfrm>
+            <a:off x="5948431" y="3307758"/>
+            <a:ext cx="3396687" cy="3236699"/>
           </a:xfrm>
           <a:prstGeom prst="rect">
             <a:avLst/>
@@ -22544,10 +24449,1553 @@
       </p:pic>
       <p:sp>
         <p:nvSpPr>
-          <p:cNvPr id="6" name="ZoneTexte 5">
+          <p:cNvPr id="17" name="Espace réservé du contenu 2">
             <a:extLst>
               <a:ext uri="{FF2B5EF4-FFF2-40B4-BE49-F238E27FC236}">
-                <a16:creationId xmlns:a16="http://schemas.microsoft.com/office/drawing/2014/main" id="{8B5FC344-E1EC-4ED1-A7EC-BD6D07E30D3E}"/>
+                <a16:creationId xmlns:a16="http://schemas.microsoft.com/office/drawing/2014/main" id="{1FA8A955-AB52-4BBD-98A8-E34264F03253}"/>
+              </a:ext>
+            </a:extLst>
+          </p:cNvPr>
+          <p:cNvSpPr txBox="1">
+            <a:spLocks/>
+          </p:cNvSpPr>
+          <p:nvPr/>
+        </p:nvSpPr>
+        <p:spPr>
+          <a:xfrm>
+            <a:off x="5890120" y="2010778"/>
+            <a:ext cx="6014835" cy="1296980"/>
+          </a:xfrm>
+          <a:prstGeom prst="rect">
+            <a:avLst/>
+          </a:prstGeom>
+          <a:effectLst>
+            <a:outerShdw blurRad="50800" dir="14400000">
+              <a:srgbClr val="000000">
+                <a:alpha val="40000"/>
+              </a:srgbClr>
+            </a:outerShdw>
+          </a:effectLst>
+        </p:spPr>
+        <p:txBody>
+          <a:bodyPr vert="horz" lIns="91440" tIns="45720" rIns="91440" bIns="45720" rtlCol="0" anchor="ctr">
+            <a:normAutofit fontScale="62500" lnSpcReduction="20000"/>
+          </a:bodyPr>
+          <a:lstStyle>
+            <a:lvl1pPr marL="342900" indent="-342900" algn="l" defTabSz="457200" rtl="0" eaLnBrk="1" latinLnBrk="0" hangingPunct="1">
+              <a:spcBef>
+                <a:spcPct val="20000"/>
+              </a:spcBef>
+              <a:spcAft>
+                <a:spcPts val="600"/>
+              </a:spcAft>
+              <a:buClr>
+                <a:schemeClr val="accent1"/>
+              </a:buClr>
+              <a:buFont typeface="Wingdings 2" charset="2"/>
+              <a:buChar char=""/>
+              <a:defRPr sz="1800" kern="1200">
+                <a:solidFill>
+                  <a:schemeClr val="tx1"/>
+                </a:solidFill>
+                <a:latin typeface="+mn-lt"/>
+                <a:ea typeface="+mn-ea"/>
+                <a:cs typeface="+mn-cs"/>
+              </a:defRPr>
+            </a:lvl1pPr>
+            <a:lvl2pPr marL="742950" indent="-285750" algn="l" defTabSz="457200" rtl="0" eaLnBrk="1" latinLnBrk="0" hangingPunct="1">
+              <a:spcBef>
+                <a:spcPct val="20000"/>
+              </a:spcBef>
+              <a:spcAft>
+                <a:spcPts val="600"/>
+              </a:spcAft>
+              <a:buClr>
+                <a:schemeClr val="accent1"/>
+              </a:buClr>
+              <a:buFont typeface="Wingdings 2" charset="2"/>
+              <a:buChar char=""/>
+              <a:defRPr sz="1600" kern="1200">
+                <a:solidFill>
+                  <a:schemeClr val="tx1"/>
+                </a:solidFill>
+                <a:latin typeface="+mn-lt"/>
+                <a:ea typeface="+mn-ea"/>
+                <a:cs typeface="+mn-cs"/>
+              </a:defRPr>
+            </a:lvl2pPr>
+            <a:lvl3pPr marL="1143000" indent="-228600" algn="l" defTabSz="457200" rtl="0" eaLnBrk="1" latinLnBrk="0" hangingPunct="1">
+              <a:spcBef>
+                <a:spcPct val="20000"/>
+              </a:spcBef>
+              <a:spcAft>
+                <a:spcPts val="600"/>
+              </a:spcAft>
+              <a:buClr>
+                <a:schemeClr val="accent1"/>
+              </a:buClr>
+              <a:buFont typeface="Wingdings 2" charset="2"/>
+              <a:buChar char=""/>
+              <a:defRPr sz="1400" kern="1200">
+                <a:solidFill>
+                  <a:schemeClr val="tx1"/>
+                </a:solidFill>
+                <a:latin typeface="+mn-lt"/>
+                <a:ea typeface="+mn-ea"/>
+                <a:cs typeface="+mn-cs"/>
+              </a:defRPr>
+            </a:lvl3pPr>
+            <a:lvl4pPr marL="1600200" indent="-228600" algn="l" defTabSz="457200" rtl="0" eaLnBrk="1" latinLnBrk="0" hangingPunct="1">
+              <a:spcBef>
+                <a:spcPct val="20000"/>
+              </a:spcBef>
+              <a:spcAft>
+                <a:spcPts val="600"/>
+              </a:spcAft>
+              <a:buClr>
+                <a:schemeClr val="accent1"/>
+              </a:buClr>
+              <a:buFont typeface="Wingdings 2" charset="2"/>
+              <a:buChar char=""/>
+              <a:defRPr sz="1200" kern="1200">
+                <a:solidFill>
+                  <a:schemeClr val="tx1"/>
+                </a:solidFill>
+                <a:latin typeface="+mn-lt"/>
+                <a:ea typeface="+mn-ea"/>
+                <a:cs typeface="+mn-cs"/>
+              </a:defRPr>
+            </a:lvl4pPr>
+            <a:lvl5pPr marL="2057400" indent="-228600" algn="l" defTabSz="457200" rtl="0" eaLnBrk="1" latinLnBrk="0" hangingPunct="1">
+              <a:spcBef>
+                <a:spcPct val="20000"/>
+              </a:spcBef>
+              <a:spcAft>
+                <a:spcPts val="600"/>
+              </a:spcAft>
+              <a:buClr>
+                <a:schemeClr val="accent1"/>
+              </a:buClr>
+              <a:buFont typeface="Wingdings 2" charset="2"/>
+              <a:buChar char=""/>
+              <a:defRPr sz="1200" kern="1200">
+                <a:solidFill>
+                  <a:schemeClr val="tx1"/>
+                </a:solidFill>
+                <a:latin typeface="+mn-lt"/>
+                <a:ea typeface="+mn-ea"/>
+                <a:cs typeface="+mn-cs"/>
+              </a:defRPr>
+            </a:lvl5pPr>
+            <a:lvl6pPr marL="2400000" indent="-228600" algn="l" defTabSz="457200" rtl="0" eaLnBrk="1" latinLnBrk="0" hangingPunct="1">
+              <a:spcBef>
+                <a:spcPct val="20000"/>
+              </a:spcBef>
+              <a:spcAft>
+                <a:spcPts val="600"/>
+              </a:spcAft>
+              <a:buClr>
+                <a:schemeClr val="accent1"/>
+              </a:buClr>
+              <a:buFont typeface="Wingdings 2" charset="2"/>
+              <a:buChar char=""/>
+              <a:defRPr sz="1200" kern="1200">
+                <a:solidFill>
+                  <a:schemeClr val="tx1"/>
+                </a:solidFill>
+                <a:latin typeface="+mn-lt"/>
+                <a:ea typeface="+mn-ea"/>
+                <a:cs typeface="+mn-cs"/>
+              </a:defRPr>
+            </a:lvl6pPr>
+            <a:lvl7pPr marL="2800000" indent="-228600" algn="l" defTabSz="457200" rtl="0" eaLnBrk="1" latinLnBrk="0" hangingPunct="1">
+              <a:spcBef>
+                <a:spcPct val="20000"/>
+              </a:spcBef>
+              <a:spcAft>
+                <a:spcPts val="600"/>
+              </a:spcAft>
+              <a:buClr>
+                <a:schemeClr val="accent1"/>
+              </a:buClr>
+              <a:buFont typeface="Wingdings 2" charset="2"/>
+              <a:buChar char=""/>
+              <a:defRPr sz="1200" kern="1200">
+                <a:solidFill>
+                  <a:schemeClr val="tx1"/>
+                </a:solidFill>
+                <a:latin typeface="+mn-lt"/>
+                <a:ea typeface="+mn-ea"/>
+                <a:cs typeface="+mn-cs"/>
+              </a:defRPr>
+            </a:lvl7pPr>
+            <a:lvl8pPr marL="3200000" indent="-228600" algn="l" defTabSz="457200" rtl="0" eaLnBrk="1" latinLnBrk="0" hangingPunct="1">
+              <a:spcBef>
+                <a:spcPct val="20000"/>
+              </a:spcBef>
+              <a:spcAft>
+                <a:spcPts val="600"/>
+              </a:spcAft>
+              <a:buClr>
+                <a:schemeClr val="accent1"/>
+              </a:buClr>
+              <a:buFont typeface="Wingdings 2" charset="2"/>
+              <a:buChar char=""/>
+              <a:defRPr sz="1200" kern="1200">
+                <a:solidFill>
+                  <a:schemeClr val="tx1"/>
+                </a:solidFill>
+                <a:latin typeface="+mn-lt"/>
+                <a:ea typeface="+mn-ea"/>
+                <a:cs typeface="+mn-cs"/>
+              </a:defRPr>
+            </a:lvl8pPr>
+            <a:lvl9pPr marL="3600000" indent="-228600" algn="l" defTabSz="457200" rtl="0" eaLnBrk="1" latinLnBrk="0" hangingPunct="1">
+              <a:spcBef>
+                <a:spcPct val="20000"/>
+              </a:spcBef>
+              <a:spcAft>
+                <a:spcPts val="600"/>
+              </a:spcAft>
+              <a:buClr>
+                <a:schemeClr val="accent1"/>
+              </a:buClr>
+              <a:buFont typeface="Wingdings 2" charset="2"/>
+              <a:buChar char=""/>
+              <a:defRPr sz="1200" kern="1200">
+                <a:solidFill>
+                  <a:schemeClr val="tx1"/>
+                </a:solidFill>
+                <a:latin typeface="+mn-lt"/>
+                <a:ea typeface="+mn-ea"/>
+                <a:cs typeface="+mn-cs"/>
+              </a:defRPr>
+            </a:lvl9pPr>
+          </a:lstStyle>
+          <a:p>
+            <a:r>
+              <a:rPr lang="en-US" sz="2600" dirty="0"/>
+              <a:t>NMF with “optimal”* topics number</a:t>
+            </a:r>
+          </a:p>
+          <a:p>
+            <a:pPr>
+              <a:buFontTx/>
+              <a:buChar char="-"/>
+            </a:pPr>
+            <a:r>
+              <a:rPr lang="en-US" dirty="0"/>
+              <a:t>Reduces the size of “carryall” topic,</a:t>
+            </a:r>
+          </a:p>
+          <a:p>
+            <a:pPr>
+              <a:buFontTx/>
+              <a:buChar char="-"/>
+            </a:pPr>
+            <a:r>
+              <a:rPr lang="en-US" dirty="0"/>
+              <a:t>Highest sparsity, with few topics for a single 1</a:t>
+            </a:r>
+            <a:r>
+              <a:rPr lang="en-US" baseline="30000" dirty="0"/>
+              <a:t>st</a:t>
+            </a:r>
+            <a:r>
+              <a:rPr lang="en-US" dirty="0"/>
+              <a:t> level category,</a:t>
+            </a:r>
+          </a:p>
+          <a:p>
+            <a:pPr>
+              <a:buFontTx/>
+              <a:buChar char="-"/>
+            </a:pPr>
+            <a:r>
+              <a:rPr lang="en-US" dirty="0"/>
+              <a:t>“Mixed topics &amp; categories” area </a:t>
+            </a:r>
+            <a:r>
+              <a:rPr lang="en-US" dirty="0" err="1"/>
+              <a:t>plitted</a:t>
+            </a:r>
+            <a:r>
+              <a:rPr lang="en-US" dirty="0"/>
+              <a:t> into smaller areas,</a:t>
+            </a:r>
+          </a:p>
+          <a:p>
+            <a:pPr>
+              <a:buFontTx/>
+              <a:buChar char="-"/>
+            </a:pPr>
+            <a:r>
+              <a:rPr lang="en-US" dirty="0"/>
+              <a:t>Still a high level of confusion for products with weak coordinates.</a:t>
+            </a:r>
+          </a:p>
+        </p:txBody>
+      </p:sp>
+      <p:sp>
+        <p:nvSpPr>
+          <p:cNvPr id="18" name="Espace réservé du contenu 2">
+            <a:extLst>
+              <a:ext uri="{FF2B5EF4-FFF2-40B4-BE49-F238E27FC236}">
+                <a16:creationId xmlns:a16="http://schemas.microsoft.com/office/drawing/2014/main" id="{F4D6E5A3-6342-4CC4-AC2B-8B5AD2BA61CB}"/>
+              </a:ext>
+            </a:extLst>
+          </p:cNvPr>
+          <p:cNvSpPr txBox="1">
+            <a:spLocks/>
+          </p:cNvSpPr>
+          <p:nvPr/>
+        </p:nvSpPr>
+        <p:spPr>
+          <a:xfrm>
+            <a:off x="9403429" y="3339448"/>
+            <a:ext cx="2981512" cy="536626"/>
+          </a:xfrm>
+          <a:prstGeom prst="rect">
+            <a:avLst/>
+          </a:prstGeom>
+          <a:effectLst>
+            <a:outerShdw blurRad="50800" dir="14400000">
+              <a:srgbClr val="000000">
+                <a:alpha val="40000"/>
+              </a:srgbClr>
+            </a:outerShdw>
+          </a:effectLst>
+        </p:spPr>
+        <p:txBody>
+          <a:bodyPr vert="horz" lIns="91440" tIns="45720" rIns="91440" bIns="45720" rtlCol="0" anchor="ctr">
+            <a:noAutofit/>
+          </a:bodyPr>
+          <a:lstStyle>
+            <a:lvl1pPr marL="342900" indent="-342900" algn="l" defTabSz="457200" rtl="0" eaLnBrk="1" latinLnBrk="0" hangingPunct="1">
+              <a:spcBef>
+                <a:spcPct val="20000"/>
+              </a:spcBef>
+              <a:spcAft>
+                <a:spcPts val="600"/>
+              </a:spcAft>
+              <a:buClr>
+                <a:schemeClr val="accent1"/>
+              </a:buClr>
+              <a:buFont typeface="Wingdings 2" charset="2"/>
+              <a:buChar char=""/>
+              <a:defRPr sz="1800" kern="1200">
+                <a:solidFill>
+                  <a:schemeClr val="tx1"/>
+                </a:solidFill>
+                <a:latin typeface="+mn-lt"/>
+                <a:ea typeface="+mn-ea"/>
+                <a:cs typeface="+mn-cs"/>
+              </a:defRPr>
+            </a:lvl1pPr>
+            <a:lvl2pPr marL="742950" indent="-285750" algn="l" defTabSz="457200" rtl="0" eaLnBrk="1" latinLnBrk="0" hangingPunct="1">
+              <a:spcBef>
+                <a:spcPct val="20000"/>
+              </a:spcBef>
+              <a:spcAft>
+                <a:spcPts val="600"/>
+              </a:spcAft>
+              <a:buClr>
+                <a:schemeClr val="accent1"/>
+              </a:buClr>
+              <a:buFont typeface="Wingdings 2" charset="2"/>
+              <a:buChar char=""/>
+              <a:defRPr sz="1600" kern="1200">
+                <a:solidFill>
+                  <a:schemeClr val="tx1"/>
+                </a:solidFill>
+                <a:latin typeface="+mn-lt"/>
+                <a:ea typeface="+mn-ea"/>
+                <a:cs typeface="+mn-cs"/>
+              </a:defRPr>
+            </a:lvl2pPr>
+            <a:lvl3pPr marL="1143000" indent="-228600" algn="l" defTabSz="457200" rtl="0" eaLnBrk="1" latinLnBrk="0" hangingPunct="1">
+              <a:spcBef>
+                <a:spcPct val="20000"/>
+              </a:spcBef>
+              <a:spcAft>
+                <a:spcPts val="600"/>
+              </a:spcAft>
+              <a:buClr>
+                <a:schemeClr val="accent1"/>
+              </a:buClr>
+              <a:buFont typeface="Wingdings 2" charset="2"/>
+              <a:buChar char=""/>
+              <a:defRPr sz="1400" kern="1200">
+                <a:solidFill>
+                  <a:schemeClr val="tx1"/>
+                </a:solidFill>
+                <a:latin typeface="+mn-lt"/>
+                <a:ea typeface="+mn-ea"/>
+                <a:cs typeface="+mn-cs"/>
+              </a:defRPr>
+            </a:lvl3pPr>
+            <a:lvl4pPr marL="1600200" indent="-228600" algn="l" defTabSz="457200" rtl="0" eaLnBrk="1" latinLnBrk="0" hangingPunct="1">
+              <a:spcBef>
+                <a:spcPct val="20000"/>
+              </a:spcBef>
+              <a:spcAft>
+                <a:spcPts val="600"/>
+              </a:spcAft>
+              <a:buClr>
+                <a:schemeClr val="accent1"/>
+              </a:buClr>
+              <a:buFont typeface="Wingdings 2" charset="2"/>
+              <a:buChar char=""/>
+              <a:defRPr sz="1200" kern="1200">
+                <a:solidFill>
+                  <a:schemeClr val="tx1"/>
+                </a:solidFill>
+                <a:latin typeface="+mn-lt"/>
+                <a:ea typeface="+mn-ea"/>
+                <a:cs typeface="+mn-cs"/>
+              </a:defRPr>
+            </a:lvl4pPr>
+            <a:lvl5pPr marL="2057400" indent="-228600" algn="l" defTabSz="457200" rtl="0" eaLnBrk="1" latinLnBrk="0" hangingPunct="1">
+              <a:spcBef>
+                <a:spcPct val="20000"/>
+              </a:spcBef>
+              <a:spcAft>
+                <a:spcPts val="600"/>
+              </a:spcAft>
+              <a:buClr>
+                <a:schemeClr val="accent1"/>
+              </a:buClr>
+              <a:buFont typeface="Wingdings 2" charset="2"/>
+              <a:buChar char=""/>
+              <a:defRPr sz="1200" kern="1200">
+                <a:solidFill>
+                  <a:schemeClr val="tx1"/>
+                </a:solidFill>
+                <a:latin typeface="+mn-lt"/>
+                <a:ea typeface="+mn-ea"/>
+                <a:cs typeface="+mn-cs"/>
+              </a:defRPr>
+            </a:lvl5pPr>
+            <a:lvl6pPr marL="2400000" indent="-228600" algn="l" defTabSz="457200" rtl="0" eaLnBrk="1" latinLnBrk="0" hangingPunct="1">
+              <a:spcBef>
+                <a:spcPct val="20000"/>
+              </a:spcBef>
+              <a:spcAft>
+                <a:spcPts val="600"/>
+              </a:spcAft>
+              <a:buClr>
+                <a:schemeClr val="accent1"/>
+              </a:buClr>
+              <a:buFont typeface="Wingdings 2" charset="2"/>
+              <a:buChar char=""/>
+              <a:defRPr sz="1200" kern="1200">
+                <a:solidFill>
+                  <a:schemeClr val="tx1"/>
+                </a:solidFill>
+                <a:latin typeface="+mn-lt"/>
+                <a:ea typeface="+mn-ea"/>
+                <a:cs typeface="+mn-cs"/>
+              </a:defRPr>
+            </a:lvl6pPr>
+            <a:lvl7pPr marL="2800000" indent="-228600" algn="l" defTabSz="457200" rtl="0" eaLnBrk="1" latinLnBrk="0" hangingPunct="1">
+              <a:spcBef>
+                <a:spcPct val="20000"/>
+              </a:spcBef>
+              <a:spcAft>
+                <a:spcPts val="600"/>
+              </a:spcAft>
+              <a:buClr>
+                <a:schemeClr val="accent1"/>
+              </a:buClr>
+              <a:buFont typeface="Wingdings 2" charset="2"/>
+              <a:buChar char=""/>
+              <a:defRPr sz="1200" kern="1200">
+                <a:solidFill>
+                  <a:schemeClr val="tx1"/>
+                </a:solidFill>
+                <a:latin typeface="+mn-lt"/>
+                <a:ea typeface="+mn-ea"/>
+                <a:cs typeface="+mn-cs"/>
+              </a:defRPr>
+            </a:lvl7pPr>
+            <a:lvl8pPr marL="3200000" indent="-228600" algn="l" defTabSz="457200" rtl="0" eaLnBrk="1" latinLnBrk="0" hangingPunct="1">
+              <a:spcBef>
+                <a:spcPct val="20000"/>
+              </a:spcBef>
+              <a:spcAft>
+                <a:spcPts val="600"/>
+              </a:spcAft>
+              <a:buClr>
+                <a:schemeClr val="accent1"/>
+              </a:buClr>
+              <a:buFont typeface="Wingdings 2" charset="2"/>
+              <a:buChar char=""/>
+              <a:defRPr sz="1200" kern="1200">
+                <a:solidFill>
+                  <a:schemeClr val="tx1"/>
+                </a:solidFill>
+                <a:latin typeface="+mn-lt"/>
+                <a:ea typeface="+mn-ea"/>
+                <a:cs typeface="+mn-cs"/>
+              </a:defRPr>
+            </a:lvl8pPr>
+            <a:lvl9pPr marL="3600000" indent="-228600" algn="l" defTabSz="457200" rtl="0" eaLnBrk="1" latinLnBrk="0" hangingPunct="1">
+              <a:spcBef>
+                <a:spcPct val="20000"/>
+              </a:spcBef>
+              <a:spcAft>
+                <a:spcPts val="600"/>
+              </a:spcAft>
+              <a:buClr>
+                <a:schemeClr val="accent1"/>
+              </a:buClr>
+              <a:buFont typeface="Wingdings 2" charset="2"/>
+              <a:buChar char=""/>
+              <a:defRPr sz="1200" kern="1200">
+                <a:solidFill>
+                  <a:schemeClr val="tx1"/>
+                </a:solidFill>
+                <a:latin typeface="+mn-lt"/>
+                <a:ea typeface="+mn-ea"/>
+                <a:cs typeface="+mn-cs"/>
+              </a:defRPr>
+            </a:lvl9pPr>
+          </a:lstStyle>
+          <a:p>
+            <a:r>
+              <a:rPr lang="en-US" sz="1600" dirty="0"/>
+              <a:t>LDA as alternate approach</a:t>
+            </a:r>
+          </a:p>
+        </p:txBody>
+      </p:sp>
+      <p:sp>
+        <p:nvSpPr>
+          <p:cNvPr id="19" name="Espace réservé du contenu 2">
+            <a:extLst>
+              <a:ext uri="{FF2B5EF4-FFF2-40B4-BE49-F238E27FC236}">
+                <a16:creationId xmlns:a16="http://schemas.microsoft.com/office/drawing/2014/main" id="{5D6C4E20-7E96-40C0-A11E-F1650679FAC9}"/>
+              </a:ext>
+            </a:extLst>
+          </p:cNvPr>
+          <p:cNvSpPr txBox="1">
+            <a:spLocks/>
+          </p:cNvSpPr>
+          <p:nvPr/>
+        </p:nvSpPr>
+        <p:spPr>
+          <a:xfrm>
+            <a:off x="6951216" y="6438123"/>
+            <a:ext cx="5147925" cy="536626"/>
+          </a:xfrm>
+          <a:prstGeom prst="rect">
+            <a:avLst/>
+          </a:prstGeom>
+          <a:effectLst>
+            <a:outerShdw blurRad="50800" dir="14400000">
+              <a:srgbClr val="000000">
+                <a:alpha val="40000"/>
+              </a:srgbClr>
+            </a:outerShdw>
+          </a:effectLst>
+        </p:spPr>
+        <p:txBody>
+          <a:bodyPr vert="horz" lIns="91440" tIns="45720" rIns="91440" bIns="45720" rtlCol="0" anchor="ctr">
+            <a:normAutofit/>
+          </a:bodyPr>
+          <a:lstStyle>
+            <a:lvl1pPr marL="342900" indent="-342900" algn="l" defTabSz="457200" rtl="0" eaLnBrk="1" latinLnBrk="0" hangingPunct="1">
+              <a:spcBef>
+                <a:spcPct val="20000"/>
+              </a:spcBef>
+              <a:spcAft>
+                <a:spcPts val="600"/>
+              </a:spcAft>
+              <a:buClr>
+                <a:schemeClr val="accent1"/>
+              </a:buClr>
+              <a:buFont typeface="Wingdings 2" charset="2"/>
+              <a:buChar char=""/>
+              <a:defRPr sz="1800" kern="1200">
+                <a:solidFill>
+                  <a:schemeClr val="tx1"/>
+                </a:solidFill>
+                <a:latin typeface="+mn-lt"/>
+                <a:ea typeface="+mn-ea"/>
+                <a:cs typeface="+mn-cs"/>
+              </a:defRPr>
+            </a:lvl1pPr>
+            <a:lvl2pPr marL="742950" indent="-285750" algn="l" defTabSz="457200" rtl="0" eaLnBrk="1" latinLnBrk="0" hangingPunct="1">
+              <a:spcBef>
+                <a:spcPct val="20000"/>
+              </a:spcBef>
+              <a:spcAft>
+                <a:spcPts val="600"/>
+              </a:spcAft>
+              <a:buClr>
+                <a:schemeClr val="accent1"/>
+              </a:buClr>
+              <a:buFont typeface="Wingdings 2" charset="2"/>
+              <a:buChar char=""/>
+              <a:defRPr sz="1600" kern="1200">
+                <a:solidFill>
+                  <a:schemeClr val="tx1"/>
+                </a:solidFill>
+                <a:latin typeface="+mn-lt"/>
+                <a:ea typeface="+mn-ea"/>
+                <a:cs typeface="+mn-cs"/>
+              </a:defRPr>
+            </a:lvl2pPr>
+            <a:lvl3pPr marL="1143000" indent="-228600" algn="l" defTabSz="457200" rtl="0" eaLnBrk="1" latinLnBrk="0" hangingPunct="1">
+              <a:spcBef>
+                <a:spcPct val="20000"/>
+              </a:spcBef>
+              <a:spcAft>
+                <a:spcPts val="600"/>
+              </a:spcAft>
+              <a:buClr>
+                <a:schemeClr val="accent1"/>
+              </a:buClr>
+              <a:buFont typeface="Wingdings 2" charset="2"/>
+              <a:buChar char=""/>
+              <a:defRPr sz="1400" kern="1200">
+                <a:solidFill>
+                  <a:schemeClr val="tx1"/>
+                </a:solidFill>
+                <a:latin typeface="+mn-lt"/>
+                <a:ea typeface="+mn-ea"/>
+                <a:cs typeface="+mn-cs"/>
+              </a:defRPr>
+            </a:lvl3pPr>
+            <a:lvl4pPr marL="1600200" indent="-228600" algn="l" defTabSz="457200" rtl="0" eaLnBrk="1" latinLnBrk="0" hangingPunct="1">
+              <a:spcBef>
+                <a:spcPct val="20000"/>
+              </a:spcBef>
+              <a:spcAft>
+                <a:spcPts val="600"/>
+              </a:spcAft>
+              <a:buClr>
+                <a:schemeClr val="accent1"/>
+              </a:buClr>
+              <a:buFont typeface="Wingdings 2" charset="2"/>
+              <a:buChar char=""/>
+              <a:defRPr sz="1200" kern="1200">
+                <a:solidFill>
+                  <a:schemeClr val="tx1"/>
+                </a:solidFill>
+                <a:latin typeface="+mn-lt"/>
+                <a:ea typeface="+mn-ea"/>
+                <a:cs typeface="+mn-cs"/>
+              </a:defRPr>
+            </a:lvl4pPr>
+            <a:lvl5pPr marL="2057400" indent="-228600" algn="l" defTabSz="457200" rtl="0" eaLnBrk="1" latinLnBrk="0" hangingPunct="1">
+              <a:spcBef>
+                <a:spcPct val="20000"/>
+              </a:spcBef>
+              <a:spcAft>
+                <a:spcPts val="600"/>
+              </a:spcAft>
+              <a:buClr>
+                <a:schemeClr val="accent1"/>
+              </a:buClr>
+              <a:buFont typeface="Wingdings 2" charset="2"/>
+              <a:buChar char=""/>
+              <a:defRPr sz="1200" kern="1200">
+                <a:solidFill>
+                  <a:schemeClr val="tx1"/>
+                </a:solidFill>
+                <a:latin typeface="+mn-lt"/>
+                <a:ea typeface="+mn-ea"/>
+                <a:cs typeface="+mn-cs"/>
+              </a:defRPr>
+            </a:lvl5pPr>
+            <a:lvl6pPr marL="2400000" indent="-228600" algn="l" defTabSz="457200" rtl="0" eaLnBrk="1" latinLnBrk="0" hangingPunct="1">
+              <a:spcBef>
+                <a:spcPct val="20000"/>
+              </a:spcBef>
+              <a:spcAft>
+                <a:spcPts val="600"/>
+              </a:spcAft>
+              <a:buClr>
+                <a:schemeClr val="accent1"/>
+              </a:buClr>
+              <a:buFont typeface="Wingdings 2" charset="2"/>
+              <a:buChar char=""/>
+              <a:defRPr sz="1200" kern="1200">
+                <a:solidFill>
+                  <a:schemeClr val="tx1"/>
+                </a:solidFill>
+                <a:latin typeface="+mn-lt"/>
+                <a:ea typeface="+mn-ea"/>
+                <a:cs typeface="+mn-cs"/>
+              </a:defRPr>
+            </a:lvl6pPr>
+            <a:lvl7pPr marL="2800000" indent="-228600" algn="l" defTabSz="457200" rtl="0" eaLnBrk="1" latinLnBrk="0" hangingPunct="1">
+              <a:spcBef>
+                <a:spcPct val="20000"/>
+              </a:spcBef>
+              <a:spcAft>
+                <a:spcPts val="600"/>
+              </a:spcAft>
+              <a:buClr>
+                <a:schemeClr val="accent1"/>
+              </a:buClr>
+              <a:buFont typeface="Wingdings 2" charset="2"/>
+              <a:buChar char=""/>
+              <a:defRPr sz="1200" kern="1200">
+                <a:solidFill>
+                  <a:schemeClr val="tx1"/>
+                </a:solidFill>
+                <a:latin typeface="+mn-lt"/>
+                <a:ea typeface="+mn-ea"/>
+                <a:cs typeface="+mn-cs"/>
+              </a:defRPr>
+            </a:lvl7pPr>
+            <a:lvl8pPr marL="3200000" indent="-228600" algn="l" defTabSz="457200" rtl="0" eaLnBrk="1" latinLnBrk="0" hangingPunct="1">
+              <a:spcBef>
+                <a:spcPct val="20000"/>
+              </a:spcBef>
+              <a:spcAft>
+                <a:spcPts val="600"/>
+              </a:spcAft>
+              <a:buClr>
+                <a:schemeClr val="accent1"/>
+              </a:buClr>
+              <a:buFont typeface="Wingdings 2" charset="2"/>
+              <a:buChar char=""/>
+              <a:defRPr sz="1200" kern="1200">
+                <a:solidFill>
+                  <a:schemeClr val="tx1"/>
+                </a:solidFill>
+                <a:latin typeface="+mn-lt"/>
+                <a:ea typeface="+mn-ea"/>
+                <a:cs typeface="+mn-cs"/>
+              </a:defRPr>
+            </a:lvl8pPr>
+            <a:lvl9pPr marL="3600000" indent="-228600" algn="l" defTabSz="457200" rtl="0" eaLnBrk="1" latinLnBrk="0" hangingPunct="1">
+              <a:spcBef>
+                <a:spcPct val="20000"/>
+              </a:spcBef>
+              <a:spcAft>
+                <a:spcPts val="600"/>
+              </a:spcAft>
+              <a:buClr>
+                <a:schemeClr val="accent1"/>
+              </a:buClr>
+              <a:buFont typeface="Wingdings 2" charset="2"/>
+              <a:buChar char=""/>
+              <a:defRPr sz="1200" kern="1200">
+                <a:solidFill>
+                  <a:schemeClr val="tx1"/>
+                </a:solidFill>
+                <a:latin typeface="+mn-lt"/>
+                <a:ea typeface="+mn-ea"/>
+                <a:cs typeface="+mn-cs"/>
+              </a:defRPr>
+            </a:lvl9pPr>
+          </a:lstStyle>
+          <a:p>
+            <a:pPr marL="0" indent="0">
+              <a:buNone/>
+            </a:pPr>
+            <a:r>
+              <a:rPr lang="en-US" sz="1400" i="1" dirty="0">
+                <a:solidFill>
+                  <a:srgbClr val="C00000"/>
+                </a:solidFill>
+              </a:rPr>
+              <a:t>* Caution : optimization is only valid for final step classifier </a:t>
+            </a:r>
+          </a:p>
+        </p:txBody>
+      </p:sp>
+      <p:pic>
+        <p:nvPicPr>
+          <p:cNvPr id="20" name="Image 19">
+            <a:extLst>
+              <a:ext uri="{FF2B5EF4-FFF2-40B4-BE49-F238E27FC236}">
+                <a16:creationId xmlns:a16="http://schemas.microsoft.com/office/drawing/2014/main" id="{BD8B1D3B-2690-4D6C-AB41-7701C7505D7A}"/>
+              </a:ext>
+            </a:extLst>
+          </p:cNvPr>
+          <p:cNvPicPr>
+            <a:picLocks noChangeAspect="1"/>
+          </p:cNvPicPr>
+          <p:nvPr/>
+        </p:nvPicPr>
+        <p:blipFill>
+          <a:blip r:embed="rId9"/>
+          <a:stretch>
+            <a:fillRect/>
+          </a:stretch>
+        </p:blipFill>
+        <p:spPr>
+          <a:xfrm>
+            <a:off x="9457472" y="4013831"/>
+            <a:ext cx="2643658" cy="2513642"/>
+          </a:xfrm>
+          <a:prstGeom prst="rect">
+            <a:avLst/>
+          </a:prstGeom>
+        </p:spPr>
+      </p:pic>
+      <p:sp>
+        <p:nvSpPr>
+          <p:cNvPr id="21" name="Espace réservé du contenu 2">
+            <a:extLst>
+              <a:ext uri="{FF2B5EF4-FFF2-40B4-BE49-F238E27FC236}">
+                <a16:creationId xmlns:a16="http://schemas.microsoft.com/office/drawing/2014/main" id="{731E07A4-E5B7-43B0-81B2-BFFBD1EAC780}"/>
+              </a:ext>
+            </a:extLst>
+          </p:cNvPr>
+          <p:cNvSpPr txBox="1">
+            <a:spLocks/>
+          </p:cNvSpPr>
+          <p:nvPr/>
+        </p:nvSpPr>
+        <p:spPr>
+          <a:xfrm>
+            <a:off x="92859" y="6007831"/>
+            <a:ext cx="3187391" cy="536626"/>
+          </a:xfrm>
+          <a:prstGeom prst="rect">
+            <a:avLst/>
+          </a:prstGeom>
+          <a:effectLst>
+            <a:outerShdw blurRad="50800" dir="14400000">
+              <a:srgbClr val="000000">
+                <a:alpha val="40000"/>
+              </a:srgbClr>
+            </a:outerShdw>
+          </a:effectLst>
+        </p:spPr>
+        <p:txBody>
+          <a:bodyPr vert="horz" lIns="91440" tIns="45720" rIns="91440" bIns="45720" rtlCol="0" anchor="ctr">
+            <a:noAutofit/>
+          </a:bodyPr>
+          <a:lstStyle>
+            <a:lvl1pPr marL="342900" indent="-342900" algn="l" defTabSz="457200" rtl="0" eaLnBrk="1" latinLnBrk="0" hangingPunct="1">
+              <a:spcBef>
+                <a:spcPct val="20000"/>
+              </a:spcBef>
+              <a:spcAft>
+                <a:spcPts val="600"/>
+              </a:spcAft>
+              <a:buClr>
+                <a:schemeClr val="accent1"/>
+              </a:buClr>
+              <a:buFont typeface="Wingdings 2" charset="2"/>
+              <a:buChar char=""/>
+              <a:defRPr sz="1800" kern="1200">
+                <a:solidFill>
+                  <a:schemeClr val="tx1"/>
+                </a:solidFill>
+                <a:latin typeface="+mn-lt"/>
+                <a:ea typeface="+mn-ea"/>
+                <a:cs typeface="+mn-cs"/>
+              </a:defRPr>
+            </a:lvl1pPr>
+            <a:lvl2pPr marL="742950" indent="-285750" algn="l" defTabSz="457200" rtl="0" eaLnBrk="1" latinLnBrk="0" hangingPunct="1">
+              <a:spcBef>
+                <a:spcPct val="20000"/>
+              </a:spcBef>
+              <a:spcAft>
+                <a:spcPts val="600"/>
+              </a:spcAft>
+              <a:buClr>
+                <a:schemeClr val="accent1"/>
+              </a:buClr>
+              <a:buFont typeface="Wingdings 2" charset="2"/>
+              <a:buChar char=""/>
+              <a:defRPr sz="1600" kern="1200">
+                <a:solidFill>
+                  <a:schemeClr val="tx1"/>
+                </a:solidFill>
+                <a:latin typeface="+mn-lt"/>
+                <a:ea typeface="+mn-ea"/>
+                <a:cs typeface="+mn-cs"/>
+              </a:defRPr>
+            </a:lvl2pPr>
+            <a:lvl3pPr marL="1143000" indent="-228600" algn="l" defTabSz="457200" rtl="0" eaLnBrk="1" latinLnBrk="0" hangingPunct="1">
+              <a:spcBef>
+                <a:spcPct val="20000"/>
+              </a:spcBef>
+              <a:spcAft>
+                <a:spcPts val="600"/>
+              </a:spcAft>
+              <a:buClr>
+                <a:schemeClr val="accent1"/>
+              </a:buClr>
+              <a:buFont typeface="Wingdings 2" charset="2"/>
+              <a:buChar char=""/>
+              <a:defRPr sz="1400" kern="1200">
+                <a:solidFill>
+                  <a:schemeClr val="tx1"/>
+                </a:solidFill>
+                <a:latin typeface="+mn-lt"/>
+                <a:ea typeface="+mn-ea"/>
+                <a:cs typeface="+mn-cs"/>
+              </a:defRPr>
+            </a:lvl3pPr>
+            <a:lvl4pPr marL="1600200" indent="-228600" algn="l" defTabSz="457200" rtl="0" eaLnBrk="1" latinLnBrk="0" hangingPunct="1">
+              <a:spcBef>
+                <a:spcPct val="20000"/>
+              </a:spcBef>
+              <a:spcAft>
+                <a:spcPts val="600"/>
+              </a:spcAft>
+              <a:buClr>
+                <a:schemeClr val="accent1"/>
+              </a:buClr>
+              <a:buFont typeface="Wingdings 2" charset="2"/>
+              <a:buChar char=""/>
+              <a:defRPr sz="1200" kern="1200">
+                <a:solidFill>
+                  <a:schemeClr val="tx1"/>
+                </a:solidFill>
+                <a:latin typeface="+mn-lt"/>
+                <a:ea typeface="+mn-ea"/>
+                <a:cs typeface="+mn-cs"/>
+              </a:defRPr>
+            </a:lvl4pPr>
+            <a:lvl5pPr marL="2057400" indent="-228600" algn="l" defTabSz="457200" rtl="0" eaLnBrk="1" latinLnBrk="0" hangingPunct="1">
+              <a:spcBef>
+                <a:spcPct val="20000"/>
+              </a:spcBef>
+              <a:spcAft>
+                <a:spcPts val="600"/>
+              </a:spcAft>
+              <a:buClr>
+                <a:schemeClr val="accent1"/>
+              </a:buClr>
+              <a:buFont typeface="Wingdings 2" charset="2"/>
+              <a:buChar char=""/>
+              <a:defRPr sz="1200" kern="1200">
+                <a:solidFill>
+                  <a:schemeClr val="tx1"/>
+                </a:solidFill>
+                <a:latin typeface="+mn-lt"/>
+                <a:ea typeface="+mn-ea"/>
+                <a:cs typeface="+mn-cs"/>
+              </a:defRPr>
+            </a:lvl5pPr>
+            <a:lvl6pPr marL="2400000" indent="-228600" algn="l" defTabSz="457200" rtl="0" eaLnBrk="1" latinLnBrk="0" hangingPunct="1">
+              <a:spcBef>
+                <a:spcPct val="20000"/>
+              </a:spcBef>
+              <a:spcAft>
+                <a:spcPts val="600"/>
+              </a:spcAft>
+              <a:buClr>
+                <a:schemeClr val="accent1"/>
+              </a:buClr>
+              <a:buFont typeface="Wingdings 2" charset="2"/>
+              <a:buChar char=""/>
+              <a:defRPr sz="1200" kern="1200">
+                <a:solidFill>
+                  <a:schemeClr val="tx1"/>
+                </a:solidFill>
+                <a:latin typeface="+mn-lt"/>
+                <a:ea typeface="+mn-ea"/>
+                <a:cs typeface="+mn-cs"/>
+              </a:defRPr>
+            </a:lvl6pPr>
+            <a:lvl7pPr marL="2800000" indent="-228600" algn="l" defTabSz="457200" rtl="0" eaLnBrk="1" latinLnBrk="0" hangingPunct="1">
+              <a:spcBef>
+                <a:spcPct val="20000"/>
+              </a:spcBef>
+              <a:spcAft>
+                <a:spcPts val="600"/>
+              </a:spcAft>
+              <a:buClr>
+                <a:schemeClr val="accent1"/>
+              </a:buClr>
+              <a:buFont typeface="Wingdings 2" charset="2"/>
+              <a:buChar char=""/>
+              <a:defRPr sz="1200" kern="1200">
+                <a:solidFill>
+                  <a:schemeClr val="tx1"/>
+                </a:solidFill>
+                <a:latin typeface="+mn-lt"/>
+                <a:ea typeface="+mn-ea"/>
+                <a:cs typeface="+mn-cs"/>
+              </a:defRPr>
+            </a:lvl7pPr>
+            <a:lvl8pPr marL="3200000" indent="-228600" algn="l" defTabSz="457200" rtl="0" eaLnBrk="1" latinLnBrk="0" hangingPunct="1">
+              <a:spcBef>
+                <a:spcPct val="20000"/>
+              </a:spcBef>
+              <a:spcAft>
+                <a:spcPts val="600"/>
+              </a:spcAft>
+              <a:buClr>
+                <a:schemeClr val="accent1"/>
+              </a:buClr>
+              <a:buFont typeface="Wingdings 2" charset="2"/>
+              <a:buChar char=""/>
+              <a:defRPr sz="1200" kern="1200">
+                <a:solidFill>
+                  <a:schemeClr val="tx1"/>
+                </a:solidFill>
+                <a:latin typeface="+mn-lt"/>
+                <a:ea typeface="+mn-ea"/>
+                <a:cs typeface="+mn-cs"/>
+              </a:defRPr>
+            </a:lvl8pPr>
+            <a:lvl9pPr marL="3600000" indent="-228600" algn="l" defTabSz="457200" rtl="0" eaLnBrk="1" latinLnBrk="0" hangingPunct="1">
+              <a:spcBef>
+                <a:spcPct val="20000"/>
+              </a:spcBef>
+              <a:spcAft>
+                <a:spcPts val="600"/>
+              </a:spcAft>
+              <a:buClr>
+                <a:schemeClr val="accent1"/>
+              </a:buClr>
+              <a:buFont typeface="Wingdings 2" charset="2"/>
+              <a:buChar char=""/>
+              <a:defRPr sz="1200" kern="1200">
+                <a:solidFill>
+                  <a:schemeClr val="tx1"/>
+                </a:solidFill>
+                <a:latin typeface="+mn-lt"/>
+                <a:ea typeface="+mn-ea"/>
+                <a:cs typeface="+mn-cs"/>
+              </a:defRPr>
+            </a:lvl9pPr>
+          </a:lstStyle>
+          <a:p>
+            <a:r>
+              <a:rPr lang="en-US" sz="1600" b="1" dirty="0"/>
+              <a:t>Coherence score </a:t>
+            </a:r>
+            <a:r>
+              <a:rPr lang="en-US" sz="1600" dirty="0"/>
+              <a:t>to set topics numbers (NMF)</a:t>
+            </a:r>
+          </a:p>
+        </p:txBody>
+      </p:sp>
+    </p:spTree>
+    <p:extLst>
+      <p:ext uri="{BB962C8B-B14F-4D97-AF65-F5344CB8AC3E}">
+        <p14:creationId xmlns:p14="http://schemas.microsoft.com/office/powerpoint/2010/main" val="139801024"/>
+      </p:ext>
+    </p:extLst>
+  </p:cSld>
+  <p:clrMapOvr>
+    <a:masterClrMapping/>
+  </p:clrMapOvr>
+</p:sld>
+</file>
+
+<file path=ppt/slides/slide8.xml><?xml version="1.0" encoding="utf-8"?>
+<p:sld xmlns:a="http://schemas.openxmlformats.org/drawingml/2006/main" xmlns:r="http://schemas.openxmlformats.org/officeDocument/2006/relationships" xmlns:p="http://schemas.openxmlformats.org/presentationml/2006/main">
+  <p:cSld>
+    <p:spTree>
+      <p:nvGrpSpPr>
+        <p:cNvPr id="1" name=""/>
+        <p:cNvGrpSpPr/>
+        <p:nvPr/>
+      </p:nvGrpSpPr>
+      <p:grpSpPr>
+        <a:xfrm>
+          <a:off x="0" y="0"/>
+          <a:ext cx="0" cy="0"/>
+          <a:chOff x="0" y="0"/>
+          <a:chExt cx="0" cy="0"/>
+        </a:xfrm>
+      </p:grpSpPr>
+      <p:sp>
+        <p:nvSpPr>
+          <p:cNvPr id="2" name="Titre 1">
+            <a:extLst>
+              <a:ext uri="{FF2B5EF4-FFF2-40B4-BE49-F238E27FC236}">
+                <a16:creationId xmlns:a16="http://schemas.microsoft.com/office/drawing/2014/main" id="{79544AE8-9A00-4F7D-A1E3-3F372ED53C2D}"/>
+              </a:ext>
+            </a:extLst>
+          </p:cNvPr>
+          <p:cNvSpPr>
+            <a:spLocks noGrp="1"/>
+          </p:cNvSpPr>
+          <p:nvPr>
+            <p:ph type="title"/>
+          </p:nvPr>
+        </p:nvSpPr>
+        <p:spPr/>
+        <p:txBody>
+          <a:bodyPr/>
+          <a:lstStyle/>
+          <a:p>
+            <a:r>
+              <a:rPr lang="en-US" dirty="0"/>
+              <a:t>Image processing : pre-process</a:t>
+            </a:r>
+          </a:p>
+        </p:txBody>
+      </p:sp>
+      <p:sp>
+        <p:nvSpPr>
+          <p:cNvPr id="3" name="Espace réservé du contenu 2">
+            <a:extLst>
+              <a:ext uri="{FF2B5EF4-FFF2-40B4-BE49-F238E27FC236}">
+                <a16:creationId xmlns:a16="http://schemas.microsoft.com/office/drawing/2014/main" id="{65C5AA55-F026-4DC1-BC06-0C60130C46B2}"/>
+              </a:ext>
+            </a:extLst>
+          </p:cNvPr>
+          <p:cNvSpPr>
+            <a:spLocks noGrp="1"/>
+          </p:cNvSpPr>
+          <p:nvPr>
+            <p:ph idx="1"/>
+          </p:nvPr>
+        </p:nvSpPr>
+        <p:spPr>
+          <a:xfrm>
+            <a:off x="143169" y="2037462"/>
+            <a:ext cx="3310246" cy="970450"/>
+          </a:xfrm>
+        </p:spPr>
+        <p:txBody>
+          <a:bodyPr/>
+          <a:lstStyle/>
+          <a:p>
+            <a:r>
+              <a:rPr lang="en-US" dirty="0"/>
+              <a:t>Pictures of various sizes are stored in BGR mode</a:t>
+            </a:r>
+          </a:p>
+        </p:txBody>
+      </p:sp>
+      <p:pic>
+        <p:nvPicPr>
+          <p:cNvPr id="7" name="Image 6">
+            <a:extLst>
+              <a:ext uri="{FF2B5EF4-FFF2-40B4-BE49-F238E27FC236}">
+                <a16:creationId xmlns:a16="http://schemas.microsoft.com/office/drawing/2014/main" id="{A7CDBBE4-90B7-4E1F-8736-994B47E7C842}"/>
+              </a:ext>
+            </a:extLst>
+          </p:cNvPr>
+          <p:cNvPicPr>
+            <a:picLocks noChangeAspect="1"/>
+          </p:cNvPicPr>
+          <p:nvPr/>
+        </p:nvPicPr>
+        <p:blipFill>
+          <a:blip r:embed="rId2"/>
+          <a:stretch>
+            <a:fillRect/>
+          </a:stretch>
+        </p:blipFill>
+        <p:spPr>
+          <a:xfrm>
+            <a:off x="195049" y="140828"/>
+            <a:ext cx="4746602" cy="612719"/>
+          </a:xfrm>
+          <a:prstGeom prst="rect">
+            <a:avLst/>
+          </a:prstGeom>
+        </p:spPr>
+      </p:pic>
+      <p:pic>
+        <p:nvPicPr>
+          <p:cNvPr id="8" name="Image 7">
+            <a:extLst>
+              <a:ext uri="{FF2B5EF4-FFF2-40B4-BE49-F238E27FC236}">
+                <a16:creationId xmlns:a16="http://schemas.microsoft.com/office/drawing/2014/main" id="{A7011AE0-BAAD-456B-95BB-B5B5445CC69F}"/>
+              </a:ext>
+            </a:extLst>
+          </p:cNvPr>
+          <p:cNvPicPr>
+            <a:picLocks noChangeAspect="1"/>
+          </p:cNvPicPr>
+          <p:nvPr/>
+        </p:nvPicPr>
+        <p:blipFill>
+          <a:blip r:embed="rId3"/>
+          <a:stretch>
+            <a:fillRect/>
+          </a:stretch>
+        </p:blipFill>
+        <p:spPr>
+          <a:xfrm>
+            <a:off x="343481" y="2851977"/>
+            <a:ext cx="1387666" cy="1355560"/>
+          </a:xfrm>
+          <a:prstGeom prst="rect">
+            <a:avLst/>
+          </a:prstGeom>
+        </p:spPr>
+      </p:pic>
+      <p:pic>
+        <p:nvPicPr>
+          <p:cNvPr id="9" name="Image 8">
+            <a:extLst>
+              <a:ext uri="{FF2B5EF4-FFF2-40B4-BE49-F238E27FC236}">
+                <a16:creationId xmlns:a16="http://schemas.microsoft.com/office/drawing/2014/main" id="{05493F46-2994-4362-ADB0-B55C945457BD}"/>
+              </a:ext>
+            </a:extLst>
+          </p:cNvPr>
+          <p:cNvPicPr>
+            <a:picLocks noChangeAspect="1"/>
+          </p:cNvPicPr>
+          <p:nvPr/>
+        </p:nvPicPr>
+        <p:blipFill>
+          <a:blip r:embed="rId4"/>
+          <a:stretch>
+            <a:fillRect/>
+          </a:stretch>
+        </p:blipFill>
+        <p:spPr>
+          <a:xfrm>
+            <a:off x="3600450" y="2433637"/>
+            <a:ext cx="3860665" cy="1539845"/>
+          </a:xfrm>
+          <a:prstGeom prst="rect">
+            <a:avLst/>
+          </a:prstGeom>
+        </p:spPr>
+      </p:pic>
+      <p:pic>
+        <p:nvPicPr>
+          <p:cNvPr id="10" name="Image 9">
+            <a:extLst>
+              <a:ext uri="{FF2B5EF4-FFF2-40B4-BE49-F238E27FC236}">
+                <a16:creationId xmlns:a16="http://schemas.microsoft.com/office/drawing/2014/main" id="{275DC241-4852-4A53-BDB1-C7492DF9067F}"/>
+              </a:ext>
+            </a:extLst>
+          </p:cNvPr>
+          <p:cNvPicPr>
+            <a:picLocks noChangeAspect="1"/>
+          </p:cNvPicPr>
+          <p:nvPr/>
+        </p:nvPicPr>
+        <p:blipFill>
+          <a:blip r:embed="rId5"/>
+          <a:stretch>
+            <a:fillRect/>
+          </a:stretch>
+        </p:blipFill>
+        <p:spPr>
+          <a:xfrm>
+            <a:off x="7847847" y="4408651"/>
+            <a:ext cx="3860665" cy="1896987"/>
+          </a:xfrm>
+          <a:prstGeom prst="rect">
+            <a:avLst/>
+          </a:prstGeom>
+        </p:spPr>
+      </p:pic>
+      <p:pic>
+        <p:nvPicPr>
+          <p:cNvPr id="11" name="Image 10">
+            <a:extLst>
+              <a:ext uri="{FF2B5EF4-FFF2-40B4-BE49-F238E27FC236}">
+                <a16:creationId xmlns:a16="http://schemas.microsoft.com/office/drawing/2014/main" id="{DC01ECDF-1957-47B5-BB58-8994E9C57530}"/>
+              </a:ext>
+            </a:extLst>
+          </p:cNvPr>
+          <p:cNvPicPr>
+            <a:picLocks noChangeAspect="1"/>
+          </p:cNvPicPr>
+          <p:nvPr/>
+        </p:nvPicPr>
+        <p:blipFill rotWithShape="1">
+          <a:blip r:embed="rId6"/>
+          <a:srcRect l="-1" t="-1" r="3213" b="-263"/>
+          <a:stretch/>
+        </p:blipFill>
+        <p:spPr>
+          <a:xfrm>
+            <a:off x="7621026" y="2582154"/>
+            <a:ext cx="1709392" cy="1391328"/>
+          </a:xfrm>
+          <a:prstGeom prst="rect">
+            <a:avLst/>
+          </a:prstGeom>
+        </p:spPr>
+      </p:pic>
+      <p:sp>
+        <p:nvSpPr>
+          <p:cNvPr id="12" name="Espace réservé du contenu 2">
+            <a:extLst>
+              <a:ext uri="{FF2B5EF4-FFF2-40B4-BE49-F238E27FC236}">
+                <a16:creationId xmlns:a16="http://schemas.microsoft.com/office/drawing/2014/main" id="{C217272F-898C-41B9-88CE-C8F949F78E34}"/>
+              </a:ext>
+            </a:extLst>
+          </p:cNvPr>
+          <p:cNvSpPr txBox="1">
+            <a:spLocks/>
+          </p:cNvSpPr>
+          <p:nvPr/>
+        </p:nvSpPr>
+        <p:spPr>
+          <a:xfrm>
+            <a:off x="0" y="4790390"/>
+            <a:ext cx="3310246" cy="970450"/>
+          </a:xfrm>
+          <a:prstGeom prst="rect">
+            <a:avLst/>
+          </a:prstGeom>
+          <a:effectLst>
+            <a:outerShdw blurRad="50800" dir="14400000">
+              <a:srgbClr val="000000">
+                <a:alpha val="40000"/>
+              </a:srgbClr>
+            </a:outerShdw>
+          </a:effectLst>
+        </p:spPr>
+        <p:txBody>
+          <a:bodyPr vert="horz" lIns="91440" tIns="45720" rIns="91440" bIns="45720" rtlCol="0" anchor="ctr">
+            <a:normAutofit lnSpcReduction="10000"/>
+          </a:bodyPr>
+          <a:lstStyle>
+            <a:lvl1pPr marL="342900" indent="-342900" algn="l" defTabSz="457200" rtl="0" eaLnBrk="1" latinLnBrk="0" hangingPunct="1">
+              <a:spcBef>
+                <a:spcPct val="20000"/>
+              </a:spcBef>
+              <a:spcAft>
+                <a:spcPts val="600"/>
+              </a:spcAft>
+              <a:buClr>
+                <a:schemeClr val="accent1"/>
+              </a:buClr>
+              <a:buFont typeface="Wingdings 2" charset="2"/>
+              <a:buChar char=""/>
+              <a:defRPr sz="1800" kern="1200">
+                <a:solidFill>
+                  <a:schemeClr val="tx1"/>
+                </a:solidFill>
+                <a:latin typeface="+mn-lt"/>
+                <a:ea typeface="+mn-ea"/>
+                <a:cs typeface="+mn-cs"/>
+              </a:defRPr>
+            </a:lvl1pPr>
+            <a:lvl2pPr marL="742950" indent="-285750" algn="l" defTabSz="457200" rtl="0" eaLnBrk="1" latinLnBrk="0" hangingPunct="1">
+              <a:spcBef>
+                <a:spcPct val="20000"/>
+              </a:spcBef>
+              <a:spcAft>
+                <a:spcPts val="600"/>
+              </a:spcAft>
+              <a:buClr>
+                <a:schemeClr val="accent1"/>
+              </a:buClr>
+              <a:buFont typeface="Wingdings 2" charset="2"/>
+              <a:buChar char=""/>
+              <a:defRPr sz="1600" kern="1200">
+                <a:solidFill>
+                  <a:schemeClr val="tx1"/>
+                </a:solidFill>
+                <a:latin typeface="+mn-lt"/>
+                <a:ea typeface="+mn-ea"/>
+                <a:cs typeface="+mn-cs"/>
+              </a:defRPr>
+            </a:lvl2pPr>
+            <a:lvl3pPr marL="1143000" indent="-228600" algn="l" defTabSz="457200" rtl="0" eaLnBrk="1" latinLnBrk="0" hangingPunct="1">
+              <a:spcBef>
+                <a:spcPct val="20000"/>
+              </a:spcBef>
+              <a:spcAft>
+                <a:spcPts val="600"/>
+              </a:spcAft>
+              <a:buClr>
+                <a:schemeClr val="accent1"/>
+              </a:buClr>
+              <a:buFont typeface="Wingdings 2" charset="2"/>
+              <a:buChar char=""/>
+              <a:defRPr sz="1400" kern="1200">
+                <a:solidFill>
+                  <a:schemeClr val="tx1"/>
+                </a:solidFill>
+                <a:latin typeface="+mn-lt"/>
+                <a:ea typeface="+mn-ea"/>
+                <a:cs typeface="+mn-cs"/>
+              </a:defRPr>
+            </a:lvl3pPr>
+            <a:lvl4pPr marL="1600200" indent="-228600" algn="l" defTabSz="457200" rtl="0" eaLnBrk="1" latinLnBrk="0" hangingPunct="1">
+              <a:spcBef>
+                <a:spcPct val="20000"/>
+              </a:spcBef>
+              <a:spcAft>
+                <a:spcPts val="600"/>
+              </a:spcAft>
+              <a:buClr>
+                <a:schemeClr val="accent1"/>
+              </a:buClr>
+              <a:buFont typeface="Wingdings 2" charset="2"/>
+              <a:buChar char=""/>
+              <a:defRPr sz="1200" kern="1200">
+                <a:solidFill>
+                  <a:schemeClr val="tx1"/>
+                </a:solidFill>
+                <a:latin typeface="+mn-lt"/>
+                <a:ea typeface="+mn-ea"/>
+                <a:cs typeface="+mn-cs"/>
+              </a:defRPr>
+            </a:lvl4pPr>
+            <a:lvl5pPr marL="2057400" indent="-228600" algn="l" defTabSz="457200" rtl="0" eaLnBrk="1" latinLnBrk="0" hangingPunct="1">
+              <a:spcBef>
+                <a:spcPct val="20000"/>
+              </a:spcBef>
+              <a:spcAft>
+                <a:spcPts val="600"/>
+              </a:spcAft>
+              <a:buClr>
+                <a:schemeClr val="accent1"/>
+              </a:buClr>
+              <a:buFont typeface="Wingdings 2" charset="2"/>
+              <a:buChar char=""/>
+              <a:defRPr sz="1200" kern="1200">
+                <a:solidFill>
+                  <a:schemeClr val="tx1"/>
+                </a:solidFill>
+                <a:latin typeface="+mn-lt"/>
+                <a:ea typeface="+mn-ea"/>
+                <a:cs typeface="+mn-cs"/>
+              </a:defRPr>
+            </a:lvl5pPr>
+            <a:lvl6pPr marL="2400000" indent="-228600" algn="l" defTabSz="457200" rtl="0" eaLnBrk="1" latinLnBrk="0" hangingPunct="1">
+              <a:spcBef>
+                <a:spcPct val="20000"/>
+              </a:spcBef>
+              <a:spcAft>
+                <a:spcPts val="600"/>
+              </a:spcAft>
+              <a:buClr>
+                <a:schemeClr val="accent1"/>
+              </a:buClr>
+              <a:buFont typeface="Wingdings 2" charset="2"/>
+              <a:buChar char=""/>
+              <a:defRPr sz="1200" kern="1200">
+                <a:solidFill>
+                  <a:schemeClr val="tx1"/>
+                </a:solidFill>
+                <a:latin typeface="+mn-lt"/>
+                <a:ea typeface="+mn-ea"/>
+                <a:cs typeface="+mn-cs"/>
+              </a:defRPr>
+            </a:lvl6pPr>
+            <a:lvl7pPr marL="2800000" indent="-228600" algn="l" defTabSz="457200" rtl="0" eaLnBrk="1" latinLnBrk="0" hangingPunct="1">
+              <a:spcBef>
+                <a:spcPct val="20000"/>
+              </a:spcBef>
+              <a:spcAft>
+                <a:spcPts val="600"/>
+              </a:spcAft>
+              <a:buClr>
+                <a:schemeClr val="accent1"/>
+              </a:buClr>
+              <a:buFont typeface="Wingdings 2" charset="2"/>
+              <a:buChar char=""/>
+              <a:defRPr sz="1200" kern="1200">
+                <a:solidFill>
+                  <a:schemeClr val="tx1"/>
+                </a:solidFill>
+                <a:latin typeface="+mn-lt"/>
+                <a:ea typeface="+mn-ea"/>
+                <a:cs typeface="+mn-cs"/>
+              </a:defRPr>
+            </a:lvl7pPr>
+            <a:lvl8pPr marL="3200000" indent="-228600" algn="l" defTabSz="457200" rtl="0" eaLnBrk="1" latinLnBrk="0" hangingPunct="1">
+              <a:spcBef>
+                <a:spcPct val="20000"/>
+              </a:spcBef>
+              <a:spcAft>
+                <a:spcPts val="600"/>
+              </a:spcAft>
+              <a:buClr>
+                <a:schemeClr val="accent1"/>
+              </a:buClr>
+              <a:buFont typeface="Wingdings 2" charset="2"/>
+              <a:buChar char=""/>
+              <a:defRPr sz="1200" kern="1200">
+                <a:solidFill>
+                  <a:schemeClr val="tx1"/>
+                </a:solidFill>
+                <a:latin typeface="+mn-lt"/>
+                <a:ea typeface="+mn-ea"/>
+                <a:cs typeface="+mn-cs"/>
+              </a:defRPr>
+            </a:lvl8pPr>
+            <a:lvl9pPr marL="3600000" indent="-228600" algn="l" defTabSz="457200" rtl="0" eaLnBrk="1" latinLnBrk="0" hangingPunct="1">
+              <a:spcBef>
+                <a:spcPct val="20000"/>
+              </a:spcBef>
+              <a:spcAft>
+                <a:spcPts val="600"/>
+              </a:spcAft>
+              <a:buClr>
+                <a:schemeClr val="accent1"/>
+              </a:buClr>
+              <a:buFont typeface="Wingdings 2" charset="2"/>
+              <a:buChar char=""/>
+              <a:defRPr sz="1200" kern="1200">
+                <a:solidFill>
+                  <a:schemeClr val="tx1"/>
+                </a:solidFill>
+                <a:latin typeface="+mn-lt"/>
+                <a:ea typeface="+mn-ea"/>
+                <a:cs typeface="+mn-cs"/>
+              </a:defRPr>
+            </a:lvl9pPr>
+          </a:lstStyle>
+          <a:p>
+            <a:r>
+              <a:rPr lang="en-US" dirty="0"/>
+              <a:t>Enhancing Local contrast through </a:t>
+            </a:r>
+            <a:r>
+              <a:rPr lang="en-US" dirty="0" err="1"/>
+              <a:t>L,a,b</a:t>
+            </a:r>
+            <a:r>
+              <a:rPr lang="en-US" dirty="0"/>
+              <a:t> space</a:t>
+            </a:r>
+          </a:p>
+          <a:p>
+            <a:endParaRPr lang="en-US" dirty="0"/>
+          </a:p>
+        </p:txBody>
+      </p:sp>
+      <p:pic>
+        <p:nvPicPr>
+          <p:cNvPr id="13" name="Image 12">
+            <a:extLst>
+              <a:ext uri="{FF2B5EF4-FFF2-40B4-BE49-F238E27FC236}">
+                <a16:creationId xmlns:a16="http://schemas.microsoft.com/office/drawing/2014/main" id="{61E7B543-D030-47A4-8677-2016BF36FD54}"/>
+              </a:ext>
+            </a:extLst>
+          </p:cNvPr>
+          <p:cNvPicPr>
+            <a:picLocks noChangeAspect="1"/>
+          </p:cNvPicPr>
+          <p:nvPr/>
+        </p:nvPicPr>
+        <p:blipFill>
+          <a:blip r:embed="rId7"/>
+          <a:stretch>
+            <a:fillRect/>
+          </a:stretch>
+        </p:blipFill>
+        <p:spPr>
+          <a:xfrm>
+            <a:off x="3600450" y="4196702"/>
+            <a:ext cx="3860665" cy="1554781"/>
+          </a:xfrm>
+          <a:prstGeom prst="rect">
+            <a:avLst/>
+          </a:prstGeom>
+        </p:spPr>
+      </p:pic>
+      <p:sp>
+        <p:nvSpPr>
+          <p:cNvPr id="14" name="ZoneTexte 13">
+            <a:extLst>
+              <a:ext uri="{FF2B5EF4-FFF2-40B4-BE49-F238E27FC236}">
+                <a16:creationId xmlns:a16="http://schemas.microsoft.com/office/drawing/2014/main" id="{54404337-CB96-496B-B7D0-3929761FAC88}"/>
               </a:ext>
             </a:extLst>
           </p:cNvPr>
@@ -22556,8 +26004,8 @@
         </p:nvSpPr>
         <p:spPr>
           <a:xfrm>
-            <a:off x="4027251" y="501968"/>
-            <a:ext cx="3730508" cy="369332"/>
+            <a:off x="7847847" y="2384187"/>
+            <a:ext cx="1005403" cy="276999"/>
           </a:xfrm>
           <a:prstGeom prst="rect">
             <a:avLst/>
@@ -22571,36 +26019,46 @@
           <a:lstStyle/>
           <a:p>
             <a:r>
-              <a:rPr lang="en-US" dirty="0" err="1"/>
-              <a:t>Tfidf</a:t>
-            </a:r>
-            <a:r>
-              <a:rPr lang="en-US" dirty="0"/>
-              <a:t> with </a:t>
-            </a:r>
-            <a:r>
-              <a:rPr lang="en-US" dirty="0" err="1"/>
-              <a:t>emb</a:t>
-            </a:r>
-            <a:r>
-              <a:rPr lang="en-US" dirty="0"/>
-              <a:t> </a:t>
-            </a:r>
-            <a:r>
-              <a:rPr lang="en-US" dirty="0" err="1"/>
-              <a:t>sklearn</a:t>
-            </a:r>
-            <a:r>
-              <a:rPr lang="en-US" dirty="0"/>
-              <a:t> vectorizer</a:t>
+              <a:rPr lang="en-US" sz="1200" dirty="0"/>
+              <a:t>! grayscale</a:t>
             </a:r>
           </a:p>
         </p:txBody>
       </p:sp>
+      <p:pic>
+        <p:nvPicPr>
+          <p:cNvPr id="15" name="Image 14">
+            <a:extLst>
+              <a:ext uri="{FF2B5EF4-FFF2-40B4-BE49-F238E27FC236}">
+                <a16:creationId xmlns:a16="http://schemas.microsoft.com/office/drawing/2014/main" id="{F580A256-1430-46A2-9ABC-536ACF130B68}"/>
+              </a:ext>
+            </a:extLst>
+          </p:cNvPr>
+          <p:cNvPicPr>
+            <a:picLocks noChangeAspect="1"/>
+          </p:cNvPicPr>
+          <p:nvPr/>
+        </p:nvPicPr>
+        <p:blipFill>
+          <a:blip r:embed="rId8"/>
+          <a:stretch>
+            <a:fillRect/>
+          </a:stretch>
+        </p:blipFill>
+        <p:spPr>
+          <a:xfrm>
+            <a:off x="7701934" y="770924"/>
+            <a:ext cx="3860665" cy="1514280"/>
+          </a:xfrm>
+          <a:prstGeom prst="rect">
+            <a:avLst/>
+          </a:prstGeom>
+        </p:spPr>
+      </p:pic>
     </p:spTree>
     <p:extLst>
       <p:ext uri="{BB962C8B-B14F-4D97-AF65-F5344CB8AC3E}">
-        <p14:creationId xmlns:p14="http://schemas.microsoft.com/office/powerpoint/2010/main" val="373444045"/>
+        <p14:creationId xmlns:p14="http://schemas.microsoft.com/office/powerpoint/2010/main" val="2200626589"/>
       </p:ext>
     </p:extLst>
   </p:cSld>
@@ -22610,7 +26068,7 @@
 </p:sld>
 </file>
 
-<file path=ppt/slides/slide8.xml><?xml version="1.0" encoding="utf-8"?>
+<file path=ppt/slides/slide9.xml><?xml version="1.0" encoding="utf-8"?>
 <p:sld xmlns:a="http://schemas.openxmlformats.org/drawingml/2006/main" xmlns:r="http://schemas.openxmlformats.org/officeDocument/2006/relationships" xmlns:p="http://schemas.openxmlformats.org/presentationml/2006/main">
   <p:cSld>
     <p:spTree>
@@ -22876,147 +26334,6 @@
 </p:sld>
 </file>
 
-<file path=ppt/slides/slide9.xml><?xml version="1.0" encoding="utf-8"?>
-<p:sld xmlns:a="http://schemas.openxmlformats.org/drawingml/2006/main" xmlns:r="http://schemas.openxmlformats.org/officeDocument/2006/relationships" xmlns:p="http://schemas.openxmlformats.org/presentationml/2006/main">
-  <p:cSld>
-    <p:spTree>
-      <p:nvGrpSpPr>
-        <p:cNvPr id="1" name=""/>
-        <p:cNvGrpSpPr/>
-        <p:nvPr/>
-      </p:nvGrpSpPr>
-      <p:grpSpPr>
-        <a:xfrm>
-          <a:off x="0" y="0"/>
-          <a:ext cx="0" cy="0"/>
-          <a:chOff x="0" y="0"/>
-          <a:chExt cx="0" cy="0"/>
-        </a:xfrm>
-      </p:grpSpPr>
-      <p:sp>
-        <p:nvSpPr>
-          <p:cNvPr id="2" name="Titre 1">
-            <a:extLst>
-              <a:ext uri="{FF2B5EF4-FFF2-40B4-BE49-F238E27FC236}">
-                <a16:creationId xmlns:a16="http://schemas.microsoft.com/office/drawing/2014/main" id="{6690FF40-4DCA-4F9A-86AF-5F96580C668F}"/>
-              </a:ext>
-            </a:extLst>
-          </p:cNvPr>
-          <p:cNvSpPr>
-            <a:spLocks noGrp="1"/>
-          </p:cNvSpPr>
-          <p:nvPr>
-            <p:ph type="title"/>
-          </p:nvPr>
-        </p:nvSpPr>
-        <p:spPr/>
-        <p:txBody>
-          <a:bodyPr/>
-          <a:lstStyle/>
-          <a:p>
-            <a:endParaRPr lang="en-US"/>
-          </a:p>
-        </p:txBody>
-      </p:sp>
-      <p:sp>
-        <p:nvSpPr>
-          <p:cNvPr id="3" name="Espace réservé du contenu 2">
-            <a:extLst>
-              <a:ext uri="{FF2B5EF4-FFF2-40B4-BE49-F238E27FC236}">
-                <a16:creationId xmlns:a16="http://schemas.microsoft.com/office/drawing/2014/main" id="{1D159CC4-6648-4727-A750-60F3A0263A6E}"/>
-              </a:ext>
-            </a:extLst>
-          </p:cNvPr>
-          <p:cNvSpPr>
-            <a:spLocks noGrp="1"/>
-          </p:cNvSpPr>
-          <p:nvPr>
-            <p:ph idx="1"/>
-          </p:nvPr>
-        </p:nvSpPr>
-        <p:spPr/>
-        <p:txBody>
-          <a:bodyPr/>
-          <a:lstStyle/>
-          <a:p>
-            <a:r>
-              <a:rPr lang="en-US" dirty="0"/>
-              <a:t>Process any images</a:t>
-            </a:r>
-          </a:p>
-          <a:p>
-            <a:pPr lvl="1"/>
-            <a:r>
-              <a:rPr lang="en-US" dirty="0"/>
-              <a:t>Limit number descriptors</a:t>
-            </a:r>
-          </a:p>
-          <a:p>
-            <a:pPr lvl="1"/>
-            <a:r>
-              <a:rPr lang="en-US" dirty="0"/>
-              <a:t>Get size -&gt; plot histogram</a:t>
-            </a:r>
-          </a:p>
-          <a:p>
-            <a:r>
-              <a:rPr lang="en-US" dirty="0"/>
-              <a:t>Keep all, and </a:t>
-            </a:r>
-            <a:r>
-              <a:rPr lang="en-US" dirty="0" err="1"/>
-              <a:t>buid</a:t>
-            </a:r>
-            <a:r>
-              <a:rPr lang="en-US" dirty="0"/>
-              <a:t> un image vocab then </a:t>
-            </a:r>
-            <a:r>
-              <a:rPr lang="en-US" dirty="0" err="1"/>
-              <a:t>clusterize</a:t>
-            </a:r>
-            <a:r>
-              <a:rPr lang="en-US" dirty="0"/>
-              <a:t> and get the histogram of any images.</a:t>
-            </a:r>
-          </a:p>
-          <a:p>
-            <a:pPr lvl="1"/>
-            <a:r>
-              <a:rPr lang="en-US" dirty="0"/>
-              <a:t>Normalize </a:t>
-            </a:r>
-            <a:r>
-              <a:rPr lang="en-US" dirty="0" err="1"/>
-              <a:t>standard_scale</a:t>
-            </a:r>
-            <a:endParaRPr lang="en-US" dirty="0"/>
-          </a:p>
-          <a:p>
-            <a:pPr lvl="1"/>
-            <a:r>
-              <a:rPr lang="en-US" dirty="0"/>
-              <a:t>Then reduce?</a:t>
-            </a:r>
-          </a:p>
-          <a:p>
-            <a:endParaRPr lang="en-US" dirty="0"/>
-          </a:p>
-        </p:txBody>
-      </p:sp>
-    </p:spTree>
-    <p:extLst>
-      <p:ext uri="{BB962C8B-B14F-4D97-AF65-F5344CB8AC3E}">
-        <p14:creationId xmlns:p14="http://schemas.microsoft.com/office/powerpoint/2010/main" val="3100276129"/>
-      </p:ext>
-    </p:extLst>
-  </p:cSld>
-  <p:clrMapOvr>
-    <a:masterClrMapping/>
-  </p:clrMapOvr>
-</p:sld>
-</file>
-
 <file path=ppt/theme/theme1.xml><?xml version="1.0" encoding="utf-8"?>
 <a:theme xmlns:a="http://schemas.openxmlformats.org/drawingml/2006/main" name="Concis">
   <a:themeElements>

--- a/P6_02_Support.pptx
+++ b/P6_02_Support.pptx
@@ -4,6 +4,9 @@
   <p:sldMasterIdLst>
     <p:sldMasterId id="2147483648" r:id="rId1"/>
   </p:sldMasterIdLst>
+  <p:notesMasterIdLst>
+    <p:notesMasterId r:id="rId19"/>
+  </p:notesMasterIdLst>
   <p:sldIdLst>
     <p:sldId id="256" r:id="rId2"/>
     <p:sldId id="259" r:id="rId3"/>
@@ -14,13 +17,14 @@
     <p:sldId id="267" r:id="rId8"/>
     <p:sldId id="275" r:id="rId9"/>
     <p:sldId id="265" r:id="rId10"/>
-    <p:sldId id="277" r:id="rId11"/>
-    <p:sldId id="279" r:id="rId12"/>
-    <p:sldId id="276" r:id="rId13"/>
-    <p:sldId id="272" r:id="rId14"/>
-    <p:sldId id="273" r:id="rId15"/>
-    <p:sldId id="274" r:id="rId16"/>
-    <p:sldId id="271" r:id="rId17"/>
+    <p:sldId id="280" r:id="rId11"/>
+    <p:sldId id="277" r:id="rId12"/>
+    <p:sldId id="279" r:id="rId13"/>
+    <p:sldId id="276" r:id="rId14"/>
+    <p:sldId id="272" r:id="rId15"/>
+    <p:sldId id="273" r:id="rId16"/>
+    <p:sldId id="274" r:id="rId17"/>
+    <p:sldId id="271" r:id="rId18"/>
   </p:sldIdLst>
   <p:sldSz cx="12192000" cy="6858000"/>
   <p:notesSz cx="6858000" cy="9144000"/>
@@ -6441,7 +6445,7 @@
         <a:p>
           <a:r>
             <a:rPr lang="en-US" sz="2000" b="1" dirty="0"/>
-            <a:t>5</a:t>
+            <a:t>3</a:t>
           </a:r>
         </a:p>
       </dgm:t>
@@ -6486,13 +6490,16 @@
           </a:pPr>
           <a:r>
             <a:rPr lang="en-US" dirty="0"/>
-            <a:t>Cluster &amp; visualize</a:t>
+            <a:t>Feature Engineering : </a:t>
           </a:r>
-          <a:endParaRPr lang="en-US" b="1" dirty="0">
-            <a:solidFill>
-              <a:srgbClr val="00B0F0"/>
-            </a:solidFill>
-          </a:endParaRPr>
+          <a:r>
+            <a:rPr lang="en-US" b="1" dirty="0">
+              <a:solidFill>
+                <a:srgbClr val="00B0F0"/>
+              </a:solidFill>
+            </a:rPr>
+            <a:t>CNN image features</a:t>
+          </a:r>
         </a:p>
       </dgm:t>
     </dgm:pt>
@@ -10198,7 +10205,7 @@
           </a:pPr>
           <a:r>
             <a:rPr lang="en-US" sz="2000" b="1" kern="1200" dirty="0"/>
-            <a:t>5</a:t>
+            <a:t>3</a:t>
           </a:r>
         </a:p>
       </dsp:txBody>
@@ -10269,13 +10276,16 @@
           </a:pPr>
           <a:r>
             <a:rPr lang="en-US" sz="3000" kern="1200" dirty="0"/>
-            <a:t>Cluster &amp; visualize</a:t>
+            <a:t>Feature Engineering : </a:t>
           </a:r>
-          <a:endParaRPr lang="en-US" sz="3000" b="1" kern="1200" dirty="0">
-            <a:solidFill>
-              <a:srgbClr val="00B0F0"/>
-            </a:solidFill>
-          </a:endParaRPr>
+          <a:r>
+            <a:rPr lang="en-US" sz="3000" b="1" kern="1200" dirty="0">
+              <a:solidFill>
+                <a:srgbClr val="00B0F0"/>
+              </a:solidFill>
+            </a:rPr>
+            <a:t>CNN image features</a:t>
+          </a:r>
         </a:p>
       </dsp:txBody>
       <dsp:txXfrm rot="-5400000">
@@ -18280,6 +18290,1049 @@
 </dgm:styleDef>
 </file>
 
+<file path=ppt/notesMasters/notesMaster1.xml><?xml version="1.0" encoding="utf-8"?>
+<p:notesMaster xmlns:a="http://schemas.openxmlformats.org/drawingml/2006/main" xmlns:r="http://schemas.openxmlformats.org/officeDocument/2006/relationships" xmlns:p="http://schemas.openxmlformats.org/presentationml/2006/main">
+  <p:cSld>
+    <p:bg>
+      <p:bgRef idx="1001">
+        <a:schemeClr val="bg1"/>
+      </p:bgRef>
+    </p:bg>
+    <p:spTree>
+      <p:nvGrpSpPr>
+        <p:cNvPr id="1" name=""/>
+        <p:cNvGrpSpPr/>
+        <p:nvPr/>
+      </p:nvGrpSpPr>
+      <p:grpSpPr>
+        <a:xfrm>
+          <a:off x="0" y="0"/>
+          <a:ext cx="0" cy="0"/>
+          <a:chOff x="0" y="0"/>
+          <a:chExt cx="0" cy="0"/>
+        </a:xfrm>
+      </p:grpSpPr>
+      <p:sp>
+        <p:nvSpPr>
+          <p:cNvPr id="2" name="Espace réservé de l'en-tête 1"/>
+          <p:cNvSpPr>
+            <a:spLocks noGrp="1"/>
+          </p:cNvSpPr>
+          <p:nvPr>
+            <p:ph type="hdr" sz="quarter"/>
+          </p:nvPr>
+        </p:nvSpPr>
+        <p:spPr>
+          <a:xfrm>
+            <a:off x="0" y="0"/>
+            <a:ext cx="2971800" cy="458788"/>
+          </a:xfrm>
+          <a:prstGeom prst="rect">
+            <a:avLst/>
+          </a:prstGeom>
+        </p:spPr>
+        <p:txBody>
+          <a:bodyPr vert="horz" lIns="91440" tIns="45720" rIns="91440" bIns="45720" rtlCol="0"/>
+          <a:lstStyle>
+            <a:lvl1pPr algn="l">
+              <a:defRPr sz="1200"/>
+            </a:lvl1pPr>
+          </a:lstStyle>
+          <a:p>
+            <a:endParaRPr lang="en-US"/>
+          </a:p>
+        </p:txBody>
+      </p:sp>
+      <p:sp>
+        <p:nvSpPr>
+          <p:cNvPr id="3" name="Espace réservé de la date 2"/>
+          <p:cNvSpPr>
+            <a:spLocks noGrp="1"/>
+          </p:cNvSpPr>
+          <p:nvPr>
+            <p:ph type="dt" idx="1"/>
+          </p:nvPr>
+        </p:nvSpPr>
+        <p:spPr>
+          <a:xfrm>
+            <a:off x="3884613" y="0"/>
+            <a:ext cx="2971800" cy="458788"/>
+          </a:xfrm>
+          <a:prstGeom prst="rect">
+            <a:avLst/>
+          </a:prstGeom>
+        </p:spPr>
+        <p:txBody>
+          <a:bodyPr vert="horz" lIns="91440" tIns="45720" rIns="91440" bIns="45720" rtlCol="0"/>
+          <a:lstStyle>
+            <a:lvl1pPr algn="r">
+              <a:defRPr sz="1200"/>
+            </a:lvl1pPr>
+          </a:lstStyle>
+          <a:p>
+            <a:fld id="{BA83214C-5A60-475B-AF16-6878984274A3}" type="datetimeFigureOut">
+              <a:rPr lang="en-US" smtClean="0"/>
+              <a:t>10/26/2020</a:t>
+            </a:fld>
+            <a:endParaRPr lang="en-US"/>
+          </a:p>
+        </p:txBody>
+      </p:sp>
+      <p:sp>
+        <p:nvSpPr>
+          <p:cNvPr id="4" name="Espace réservé de l'image des diapositives 3"/>
+          <p:cNvSpPr>
+            <a:spLocks noGrp="1" noRot="1" noChangeAspect="1"/>
+          </p:cNvSpPr>
+          <p:nvPr>
+            <p:ph type="sldImg" idx="2"/>
+          </p:nvPr>
+        </p:nvSpPr>
+        <p:spPr>
+          <a:xfrm>
+            <a:off x="685800" y="1143000"/>
+            <a:ext cx="5486400" cy="3086100"/>
+          </a:xfrm>
+          <a:prstGeom prst="rect">
+            <a:avLst/>
+          </a:prstGeom>
+          <a:noFill/>
+          <a:ln w="12700">
+            <a:solidFill>
+              <a:prstClr val="black"/>
+            </a:solidFill>
+          </a:ln>
+        </p:spPr>
+        <p:txBody>
+          <a:bodyPr vert="horz" lIns="91440" tIns="45720" rIns="91440" bIns="45720" rtlCol="0" anchor="ctr"/>
+          <a:lstStyle/>
+          <a:p>
+            <a:endParaRPr lang="en-US"/>
+          </a:p>
+        </p:txBody>
+      </p:sp>
+      <p:sp>
+        <p:nvSpPr>
+          <p:cNvPr id="5" name="Espace réservé des notes 4"/>
+          <p:cNvSpPr>
+            <a:spLocks noGrp="1"/>
+          </p:cNvSpPr>
+          <p:nvPr>
+            <p:ph type="body" sz="quarter" idx="3"/>
+          </p:nvPr>
+        </p:nvSpPr>
+        <p:spPr>
+          <a:xfrm>
+            <a:off x="685800" y="4400550"/>
+            <a:ext cx="5486400" cy="3600450"/>
+          </a:xfrm>
+          <a:prstGeom prst="rect">
+            <a:avLst/>
+          </a:prstGeom>
+        </p:spPr>
+        <p:txBody>
+          <a:bodyPr vert="horz" lIns="91440" tIns="45720" rIns="91440" bIns="45720" rtlCol="0"/>
+          <a:lstStyle/>
+          <a:p>
+            <a:pPr lvl="0"/>
+            <a:r>
+              <a:rPr lang="fr-FR"/>
+              <a:t>Cliquez pour modifier les styles du texte du masque</a:t>
+            </a:r>
+          </a:p>
+          <a:p>
+            <a:pPr lvl="1"/>
+            <a:r>
+              <a:rPr lang="fr-FR"/>
+              <a:t>Deuxième niveau</a:t>
+            </a:r>
+          </a:p>
+          <a:p>
+            <a:pPr lvl="2"/>
+            <a:r>
+              <a:rPr lang="fr-FR"/>
+              <a:t>Troisième niveau</a:t>
+            </a:r>
+          </a:p>
+          <a:p>
+            <a:pPr lvl="3"/>
+            <a:r>
+              <a:rPr lang="fr-FR"/>
+              <a:t>Quatrième niveau</a:t>
+            </a:r>
+          </a:p>
+          <a:p>
+            <a:pPr lvl="4"/>
+            <a:r>
+              <a:rPr lang="fr-FR"/>
+              <a:t>Cinquième niveau</a:t>
+            </a:r>
+            <a:endParaRPr lang="en-US"/>
+          </a:p>
+        </p:txBody>
+      </p:sp>
+      <p:sp>
+        <p:nvSpPr>
+          <p:cNvPr id="6" name="Espace réservé du pied de page 5"/>
+          <p:cNvSpPr>
+            <a:spLocks noGrp="1"/>
+          </p:cNvSpPr>
+          <p:nvPr>
+            <p:ph type="ftr" sz="quarter" idx="4"/>
+          </p:nvPr>
+        </p:nvSpPr>
+        <p:spPr>
+          <a:xfrm>
+            <a:off x="0" y="8685213"/>
+            <a:ext cx="2971800" cy="458787"/>
+          </a:xfrm>
+          <a:prstGeom prst="rect">
+            <a:avLst/>
+          </a:prstGeom>
+        </p:spPr>
+        <p:txBody>
+          <a:bodyPr vert="horz" lIns="91440" tIns="45720" rIns="91440" bIns="45720" rtlCol="0" anchor="b"/>
+          <a:lstStyle>
+            <a:lvl1pPr algn="l">
+              <a:defRPr sz="1200"/>
+            </a:lvl1pPr>
+          </a:lstStyle>
+          <a:p>
+            <a:endParaRPr lang="en-US"/>
+          </a:p>
+        </p:txBody>
+      </p:sp>
+      <p:sp>
+        <p:nvSpPr>
+          <p:cNvPr id="7" name="Espace réservé du numéro de diapositive 6"/>
+          <p:cNvSpPr>
+            <a:spLocks noGrp="1"/>
+          </p:cNvSpPr>
+          <p:nvPr>
+            <p:ph type="sldNum" sz="quarter" idx="5"/>
+          </p:nvPr>
+        </p:nvSpPr>
+        <p:spPr>
+          <a:xfrm>
+            <a:off x="3884613" y="8685213"/>
+            <a:ext cx="2971800" cy="458787"/>
+          </a:xfrm>
+          <a:prstGeom prst="rect">
+            <a:avLst/>
+          </a:prstGeom>
+        </p:spPr>
+        <p:txBody>
+          <a:bodyPr vert="horz" lIns="91440" tIns="45720" rIns="91440" bIns="45720" rtlCol="0" anchor="b"/>
+          <a:lstStyle>
+            <a:lvl1pPr algn="r">
+              <a:defRPr sz="1200"/>
+            </a:lvl1pPr>
+          </a:lstStyle>
+          <a:p>
+            <a:fld id="{1F139FE3-A82C-47E2-BE57-B418D52670DF}" type="slidenum">
+              <a:rPr lang="en-US" smtClean="0"/>
+              <a:t>‹N°›</a:t>
+            </a:fld>
+            <a:endParaRPr lang="en-US"/>
+          </a:p>
+        </p:txBody>
+      </p:sp>
+    </p:spTree>
+    <p:extLst>
+      <p:ext uri="{BB962C8B-B14F-4D97-AF65-F5344CB8AC3E}">
+        <p14:creationId xmlns:p14="http://schemas.microsoft.com/office/powerpoint/2010/main" val="3556562264"/>
+      </p:ext>
+    </p:extLst>
+  </p:cSld>
+  <p:clrMap bg1="lt1" tx1="dk1" bg2="lt2" tx2="dk2" accent1="accent1" accent2="accent2" accent3="accent3" accent4="accent4" accent5="accent5" accent6="accent6" hlink="hlink" folHlink="folHlink"/>
+  <p:notesStyle>
+    <a:lvl1pPr marL="0" algn="l" defTabSz="914400" rtl="0" eaLnBrk="1" latinLnBrk="0" hangingPunct="1">
+      <a:defRPr sz="1200" kern="1200">
+        <a:solidFill>
+          <a:schemeClr val="tx1"/>
+        </a:solidFill>
+        <a:latin typeface="+mn-lt"/>
+        <a:ea typeface="+mn-ea"/>
+        <a:cs typeface="+mn-cs"/>
+      </a:defRPr>
+    </a:lvl1pPr>
+    <a:lvl2pPr marL="457200" algn="l" defTabSz="914400" rtl="0" eaLnBrk="1" latinLnBrk="0" hangingPunct="1">
+      <a:defRPr sz="1200" kern="1200">
+        <a:solidFill>
+          <a:schemeClr val="tx1"/>
+        </a:solidFill>
+        <a:latin typeface="+mn-lt"/>
+        <a:ea typeface="+mn-ea"/>
+        <a:cs typeface="+mn-cs"/>
+      </a:defRPr>
+    </a:lvl2pPr>
+    <a:lvl3pPr marL="914400" algn="l" defTabSz="914400" rtl="0" eaLnBrk="1" latinLnBrk="0" hangingPunct="1">
+      <a:defRPr sz="1200" kern="1200">
+        <a:solidFill>
+          <a:schemeClr val="tx1"/>
+        </a:solidFill>
+        <a:latin typeface="+mn-lt"/>
+        <a:ea typeface="+mn-ea"/>
+        <a:cs typeface="+mn-cs"/>
+      </a:defRPr>
+    </a:lvl3pPr>
+    <a:lvl4pPr marL="1371600" algn="l" defTabSz="914400" rtl="0" eaLnBrk="1" latinLnBrk="0" hangingPunct="1">
+      <a:defRPr sz="1200" kern="1200">
+        <a:solidFill>
+          <a:schemeClr val="tx1"/>
+        </a:solidFill>
+        <a:latin typeface="+mn-lt"/>
+        <a:ea typeface="+mn-ea"/>
+        <a:cs typeface="+mn-cs"/>
+      </a:defRPr>
+    </a:lvl4pPr>
+    <a:lvl5pPr marL="1828800" algn="l" defTabSz="914400" rtl="0" eaLnBrk="1" latinLnBrk="0" hangingPunct="1">
+      <a:defRPr sz="1200" kern="1200">
+        <a:solidFill>
+          <a:schemeClr val="tx1"/>
+        </a:solidFill>
+        <a:latin typeface="+mn-lt"/>
+        <a:ea typeface="+mn-ea"/>
+        <a:cs typeface="+mn-cs"/>
+      </a:defRPr>
+    </a:lvl5pPr>
+    <a:lvl6pPr marL="2286000" algn="l" defTabSz="914400" rtl="0" eaLnBrk="1" latinLnBrk="0" hangingPunct="1">
+      <a:defRPr sz="1200" kern="1200">
+        <a:solidFill>
+          <a:schemeClr val="tx1"/>
+        </a:solidFill>
+        <a:latin typeface="+mn-lt"/>
+        <a:ea typeface="+mn-ea"/>
+        <a:cs typeface="+mn-cs"/>
+      </a:defRPr>
+    </a:lvl6pPr>
+    <a:lvl7pPr marL="2743200" algn="l" defTabSz="914400" rtl="0" eaLnBrk="1" latinLnBrk="0" hangingPunct="1">
+      <a:defRPr sz="1200" kern="1200">
+        <a:solidFill>
+          <a:schemeClr val="tx1"/>
+        </a:solidFill>
+        <a:latin typeface="+mn-lt"/>
+        <a:ea typeface="+mn-ea"/>
+        <a:cs typeface="+mn-cs"/>
+      </a:defRPr>
+    </a:lvl7pPr>
+    <a:lvl8pPr marL="3200400" algn="l" defTabSz="914400" rtl="0" eaLnBrk="1" latinLnBrk="0" hangingPunct="1">
+      <a:defRPr sz="1200" kern="1200">
+        <a:solidFill>
+          <a:schemeClr val="tx1"/>
+        </a:solidFill>
+        <a:latin typeface="+mn-lt"/>
+        <a:ea typeface="+mn-ea"/>
+        <a:cs typeface="+mn-cs"/>
+      </a:defRPr>
+    </a:lvl8pPr>
+    <a:lvl9pPr marL="3657600" algn="l" defTabSz="914400" rtl="0" eaLnBrk="1" latinLnBrk="0" hangingPunct="1">
+      <a:defRPr sz="1200" kern="1200">
+        <a:solidFill>
+          <a:schemeClr val="tx1"/>
+        </a:solidFill>
+        <a:latin typeface="+mn-lt"/>
+        <a:ea typeface="+mn-ea"/>
+        <a:cs typeface="+mn-cs"/>
+      </a:defRPr>
+    </a:lvl9pPr>
+  </p:notesStyle>
+</p:notesMaster>
+</file>
+
+<file path=ppt/notesSlides/notesSlide1.xml><?xml version="1.0" encoding="utf-8"?>
+<p:notes xmlns:a="http://schemas.openxmlformats.org/drawingml/2006/main" xmlns:r="http://schemas.openxmlformats.org/officeDocument/2006/relationships" xmlns:p="http://schemas.openxmlformats.org/presentationml/2006/main">
+  <p:cSld>
+    <p:spTree>
+      <p:nvGrpSpPr>
+        <p:cNvPr id="1" name=""/>
+        <p:cNvGrpSpPr/>
+        <p:nvPr/>
+      </p:nvGrpSpPr>
+      <p:grpSpPr>
+        <a:xfrm>
+          <a:off x="0" y="0"/>
+          <a:ext cx="0" cy="0"/>
+          <a:chOff x="0" y="0"/>
+          <a:chExt cx="0" cy="0"/>
+        </a:xfrm>
+      </p:grpSpPr>
+      <p:sp>
+        <p:nvSpPr>
+          <p:cNvPr id="2" name="Espace réservé de l'image des diapositives 1"/>
+          <p:cNvSpPr>
+            <a:spLocks noGrp="1" noRot="1" noChangeAspect="1"/>
+          </p:cNvSpPr>
+          <p:nvPr>
+            <p:ph type="sldImg"/>
+          </p:nvPr>
+        </p:nvSpPr>
+        <p:spPr/>
+      </p:sp>
+      <p:sp>
+        <p:nvSpPr>
+          <p:cNvPr id="3" name="Espace réservé des notes 2"/>
+          <p:cNvSpPr>
+            <a:spLocks noGrp="1"/>
+          </p:cNvSpPr>
+          <p:nvPr>
+            <p:ph type="body" idx="1"/>
+          </p:nvPr>
+        </p:nvSpPr>
+        <p:spPr/>
+        <p:txBody>
+          <a:bodyPr/>
+          <a:lstStyle/>
+          <a:p>
+            <a:pPr algn="l"/>
+            <a:r>
+              <a:rPr lang="en-US" b="0" i="1" dirty="0">
+                <a:solidFill>
+                  <a:srgbClr val="333333"/>
+                </a:solidFill>
+                <a:effectLst/>
+                <a:latin typeface="Times New Roman" panose="02020603050405020304" pitchFamily="18" charset="0"/>
+              </a:rPr>
+              <a:t>We used </a:t>
+            </a:r>
+            <a:r>
+              <a:rPr lang="en-US" b="0" i="1" dirty="0" err="1">
+                <a:solidFill>
+                  <a:srgbClr val="333333"/>
+                </a:solidFill>
+                <a:effectLst/>
+                <a:latin typeface="Times New Roman" panose="02020603050405020304" pitchFamily="18" charset="0"/>
+              </a:rPr>
+              <a:t>c_v</a:t>
+            </a:r>
+            <a:r>
+              <a:rPr lang="en-US" b="0" i="1" dirty="0">
+                <a:solidFill>
+                  <a:srgbClr val="333333"/>
+                </a:solidFill>
+                <a:effectLst/>
+                <a:latin typeface="Times New Roman" panose="02020603050405020304" pitchFamily="18" charset="0"/>
+              </a:rPr>
+              <a:t> coherence here. Such exploratory result is for illustration only, we found many research papers discussing the alternate scoring methods.</a:t>
+            </a:r>
+          </a:p>
+          <a:p>
+            <a:pPr algn="l"/>
+            <a:r>
+              <a:rPr lang="en-US" b="0" i="1" dirty="0">
+                <a:solidFill>
+                  <a:srgbClr val="333333"/>
+                </a:solidFill>
+                <a:effectLst/>
+                <a:latin typeface="Times New Roman" panose="02020603050405020304" pitchFamily="18" charset="0"/>
+              </a:rPr>
+              <a:t>Basically : coherence is as high as the top words are commons between items of a corpus gathered in one topic.</a:t>
+            </a:r>
+          </a:p>
+          <a:p>
+            <a:pPr algn="l"/>
+            <a:r>
+              <a:rPr lang="en-US" b="0" i="1" dirty="0">
+                <a:solidFill>
+                  <a:srgbClr val="333333"/>
+                </a:solidFill>
+                <a:effectLst/>
+                <a:latin typeface="Times New Roman" panose="02020603050405020304" pitchFamily="18" charset="0"/>
+              </a:rPr>
+              <a:t>Our rough interpretation is that an increasing number of topics will decrease the size of a carry-all topic, coherence score provide a quantitative measure of this.</a:t>
+            </a:r>
+          </a:p>
+          <a:p>
+            <a:pPr algn="l"/>
+            <a:endParaRPr lang="en-US" b="0" i="1" dirty="0">
+              <a:solidFill>
+                <a:srgbClr val="333333"/>
+              </a:solidFill>
+              <a:effectLst/>
+              <a:latin typeface="Times New Roman" panose="02020603050405020304" pitchFamily="18" charset="0"/>
+            </a:endParaRPr>
+          </a:p>
+          <a:p>
+            <a:pPr marL="0" marR="0" lvl="0" indent="0" algn="l" defTabSz="914400" rtl="0" eaLnBrk="1" fontAlgn="auto" latinLnBrk="0" hangingPunct="1">
+              <a:lnSpc>
+                <a:spcPct val="100000"/>
+              </a:lnSpc>
+              <a:spcBef>
+                <a:spcPts val="0"/>
+              </a:spcBef>
+              <a:spcAft>
+                <a:spcPts val="0"/>
+              </a:spcAft>
+              <a:buClrTx/>
+              <a:buSzTx/>
+              <a:buFontTx/>
+              <a:buNone/>
+              <a:tabLst/>
+              <a:defRPr/>
+            </a:pPr>
+            <a:r>
+              <a:rPr lang="en-US" b="0" i="1" dirty="0">
+                <a:solidFill>
+                  <a:srgbClr val="333333"/>
+                </a:solidFill>
+                <a:effectLst/>
+                <a:latin typeface="Times New Roman" panose="02020603050405020304" pitchFamily="18" charset="0"/>
+              </a:rPr>
+              <a:t>The basis is to get cooccurrence words counts (e.g. top words of topic)</a:t>
+            </a:r>
+          </a:p>
+          <a:p>
+            <a:pPr marL="0" marR="0" lvl="0" indent="0" algn="l" defTabSz="914400" rtl="0" eaLnBrk="1" fontAlgn="auto" latinLnBrk="0" hangingPunct="1">
+              <a:lnSpc>
+                <a:spcPct val="100000"/>
+              </a:lnSpc>
+              <a:spcBef>
+                <a:spcPts val="0"/>
+              </a:spcBef>
+              <a:spcAft>
+                <a:spcPts val="0"/>
+              </a:spcAft>
+              <a:buClrTx/>
+              <a:buSzTx/>
+              <a:buFontTx/>
+              <a:buNone/>
+              <a:tabLst/>
+              <a:defRPr/>
+            </a:pPr>
+            <a:r>
+              <a:rPr lang="en-US" b="0" i="1" dirty="0">
+                <a:solidFill>
+                  <a:srgbClr val="333333"/>
+                </a:solidFill>
+                <a:effectLst/>
+                <a:latin typeface="Times New Roman" panose="02020603050405020304" pitchFamily="18" charset="0"/>
+              </a:rPr>
+              <a:t>While </a:t>
+            </a:r>
+            <a:r>
+              <a:rPr lang="en-US" b="0" i="1" dirty="0" err="1">
+                <a:solidFill>
+                  <a:srgbClr val="333333"/>
+                </a:solidFill>
+                <a:effectLst/>
+                <a:latin typeface="Times New Roman" panose="02020603050405020304" pitchFamily="18" charset="0"/>
+              </a:rPr>
+              <a:t>c_v</a:t>
+            </a:r>
+            <a:r>
+              <a:rPr lang="en-US" b="0" i="1" dirty="0">
+                <a:solidFill>
+                  <a:srgbClr val="333333"/>
+                </a:solidFill>
+                <a:effectLst/>
+                <a:latin typeface="Times New Roman" panose="02020603050405020304" pitchFamily="18" charset="0"/>
+              </a:rPr>
+              <a:t> measures the mean of (</a:t>
+            </a:r>
+            <a:r>
+              <a:rPr lang="en-US" b="0" i="1" dirty="0" err="1">
+                <a:solidFill>
+                  <a:srgbClr val="333333"/>
+                </a:solidFill>
+                <a:effectLst/>
+                <a:latin typeface="Times New Roman" panose="02020603050405020304" pitchFamily="18" charset="0"/>
+              </a:rPr>
+              <a:t>cosin</a:t>
+            </a:r>
+            <a:r>
+              <a:rPr lang="en-US" b="0" i="1" dirty="0">
+                <a:solidFill>
+                  <a:srgbClr val="333333"/>
+                </a:solidFill>
+                <a:effectLst/>
+                <a:latin typeface="Times New Roman" panose="02020603050405020304" pitchFamily="18" charset="0"/>
+              </a:rPr>
+              <a:t>) similarity measure through and intermediate “</a:t>
+            </a:r>
+            <a:r>
+              <a:rPr lang="en-US" b="0" i="0" dirty="0">
+                <a:solidFill>
+                  <a:srgbClr val="333333"/>
+                </a:solidFill>
+                <a:effectLst/>
+                <a:latin typeface="Helvetica Neue"/>
+              </a:rPr>
+              <a:t>normalized pointwise mutual information (NPMI)” </a:t>
+            </a:r>
+            <a:r>
+              <a:rPr lang="en-US" b="0" i="1" dirty="0">
+                <a:solidFill>
+                  <a:srgbClr val="333333"/>
+                </a:solidFill>
+                <a:effectLst/>
+                <a:latin typeface="Helvetica Neue"/>
+              </a:rPr>
+              <a:t>calculation, for any </a:t>
+            </a:r>
+            <a:r>
+              <a:rPr lang="en-US" b="0" i="1" dirty="0" err="1">
+                <a:solidFill>
+                  <a:srgbClr val="333333"/>
+                </a:solidFill>
+                <a:effectLst/>
+                <a:latin typeface="Helvetica Neue"/>
+              </a:rPr>
+              <a:t>topwords</a:t>
+            </a:r>
+            <a:r>
+              <a:rPr lang="en-US" b="0" i="1" dirty="0">
+                <a:solidFill>
+                  <a:srgbClr val="333333"/>
+                </a:solidFill>
+                <a:effectLst/>
+                <a:latin typeface="Helvetica Neue"/>
+              </a:rPr>
+              <a:t>.</a:t>
+            </a:r>
+            <a:endParaRPr lang="en-US" b="0" i="1" dirty="0">
+              <a:solidFill>
+                <a:srgbClr val="333333"/>
+              </a:solidFill>
+              <a:effectLst/>
+              <a:latin typeface="Times New Roman" panose="02020603050405020304" pitchFamily="18" charset="0"/>
+            </a:endParaRPr>
+          </a:p>
+          <a:p>
+            <a:pPr algn="l"/>
+            <a:r>
+              <a:rPr lang="en-US" b="0" i="1" dirty="0" err="1">
+                <a:solidFill>
+                  <a:srgbClr val="333333"/>
+                </a:solidFill>
+                <a:effectLst/>
+                <a:latin typeface="Times New Roman" panose="02020603050405020304" pitchFamily="18" charset="0"/>
+              </a:rPr>
+              <a:t>U_mass</a:t>
+            </a:r>
+            <a:r>
+              <a:rPr lang="en-US" b="0" i="1" dirty="0">
+                <a:solidFill>
+                  <a:srgbClr val="333333"/>
+                </a:solidFill>
+                <a:effectLst/>
+                <a:latin typeface="Times New Roman" panose="02020603050405020304" pitchFamily="18" charset="0"/>
+              </a:rPr>
+              <a:t> measures the mean (or sum) or log conditional probability and consider top words of higher rank of the same topic.</a:t>
+            </a:r>
+          </a:p>
+          <a:p>
+            <a:pPr algn="l"/>
+            <a:endParaRPr lang="en-US" b="0" i="1" dirty="0">
+              <a:solidFill>
+                <a:srgbClr val="333333"/>
+              </a:solidFill>
+              <a:effectLst/>
+              <a:latin typeface="Times New Roman" panose="02020603050405020304" pitchFamily="18" charset="0"/>
+            </a:endParaRPr>
+          </a:p>
+          <a:p>
+            <a:pPr algn="l"/>
+            <a:r>
+              <a:rPr lang="en-US" b="0" i="1" dirty="0">
+                <a:solidFill>
+                  <a:srgbClr val="333333"/>
+                </a:solidFill>
+                <a:effectLst/>
+                <a:latin typeface="Times New Roman" panose="02020603050405020304" pitchFamily="18" charset="0"/>
+              </a:rPr>
+              <a:t>C</a:t>
+            </a:r>
+            <a:r>
+              <a:rPr lang="en-US" b="0" i="1" baseline="-25000" dirty="0">
+                <a:solidFill>
+                  <a:srgbClr val="333333"/>
+                </a:solidFill>
+                <a:effectLst/>
+                <a:latin typeface="Times New Roman" panose="02020603050405020304" pitchFamily="18" charset="0"/>
+              </a:rPr>
+              <a:t>V</a:t>
+            </a:r>
+            <a:r>
+              <a:rPr lang="en-US" b="0" i="0" dirty="0">
+                <a:solidFill>
+                  <a:srgbClr val="333333"/>
+                </a:solidFill>
+                <a:effectLst/>
+                <a:latin typeface="Helvetica Neue"/>
+              </a:rPr>
+              <a:t> is based on a sliding window, a one-set segmentation of the top words and an indirect confirmation measure that uses normalized pointwise mutual information (NPMI) and the </a:t>
+            </a:r>
+            <a:r>
+              <a:rPr lang="en-US" b="0" i="0" dirty="0" err="1">
+                <a:solidFill>
+                  <a:srgbClr val="333333"/>
+                </a:solidFill>
+                <a:effectLst/>
+                <a:latin typeface="Helvetica Neue"/>
+              </a:rPr>
+              <a:t>cosinus</a:t>
+            </a:r>
+            <a:r>
+              <a:rPr lang="en-US" b="0" i="0" dirty="0">
+                <a:solidFill>
+                  <a:srgbClr val="333333"/>
+                </a:solidFill>
+                <a:effectLst/>
+                <a:latin typeface="Helvetica Neue"/>
+              </a:rPr>
+              <a:t> similarity.</a:t>
+            </a:r>
+          </a:p>
+          <a:p>
+            <a:pPr algn="l"/>
+            <a:r>
+              <a:rPr lang="en-US" b="0" i="0" dirty="0">
+                <a:solidFill>
+                  <a:srgbClr val="333333"/>
+                </a:solidFill>
+                <a:effectLst/>
+                <a:latin typeface="Helvetica Neue"/>
+              </a:rPr>
+              <a:t>This coherence measure retrieves cooccurrence counts for the given words using a sliding window and the window size 110. The counts are used to calculated the NPMI of every top word to every other top word, thus, resulting in a set of vectors—one for every top word. The one-set segmentation of the top words leads to the calculation of the similarity between every top word vector and the sum of all top word vectors. As similarity measure the </a:t>
+            </a:r>
+            <a:r>
+              <a:rPr lang="en-US" b="0" i="0" dirty="0" err="1">
+                <a:solidFill>
+                  <a:srgbClr val="333333"/>
+                </a:solidFill>
+                <a:effectLst/>
+                <a:latin typeface="Helvetica Neue"/>
+              </a:rPr>
+              <a:t>cosinus</a:t>
+            </a:r>
+            <a:r>
+              <a:rPr lang="en-US" b="0" i="0" dirty="0">
+                <a:solidFill>
+                  <a:srgbClr val="333333"/>
+                </a:solidFill>
+                <a:effectLst/>
+                <a:latin typeface="Helvetica Neue"/>
+              </a:rPr>
+              <a:t> is used. The coherence is the arithmetic mean of these similarities. (Note that this was the best coherence measure in our </a:t>
+            </a:r>
+            <a:r>
+              <a:rPr lang="en-US" b="0" i="0" dirty="0" err="1">
+                <a:solidFill>
+                  <a:srgbClr val="333333"/>
+                </a:solidFill>
+                <a:effectLst/>
+                <a:latin typeface="Helvetica Neue"/>
+              </a:rPr>
+              <a:t>evalution</a:t>
+            </a:r>
+            <a:r>
+              <a:rPr lang="en-US" b="0" i="0" dirty="0">
+                <a:solidFill>
+                  <a:srgbClr val="333333"/>
+                </a:solidFill>
+                <a:effectLst/>
+                <a:latin typeface="Helvetica Neue"/>
+              </a:rPr>
+              <a:t>.)</a:t>
+            </a:r>
+          </a:p>
+          <a:p>
+            <a:pPr algn="l"/>
+            <a:r>
+              <a:rPr lang="en-US" b="0" i="0" dirty="0">
+                <a:solidFill>
+                  <a:srgbClr val="333333"/>
+                </a:solidFill>
+                <a:effectLst/>
+                <a:latin typeface="Helvetica Neue"/>
+              </a:rPr>
+              <a:t>Proposed in</a:t>
+            </a:r>
+            <a:br>
+              <a:rPr lang="en-US" b="0" i="0" dirty="0">
+                <a:solidFill>
+                  <a:srgbClr val="333333"/>
+                </a:solidFill>
+                <a:effectLst/>
+                <a:latin typeface="Helvetica Neue"/>
+              </a:rPr>
+            </a:br>
+            <a:r>
+              <a:rPr lang="en-US" b="0" i="0" dirty="0">
+                <a:solidFill>
+                  <a:srgbClr val="333333"/>
+                </a:solidFill>
+                <a:effectLst/>
+                <a:latin typeface="Helvetica Neue"/>
+              </a:rPr>
+              <a:t>M. </a:t>
+            </a:r>
+            <a:r>
+              <a:rPr lang="en-US" b="0" i="0" dirty="0" err="1">
+                <a:solidFill>
+                  <a:srgbClr val="333333"/>
+                </a:solidFill>
+                <a:effectLst/>
+                <a:latin typeface="Helvetica Neue"/>
+              </a:rPr>
+              <a:t>Röder</a:t>
+            </a:r>
+            <a:r>
+              <a:rPr lang="en-US" b="0" i="0" dirty="0">
+                <a:solidFill>
+                  <a:srgbClr val="333333"/>
+                </a:solidFill>
+                <a:effectLst/>
+                <a:latin typeface="Helvetica Neue"/>
+              </a:rPr>
+              <a:t>, A. Both, and A. </a:t>
+            </a:r>
+            <a:r>
+              <a:rPr lang="en-US" b="0" i="0" dirty="0" err="1">
+                <a:solidFill>
+                  <a:srgbClr val="333333"/>
+                </a:solidFill>
+                <a:effectLst/>
+                <a:latin typeface="Helvetica Neue"/>
+              </a:rPr>
+              <a:t>Hinneburg</a:t>
+            </a:r>
+            <a:r>
+              <a:rPr lang="en-US" b="0" i="0" dirty="0">
+                <a:solidFill>
+                  <a:srgbClr val="333333"/>
+                </a:solidFill>
+                <a:effectLst/>
+                <a:latin typeface="Helvetica Neue"/>
+              </a:rPr>
+              <a:t>: </a:t>
+            </a:r>
+            <a:r>
+              <a:rPr lang="en-US" b="0" i="1" dirty="0">
+                <a:solidFill>
+                  <a:srgbClr val="333333"/>
+                </a:solidFill>
+                <a:effectLst/>
+                <a:latin typeface="Helvetica Neue"/>
+              </a:rPr>
+              <a:t>Exploring the Space of Topic Coherence Measures.</a:t>
+            </a:r>
+            <a:r>
+              <a:rPr lang="en-US" b="0" i="0" dirty="0">
+                <a:solidFill>
+                  <a:srgbClr val="333333"/>
+                </a:solidFill>
+                <a:effectLst/>
+                <a:latin typeface="Helvetica Neue"/>
+              </a:rPr>
+              <a:t> In Proceedings of the eighth International Conference on Web Search and Data Mining, 2015.</a:t>
+            </a:r>
+          </a:p>
+          <a:p>
+            <a:endParaRPr lang="en-US" dirty="0"/>
+          </a:p>
+          <a:p>
+            <a:pPr algn="l"/>
+            <a:r>
+              <a:rPr lang="en-US" b="0" i="1" dirty="0" err="1">
+                <a:solidFill>
+                  <a:srgbClr val="333333"/>
+                </a:solidFill>
+                <a:effectLst/>
+                <a:latin typeface="Times New Roman" panose="02020603050405020304" pitchFamily="18" charset="0"/>
+              </a:rPr>
+              <a:t>C</a:t>
+            </a:r>
+            <a:r>
+              <a:rPr lang="en-US" b="0" i="1" baseline="-25000" dirty="0" err="1">
+                <a:solidFill>
+                  <a:srgbClr val="333333"/>
+                </a:solidFill>
+                <a:effectLst/>
+                <a:latin typeface="Times New Roman" panose="02020603050405020304" pitchFamily="18" charset="0"/>
+              </a:rPr>
+              <a:t>UMass</a:t>
+            </a:r>
+            <a:r>
+              <a:rPr lang="en-US" b="0" i="0" dirty="0">
+                <a:solidFill>
+                  <a:srgbClr val="333333"/>
+                </a:solidFill>
+                <a:effectLst/>
+                <a:latin typeface="Helvetica Neue"/>
+              </a:rPr>
+              <a:t> is based on document cooccurrence counts, a one-preceding segmentation and a logarithmic conditional probability as confirmation measure.</a:t>
+            </a:r>
+          </a:p>
+          <a:p>
+            <a:pPr algn="l"/>
+            <a:r>
+              <a:rPr lang="en-US" b="0" i="0" dirty="0">
+                <a:solidFill>
+                  <a:srgbClr val="333333"/>
+                </a:solidFill>
+                <a:effectLst/>
+                <a:latin typeface="Helvetica Neue"/>
+              </a:rPr>
+              <a:t>The main idea of this coherence is that the occurrence of every top word should be supported by every top preceding top word. Thus, the probability of a top word to occur should be higher if a document already contains a higher order top word of the same topic. Therefore, for every word the logarithm of its conditional probability is calculated using every other top word that has a higher order in the ranking of top words as condition. The probabilities are derived using document cooccurrence counts. The single conditional probabilities are summarized using the arithmetic mean. (Note that in the original publication only the sum of these values is calculated)</a:t>
+            </a:r>
+          </a:p>
+          <a:p>
+            <a:pPr algn="l"/>
+            <a:r>
+              <a:rPr lang="en-US" b="0" i="0" dirty="0">
+                <a:solidFill>
+                  <a:srgbClr val="333333"/>
+                </a:solidFill>
+                <a:effectLst/>
+                <a:latin typeface="Helvetica Neue"/>
+              </a:rPr>
+              <a:t>Proposed in</a:t>
+            </a:r>
+            <a:br>
+              <a:rPr lang="en-US" b="0" i="0" dirty="0">
+                <a:solidFill>
+                  <a:srgbClr val="333333"/>
+                </a:solidFill>
+                <a:effectLst/>
+                <a:latin typeface="Helvetica Neue"/>
+              </a:rPr>
+            </a:br>
+            <a:r>
+              <a:rPr lang="en-US" b="0" i="0" dirty="0">
+                <a:solidFill>
+                  <a:srgbClr val="333333"/>
+                </a:solidFill>
+                <a:effectLst/>
+                <a:latin typeface="Helvetica Neue"/>
+              </a:rPr>
+              <a:t>D. </a:t>
+            </a:r>
+            <a:r>
+              <a:rPr lang="en-US" b="0" i="0" dirty="0" err="1">
+                <a:solidFill>
+                  <a:srgbClr val="333333"/>
+                </a:solidFill>
+                <a:effectLst/>
+                <a:latin typeface="Helvetica Neue"/>
+              </a:rPr>
+              <a:t>Mimno</a:t>
+            </a:r>
+            <a:r>
+              <a:rPr lang="en-US" b="0" i="0" dirty="0">
+                <a:solidFill>
+                  <a:srgbClr val="333333"/>
+                </a:solidFill>
+                <a:effectLst/>
+                <a:latin typeface="Helvetica Neue"/>
+              </a:rPr>
+              <a:t>, H. M. Wallach, E. Talley, M. </a:t>
+            </a:r>
+            <a:r>
+              <a:rPr lang="en-US" b="0" i="0" dirty="0" err="1">
+                <a:solidFill>
+                  <a:srgbClr val="333333"/>
+                </a:solidFill>
+                <a:effectLst/>
+                <a:latin typeface="Helvetica Neue"/>
+              </a:rPr>
+              <a:t>Leenders</a:t>
+            </a:r>
+            <a:r>
+              <a:rPr lang="en-US" b="0" i="0" dirty="0">
+                <a:solidFill>
+                  <a:srgbClr val="333333"/>
+                </a:solidFill>
+                <a:effectLst/>
+                <a:latin typeface="Helvetica Neue"/>
+              </a:rPr>
+              <a:t>, and A. McCallum: </a:t>
+            </a:r>
+            <a:r>
+              <a:rPr lang="en-US" b="0" i="1" dirty="0">
+                <a:solidFill>
+                  <a:srgbClr val="333333"/>
+                </a:solidFill>
+                <a:effectLst/>
+                <a:latin typeface="Helvetica Neue"/>
+              </a:rPr>
+              <a:t>Optimizing semantic coherence in topic models.</a:t>
+            </a:r>
+            <a:r>
+              <a:rPr lang="en-US" b="0" i="0" dirty="0">
+                <a:solidFill>
+                  <a:srgbClr val="333333"/>
+                </a:solidFill>
+                <a:effectLst/>
+                <a:latin typeface="Helvetica Neue"/>
+              </a:rPr>
+              <a:t> In Proceedings of the Conference on Empirical Methods in Natural Language Processing, pages 262-272. Association for Computational Linguistics, 2011.</a:t>
+            </a:r>
+          </a:p>
+          <a:p>
+            <a:pPr algn="l"/>
+            <a:endParaRPr lang="en-US" b="0" i="0" dirty="0">
+              <a:solidFill>
+                <a:srgbClr val="333333"/>
+              </a:solidFill>
+              <a:effectLst/>
+              <a:latin typeface="Helvetica Neue"/>
+            </a:endParaRPr>
+          </a:p>
+          <a:p>
+            <a:pPr algn="l"/>
+            <a:r>
+              <a:rPr lang="en-US" b="0" i="0" dirty="0">
+                <a:solidFill>
+                  <a:srgbClr val="333333"/>
+                </a:solidFill>
+                <a:effectLst/>
+                <a:latin typeface="Helvetica Neue"/>
+              </a:rPr>
+              <a:t>http://www.saf21.eu/wp-content/uploads/2017/09/5004a165.pdf</a:t>
+            </a:r>
+          </a:p>
+          <a:p>
+            <a:endParaRPr lang="en-US" dirty="0"/>
+          </a:p>
+        </p:txBody>
+      </p:sp>
+      <p:sp>
+        <p:nvSpPr>
+          <p:cNvPr id="4" name="Espace réservé du numéro de diapositive 3"/>
+          <p:cNvSpPr>
+            <a:spLocks noGrp="1"/>
+          </p:cNvSpPr>
+          <p:nvPr>
+            <p:ph type="sldNum" sz="quarter" idx="5"/>
+          </p:nvPr>
+        </p:nvSpPr>
+        <p:spPr/>
+        <p:txBody>
+          <a:bodyPr/>
+          <a:lstStyle/>
+          <a:p>
+            <a:fld id="{1F139FE3-A82C-47E2-BE57-B418D52670DF}" type="slidenum">
+              <a:rPr lang="en-US" smtClean="0"/>
+              <a:t>6</a:t>
+            </a:fld>
+            <a:endParaRPr lang="en-US"/>
+          </a:p>
+        </p:txBody>
+      </p:sp>
+    </p:spTree>
+    <p:extLst>
+      <p:ext uri="{BB962C8B-B14F-4D97-AF65-F5344CB8AC3E}">
+        <p14:creationId xmlns:p14="http://schemas.microsoft.com/office/powerpoint/2010/main" val="3957815555"/>
+      </p:ext>
+    </p:extLst>
+  </p:cSld>
+  <p:clrMapOvr>
+    <a:masterClrMapping/>
+  </p:clrMapOvr>
+</p:notes>
+</file>
+
 <file path=ppt/slideLayouts/slideLayout1.xml><?xml version="1.0" encoding="utf-8"?>
 <p:sldLayout xmlns:a="http://schemas.openxmlformats.org/drawingml/2006/main" xmlns:r="http://schemas.openxmlformats.org/officeDocument/2006/relationships" xmlns:p="http://schemas.openxmlformats.org/presentationml/2006/main" type="title" preserve="1">
   <p:cSld name="Diapositive de titre">
@@ -18375,7 +19428,7 @@
           <a:effectLst/>
           <a:extLst>
             <a:ext uri="{91240B29-F687-4f45-9708-019B960494DF}">
-              <a14:hiddenLine xmlns="" xmlns:a14="http://schemas.microsoft.com/office/drawing/2010/main" w="9525">
+              <a14:hiddenLine xmlns:a14="http://schemas.microsoft.com/office/drawing/2010/main" xmlns="" w="9525">
                 <a:solidFill>
                   <a:srgbClr val="000000"/>
                 </a:solidFill>
@@ -18568,7 +19621,7 @@
             <a:fld id="{08B9EBBA-996F-894A-B54A-D6246ED52CEA}" type="datetimeFigureOut">
               <a:rPr lang="en-US" dirty="0"/>
               <a:pPr/>
-              <a:t>10/23/2020</a:t>
+              <a:t>10/26/2020</a:t>
             </a:fld>
             <a:endParaRPr lang="en-US" dirty="0"/>
           </a:p>
@@ -18883,7 +19936,7 @@
             <a:fld id="{18C79C5D-2A6F-F04D-97DA-BEF2467B64E4}" type="datetimeFigureOut">
               <a:rPr lang="en-US" dirty="0"/>
               <a:pPr/>
-              <a:t>10/23/2020</a:t>
+              <a:t>10/26/2020</a:t>
             </a:fld>
             <a:endParaRPr lang="en-US" dirty="0"/>
           </a:p>
@@ -19368,7 +20421,7 @@
             <a:fld id="{8DFA1846-DA80-1C48-A609-854EA85C59AD}" type="datetimeFigureOut">
               <a:rPr lang="en-US" dirty="0"/>
               <a:pPr/>
-              <a:t>10/23/2020</a:t>
+              <a:t>10/26/2020</a:t>
             </a:fld>
             <a:endParaRPr lang="en-US" dirty="0"/>
           </a:p>
@@ -19734,7 +20787,7 @@
             <a:fld id="{FBF54567-0DE4-3F47-BF90-CB84690072F9}" type="datetimeFigureOut">
               <a:rPr lang="en-US" dirty="0"/>
               <a:pPr/>
-              <a:t>10/23/2020</a:t>
+              <a:t>10/26/2020</a:t>
             </a:fld>
             <a:endParaRPr lang="en-US" dirty="0"/>
           </a:p>
@@ -19885,7 +20938,7 @@
           <a:ln/>
           <a:extLst>
             <a:ext uri="{91240B29-F687-4f45-9708-019B960494DF}">
-              <a14:hiddenLine xmlns="" xmlns:a14="http://schemas.microsoft.com/office/drawing/2010/main" w="9525">
+              <a14:hiddenLine xmlns:a14="http://schemas.microsoft.com/office/drawing/2010/main" xmlns="" w="9525">
                 <a:solidFill>
                   <a:srgbClr val="000000"/>
                 </a:solidFill>
@@ -20004,7 +21057,7 @@
             <a:fld id="{C6C52C72-DE31-F449-A4ED-4C594FD91407}" type="datetimeFigureOut">
               <a:rPr lang="en-US" dirty="0"/>
               <a:pPr/>
-              <a:t>10/23/2020</a:t>
+              <a:t>10/26/2020</a:t>
             </a:fld>
             <a:endParaRPr lang="en-US" dirty="0"/>
           </a:p>
@@ -20157,7 +21210,7 @@
           <a:ln/>
           <a:extLst>
             <a:ext uri="{91240B29-F687-4f45-9708-019B960494DF}">
-              <a14:hiddenLine xmlns="" xmlns:a14="http://schemas.microsoft.com/office/drawing/2010/main" w="9525">
+              <a14:hiddenLine xmlns:a14="http://schemas.microsoft.com/office/drawing/2010/main" xmlns="" w="9525">
                 <a:solidFill>
                   <a:srgbClr val="000000"/>
                 </a:solidFill>
@@ -20286,7 +21339,7 @@
             <a:fld id="{ED62726E-379B-B349-9EED-81ED093FA806}" type="datetimeFigureOut">
               <a:rPr lang="en-US" dirty="0"/>
               <a:pPr/>
-              <a:t>10/23/2020</a:t>
+              <a:t>10/26/2020</a:t>
             </a:fld>
             <a:endParaRPr lang="en-US" dirty="0"/>
           </a:p>
@@ -20437,7 +21490,7 @@
           <a:ln/>
           <a:extLst>
             <a:ext uri="{91240B29-F687-4f45-9708-019B960494DF}">
-              <a14:hiddenLine xmlns="" xmlns:a14="http://schemas.microsoft.com/office/drawing/2010/main" w="9525">
+              <a14:hiddenLine xmlns:a14="http://schemas.microsoft.com/office/drawing/2010/main" xmlns="" w="9525">
                 <a:solidFill>
                   <a:srgbClr val="000000"/>
                 </a:solidFill>
@@ -20566,7 +21619,7 @@
             <a:fld id="{9B3A1323-8D79-1946-B0D7-40001CF92E9D}" type="datetimeFigureOut">
               <a:rPr lang="en-US" dirty="0"/>
               <a:pPr/>
-              <a:t>10/23/2020</a:t>
+              <a:t>10/26/2020</a:t>
             </a:fld>
             <a:endParaRPr lang="en-US" dirty="0"/>
           </a:p>
@@ -20906,7 +21959,7 @@
             <a:fld id="{8DFA1846-DA80-1C48-A609-854EA85C59AD}" type="datetimeFigureOut">
               <a:rPr lang="en-US" dirty="0"/>
               <a:pPr/>
-              <a:t>10/23/2020</a:t>
+              <a:t>10/26/2020</a:t>
             </a:fld>
             <a:endParaRPr lang="en-US" dirty="0"/>
           </a:p>
@@ -21057,7 +22110,7 @@
           <a:ln/>
           <a:extLst>
             <a:ext uri="{91240B29-F687-4f45-9708-019B960494DF}">
-              <a14:hiddenLine xmlns="" xmlns:a14="http://schemas.microsoft.com/office/drawing/2010/main" w="9525">
+              <a14:hiddenLine xmlns:a14="http://schemas.microsoft.com/office/drawing/2010/main" xmlns="" w="9525">
                 <a:solidFill>
                   <a:srgbClr val="000000"/>
                 </a:solidFill>
@@ -21242,7 +22295,7 @@
             <a:fld id="{57302355-E14B-8545-A8F8-0FE83CC9D524}" type="datetimeFigureOut">
               <a:rPr lang="en-US" dirty="0"/>
               <a:pPr/>
-              <a:t>10/23/2020</a:t>
+              <a:t>10/26/2020</a:t>
             </a:fld>
             <a:endParaRPr lang="en-US" dirty="0"/>
           </a:p>
@@ -21393,7 +22446,7 @@
           <a:ln/>
           <a:extLst>
             <a:ext uri="{91240B29-F687-4f45-9708-019B960494DF}">
-              <a14:hiddenLine xmlns="" xmlns:a14="http://schemas.microsoft.com/office/drawing/2010/main" w="9525">
+              <a14:hiddenLine xmlns:a14="http://schemas.microsoft.com/office/drawing/2010/main" xmlns="" w="9525">
                 <a:solidFill>
                   <a:srgbClr val="000000"/>
                 </a:solidFill>
@@ -21716,7 +22769,7 @@
             <a:fld id="{02640F58-564D-2B4F-AE67-E407BA4FCF45}" type="datetimeFigureOut">
               <a:rPr lang="en-US" dirty="0"/>
               <a:pPr/>
-              <a:t>10/23/2020</a:t>
+              <a:t>10/26/2020</a:t>
             </a:fld>
             <a:endParaRPr lang="en-US" dirty="0"/>
           </a:p>
@@ -21867,7 +22920,7 @@
           <a:ln/>
           <a:extLst>
             <a:ext uri="{91240B29-F687-4f45-9708-019B960494DF}">
-              <a14:hiddenLine xmlns="" xmlns:a14="http://schemas.microsoft.com/office/drawing/2010/main" w="9525">
+              <a14:hiddenLine xmlns:a14="http://schemas.microsoft.com/office/drawing/2010/main" xmlns="" w="9525">
                 <a:solidFill>
                   <a:srgbClr val="000000"/>
                 </a:solidFill>
@@ -21939,7 +22992,7 @@
             <a:fld id="{F13A34C8-038E-2045-AF43-DF7DBB8E0E9E}" type="datetimeFigureOut">
               <a:rPr lang="en-US" dirty="0"/>
               <a:pPr/>
-              <a:t>10/23/2020</a:t>
+              <a:t>10/26/2020</a:t>
             </a:fld>
             <a:endParaRPr lang="en-US" dirty="0"/>
           </a:p>
@@ -22031,7 +23084,7 @@
             <a:fld id="{8818C68F-D26B-8F47-958C-23B49CF8A634}" type="datetimeFigureOut">
               <a:rPr lang="en-US" dirty="0"/>
               <a:pPr/>
-              <a:t>10/23/2020</a:t>
+              <a:t>10/26/2020</a:t>
             </a:fld>
             <a:endParaRPr lang="en-US" dirty="0"/>
           </a:p>
@@ -22295,7 +23348,7 @@
           <a:ln/>
           <a:extLst>
             <a:ext uri="{91240B29-F687-4f45-9708-019B960494DF}">
-              <a14:hiddenLine xmlns="" xmlns:a14="http://schemas.microsoft.com/office/drawing/2010/main" w="9525">
+              <a14:hiddenLine xmlns:a14="http://schemas.microsoft.com/office/drawing/2010/main" xmlns="" w="9525">
                 <a:solidFill>
                   <a:srgbClr val="000000"/>
                 </a:solidFill>
@@ -22495,7 +23548,7 @@
             <a:fld id="{D0DF5E60-9974-AC48-9591-99C2BB44B7CF}" type="datetimeFigureOut">
               <a:rPr lang="en-US" dirty="0"/>
               <a:pPr/>
-              <a:t>10/23/2020</a:t>
+              <a:t>10/26/2020</a:t>
             </a:fld>
             <a:endParaRPr lang="en-US" dirty="0"/>
           </a:p>
@@ -22805,7 +23858,7 @@
             <a:fld id="{18C79C5D-2A6F-F04D-97DA-BEF2467B64E4}" type="datetimeFigureOut">
               <a:rPr lang="en-US" dirty="0"/>
               <a:pPr/>
-              <a:t>10/23/2020</a:t>
+              <a:t>10/26/2020</a:t>
             </a:fld>
             <a:endParaRPr lang="en-US" dirty="0"/>
           </a:p>
@@ -23072,7 +24125,7 @@
             <a:fld id="{09B482E8-6E0E-1B4F-B1FD-C69DB9E858D9}" type="datetimeFigureOut">
               <a:rPr lang="en-US" dirty="0"/>
               <a:pPr/>
-              <a:t>10/23/2020</a:t>
+              <a:t>10/26/2020</a:t>
             </a:fld>
             <a:endParaRPr lang="en-US" dirty="0"/>
           </a:p>
@@ -23754,6 +24807,379 @@
 </file>
 
 <file path=ppt/slides/slide10.xml><?xml version="1.0" encoding="utf-8"?>
+<p:sld xmlns:a="http://schemas.openxmlformats.org/drawingml/2006/main" xmlns:r="http://schemas.openxmlformats.org/officeDocument/2006/relationships" xmlns:p="http://schemas.openxmlformats.org/presentationml/2006/main">
+  <p:cSld>
+    <p:spTree>
+      <p:nvGrpSpPr>
+        <p:cNvPr id="1" name=""/>
+        <p:cNvGrpSpPr/>
+        <p:nvPr/>
+      </p:nvGrpSpPr>
+      <p:grpSpPr>
+        <a:xfrm>
+          <a:off x="0" y="0"/>
+          <a:ext cx="0" cy="0"/>
+          <a:chOff x="0" y="0"/>
+          <a:chExt cx="0" cy="0"/>
+        </a:xfrm>
+      </p:grpSpPr>
+      <p:sp>
+        <p:nvSpPr>
+          <p:cNvPr id="2" name="Titre 1">
+            <a:extLst>
+              <a:ext uri="{FF2B5EF4-FFF2-40B4-BE49-F238E27FC236}">
+                <a16:creationId xmlns:a16="http://schemas.microsoft.com/office/drawing/2014/main" id="{58186632-C1E6-46EA-A27E-CDCF528DEB41}"/>
+              </a:ext>
+            </a:extLst>
+          </p:cNvPr>
+          <p:cNvSpPr>
+            <a:spLocks noGrp="1"/>
+          </p:cNvSpPr>
+          <p:nvPr>
+            <p:ph type="title"/>
+          </p:nvPr>
+        </p:nvSpPr>
+        <p:spPr/>
+        <p:txBody>
+          <a:bodyPr/>
+          <a:lstStyle/>
+          <a:p>
+            <a:r>
+              <a:rPr lang="en-US" dirty="0"/>
+              <a:t>Image processing : CNN transfer learning</a:t>
+            </a:r>
+            <a:br>
+              <a:rPr lang="en-US" dirty="0"/>
+            </a:br>
+            <a:r>
+              <a:rPr lang="en-US" sz="2400" i="1" u="sng" dirty="0">
+                <a:solidFill>
+                  <a:srgbClr val="7030A0"/>
+                </a:solidFill>
+              </a:rPr>
+              <a:t>please refer to P6_01_CNN_Dedicated_NB.ipynb</a:t>
+            </a:r>
+            <a:endParaRPr lang="en-US" i="1" u="sng" dirty="0">
+              <a:solidFill>
+                <a:srgbClr val="7030A0"/>
+              </a:solidFill>
+            </a:endParaRPr>
+          </a:p>
+        </p:txBody>
+      </p:sp>
+      <p:sp>
+        <p:nvSpPr>
+          <p:cNvPr id="3" name="Espace réservé du contenu 2">
+            <a:extLst>
+              <a:ext uri="{FF2B5EF4-FFF2-40B4-BE49-F238E27FC236}">
+                <a16:creationId xmlns:a16="http://schemas.microsoft.com/office/drawing/2014/main" id="{8D11D133-3EC2-40B9-BC70-B7135D756C5A}"/>
+              </a:ext>
+            </a:extLst>
+          </p:cNvPr>
+          <p:cNvSpPr>
+            <a:spLocks noGrp="1"/>
+          </p:cNvSpPr>
+          <p:nvPr>
+            <p:ph idx="1"/>
+          </p:nvPr>
+        </p:nvSpPr>
+        <p:spPr>
+          <a:xfrm>
+            <a:off x="214408" y="1795210"/>
+            <a:ext cx="6141720" cy="1780197"/>
+          </a:xfrm>
+        </p:spPr>
+        <p:txBody>
+          <a:bodyPr>
+            <a:normAutofit fontScale="70000" lnSpcReduction="20000"/>
+          </a:bodyPr>
+          <a:lstStyle/>
+          <a:p>
+            <a:r>
+              <a:rPr lang="en-US" dirty="0"/>
+              <a:t>We explore the ability to create features from pre-trained VGG16 ImageNet model</a:t>
+            </a:r>
+          </a:p>
+          <a:p>
+            <a:r>
+              <a:rPr lang="en-US" dirty="0"/>
+              <a:t>First, the full original CNN provides top classes for an image sample.</a:t>
+            </a:r>
+          </a:p>
+          <a:p>
+            <a:r>
+              <a:rPr lang="en-US" dirty="0"/>
+              <a:t>Then, we just cut at last pooling layer, or arrange a flatten layer, goal is to get a flatten vector, here dim 512.</a:t>
+            </a:r>
+          </a:p>
+          <a:p>
+            <a:r>
+              <a:rPr lang="en-US" dirty="0"/>
+              <a:t>Further work would be to test the training of the model with our dataset.</a:t>
+            </a:r>
+          </a:p>
+        </p:txBody>
+      </p:sp>
+      <p:pic>
+        <p:nvPicPr>
+          <p:cNvPr id="6" name="Image 5">
+            <a:extLst>
+              <a:ext uri="{FF2B5EF4-FFF2-40B4-BE49-F238E27FC236}">
+                <a16:creationId xmlns:a16="http://schemas.microsoft.com/office/drawing/2014/main" id="{EFECF67E-171B-416D-B8C9-2F7C4F2A3D51}"/>
+              </a:ext>
+            </a:extLst>
+          </p:cNvPr>
+          <p:cNvPicPr>
+            <a:picLocks noChangeAspect="1"/>
+          </p:cNvPicPr>
+          <p:nvPr/>
+        </p:nvPicPr>
+        <p:blipFill>
+          <a:blip r:embed="rId2"/>
+          <a:stretch>
+            <a:fillRect/>
+          </a:stretch>
+        </p:blipFill>
+        <p:spPr>
+          <a:xfrm>
+            <a:off x="214408" y="-28341"/>
+            <a:ext cx="6549249" cy="672159"/>
+          </a:xfrm>
+          <a:prstGeom prst="rect">
+            <a:avLst/>
+          </a:prstGeom>
+        </p:spPr>
+      </p:pic>
+      <p:grpSp>
+        <p:nvGrpSpPr>
+          <p:cNvPr id="12" name="Groupe 11">
+            <a:extLst>
+              <a:ext uri="{FF2B5EF4-FFF2-40B4-BE49-F238E27FC236}">
+                <a16:creationId xmlns:a16="http://schemas.microsoft.com/office/drawing/2014/main" id="{96616453-E794-4D11-B151-450E7A8185A0}"/>
+              </a:ext>
+            </a:extLst>
+          </p:cNvPr>
+          <p:cNvGrpSpPr/>
+          <p:nvPr/>
+        </p:nvGrpSpPr>
+        <p:grpSpPr>
+          <a:xfrm>
+            <a:off x="378460" y="3575407"/>
+            <a:ext cx="2349413" cy="1377427"/>
+            <a:chOff x="214408" y="2867448"/>
+            <a:chExt cx="2349413" cy="1377427"/>
+          </a:xfrm>
+        </p:grpSpPr>
+        <p:pic>
+          <p:nvPicPr>
+            <p:cNvPr id="7" name="Image 6">
+              <a:extLst>
+                <a:ext uri="{FF2B5EF4-FFF2-40B4-BE49-F238E27FC236}">
+                  <a16:creationId xmlns:a16="http://schemas.microsoft.com/office/drawing/2014/main" id="{3E97E272-251F-4186-ABD4-7E4BC8D32C11}"/>
+                </a:ext>
+              </a:extLst>
+            </p:cNvPr>
+            <p:cNvPicPr>
+              <a:picLocks noChangeAspect="1"/>
+            </p:cNvPicPr>
+            <p:nvPr/>
+          </p:nvPicPr>
+          <p:blipFill>
+            <a:blip r:embed="rId3"/>
+            <a:stretch>
+              <a:fillRect/>
+            </a:stretch>
+          </p:blipFill>
+          <p:spPr>
+            <a:xfrm>
+              <a:off x="214408" y="2867448"/>
+              <a:ext cx="2349413" cy="1377427"/>
+            </a:xfrm>
+            <a:prstGeom prst="rect">
+              <a:avLst/>
+            </a:prstGeom>
+          </p:spPr>
+        </p:pic>
+        <p:cxnSp>
+          <p:nvCxnSpPr>
+            <p:cNvPr id="9" name="Connecteur droit 8">
+              <a:extLst>
+                <a:ext uri="{FF2B5EF4-FFF2-40B4-BE49-F238E27FC236}">
+                  <a16:creationId xmlns:a16="http://schemas.microsoft.com/office/drawing/2014/main" id="{0E641FD5-2D4E-43DA-9F2F-78884C54082D}"/>
+                </a:ext>
+              </a:extLst>
+            </p:cNvPr>
+            <p:cNvCxnSpPr>
+              <a:cxnSpLocks/>
+            </p:cNvCxnSpPr>
+            <p:nvPr/>
+          </p:nvCxnSpPr>
+          <p:spPr>
+            <a:xfrm>
+              <a:off x="1838960" y="2867448"/>
+              <a:ext cx="0" cy="1377427"/>
+            </a:xfrm>
+            <a:prstGeom prst="line">
+              <a:avLst/>
+            </a:prstGeom>
+            <a:ln w="9525" cap="flat" cmpd="sng" algn="ctr">
+              <a:solidFill>
+                <a:schemeClr val="accent6"/>
+              </a:solidFill>
+              <a:prstDash val="dash"/>
+              <a:round/>
+              <a:headEnd type="none" w="med" len="med"/>
+              <a:tailEnd type="none" w="med" len="med"/>
+            </a:ln>
+          </p:spPr>
+          <p:style>
+            <a:lnRef idx="0">
+              <a:scrgbClr r="0" g="0" b="0"/>
+            </a:lnRef>
+            <a:fillRef idx="0">
+              <a:scrgbClr r="0" g="0" b="0"/>
+            </a:fillRef>
+            <a:effectRef idx="0">
+              <a:scrgbClr r="0" g="0" b="0"/>
+            </a:effectRef>
+            <a:fontRef idx="minor">
+              <a:schemeClr val="tx1"/>
+            </a:fontRef>
+          </p:style>
+        </p:cxnSp>
+      </p:grpSp>
+      <p:sp>
+        <p:nvSpPr>
+          <p:cNvPr id="15" name="ZoneTexte 14">
+            <a:extLst>
+              <a:ext uri="{FF2B5EF4-FFF2-40B4-BE49-F238E27FC236}">
+                <a16:creationId xmlns:a16="http://schemas.microsoft.com/office/drawing/2014/main" id="{4B4C49A6-086F-4D50-B3A8-9005CAA1FA8F}"/>
+              </a:ext>
+            </a:extLst>
+          </p:cNvPr>
+          <p:cNvSpPr txBox="1"/>
+          <p:nvPr/>
+        </p:nvSpPr>
+        <p:spPr>
+          <a:xfrm>
+            <a:off x="8681720" y="1893167"/>
+            <a:ext cx="3295872" cy="1200329"/>
+          </a:xfrm>
+          <a:prstGeom prst="rect">
+            <a:avLst/>
+          </a:prstGeom>
+          <a:noFill/>
+        </p:spPr>
+        <p:txBody>
+          <a:bodyPr wrap="square">
+            <a:spAutoFit/>
+          </a:bodyPr>
+          <a:lstStyle/>
+          <a:p>
+            <a:r>
+              <a:rPr lang="en-US" dirty="0"/>
+              <a:t>Top 3 classes reach 98%</a:t>
+            </a:r>
+          </a:p>
+          <a:p>
+            <a:r>
+              <a:rPr lang="en-US" dirty="0"/>
+              <a:t>44% sweatshirt</a:t>
+            </a:r>
+          </a:p>
+          <a:p>
+            <a:r>
+              <a:rPr lang="en-US" dirty="0"/>
+              <a:t>35% jersey</a:t>
+            </a:r>
+          </a:p>
+          <a:p>
+            <a:r>
+              <a:rPr lang="en-US" dirty="0"/>
+              <a:t>19% </a:t>
+            </a:r>
+            <a:r>
+              <a:rPr lang="en-US" dirty="0" err="1"/>
+              <a:t>bulletproof_vest</a:t>
+            </a:r>
+            <a:endParaRPr lang="en-US" dirty="0"/>
+          </a:p>
+        </p:txBody>
+      </p:sp>
+      <p:pic>
+        <p:nvPicPr>
+          <p:cNvPr id="5" name="Image 4">
+            <a:extLst>
+              <a:ext uri="{FF2B5EF4-FFF2-40B4-BE49-F238E27FC236}">
+                <a16:creationId xmlns:a16="http://schemas.microsoft.com/office/drawing/2014/main" id="{7352E728-AADE-48D2-ACA5-BD7F41E5E786}"/>
+              </a:ext>
+            </a:extLst>
+          </p:cNvPr>
+          <p:cNvPicPr>
+            <a:picLocks noChangeAspect="1"/>
+          </p:cNvPicPr>
+          <p:nvPr/>
+        </p:nvPicPr>
+        <p:blipFill>
+          <a:blip r:embed="rId4"/>
+          <a:stretch>
+            <a:fillRect/>
+          </a:stretch>
+        </p:blipFill>
+        <p:spPr>
+          <a:xfrm>
+            <a:off x="7485158" y="1844752"/>
+            <a:ext cx="1196562" cy="1297158"/>
+          </a:xfrm>
+          <a:prstGeom prst="rect">
+            <a:avLst/>
+          </a:prstGeom>
+        </p:spPr>
+      </p:pic>
+      <p:pic>
+        <p:nvPicPr>
+          <p:cNvPr id="8" name="Image 7">
+            <a:extLst>
+              <a:ext uri="{FF2B5EF4-FFF2-40B4-BE49-F238E27FC236}">
+                <a16:creationId xmlns:a16="http://schemas.microsoft.com/office/drawing/2014/main" id="{F2182E4C-E286-4D30-BFA8-77EC2AD5A493}"/>
+              </a:ext>
+            </a:extLst>
+          </p:cNvPr>
+          <p:cNvPicPr>
+            <a:picLocks noChangeAspect="1"/>
+          </p:cNvPicPr>
+          <p:nvPr/>
+        </p:nvPicPr>
+        <p:blipFill>
+          <a:blip r:embed="rId5"/>
+          <a:stretch>
+            <a:fillRect/>
+          </a:stretch>
+        </p:blipFill>
+        <p:spPr>
+          <a:xfrm>
+            <a:off x="7485158" y="3281850"/>
+            <a:ext cx="3319462" cy="3128962"/>
+          </a:xfrm>
+          <a:prstGeom prst="rect">
+            <a:avLst/>
+          </a:prstGeom>
+        </p:spPr>
+      </p:pic>
+    </p:spTree>
+    <p:extLst>
+      <p:ext uri="{BB962C8B-B14F-4D97-AF65-F5344CB8AC3E}">
+        <p14:creationId xmlns:p14="http://schemas.microsoft.com/office/powerpoint/2010/main" val="2782011011"/>
+      </p:ext>
+    </p:extLst>
+  </p:cSld>
+  <p:clrMapOvr>
+    <a:masterClrMapping/>
+  </p:clrMapOvr>
+</p:sld>
+</file>
+
+<file path=ppt/slides/slide11.xml><?xml version="1.0" encoding="utf-8"?>
 <p:sld xmlns:a="http://schemas.openxmlformats.org/drawingml/2006/main" xmlns:r="http://schemas.openxmlformats.org/officeDocument/2006/relationships" xmlns:p="http://schemas.openxmlformats.org/presentationml/2006/main">
   <p:cSld>
     <p:spTree>
@@ -26230,7 +27656,7 @@
 </p:sld>
 </file>
 
-<file path=ppt/slides/slide11.xml><?xml version="1.0" encoding="utf-8"?>
+<file path=ppt/slides/slide12.xml><?xml version="1.0" encoding="utf-8"?>
 <p:sld xmlns:a="http://schemas.openxmlformats.org/drawingml/2006/main" xmlns:r="http://schemas.openxmlformats.org/officeDocument/2006/relationships" xmlns:p="http://schemas.openxmlformats.org/presentationml/2006/main">
   <p:cSld>
     <p:spTree>
@@ -28785,7 +30211,7 @@
 </p:sld>
 </file>
 
-<file path=ppt/slides/slide12.xml><?xml version="1.0" encoding="utf-8"?>
+<file path=ppt/slides/slide13.xml><?xml version="1.0" encoding="utf-8"?>
 <p:sld xmlns:a="http://schemas.openxmlformats.org/drawingml/2006/main" xmlns:r="http://schemas.openxmlformats.org/officeDocument/2006/relationships" xmlns:p="http://schemas.openxmlformats.org/presentationml/2006/main">
   <p:cSld>
     <p:spTree>
@@ -29706,7 +31132,7 @@
 </p:sld>
 </file>
 
-<file path=ppt/slides/slide13.xml><?xml version="1.0" encoding="utf-8"?>
+<file path=ppt/slides/slide14.xml><?xml version="1.0" encoding="utf-8"?>
 <p:sld xmlns:a="http://schemas.openxmlformats.org/drawingml/2006/main" xmlns:r="http://schemas.openxmlformats.org/officeDocument/2006/relationships" xmlns:p="http://schemas.openxmlformats.org/presentationml/2006/main" show="0">
   <p:cSld>
     <p:spTree>
@@ -29786,13 +31212,13 @@
           <p:nvPr>
             <p:extLst>
               <p:ext uri="{D42A27DB-BD31-4B8C-83A1-F6EECF244321}">
-                <p14:modId xmlns:p14="http://schemas.microsoft.com/office/powerpoint/2010/main" val="2220250222"/>
+                <p14:modId xmlns:p14="http://schemas.microsoft.com/office/powerpoint/2010/main" val="3636038126"/>
               </p:ext>
             </p:extLst>
           </p:nvPr>
         </p:nvGraphicFramePr>
         <p:xfrm>
-          <a:off x="371070" y="2207873"/>
+          <a:off x="443641" y="2251416"/>
           <a:ext cx="9259314" cy="807702"/>
         </p:xfrm>
         <a:graphic>
@@ -29949,7 +31375,7 @@
 </p:sld>
 </file>
 
-<file path=ppt/slides/slide14.xml><?xml version="1.0" encoding="utf-8"?>
+<file path=ppt/slides/slide15.xml><?xml version="1.0" encoding="utf-8"?>
 <p:sld xmlns:a="http://schemas.openxmlformats.org/drawingml/2006/main" xmlns:r="http://schemas.openxmlformats.org/officeDocument/2006/relationships" xmlns:p="http://schemas.openxmlformats.org/presentationml/2006/main" show="0">
   <p:cSld>
     <p:spTree>
@@ -31579,7 +33005,7 @@
 </p:sld>
 </file>
 
-<file path=ppt/slides/slide15.xml><?xml version="1.0" encoding="utf-8"?>
+<file path=ppt/slides/slide16.xml><?xml version="1.0" encoding="utf-8"?>
 <p:sld xmlns:a="http://schemas.openxmlformats.org/drawingml/2006/main" xmlns:r="http://schemas.openxmlformats.org/officeDocument/2006/relationships" xmlns:p="http://schemas.openxmlformats.org/presentationml/2006/main" show="0">
   <p:cSld>
     <p:spTree>
@@ -33350,7 +34776,7 @@
 </p:sld>
 </file>
 
-<file path=ppt/slides/slide16.xml><?xml version="1.0" encoding="utf-8"?>
+<file path=ppt/slides/slide17.xml><?xml version="1.0" encoding="utf-8"?>
 <p:sld xmlns:a="http://schemas.openxmlformats.org/drawingml/2006/main" xmlns:r="http://schemas.openxmlformats.org/officeDocument/2006/relationships" xmlns:p="http://schemas.openxmlformats.org/presentationml/2006/main" show="0">
   <p:cSld>
     <p:spTree>
@@ -36612,7 +38038,7 @@
           <a:graphicData uri="http://schemas.openxmlformats.org/presentationml/2006/ole">
             <mc:AlternateContent xmlns:mc="http://schemas.openxmlformats.org/markup-compatibility/2006">
               <mc:Choice xmlns:v="urn:schemas-microsoft-com:vml" Requires="v">
-                <p:oleObj spid="_x0000_s1094" name="Worksheet" r:id="rId12" imgW="1592757" imgH="373530" progId="Excel.Sheet.12">
+                <p:oleObj spid="_x0000_s1102" name="Worksheet" r:id="rId12" imgW="1592757" imgH="373530" progId="Excel.Sheet.12">
                   <p:embed/>
                 </p:oleObj>
               </mc:Choice>
@@ -43123,7 +44549,7 @@
             <p:nvPr/>
           </p:nvPicPr>
           <p:blipFill>
-            <a:blip r:embed="rId2"/>
+            <a:blip r:embed="rId3"/>
             <a:stretch>
               <a:fillRect/>
             </a:stretch>
@@ -43391,7 +44817,7 @@
           <p:nvPr/>
         </p:nvPicPr>
         <p:blipFill>
-          <a:blip r:embed="rId3"/>
+          <a:blip r:embed="rId4"/>
           <a:stretch>
             <a:fillRect/>
           </a:stretch>
@@ -43441,7 +44867,7 @@
             <p:nvPr/>
           </p:nvPicPr>
           <p:blipFill>
-            <a:blip r:embed="rId4"/>
+            <a:blip r:embed="rId5"/>
             <a:stretch>
               <a:fillRect/>
             </a:stretch>
@@ -43796,7 +45222,7 @@
               <p:nvPr/>
             </p:nvPicPr>
             <p:blipFill>
-              <a:blip r:embed="rId5"/>
+              <a:blip r:embed="rId6"/>
               <a:stretch>
                 <a:fillRect/>
               </a:stretch>
@@ -43908,7 +45334,7 @@
               <p:nvPr/>
             </p:nvPicPr>
             <p:blipFill>
-              <a:blip r:embed="rId6"/>
+              <a:blip r:embed="rId7"/>
               <a:stretch>
                 <a:fillRect/>
               </a:stretch>
@@ -48129,7 +49555,7 @@
             <a:graphicData uri="http://schemas.openxmlformats.org/presentationml/2006/ole">
               <mc:AlternateContent xmlns:mc="http://schemas.openxmlformats.org/markup-compatibility/2006">
                 <mc:Choice xmlns:v="urn:schemas-microsoft-com:vml" Requires="v">
-                  <p:oleObj spid="_x0000_s2109" name="Worksheet" r:id="rId13" imgW="1592757" imgH="373530" progId="Excel.Sheet.12">
+                  <p:oleObj spid="_x0000_s2117" name="Worksheet" r:id="rId13" imgW="1592757" imgH="373530" progId="Excel.Sheet.12">
                     <p:embed/>
                   </p:oleObj>
                 </mc:Choice>
@@ -51649,4 +53075,299 @@
     </a:ext>
   </a:extLst>
 </a:theme>
+</file>
+
+<file path=ppt/theme/theme2.xml><?xml version="1.0" encoding="utf-8"?>
+<a:theme xmlns:a="http://schemas.openxmlformats.org/drawingml/2006/main" name="Thème Office">
+  <a:themeElements>
+    <a:clrScheme name="Office">
+      <a:dk1>
+        <a:sysClr val="windowText" lastClr="000000"/>
+      </a:dk1>
+      <a:lt1>
+        <a:sysClr val="window" lastClr="FFFFFF"/>
+      </a:lt1>
+      <a:dk2>
+        <a:srgbClr val="44546A"/>
+      </a:dk2>
+      <a:lt2>
+        <a:srgbClr val="E7E6E6"/>
+      </a:lt2>
+      <a:accent1>
+        <a:srgbClr val="4472C4"/>
+      </a:accent1>
+      <a:accent2>
+        <a:srgbClr val="ED7D31"/>
+      </a:accent2>
+      <a:accent3>
+        <a:srgbClr val="A5A5A5"/>
+      </a:accent3>
+      <a:accent4>
+        <a:srgbClr val="FFC000"/>
+      </a:accent4>
+      <a:accent5>
+        <a:srgbClr val="5B9BD5"/>
+      </a:accent5>
+      <a:accent6>
+        <a:srgbClr val="70AD47"/>
+      </a:accent6>
+      <a:hlink>
+        <a:srgbClr val="0563C1"/>
+      </a:hlink>
+      <a:folHlink>
+        <a:srgbClr val="954F72"/>
+      </a:folHlink>
+    </a:clrScheme>
+    <a:fontScheme name="Office">
+      <a:majorFont>
+        <a:latin typeface="Calibri Light" panose="020F0302020204030204"/>
+        <a:ea typeface=""/>
+        <a:cs typeface=""/>
+        <a:font script="Jpan" typeface="游ゴシック Light"/>
+        <a:font script="Hang" typeface="맑은 고딕"/>
+        <a:font script="Hans" typeface="等线 Light"/>
+        <a:font script="Hant" typeface="新細明體"/>
+        <a:font script="Arab" typeface="Times New Roman"/>
+        <a:font script="Hebr" typeface="Times New Roman"/>
+        <a:font script="Thai" typeface="Angsana New"/>
+        <a:font script="Ethi" typeface="Nyala"/>
+        <a:font script="Beng" typeface="Vrinda"/>
+        <a:font script="Gujr" typeface="Shruti"/>
+        <a:font script="Khmr" typeface="MoolBoran"/>
+        <a:font script="Knda" typeface="Tunga"/>
+        <a:font script="Guru" typeface="Raavi"/>
+        <a:font script="Cans" typeface="Euphemia"/>
+        <a:font script="Cher" typeface="Plantagenet Cherokee"/>
+        <a:font script="Yiii" typeface="Microsoft Yi Baiti"/>
+        <a:font script="Tibt" typeface="Microsoft Himalaya"/>
+        <a:font script="Thaa" typeface="MV Boli"/>
+        <a:font script="Deva" typeface="Mangal"/>
+        <a:font script="Telu" typeface="Gautami"/>
+        <a:font script="Taml" typeface="Latha"/>
+        <a:font script="Syrc" typeface="Estrangelo Edessa"/>
+        <a:font script="Orya" typeface="Kalinga"/>
+        <a:font script="Mlym" typeface="Kartika"/>
+        <a:font script="Laoo" typeface="DokChampa"/>
+        <a:font script="Sinh" typeface="Iskoola Pota"/>
+        <a:font script="Mong" typeface="Mongolian Baiti"/>
+        <a:font script="Viet" typeface="Times New Roman"/>
+        <a:font script="Uigh" typeface="Microsoft Uighur"/>
+        <a:font script="Geor" typeface="Sylfaen"/>
+        <a:font script="Armn" typeface="Arial"/>
+        <a:font script="Bugi" typeface="Leelawadee UI"/>
+        <a:font script="Bopo" typeface="Microsoft JhengHei"/>
+        <a:font script="Java" typeface="Javanese Text"/>
+        <a:font script="Lisu" typeface="Segoe UI"/>
+        <a:font script="Mymr" typeface="Myanmar Text"/>
+        <a:font script="Nkoo" typeface="Ebrima"/>
+        <a:font script="Olck" typeface="Nirmala UI"/>
+        <a:font script="Osma" typeface="Ebrima"/>
+        <a:font script="Phag" typeface="Phagspa"/>
+        <a:font script="Syrn" typeface="Estrangelo Edessa"/>
+        <a:font script="Syrj" typeface="Estrangelo Edessa"/>
+        <a:font script="Syre" typeface="Estrangelo Edessa"/>
+        <a:font script="Sora" typeface="Nirmala UI"/>
+        <a:font script="Tale" typeface="Microsoft Tai Le"/>
+        <a:font script="Talu" typeface="Microsoft New Tai Lue"/>
+        <a:font script="Tfng" typeface="Ebrima"/>
+      </a:majorFont>
+      <a:minorFont>
+        <a:latin typeface="Calibri" panose="020F0502020204030204"/>
+        <a:ea typeface=""/>
+        <a:cs typeface=""/>
+        <a:font script="Jpan" typeface="游ゴシック"/>
+        <a:font script="Hang" typeface="맑은 고딕"/>
+        <a:font script="Hans" typeface="等线"/>
+        <a:font script="Hant" typeface="新細明體"/>
+        <a:font script="Arab" typeface="Arial"/>
+        <a:font script="Hebr" typeface="Arial"/>
+        <a:font script="Thai" typeface="Cordia New"/>
+        <a:font script="Ethi" typeface="Nyala"/>
+        <a:font script="Beng" typeface="Vrinda"/>
+        <a:font script="Gujr" typeface="Shruti"/>
+        <a:font script="Khmr" typeface="DaunPenh"/>
+        <a:font script="Knda" typeface="Tunga"/>
+        <a:font script="Guru" typeface="Raavi"/>
+        <a:font script="Cans" typeface="Euphemia"/>
+        <a:font script="Cher" typeface="Plantagenet Cherokee"/>
+        <a:font script="Yiii" typeface="Microsoft Yi Baiti"/>
+        <a:font script="Tibt" typeface="Microsoft Himalaya"/>
+        <a:font script="Thaa" typeface="MV Boli"/>
+        <a:font script="Deva" typeface="Mangal"/>
+        <a:font script="Telu" typeface="Gautami"/>
+        <a:font script="Taml" typeface="Latha"/>
+        <a:font script="Syrc" typeface="Estrangelo Edessa"/>
+        <a:font script="Orya" typeface="Kalinga"/>
+        <a:font script="Mlym" typeface="Kartika"/>
+        <a:font script="Laoo" typeface="DokChampa"/>
+        <a:font script="Sinh" typeface="Iskoola Pota"/>
+        <a:font script="Mong" typeface="Mongolian Baiti"/>
+        <a:font script="Viet" typeface="Arial"/>
+        <a:font script="Uigh" typeface="Microsoft Uighur"/>
+        <a:font script="Geor" typeface="Sylfaen"/>
+        <a:font script="Armn" typeface="Arial"/>
+        <a:font script="Bugi" typeface="Leelawadee UI"/>
+        <a:font script="Bopo" typeface="Microsoft JhengHei"/>
+        <a:font script="Java" typeface="Javanese Text"/>
+        <a:font script="Lisu" typeface="Segoe UI"/>
+        <a:font script="Mymr" typeface="Myanmar Text"/>
+        <a:font script="Nkoo" typeface="Ebrima"/>
+        <a:font script="Olck" typeface="Nirmala UI"/>
+        <a:font script="Osma" typeface="Ebrima"/>
+        <a:font script="Phag" typeface="Phagspa"/>
+        <a:font script="Syrn" typeface="Estrangelo Edessa"/>
+        <a:font script="Syrj" typeface="Estrangelo Edessa"/>
+        <a:font script="Syre" typeface="Estrangelo Edessa"/>
+        <a:font script="Sora" typeface="Nirmala UI"/>
+        <a:font script="Tale" typeface="Microsoft Tai Le"/>
+        <a:font script="Talu" typeface="Microsoft New Tai Lue"/>
+        <a:font script="Tfng" typeface="Ebrima"/>
+      </a:minorFont>
+    </a:fontScheme>
+    <a:fmtScheme name="Office">
+      <a:fillStyleLst>
+        <a:solidFill>
+          <a:schemeClr val="phClr"/>
+        </a:solidFill>
+        <a:gradFill rotWithShape="1">
+          <a:gsLst>
+            <a:gs pos="0">
+              <a:schemeClr val="phClr">
+                <a:lumMod val="110000"/>
+                <a:satMod val="105000"/>
+                <a:tint val="67000"/>
+              </a:schemeClr>
+            </a:gs>
+            <a:gs pos="50000">
+              <a:schemeClr val="phClr">
+                <a:lumMod val="105000"/>
+                <a:satMod val="103000"/>
+                <a:tint val="73000"/>
+              </a:schemeClr>
+            </a:gs>
+            <a:gs pos="100000">
+              <a:schemeClr val="phClr">
+                <a:lumMod val="105000"/>
+                <a:satMod val="109000"/>
+                <a:tint val="81000"/>
+              </a:schemeClr>
+            </a:gs>
+          </a:gsLst>
+          <a:lin ang="5400000" scaled="0"/>
+        </a:gradFill>
+        <a:gradFill rotWithShape="1">
+          <a:gsLst>
+            <a:gs pos="0">
+              <a:schemeClr val="phClr">
+                <a:satMod val="103000"/>
+                <a:lumMod val="102000"/>
+                <a:tint val="94000"/>
+              </a:schemeClr>
+            </a:gs>
+            <a:gs pos="50000">
+              <a:schemeClr val="phClr">
+                <a:satMod val="110000"/>
+                <a:lumMod val="100000"/>
+                <a:shade val="100000"/>
+              </a:schemeClr>
+            </a:gs>
+            <a:gs pos="100000">
+              <a:schemeClr val="phClr">
+                <a:lumMod val="99000"/>
+                <a:satMod val="120000"/>
+                <a:shade val="78000"/>
+              </a:schemeClr>
+            </a:gs>
+          </a:gsLst>
+          <a:lin ang="5400000" scaled="0"/>
+        </a:gradFill>
+      </a:fillStyleLst>
+      <a:lnStyleLst>
+        <a:ln w="6350" cap="flat" cmpd="sng" algn="ctr">
+          <a:solidFill>
+            <a:schemeClr val="phClr"/>
+          </a:solidFill>
+          <a:prstDash val="solid"/>
+          <a:miter lim="800000"/>
+        </a:ln>
+        <a:ln w="12700" cap="flat" cmpd="sng" algn="ctr">
+          <a:solidFill>
+            <a:schemeClr val="phClr"/>
+          </a:solidFill>
+          <a:prstDash val="solid"/>
+          <a:miter lim="800000"/>
+        </a:ln>
+        <a:ln w="19050" cap="flat" cmpd="sng" algn="ctr">
+          <a:solidFill>
+            <a:schemeClr val="phClr"/>
+          </a:solidFill>
+          <a:prstDash val="solid"/>
+          <a:miter lim="800000"/>
+        </a:ln>
+      </a:lnStyleLst>
+      <a:effectStyleLst>
+        <a:effectStyle>
+          <a:effectLst/>
+        </a:effectStyle>
+        <a:effectStyle>
+          <a:effectLst/>
+        </a:effectStyle>
+        <a:effectStyle>
+          <a:effectLst>
+            <a:outerShdw blurRad="57150" dist="19050" dir="5400000" algn="ctr" rotWithShape="0">
+              <a:srgbClr val="000000">
+                <a:alpha val="63000"/>
+              </a:srgbClr>
+            </a:outerShdw>
+          </a:effectLst>
+        </a:effectStyle>
+      </a:effectStyleLst>
+      <a:bgFillStyleLst>
+        <a:solidFill>
+          <a:schemeClr val="phClr"/>
+        </a:solidFill>
+        <a:solidFill>
+          <a:schemeClr val="phClr">
+            <a:tint val="95000"/>
+            <a:satMod val="170000"/>
+          </a:schemeClr>
+        </a:solidFill>
+        <a:gradFill rotWithShape="1">
+          <a:gsLst>
+            <a:gs pos="0">
+              <a:schemeClr val="phClr">
+                <a:tint val="93000"/>
+                <a:satMod val="150000"/>
+                <a:shade val="98000"/>
+                <a:lumMod val="102000"/>
+              </a:schemeClr>
+            </a:gs>
+            <a:gs pos="50000">
+              <a:schemeClr val="phClr">
+                <a:tint val="98000"/>
+                <a:satMod val="130000"/>
+                <a:shade val="90000"/>
+                <a:lumMod val="103000"/>
+              </a:schemeClr>
+            </a:gs>
+            <a:gs pos="100000">
+              <a:schemeClr val="phClr">
+                <a:shade val="63000"/>
+                <a:satMod val="120000"/>
+              </a:schemeClr>
+            </a:gs>
+          </a:gsLst>
+          <a:lin ang="5400000" scaled="0"/>
+        </a:gradFill>
+      </a:bgFillStyleLst>
+    </a:fmtScheme>
+  </a:themeElements>
+  <a:objectDefaults/>
+  <a:extraClrSchemeLst/>
+  <a:extLst>
+    <a:ext uri="{05A4C25C-085E-4340-85A3-A5531E510DB2}">
+      <thm15:themeFamily xmlns:thm15="http://schemas.microsoft.com/office/thememl/2012/main" name="Office Theme" id="{62F939B6-93AF-4DB8-9C6B-D6C7DFDC589F}" vid="{4A3C46E8-61CC-4603-A589-7422A47A8E4A}"/>
+    </a:ext>
+  </a:extLst>
+</a:theme>
 </file>